--- a/k-Nearest Neighbors (k-NN) Classification _ Regression.pptx
+++ b/k-Nearest Neighbors (k-NN) Classification _ Regression.pptx
@@ -16,21 +16,28 @@
     <p:sldId id="261" r:id="rId11"/>
     <p:sldId id="262" r:id="rId12"/>
     <p:sldId id="263" r:id="rId13"/>
+    <p:sldId id="264" r:id="rId14"/>
+    <p:sldId id="265" r:id="rId15"/>
+    <p:sldId id="266" r:id="rId16"/>
+    <p:sldId id="267" r:id="rId17"/>
+    <p:sldId id="268" r:id="rId18"/>
+    <p:sldId id="269" r:id="rId19"/>
+    <p:sldId id="270" r:id="rId20"/>
   </p:sldIdLst>
   <p:sldSz cy="5143500" cx="9144000"/>
   <p:notesSz cx="6858000" cy="9144000"/>
   <p:embeddedFontLst>
     <p:embeddedFont>
       <p:font typeface="Amatic SC"/>
-      <p:regular r:id="rId14"/>
-      <p:bold r:id="rId15"/>
+      <p:regular r:id="rId21"/>
+      <p:bold r:id="rId22"/>
     </p:embeddedFont>
     <p:embeddedFont>
       <p:font typeface="Source Code Pro"/>
-      <p:regular r:id="rId16"/>
-      <p:bold r:id="rId17"/>
-      <p:italic r:id="rId18"/>
-      <p:boldItalic r:id="rId19"/>
+      <p:regular r:id="rId23"/>
+      <p:bold r:id="rId24"/>
+      <p:italic r:id="rId25"/>
+      <p:boldItalic r:id="rId26"/>
     </p:embeddedFont>
   </p:embeddedFontLst>
   <p:defaultTextStyle>
@@ -806,6 +813,600 @@
 </p:notes>
 </file>
 
+<file path=ppt/notesSlides/notesSlide10.xml><?xml version="1.0" encoding="utf-8"?>
+<p:notes xmlns:a="http://schemas.openxmlformats.org/drawingml/2006/main" xmlns:r="http://schemas.openxmlformats.org/officeDocument/2006/relationships" xmlns:mc="http://schemas.openxmlformats.org/markup-compatibility/2006" xmlns:mv="urn:schemas-microsoft-com:mac:vml" xmlns:p="http://schemas.openxmlformats.org/presentationml/2006/main" xmlns:c="http://schemas.openxmlformats.org/drawingml/2006/chart" xmlns:dgm="http://schemas.openxmlformats.org/drawingml/2006/diagram" xmlns:o="urn:schemas-microsoft-com:office:office" xmlns:v="urn:schemas-microsoft-com:vml" xmlns:pvml="urn:schemas-microsoft-com:office:powerpoint" xmlns:com="http://schemas.openxmlformats.org/drawingml/2006/compatibility" xmlns:p14="http://schemas.microsoft.com/office/powerpoint/2010/main" xmlns:p15="http://schemas.microsoft.com/office/powerpoint/2012/main" xmlns:ahyp="http://schemas.microsoft.com/office/drawing/2018/hyperlinkcolor" showMasterPhAnim="0" showMasterSp="0">
+  <p:cSld>
+    <p:spTree>
+      <p:nvGrpSpPr>
+        <p:cNvPr id="111" name="Shape 111"/>
+        <p:cNvGrpSpPr/>
+        <p:nvPr/>
+      </p:nvGrpSpPr>
+      <p:grpSpPr>
+        <a:xfrm>
+          <a:off x="0" y="0"/>
+          <a:ext cx="0" cy="0"/>
+          <a:chOff x="0" y="0"/>
+          <a:chExt cx="0" cy="0"/>
+        </a:xfrm>
+      </p:grpSpPr>
+      <p:sp>
+        <p:nvSpPr>
+          <p:cNvPr id="112" name="Google Shape;112;g3a561a26540_0_55:notes"/>
+          <p:cNvSpPr/>
+          <p:nvPr>
+            <p:ph idx="2" type="sldImg"/>
+          </p:nvPr>
+        </p:nvSpPr>
+        <p:spPr>
+          <a:xfrm>
+            <a:off x="381300" y="685800"/>
+            <a:ext cx="6096000" cy="3429000"/>
+          </a:xfrm>
+          <a:custGeom>
+            <a:rect b="b" l="l" r="r" t="t"/>
+            <a:pathLst>
+              <a:path extrusionOk="0" h="120000" w="120000">
+                <a:moveTo>
+                  <a:pt x="0" y="0"/>
+                </a:moveTo>
+                <a:lnTo>
+                  <a:pt x="120000" y="0"/>
+                </a:lnTo>
+                <a:lnTo>
+                  <a:pt x="120000" y="120000"/>
+                </a:lnTo>
+                <a:lnTo>
+                  <a:pt x="0" y="120000"/>
+                </a:lnTo>
+                <a:close/>
+              </a:path>
+            </a:pathLst>
+          </a:custGeom>
+        </p:spPr>
+      </p:sp>
+      <p:sp>
+        <p:nvSpPr>
+          <p:cNvPr id="113" name="Google Shape;113;g3a561a26540_0_55:notes"/>
+          <p:cNvSpPr txBox="1"/>
+          <p:nvPr>
+            <p:ph idx="1" type="body"/>
+          </p:nvPr>
+        </p:nvSpPr>
+        <p:spPr>
+          <a:xfrm>
+            <a:off x="685800" y="4343400"/>
+            <a:ext cx="5486400" cy="4114800"/>
+          </a:xfrm>
+          <a:prstGeom prst="rect">
+            <a:avLst/>
+          </a:prstGeom>
+        </p:spPr>
+        <p:txBody>
+          <a:bodyPr anchorCtr="0" anchor="t" bIns="91425" lIns="91425" spcFirstLastPara="1" rIns="91425" wrap="square" tIns="91425">
+            <a:noAutofit/>
+          </a:bodyPr>
+          <a:lstStyle/>
+          <a:p>
+            <a:pPr indent="0" lvl="0" marL="0" rtl="0" algn="l">
+              <a:spcBef>
+                <a:spcPts val="0"/>
+              </a:spcBef>
+              <a:spcAft>
+                <a:spcPts val="0"/>
+              </a:spcAft>
+              <a:buNone/>
+            </a:pPr>
+            <a:r>
+              <a:t/>
+            </a:r>
+            <a:endParaRPr/>
+          </a:p>
+        </p:txBody>
+      </p:sp>
+    </p:spTree>
+  </p:cSld>
+  <p:clrMapOvr>
+    <a:masterClrMapping/>
+  </p:clrMapOvr>
+</p:notes>
+</file>
+
+<file path=ppt/notesSlides/notesSlide11.xml><?xml version="1.0" encoding="utf-8"?>
+<p:notes xmlns:a="http://schemas.openxmlformats.org/drawingml/2006/main" xmlns:r="http://schemas.openxmlformats.org/officeDocument/2006/relationships" xmlns:mc="http://schemas.openxmlformats.org/markup-compatibility/2006" xmlns:mv="urn:schemas-microsoft-com:mac:vml" xmlns:p="http://schemas.openxmlformats.org/presentationml/2006/main" xmlns:c="http://schemas.openxmlformats.org/drawingml/2006/chart" xmlns:dgm="http://schemas.openxmlformats.org/drawingml/2006/diagram" xmlns:o="urn:schemas-microsoft-com:office:office" xmlns:v="urn:schemas-microsoft-com:vml" xmlns:pvml="urn:schemas-microsoft-com:office:powerpoint" xmlns:com="http://schemas.openxmlformats.org/drawingml/2006/compatibility" xmlns:p14="http://schemas.microsoft.com/office/powerpoint/2010/main" xmlns:p15="http://schemas.microsoft.com/office/powerpoint/2012/main" xmlns:ahyp="http://schemas.microsoft.com/office/drawing/2018/hyperlinkcolor" showMasterPhAnim="0" showMasterSp="0">
+  <p:cSld>
+    <p:spTree>
+      <p:nvGrpSpPr>
+        <p:cNvPr id="118" name="Shape 118"/>
+        <p:cNvGrpSpPr/>
+        <p:nvPr/>
+      </p:nvGrpSpPr>
+      <p:grpSpPr>
+        <a:xfrm>
+          <a:off x="0" y="0"/>
+          <a:ext cx="0" cy="0"/>
+          <a:chOff x="0" y="0"/>
+          <a:chExt cx="0" cy="0"/>
+        </a:xfrm>
+      </p:grpSpPr>
+      <p:sp>
+        <p:nvSpPr>
+          <p:cNvPr id="119" name="Google Shape;119;g39974face96_0_19:notes"/>
+          <p:cNvSpPr/>
+          <p:nvPr>
+            <p:ph idx="2" type="sldImg"/>
+          </p:nvPr>
+        </p:nvSpPr>
+        <p:spPr>
+          <a:xfrm>
+            <a:off x="381300" y="685800"/>
+            <a:ext cx="6096000" cy="3429000"/>
+          </a:xfrm>
+          <a:custGeom>
+            <a:rect b="b" l="l" r="r" t="t"/>
+            <a:pathLst>
+              <a:path extrusionOk="0" h="120000" w="120000">
+                <a:moveTo>
+                  <a:pt x="0" y="0"/>
+                </a:moveTo>
+                <a:lnTo>
+                  <a:pt x="120000" y="0"/>
+                </a:lnTo>
+                <a:lnTo>
+                  <a:pt x="120000" y="120000"/>
+                </a:lnTo>
+                <a:lnTo>
+                  <a:pt x="0" y="120000"/>
+                </a:lnTo>
+                <a:close/>
+              </a:path>
+            </a:pathLst>
+          </a:custGeom>
+        </p:spPr>
+      </p:sp>
+      <p:sp>
+        <p:nvSpPr>
+          <p:cNvPr id="120" name="Google Shape;120;g39974face96_0_19:notes"/>
+          <p:cNvSpPr txBox="1"/>
+          <p:nvPr>
+            <p:ph idx="1" type="body"/>
+          </p:nvPr>
+        </p:nvSpPr>
+        <p:spPr>
+          <a:xfrm>
+            <a:off x="685800" y="4343400"/>
+            <a:ext cx="5486400" cy="4114800"/>
+          </a:xfrm>
+          <a:prstGeom prst="rect">
+            <a:avLst/>
+          </a:prstGeom>
+        </p:spPr>
+        <p:txBody>
+          <a:bodyPr anchorCtr="0" anchor="t" bIns="91425" lIns="91425" spcFirstLastPara="1" rIns="91425" wrap="square" tIns="91425">
+            <a:noAutofit/>
+          </a:bodyPr>
+          <a:lstStyle/>
+          <a:p>
+            <a:pPr indent="0" lvl="0" marL="0" rtl="0" algn="l">
+              <a:spcBef>
+                <a:spcPts val="0"/>
+              </a:spcBef>
+              <a:spcAft>
+                <a:spcPts val="0"/>
+              </a:spcAft>
+              <a:buNone/>
+            </a:pPr>
+            <a:r>
+              <a:t/>
+            </a:r>
+            <a:endParaRPr/>
+          </a:p>
+        </p:txBody>
+      </p:sp>
+    </p:spTree>
+  </p:cSld>
+  <p:clrMapOvr>
+    <a:masterClrMapping/>
+  </p:clrMapOvr>
+</p:notes>
+</file>
+
+<file path=ppt/notesSlides/notesSlide12.xml><?xml version="1.0" encoding="utf-8"?>
+<p:notes xmlns:a="http://schemas.openxmlformats.org/drawingml/2006/main" xmlns:r="http://schemas.openxmlformats.org/officeDocument/2006/relationships" xmlns:mc="http://schemas.openxmlformats.org/markup-compatibility/2006" xmlns:mv="urn:schemas-microsoft-com:mac:vml" xmlns:p="http://schemas.openxmlformats.org/presentationml/2006/main" xmlns:c="http://schemas.openxmlformats.org/drawingml/2006/chart" xmlns:dgm="http://schemas.openxmlformats.org/drawingml/2006/diagram" xmlns:o="urn:schemas-microsoft-com:office:office" xmlns:v="urn:schemas-microsoft-com:vml" xmlns:pvml="urn:schemas-microsoft-com:office:powerpoint" xmlns:com="http://schemas.openxmlformats.org/drawingml/2006/compatibility" xmlns:p14="http://schemas.microsoft.com/office/powerpoint/2010/main" xmlns:p15="http://schemas.microsoft.com/office/powerpoint/2012/main" xmlns:ahyp="http://schemas.microsoft.com/office/drawing/2018/hyperlinkcolor" showMasterPhAnim="0" showMasterSp="0">
+  <p:cSld>
+    <p:spTree>
+      <p:nvGrpSpPr>
+        <p:cNvPr id="124" name="Shape 124"/>
+        <p:cNvGrpSpPr/>
+        <p:nvPr/>
+      </p:nvGrpSpPr>
+      <p:grpSpPr>
+        <a:xfrm>
+          <a:off x="0" y="0"/>
+          <a:ext cx="0" cy="0"/>
+          <a:chOff x="0" y="0"/>
+          <a:chExt cx="0" cy="0"/>
+        </a:xfrm>
+      </p:grpSpPr>
+      <p:sp>
+        <p:nvSpPr>
+          <p:cNvPr id="125" name="Google Shape;125;g39974face96_0_24:notes"/>
+          <p:cNvSpPr/>
+          <p:nvPr>
+            <p:ph idx="2" type="sldImg"/>
+          </p:nvPr>
+        </p:nvSpPr>
+        <p:spPr>
+          <a:xfrm>
+            <a:off x="381300" y="685800"/>
+            <a:ext cx="6096000" cy="3429000"/>
+          </a:xfrm>
+          <a:custGeom>
+            <a:rect b="b" l="l" r="r" t="t"/>
+            <a:pathLst>
+              <a:path extrusionOk="0" h="120000" w="120000">
+                <a:moveTo>
+                  <a:pt x="0" y="0"/>
+                </a:moveTo>
+                <a:lnTo>
+                  <a:pt x="120000" y="0"/>
+                </a:lnTo>
+                <a:lnTo>
+                  <a:pt x="120000" y="120000"/>
+                </a:lnTo>
+                <a:lnTo>
+                  <a:pt x="0" y="120000"/>
+                </a:lnTo>
+                <a:close/>
+              </a:path>
+            </a:pathLst>
+          </a:custGeom>
+        </p:spPr>
+      </p:sp>
+      <p:sp>
+        <p:nvSpPr>
+          <p:cNvPr id="126" name="Google Shape;126;g39974face96_0_24:notes"/>
+          <p:cNvSpPr txBox="1"/>
+          <p:nvPr>
+            <p:ph idx="1" type="body"/>
+          </p:nvPr>
+        </p:nvSpPr>
+        <p:spPr>
+          <a:xfrm>
+            <a:off x="685800" y="4343400"/>
+            <a:ext cx="5486400" cy="4114800"/>
+          </a:xfrm>
+          <a:prstGeom prst="rect">
+            <a:avLst/>
+          </a:prstGeom>
+        </p:spPr>
+        <p:txBody>
+          <a:bodyPr anchorCtr="0" anchor="t" bIns="91425" lIns="91425" spcFirstLastPara="1" rIns="91425" wrap="square" tIns="91425">
+            <a:noAutofit/>
+          </a:bodyPr>
+          <a:lstStyle/>
+          <a:p>
+            <a:pPr indent="0" lvl="0" marL="0" rtl="0" algn="l">
+              <a:spcBef>
+                <a:spcPts val="0"/>
+              </a:spcBef>
+              <a:spcAft>
+                <a:spcPts val="0"/>
+              </a:spcAft>
+              <a:buNone/>
+            </a:pPr>
+            <a:r>
+              <a:t/>
+            </a:r>
+            <a:endParaRPr/>
+          </a:p>
+        </p:txBody>
+      </p:sp>
+    </p:spTree>
+  </p:cSld>
+  <p:clrMapOvr>
+    <a:masterClrMapping/>
+  </p:clrMapOvr>
+</p:notes>
+</file>
+
+<file path=ppt/notesSlides/notesSlide13.xml><?xml version="1.0" encoding="utf-8"?>
+<p:notes xmlns:a="http://schemas.openxmlformats.org/drawingml/2006/main" xmlns:r="http://schemas.openxmlformats.org/officeDocument/2006/relationships" xmlns:mc="http://schemas.openxmlformats.org/markup-compatibility/2006" xmlns:mv="urn:schemas-microsoft-com:mac:vml" xmlns:p="http://schemas.openxmlformats.org/presentationml/2006/main" xmlns:c="http://schemas.openxmlformats.org/drawingml/2006/chart" xmlns:dgm="http://schemas.openxmlformats.org/drawingml/2006/diagram" xmlns:o="urn:schemas-microsoft-com:office:office" xmlns:v="urn:schemas-microsoft-com:vml" xmlns:pvml="urn:schemas-microsoft-com:office:powerpoint" xmlns:com="http://schemas.openxmlformats.org/drawingml/2006/compatibility" xmlns:p14="http://schemas.microsoft.com/office/powerpoint/2010/main" xmlns:p15="http://schemas.microsoft.com/office/powerpoint/2012/main" xmlns:ahyp="http://schemas.microsoft.com/office/drawing/2018/hyperlinkcolor" showMasterPhAnim="0" showMasterSp="0">
+  <p:cSld>
+    <p:spTree>
+      <p:nvGrpSpPr>
+        <p:cNvPr id="133" name="Shape 133"/>
+        <p:cNvGrpSpPr/>
+        <p:nvPr/>
+      </p:nvGrpSpPr>
+      <p:grpSpPr>
+        <a:xfrm>
+          <a:off x="0" y="0"/>
+          <a:ext cx="0" cy="0"/>
+          <a:chOff x="0" y="0"/>
+          <a:chExt cx="0" cy="0"/>
+        </a:xfrm>
+      </p:grpSpPr>
+      <p:sp>
+        <p:nvSpPr>
+          <p:cNvPr id="134" name="Google Shape;134;g39974face96_0_29:notes"/>
+          <p:cNvSpPr/>
+          <p:nvPr>
+            <p:ph idx="2" type="sldImg"/>
+          </p:nvPr>
+        </p:nvSpPr>
+        <p:spPr>
+          <a:xfrm>
+            <a:off x="381300" y="685800"/>
+            <a:ext cx="6096000" cy="3429000"/>
+          </a:xfrm>
+          <a:custGeom>
+            <a:rect b="b" l="l" r="r" t="t"/>
+            <a:pathLst>
+              <a:path extrusionOk="0" h="120000" w="120000">
+                <a:moveTo>
+                  <a:pt x="0" y="0"/>
+                </a:moveTo>
+                <a:lnTo>
+                  <a:pt x="120000" y="0"/>
+                </a:lnTo>
+                <a:lnTo>
+                  <a:pt x="120000" y="120000"/>
+                </a:lnTo>
+                <a:lnTo>
+                  <a:pt x="0" y="120000"/>
+                </a:lnTo>
+                <a:close/>
+              </a:path>
+            </a:pathLst>
+          </a:custGeom>
+        </p:spPr>
+      </p:sp>
+      <p:sp>
+        <p:nvSpPr>
+          <p:cNvPr id="135" name="Google Shape;135;g39974face96_0_29:notes"/>
+          <p:cNvSpPr txBox="1"/>
+          <p:nvPr>
+            <p:ph idx="1" type="body"/>
+          </p:nvPr>
+        </p:nvSpPr>
+        <p:spPr>
+          <a:xfrm>
+            <a:off x="685800" y="4343400"/>
+            <a:ext cx="5486400" cy="4114800"/>
+          </a:xfrm>
+          <a:prstGeom prst="rect">
+            <a:avLst/>
+          </a:prstGeom>
+        </p:spPr>
+        <p:txBody>
+          <a:bodyPr anchorCtr="0" anchor="t" bIns="91425" lIns="91425" spcFirstLastPara="1" rIns="91425" wrap="square" tIns="91425">
+            <a:noAutofit/>
+          </a:bodyPr>
+          <a:lstStyle/>
+          <a:p>
+            <a:pPr indent="0" lvl="0" marL="0" rtl="0" algn="l">
+              <a:spcBef>
+                <a:spcPts val="0"/>
+              </a:spcBef>
+              <a:spcAft>
+                <a:spcPts val="0"/>
+              </a:spcAft>
+              <a:buNone/>
+            </a:pPr>
+            <a:r>
+              <a:t/>
+            </a:r>
+            <a:endParaRPr/>
+          </a:p>
+        </p:txBody>
+      </p:sp>
+    </p:spTree>
+  </p:cSld>
+  <p:clrMapOvr>
+    <a:masterClrMapping/>
+  </p:clrMapOvr>
+</p:notes>
+</file>
+
+<file path=ppt/notesSlides/notesSlide14.xml><?xml version="1.0" encoding="utf-8"?>
+<p:notes xmlns:a="http://schemas.openxmlformats.org/drawingml/2006/main" xmlns:r="http://schemas.openxmlformats.org/officeDocument/2006/relationships" xmlns:mc="http://schemas.openxmlformats.org/markup-compatibility/2006" xmlns:mv="urn:schemas-microsoft-com:mac:vml" xmlns:p="http://schemas.openxmlformats.org/presentationml/2006/main" xmlns:c="http://schemas.openxmlformats.org/drawingml/2006/chart" xmlns:dgm="http://schemas.openxmlformats.org/drawingml/2006/diagram" xmlns:o="urn:schemas-microsoft-com:office:office" xmlns:v="urn:schemas-microsoft-com:vml" xmlns:pvml="urn:schemas-microsoft-com:office:powerpoint" xmlns:com="http://schemas.openxmlformats.org/drawingml/2006/compatibility" xmlns:p14="http://schemas.microsoft.com/office/powerpoint/2010/main" xmlns:p15="http://schemas.microsoft.com/office/powerpoint/2012/main" xmlns:ahyp="http://schemas.microsoft.com/office/drawing/2018/hyperlinkcolor" showMasterPhAnim="0" showMasterSp="0">
+  <p:cSld>
+    <p:spTree>
+      <p:nvGrpSpPr>
+        <p:cNvPr id="141" name="Shape 141"/>
+        <p:cNvGrpSpPr/>
+        <p:nvPr/>
+      </p:nvGrpSpPr>
+      <p:grpSpPr>
+        <a:xfrm>
+          <a:off x="0" y="0"/>
+          <a:ext cx="0" cy="0"/>
+          <a:chOff x="0" y="0"/>
+          <a:chExt cx="0" cy="0"/>
+        </a:xfrm>
+      </p:grpSpPr>
+      <p:sp>
+        <p:nvSpPr>
+          <p:cNvPr id="142" name="Google Shape;142;g391342c0d9e_0_19:notes"/>
+          <p:cNvSpPr/>
+          <p:nvPr>
+            <p:ph idx="2" type="sldImg"/>
+          </p:nvPr>
+        </p:nvSpPr>
+        <p:spPr>
+          <a:xfrm>
+            <a:off x="381300" y="685800"/>
+            <a:ext cx="6096000" cy="3429000"/>
+          </a:xfrm>
+          <a:custGeom>
+            <a:rect b="b" l="l" r="r" t="t"/>
+            <a:pathLst>
+              <a:path extrusionOk="0" h="120000" w="120000">
+                <a:moveTo>
+                  <a:pt x="0" y="0"/>
+                </a:moveTo>
+                <a:lnTo>
+                  <a:pt x="120000" y="0"/>
+                </a:lnTo>
+                <a:lnTo>
+                  <a:pt x="120000" y="120000"/>
+                </a:lnTo>
+                <a:lnTo>
+                  <a:pt x="0" y="120000"/>
+                </a:lnTo>
+                <a:close/>
+              </a:path>
+            </a:pathLst>
+          </a:custGeom>
+        </p:spPr>
+      </p:sp>
+      <p:sp>
+        <p:nvSpPr>
+          <p:cNvPr id="143" name="Google Shape;143;g391342c0d9e_0_19:notes"/>
+          <p:cNvSpPr txBox="1"/>
+          <p:nvPr>
+            <p:ph idx="1" type="body"/>
+          </p:nvPr>
+        </p:nvSpPr>
+        <p:spPr>
+          <a:xfrm>
+            <a:off x="685800" y="4343400"/>
+            <a:ext cx="5486400" cy="4114800"/>
+          </a:xfrm>
+          <a:prstGeom prst="rect">
+            <a:avLst/>
+          </a:prstGeom>
+        </p:spPr>
+        <p:txBody>
+          <a:bodyPr anchorCtr="0" anchor="t" bIns="91425" lIns="91425" spcFirstLastPara="1" rIns="91425" wrap="square" tIns="91425">
+            <a:noAutofit/>
+          </a:bodyPr>
+          <a:lstStyle/>
+          <a:p>
+            <a:pPr indent="0" lvl="0" marL="0" rtl="0" algn="l">
+              <a:spcBef>
+                <a:spcPts val="0"/>
+              </a:spcBef>
+              <a:spcAft>
+                <a:spcPts val="0"/>
+              </a:spcAft>
+              <a:buNone/>
+            </a:pPr>
+            <a:r>
+              <a:t/>
+            </a:r>
+            <a:endParaRPr/>
+          </a:p>
+        </p:txBody>
+      </p:sp>
+    </p:spTree>
+  </p:cSld>
+  <p:clrMapOvr>
+    <a:masterClrMapping/>
+  </p:clrMapOvr>
+</p:notes>
+</file>
+
+<file path=ppt/notesSlides/notesSlide15.xml><?xml version="1.0" encoding="utf-8"?>
+<p:notes xmlns:a="http://schemas.openxmlformats.org/drawingml/2006/main" xmlns:r="http://schemas.openxmlformats.org/officeDocument/2006/relationships" xmlns:mc="http://schemas.openxmlformats.org/markup-compatibility/2006" xmlns:mv="urn:schemas-microsoft-com:mac:vml" xmlns:p="http://schemas.openxmlformats.org/presentationml/2006/main" xmlns:c="http://schemas.openxmlformats.org/drawingml/2006/chart" xmlns:dgm="http://schemas.openxmlformats.org/drawingml/2006/diagram" xmlns:o="urn:schemas-microsoft-com:office:office" xmlns:v="urn:schemas-microsoft-com:vml" xmlns:pvml="urn:schemas-microsoft-com:office:powerpoint" xmlns:com="http://schemas.openxmlformats.org/drawingml/2006/compatibility" xmlns:p14="http://schemas.microsoft.com/office/powerpoint/2010/main" xmlns:p15="http://schemas.microsoft.com/office/powerpoint/2012/main" xmlns:ahyp="http://schemas.microsoft.com/office/drawing/2018/hyperlinkcolor" showMasterPhAnim="0" showMasterSp="0">
+  <p:cSld>
+    <p:spTree>
+      <p:nvGrpSpPr>
+        <p:cNvPr id="148" name="Shape 148"/>
+        <p:cNvGrpSpPr/>
+        <p:nvPr/>
+      </p:nvGrpSpPr>
+      <p:grpSpPr>
+        <a:xfrm>
+          <a:off x="0" y="0"/>
+          <a:ext cx="0" cy="0"/>
+          <a:chOff x="0" y="0"/>
+          <a:chExt cx="0" cy="0"/>
+        </a:xfrm>
+      </p:grpSpPr>
+      <p:sp>
+        <p:nvSpPr>
+          <p:cNvPr id="149" name="Google Shape;149;g3a561a26540_0_63:notes"/>
+          <p:cNvSpPr/>
+          <p:nvPr>
+            <p:ph idx="2" type="sldImg"/>
+          </p:nvPr>
+        </p:nvSpPr>
+        <p:spPr>
+          <a:xfrm>
+            <a:off x="381300" y="685800"/>
+            <a:ext cx="6096000" cy="3429000"/>
+          </a:xfrm>
+          <a:custGeom>
+            <a:rect b="b" l="l" r="r" t="t"/>
+            <a:pathLst>
+              <a:path extrusionOk="0" h="120000" w="120000">
+                <a:moveTo>
+                  <a:pt x="0" y="0"/>
+                </a:moveTo>
+                <a:lnTo>
+                  <a:pt x="120000" y="0"/>
+                </a:lnTo>
+                <a:lnTo>
+                  <a:pt x="120000" y="120000"/>
+                </a:lnTo>
+                <a:lnTo>
+                  <a:pt x="0" y="120000"/>
+                </a:lnTo>
+                <a:close/>
+              </a:path>
+            </a:pathLst>
+          </a:custGeom>
+        </p:spPr>
+      </p:sp>
+      <p:sp>
+        <p:nvSpPr>
+          <p:cNvPr id="150" name="Google Shape;150;g3a561a26540_0_63:notes"/>
+          <p:cNvSpPr txBox="1"/>
+          <p:nvPr>
+            <p:ph idx="1" type="body"/>
+          </p:nvPr>
+        </p:nvSpPr>
+        <p:spPr>
+          <a:xfrm>
+            <a:off x="685800" y="4343400"/>
+            <a:ext cx="5486400" cy="4114800"/>
+          </a:xfrm>
+          <a:prstGeom prst="rect">
+            <a:avLst/>
+          </a:prstGeom>
+        </p:spPr>
+        <p:txBody>
+          <a:bodyPr anchorCtr="0" anchor="t" bIns="91425" lIns="91425" spcFirstLastPara="1" rIns="91425" wrap="square" tIns="91425">
+            <a:noAutofit/>
+          </a:bodyPr>
+          <a:lstStyle/>
+          <a:p>
+            <a:pPr indent="0" lvl="0" marL="0" rtl="0" algn="l">
+              <a:spcBef>
+                <a:spcPts val="0"/>
+              </a:spcBef>
+              <a:spcAft>
+                <a:spcPts val="0"/>
+              </a:spcAft>
+              <a:buNone/>
+            </a:pPr>
+            <a:r>
+              <a:t/>
+            </a:r>
+            <a:endParaRPr/>
+          </a:p>
+        </p:txBody>
+      </p:sp>
+    </p:spTree>
+  </p:cSld>
+  <p:clrMapOvr>
+    <a:masterClrMapping/>
+  </p:clrMapOvr>
+</p:notes>
+</file>
+
 <file path=ppt/notesSlides/notesSlide2.xml><?xml version="1.0" encoding="utf-8"?>
 <p:notes xmlns:a="http://schemas.openxmlformats.org/drawingml/2006/main" xmlns:r="http://schemas.openxmlformats.org/officeDocument/2006/relationships" xmlns:mc="http://schemas.openxmlformats.org/markup-compatibility/2006" xmlns:mv="urn:schemas-microsoft-com:mac:vml" xmlns:p="http://schemas.openxmlformats.org/presentationml/2006/main" xmlns:c="http://schemas.openxmlformats.org/drawingml/2006/chart" xmlns:dgm="http://schemas.openxmlformats.org/drawingml/2006/diagram" xmlns:o="urn:schemas-microsoft-com:office:office" xmlns:v="urn:schemas-microsoft-com:vml" xmlns:pvml="urn:schemas-microsoft-com:office:powerpoint" xmlns:com="http://schemas.openxmlformats.org/drawingml/2006/compatibility" xmlns:p14="http://schemas.microsoft.com/office/powerpoint/2010/main" xmlns:p15="http://schemas.microsoft.com/office/powerpoint/2012/main" xmlns:ahyp="http://schemas.microsoft.com/office/drawing/2018/hyperlinkcolor" showMasterPhAnim="0" showMasterSp="0">
   <p:cSld>
@@ -924,7 +1525,7 @@
       </p:grpSpPr>
       <p:sp>
         <p:nvSpPr>
-          <p:cNvPr id="66" name="Google Shape;66;g3a561a26540_0_0:notes"/>
+          <p:cNvPr id="66" name="Google Shape;66;g3ab8fe2ff1a_0_0:notes"/>
           <p:cNvSpPr/>
           <p:nvPr>
             <p:ph idx="2" type="sldImg"/>
@@ -959,7 +1560,7 @@
       </p:sp>
       <p:sp>
         <p:nvSpPr>
-          <p:cNvPr id="67" name="Google Shape;67;g3a561a26540_0_0:notes"/>
+          <p:cNvPr id="67" name="Google Shape;67;g3ab8fe2ff1a_0_0:notes"/>
           <p:cNvSpPr txBox="1"/>
           <p:nvPr>
             <p:ph idx="1" type="body"/>
@@ -1009,7 +1610,7 @@
   <p:cSld>
     <p:spTree>
       <p:nvGrpSpPr>
-        <p:cNvPr id="71" name="Shape 71"/>
+        <p:cNvPr id="72" name="Shape 72"/>
         <p:cNvGrpSpPr/>
         <p:nvPr/>
       </p:nvGrpSpPr>
@@ -1023,7 +1624,7 @@
       </p:grpSpPr>
       <p:sp>
         <p:nvSpPr>
-          <p:cNvPr id="72" name="Google Shape;72;g3a561a26540_0_55:notes"/>
+          <p:cNvPr id="73" name="Google Shape;73;g3ab8fe2ff1a_0_16:notes"/>
           <p:cNvSpPr/>
           <p:nvPr>
             <p:ph idx="2" type="sldImg"/>
@@ -1058,7 +1659,7 @@
       </p:sp>
       <p:sp>
         <p:nvSpPr>
-          <p:cNvPr id="73" name="Google Shape;73;g3a561a26540_0_55:notes"/>
+          <p:cNvPr id="74" name="Google Shape;74;g3ab8fe2ff1a_0_16:notes"/>
           <p:cNvSpPr txBox="1"/>
           <p:nvPr>
             <p:ph idx="1" type="body"/>
@@ -1108,7 +1709,7 @@
   <p:cSld>
     <p:spTree>
       <p:nvGrpSpPr>
-        <p:cNvPr id="78" name="Shape 78"/>
+        <p:cNvPr id="80" name="Shape 80"/>
         <p:cNvGrpSpPr/>
         <p:nvPr/>
       </p:nvGrpSpPr>
@@ -1122,7 +1723,7 @@
       </p:grpSpPr>
       <p:sp>
         <p:nvSpPr>
-          <p:cNvPr id="79" name="Google Shape;79;g39974face96_0_19:notes"/>
+          <p:cNvPr id="81" name="Google Shape;81;g3ab8fe2ff1a_0_21:notes"/>
           <p:cNvSpPr/>
           <p:nvPr>
             <p:ph idx="2" type="sldImg"/>
@@ -1157,7 +1758,7 @@
       </p:sp>
       <p:sp>
         <p:nvSpPr>
-          <p:cNvPr id="80" name="Google Shape;80;g39974face96_0_19:notes"/>
+          <p:cNvPr id="82" name="Google Shape;82;g3ab8fe2ff1a_0_21:notes"/>
           <p:cNvSpPr txBox="1"/>
           <p:nvPr>
             <p:ph idx="1" type="body"/>
@@ -1207,7 +1808,7 @@
   <p:cSld>
     <p:spTree>
       <p:nvGrpSpPr>
-        <p:cNvPr id="84" name="Shape 84"/>
+        <p:cNvPr id="87" name="Shape 87"/>
         <p:cNvGrpSpPr/>
         <p:nvPr/>
       </p:nvGrpSpPr>
@@ -1221,7 +1822,7 @@
       </p:grpSpPr>
       <p:sp>
         <p:nvSpPr>
-          <p:cNvPr id="85" name="Google Shape;85;g39974face96_0_24:notes"/>
+          <p:cNvPr id="88" name="Google Shape;88;g391342c0d9e_0_1:notes"/>
           <p:cNvSpPr/>
           <p:nvPr>
             <p:ph idx="2" type="sldImg"/>
@@ -1256,7 +1857,7 @@
       </p:sp>
       <p:sp>
         <p:nvSpPr>
-          <p:cNvPr id="86" name="Google Shape;86;g39974face96_0_24:notes"/>
+          <p:cNvPr id="89" name="Google Shape;89;g391342c0d9e_0_1:notes"/>
           <p:cNvSpPr txBox="1"/>
           <p:nvPr>
             <p:ph idx="1" type="body"/>
@@ -1306,7 +1907,7 @@
   <p:cSld>
     <p:spTree>
       <p:nvGrpSpPr>
-        <p:cNvPr id="90" name="Shape 90"/>
+        <p:cNvPr id="92" name="Shape 92"/>
         <p:cNvGrpSpPr/>
         <p:nvPr/>
       </p:nvGrpSpPr>
@@ -1320,7 +1921,7 @@
       </p:grpSpPr>
       <p:sp>
         <p:nvSpPr>
-          <p:cNvPr id="91" name="Google Shape;91;g39974face96_0_29:notes"/>
+          <p:cNvPr id="93" name="Google Shape;93;g3ab8fe2ff1a_0_36:notes"/>
           <p:cNvSpPr/>
           <p:nvPr>
             <p:ph idx="2" type="sldImg"/>
@@ -1355,7 +1956,7 @@
       </p:sp>
       <p:sp>
         <p:nvSpPr>
-          <p:cNvPr id="92" name="Google Shape;92;g39974face96_0_29:notes"/>
+          <p:cNvPr id="94" name="Google Shape;94;g3ab8fe2ff1a_0_36:notes"/>
           <p:cNvSpPr txBox="1"/>
           <p:nvPr>
             <p:ph idx="1" type="body"/>
@@ -1405,7 +2006,7 @@
   <p:cSld>
     <p:spTree>
       <p:nvGrpSpPr>
-        <p:cNvPr id="97" name="Shape 97"/>
+        <p:cNvPr id="98" name="Shape 98"/>
         <p:cNvGrpSpPr/>
         <p:nvPr/>
       </p:nvGrpSpPr>
@@ -1419,7 +2020,7 @@
       </p:grpSpPr>
       <p:sp>
         <p:nvSpPr>
-          <p:cNvPr id="98" name="Google Shape;98;g3a561a26540_0_63:notes"/>
+          <p:cNvPr id="99" name="Google Shape;99;g3a561a26540_0_0:notes"/>
           <p:cNvSpPr/>
           <p:nvPr>
             <p:ph idx="2" type="sldImg"/>
@@ -1454,7 +2055,106 @@
       </p:sp>
       <p:sp>
         <p:nvSpPr>
-          <p:cNvPr id="99" name="Google Shape;99;g3a561a26540_0_63:notes"/>
+          <p:cNvPr id="100" name="Google Shape;100;g3a561a26540_0_0:notes"/>
+          <p:cNvSpPr txBox="1"/>
+          <p:nvPr>
+            <p:ph idx="1" type="body"/>
+          </p:nvPr>
+        </p:nvSpPr>
+        <p:spPr>
+          <a:xfrm>
+            <a:off x="685800" y="4343400"/>
+            <a:ext cx="5486400" cy="4114800"/>
+          </a:xfrm>
+          <a:prstGeom prst="rect">
+            <a:avLst/>
+          </a:prstGeom>
+        </p:spPr>
+        <p:txBody>
+          <a:bodyPr anchorCtr="0" anchor="t" bIns="91425" lIns="91425" spcFirstLastPara="1" rIns="91425" wrap="square" tIns="91425">
+            <a:noAutofit/>
+          </a:bodyPr>
+          <a:lstStyle/>
+          <a:p>
+            <a:pPr indent="0" lvl="0" marL="0" rtl="0" algn="l">
+              <a:spcBef>
+                <a:spcPts val="0"/>
+              </a:spcBef>
+              <a:spcAft>
+                <a:spcPts val="0"/>
+              </a:spcAft>
+              <a:buNone/>
+            </a:pPr>
+            <a:r>
+              <a:t/>
+            </a:r>
+            <a:endParaRPr/>
+          </a:p>
+        </p:txBody>
+      </p:sp>
+    </p:spTree>
+  </p:cSld>
+  <p:clrMapOvr>
+    <a:masterClrMapping/>
+  </p:clrMapOvr>
+</p:notes>
+</file>
+
+<file path=ppt/notesSlides/notesSlide9.xml><?xml version="1.0" encoding="utf-8"?>
+<p:notes xmlns:a="http://schemas.openxmlformats.org/drawingml/2006/main" xmlns:r="http://schemas.openxmlformats.org/officeDocument/2006/relationships" xmlns:mc="http://schemas.openxmlformats.org/markup-compatibility/2006" xmlns:mv="urn:schemas-microsoft-com:mac:vml" xmlns:p="http://schemas.openxmlformats.org/presentationml/2006/main" xmlns:c="http://schemas.openxmlformats.org/drawingml/2006/chart" xmlns:dgm="http://schemas.openxmlformats.org/drawingml/2006/diagram" xmlns:o="urn:schemas-microsoft-com:office:office" xmlns:v="urn:schemas-microsoft-com:vml" xmlns:pvml="urn:schemas-microsoft-com:office:powerpoint" xmlns:com="http://schemas.openxmlformats.org/drawingml/2006/compatibility" xmlns:p14="http://schemas.microsoft.com/office/powerpoint/2010/main" xmlns:p15="http://schemas.microsoft.com/office/powerpoint/2012/main" xmlns:ahyp="http://schemas.microsoft.com/office/drawing/2018/hyperlinkcolor" showMasterPhAnim="0" showMasterSp="0">
+  <p:cSld>
+    <p:spTree>
+      <p:nvGrpSpPr>
+        <p:cNvPr id="105" name="Shape 105"/>
+        <p:cNvGrpSpPr/>
+        <p:nvPr/>
+      </p:nvGrpSpPr>
+      <p:grpSpPr>
+        <a:xfrm>
+          <a:off x="0" y="0"/>
+          <a:ext cx="0" cy="0"/>
+          <a:chOff x="0" y="0"/>
+          <a:chExt cx="0" cy="0"/>
+        </a:xfrm>
+      </p:grpSpPr>
+      <p:sp>
+        <p:nvSpPr>
+          <p:cNvPr id="106" name="Google Shape;106;g391342c0d9e_0_6:notes"/>
+          <p:cNvSpPr/>
+          <p:nvPr>
+            <p:ph idx="2" type="sldImg"/>
+          </p:nvPr>
+        </p:nvSpPr>
+        <p:spPr>
+          <a:xfrm>
+            <a:off x="381300" y="685800"/>
+            <a:ext cx="6096000" cy="3429000"/>
+          </a:xfrm>
+          <a:custGeom>
+            <a:rect b="b" l="l" r="r" t="t"/>
+            <a:pathLst>
+              <a:path extrusionOk="0" h="120000" w="120000">
+                <a:moveTo>
+                  <a:pt x="0" y="0"/>
+                </a:moveTo>
+                <a:lnTo>
+                  <a:pt x="120000" y="0"/>
+                </a:lnTo>
+                <a:lnTo>
+                  <a:pt x="120000" y="120000"/>
+                </a:lnTo>
+                <a:lnTo>
+                  <a:pt x="0" y="120000"/>
+                </a:lnTo>
+                <a:close/>
+              </a:path>
+            </a:pathLst>
+          </a:custGeom>
+        </p:spPr>
+      </p:sp>
+      <p:sp>
+        <p:nvSpPr>
+          <p:cNvPr id="107" name="Google Shape;107;g391342c0d9e_0_6:notes"/>
           <p:cNvSpPr txBox="1"/>
           <p:nvPr>
             <p:ph idx="1" type="body"/>
@@ -6900,10 +7600,10 @@
               <a:buNone/>
             </a:pPr>
             <a:r>
-              <a:rPr lang="en" sz="2000"/>
+              <a:rPr lang="en" sz="3000"/>
               <a:t>k-Nearest Neighbors (k-NN) Classification / Regression</a:t>
             </a:r>
-            <a:endParaRPr sz="6100"/>
+            <a:endParaRPr sz="3000"/>
           </a:p>
         </p:txBody>
       </p:sp>
@@ -6947,6 +7647,1102 @@
           </a:p>
         </p:txBody>
       </p:sp>
+    </p:spTree>
+  </p:cSld>
+  <p:clrMapOvr>
+    <a:masterClrMapping/>
+  </p:clrMapOvr>
+</p:sld>
+</file>
+
+<file path=ppt/slides/slide10.xml><?xml version="1.0" encoding="utf-8"?>
+<p:sld xmlns:a="http://schemas.openxmlformats.org/drawingml/2006/main" xmlns:r="http://schemas.openxmlformats.org/officeDocument/2006/relationships" xmlns:mc="http://schemas.openxmlformats.org/markup-compatibility/2006" xmlns:mv="urn:schemas-microsoft-com:mac:vml" xmlns:p="http://schemas.openxmlformats.org/presentationml/2006/main" xmlns:c="http://schemas.openxmlformats.org/drawingml/2006/chart" xmlns:dgm="http://schemas.openxmlformats.org/drawingml/2006/diagram" xmlns:o="urn:schemas-microsoft-com:office:office" xmlns:v="urn:schemas-microsoft-com:vml" xmlns:pvml="urn:schemas-microsoft-com:office:powerpoint" xmlns:com="http://schemas.openxmlformats.org/drawingml/2006/compatibility" xmlns:p14="http://schemas.microsoft.com/office/powerpoint/2010/main" xmlns:p15="http://schemas.microsoft.com/office/powerpoint/2012/main" xmlns:ahyp="http://schemas.microsoft.com/office/drawing/2018/hyperlinkcolor">
+  <p:cSld>
+    <p:spTree>
+      <p:nvGrpSpPr>
+        <p:cNvPr id="114" name="Shape 114"/>
+        <p:cNvGrpSpPr/>
+        <p:nvPr/>
+      </p:nvGrpSpPr>
+      <p:grpSpPr>
+        <a:xfrm>
+          <a:off x="0" y="0"/>
+          <a:ext cx="0" cy="0"/>
+          <a:chOff x="0" y="0"/>
+          <a:chExt cx="0" cy="0"/>
+        </a:xfrm>
+      </p:grpSpPr>
+      <p:sp>
+        <p:nvSpPr>
+          <p:cNvPr id="115" name="Google Shape;115;p22"/>
+          <p:cNvSpPr txBox="1"/>
+          <p:nvPr>
+            <p:ph type="title"/>
+          </p:nvPr>
+        </p:nvSpPr>
+        <p:spPr>
+          <a:xfrm>
+            <a:off x="311700" y="292850"/>
+            <a:ext cx="8520600" cy="801000"/>
+          </a:xfrm>
+          <a:prstGeom prst="rect">
+            <a:avLst/>
+          </a:prstGeom>
+        </p:spPr>
+        <p:txBody>
+          <a:bodyPr anchorCtr="0" anchor="t" bIns="91425" lIns="91425" spcFirstLastPara="1" rIns="91425" wrap="square" tIns="91425">
+            <a:normAutofit fontScale="90000"/>
+          </a:bodyPr>
+          <a:lstStyle/>
+          <a:p>
+            <a:pPr indent="0" lvl="0" marL="0" rtl="0" algn="l">
+              <a:spcBef>
+                <a:spcPts val="0"/>
+              </a:spcBef>
+              <a:spcAft>
+                <a:spcPts val="0"/>
+              </a:spcAft>
+              <a:buNone/>
+            </a:pPr>
+            <a:r>
+              <a:rPr lang="en"/>
+              <a:t>Raw Data</a:t>
+            </a:r>
+            <a:endParaRPr/>
+          </a:p>
+        </p:txBody>
+      </p:sp>
+      <p:sp>
+        <p:nvSpPr>
+          <p:cNvPr id="116" name="Google Shape;116;p22"/>
+          <p:cNvSpPr txBox="1"/>
+          <p:nvPr>
+            <p:ph idx="1" type="body"/>
+          </p:nvPr>
+        </p:nvSpPr>
+        <p:spPr>
+          <a:xfrm>
+            <a:off x="311700" y="1228675"/>
+            <a:ext cx="5233500" cy="3340200"/>
+          </a:xfrm>
+          <a:prstGeom prst="rect">
+            <a:avLst/>
+          </a:prstGeom>
+        </p:spPr>
+        <p:txBody>
+          <a:bodyPr anchorCtr="0" anchor="t" bIns="91425" lIns="91425" spcFirstLastPara="1" rIns="91425" wrap="square" tIns="91425">
+            <a:normAutofit lnSpcReduction="20000"/>
+          </a:bodyPr>
+          <a:lstStyle/>
+          <a:p>
+            <a:pPr indent="0" lvl="0" marL="0" rtl="0" algn="l">
+              <a:spcBef>
+                <a:spcPts val="0"/>
+              </a:spcBef>
+              <a:spcAft>
+                <a:spcPts val="0"/>
+              </a:spcAft>
+              <a:buNone/>
+            </a:pPr>
+            <a:r>
+              <a:rPr lang="en" sz="1150">
+                <a:solidFill>
+                  <a:schemeClr val="dk1"/>
+                </a:solidFill>
+              </a:rPr>
+              <a:t>The algorithm first gets the raw data from the file. In the example listed, we used csv or excel files for our data. The data would then get broken down for common attributes. In the data, we have the luxury to having the attributes defined for us.</a:t>
+            </a:r>
+            <a:endParaRPr sz="1150">
+              <a:solidFill>
+                <a:schemeClr val="dk1"/>
+              </a:solidFill>
+            </a:endParaRPr>
+          </a:p>
+          <a:p>
+            <a:pPr indent="-342900" lvl="0" marL="457200" rtl="0" algn="l">
+              <a:spcBef>
+                <a:spcPts val="1200"/>
+              </a:spcBef>
+              <a:spcAft>
+                <a:spcPts val="0"/>
+              </a:spcAft>
+              <a:buClr>
+                <a:schemeClr val="dk1"/>
+              </a:buClr>
+              <a:buSzPts val="1800"/>
+              <a:buChar char="●"/>
+            </a:pPr>
+            <a:r>
+              <a:rPr lang="en">
+                <a:solidFill>
+                  <a:schemeClr val="dk1"/>
+                </a:solidFill>
+              </a:rPr>
+              <a:t>The data stored would later be sorted by values, in accordance to their. Because the data we would be processing mainly focuses on numbers and integers, we didn’t design the sorting algorithm to handle strings, just issued a warning.</a:t>
+            </a:r>
+            <a:endParaRPr>
+              <a:solidFill>
+                <a:schemeClr val="dk1"/>
+              </a:solidFill>
+            </a:endParaRPr>
+          </a:p>
+        </p:txBody>
+      </p:sp>
+      <p:pic>
+        <p:nvPicPr>
+          <p:cNvPr id="117" name="Google Shape;117;p22"/>
+          <p:cNvPicPr preferRelativeResize="0"/>
+          <p:nvPr/>
+        </p:nvPicPr>
+        <p:blipFill>
+          <a:blip r:embed="rId3">
+            <a:alphaModFix/>
+          </a:blip>
+          <a:stretch>
+            <a:fillRect/>
+          </a:stretch>
+        </p:blipFill>
+        <p:spPr>
+          <a:xfrm>
+            <a:off x="5596425" y="1634775"/>
+            <a:ext cx="3547575" cy="1647575"/>
+          </a:xfrm>
+          <a:prstGeom prst="rect">
+            <a:avLst/>
+          </a:prstGeom>
+          <a:noFill/>
+          <a:ln>
+            <a:noFill/>
+          </a:ln>
+        </p:spPr>
+      </p:pic>
+    </p:spTree>
+  </p:cSld>
+  <p:clrMapOvr>
+    <a:masterClrMapping/>
+  </p:clrMapOvr>
+</p:sld>
+</file>
+
+<file path=ppt/slides/slide11.xml><?xml version="1.0" encoding="utf-8"?>
+<p:sld xmlns:a="http://schemas.openxmlformats.org/drawingml/2006/main" xmlns:r="http://schemas.openxmlformats.org/officeDocument/2006/relationships" xmlns:mc="http://schemas.openxmlformats.org/markup-compatibility/2006" xmlns:mv="urn:schemas-microsoft-com:mac:vml" xmlns:p="http://schemas.openxmlformats.org/presentationml/2006/main" xmlns:c="http://schemas.openxmlformats.org/drawingml/2006/chart" xmlns:dgm="http://schemas.openxmlformats.org/drawingml/2006/diagram" xmlns:o="urn:schemas-microsoft-com:office:office" xmlns:v="urn:schemas-microsoft-com:vml" xmlns:pvml="urn:schemas-microsoft-com:office:powerpoint" xmlns:com="http://schemas.openxmlformats.org/drawingml/2006/compatibility" xmlns:p14="http://schemas.microsoft.com/office/powerpoint/2010/main" xmlns:p15="http://schemas.microsoft.com/office/powerpoint/2012/main" xmlns:ahyp="http://schemas.microsoft.com/office/drawing/2018/hyperlinkcolor">
+  <p:cSld>
+    <p:spTree>
+      <p:nvGrpSpPr>
+        <p:cNvPr id="121" name="Shape 121"/>
+        <p:cNvGrpSpPr/>
+        <p:nvPr/>
+      </p:nvGrpSpPr>
+      <p:grpSpPr>
+        <a:xfrm>
+          <a:off x="0" y="0"/>
+          <a:ext cx="0" cy="0"/>
+          <a:chOff x="0" y="0"/>
+          <a:chExt cx="0" cy="0"/>
+        </a:xfrm>
+      </p:grpSpPr>
+      <p:sp>
+        <p:nvSpPr>
+          <p:cNvPr id="122" name="Google Shape;122;p23"/>
+          <p:cNvSpPr txBox="1"/>
+          <p:nvPr>
+            <p:ph type="title"/>
+          </p:nvPr>
+        </p:nvSpPr>
+        <p:spPr>
+          <a:xfrm>
+            <a:off x="311700" y="292850"/>
+            <a:ext cx="8520600" cy="801000"/>
+          </a:xfrm>
+          <a:prstGeom prst="rect">
+            <a:avLst/>
+          </a:prstGeom>
+        </p:spPr>
+        <p:txBody>
+          <a:bodyPr anchorCtr="0" anchor="t" bIns="91425" lIns="91425" spcFirstLastPara="1" rIns="91425" wrap="square" tIns="91425">
+            <a:normAutofit fontScale="90000"/>
+          </a:bodyPr>
+          <a:lstStyle/>
+          <a:p>
+            <a:pPr indent="0" lvl="0" marL="0" rtl="0" algn="l">
+              <a:spcBef>
+                <a:spcPts val="0"/>
+              </a:spcBef>
+              <a:spcAft>
+                <a:spcPts val="0"/>
+              </a:spcAft>
+              <a:buNone/>
+            </a:pPr>
+            <a:r>
+              <a:rPr lang="en"/>
+              <a:t>Training Scheme?</a:t>
+            </a:r>
+            <a:endParaRPr/>
+          </a:p>
+        </p:txBody>
+      </p:sp>
+      <p:sp>
+        <p:nvSpPr>
+          <p:cNvPr id="123" name="Google Shape;123;p23"/>
+          <p:cNvSpPr txBox="1"/>
+          <p:nvPr>
+            <p:ph idx="1" type="body"/>
+          </p:nvPr>
+        </p:nvSpPr>
+        <p:spPr>
+          <a:xfrm>
+            <a:off x="311700" y="1228675"/>
+            <a:ext cx="8520600" cy="3340200"/>
+          </a:xfrm>
+          <a:prstGeom prst="rect">
+            <a:avLst/>
+          </a:prstGeom>
+        </p:spPr>
+        <p:txBody>
+          <a:bodyPr anchorCtr="0" anchor="t" bIns="91425" lIns="91425" spcFirstLastPara="1" rIns="91425" wrap="square" tIns="91425">
+            <a:normAutofit/>
+          </a:bodyPr>
+          <a:lstStyle/>
+          <a:p>
+            <a:pPr indent="-342900" lvl="0" marL="457200" rtl="0" algn="l">
+              <a:spcBef>
+                <a:spcPts val="0"/>
+              </a:spcBef>
+              <a:spcAft>
+                <a:spcPts val="0"/>
+              </a:spcAft>
+              <a:buClr>
+                <a:schemeClr val="dk1"/>
+              </a:buClr>
+              <a:buSzPts val="1800"/>
+              <a:buChar char="●"/>
+            </a:pPr>
+            <a:r>
+              <a:rPr lang="en">
+                <a:solidFill>
+                  <a:schemeClr val="dk1"/>
+                </a:solidFill>
+              </a:rPr>
+              <a:t>As stated, </a:t>
+            </a:r>
+            <a:r>
+              <a:rPr lang="en">
+                <a:solidFill>
+                  <a:schemeClr val="dk1"/>
+                </a:solidFill>
+              </a:rPr>
+              <a:t>K-NN algorithms don’t </a:t>
+            </a:r>
+            <a:r>
+              <a:rPr i="1" lang="en">
+                <a:solidFill>
+                  <a:schemeClr val="dk1"/>
+                </a:solidFill>
+              </a:rPr>
+              <a:t>necessarily</a:t>
+            </a:r>
+            <a:r>
+              <a:rPr i="1" lang="en">
+                <a:solidFill>
+                  <a:schemeClr val="dk1"/>
+                </a:solidFill>
+              </a:rPr>
+              <a:t> </a:t>
+            </a:r>
+            <a:r>
+              <a:rPr lang="en">
+                <a:solidFill>
+                  <a:schemeClr val="dk1"/>
+                </a:solidFill>
+              </a:rPr>
+              <a:t> learn from </a:t>
+            </a:r>
+            <a:r>
+              <a:rPr lang="en">
+                <a:solidFill>
+                  <a:schemeClr val="dk1"/>
+                </a:solidFill>
+              </a:rPr>
+              <a:t>training</a:t>
+            </a:r>
+            <a:r>
+              <a:rPr lang="en">
+                <a:solidFill>
+                  <a:schemeClr val="dk1"/>
+                </a:solidFill>
+              </a:rPr>
+              <a:t> sets, as it’s a “lazy learner”. </a:t>
+            </a:r>
+            <a:endParaRPr>
+              <a:solidFill>
+                <a:schemeClr val="dk1"/>
+              </a:solidFill>
+            </a:endParaRPr>
+          </a:p>
+          <a:p>
+            <a:pPr indent="-342900" lvl="0" marL="457200" rtl="0" algn="l">
+              <a:spcBef>
+                <a:spcPts val="0"/>
+              </a:spcBef>
+              <a:spcAft>
+                <a:spcPts val="0"/>
+              </a:spcAft>
+              <a:buClr>
+                <a:schemeClr val="dk1"/>
+              </a:buClr>
+              <a:buSzPts val="1800"/>
+              <a:buChar char="●"/>
+            </a:pPr>
+            <a:r>
+              <a:rPr lang="en">
+                <a:solidFill>
+                  <a:schemeClr val="dk1"/>
+                </a:solidFill>
+              </a:rPr>
+              <a:t>Diabetes and </a:t>
+            </a:r>
+            <a:r>
+              <a:rPr lang="en">
+                <a:solidFill>
+                  <a:schemeClr val="dk1"/>
+                </a:solidFill>
+              </a:rPr>
+              <a:t>Glucose</a:t>
+            </a:r>
+            <a:r>
+              <a:rPr lang="en">
+                <a:solidFill>
+                  <a:schemeClr val="dk1"/>
+                </a:solidFill>
+              </a:rPr>
+              <a:t> CSV files will be fed into the algorithm, studying for trends </a:t>
+            </a:r>
+            <a:r>
+              <a:rPr lang="en">
+                <a:solidFill>
+                  <a:schemeClr val="dk1"/>
+                </a:solidFill>
+              </a:rPr>
+              <a:t>among the data to see if there are any trends in information.</a:t>
+            </a:r>
+            <a:endParaRPr>
+              <a:solidFill>
+                <a:schemeClr val="dk1"/>
+              </a:solidFill>
+            </a:endParaRPr>
+          </a:p>
+          <a:p>
+            <a:pPr indent="-317500" lvl="1" marL="914400" rtl="0" algn="l">
+              <a:spcBef>
+                <a:spcPts val="0"/>
+              </a:spcBef>
+              <a:spcAft>
+                <a:spcPts val="0"/>
+              </a:spcAft>
+              <a:buClr>
+                <a:schemeClr val="dk1"/>
+              </a:buClr>
+              <a:buSzPts val="1400"/>
+              <a:buChar char="○"/>
+            </a:pPr>
+            <a:r>
+              <a:rPr lang="en">
+                <a:solidFill>
+                  <a:schemeClr val="dk1"/>
+                </a:solidFill>
+              </a:rPr>
+              <a:t>They instead store data and perform the computations at the time of classification. </a:t>
+            </a:r>
+            <a:endParaRPr>
+              <a:solidFill>
+                <a:schemeClr val="dk1"/>
+              </a:solidFill>
+            </a:endParaRPr>
+          </a:p>
+        </p:txBody>
+      </p:sp>
+    </p:spTree>
+  </p:cSld>
+  <p:clrMapOvr>
+    <a:masterClrMapping/>
+  </p:clrMapOvr>
+</p:sld>
+</file>
+
+<file path=ppt/slides/slide12.xml><?xml version="1.0" encoding="utf-8"?>
+<p:sld xmlns:a="http://schemas.openxmlformats.org/drawingml/2006/main" xmlns:r="http://schemas.openxmlformats.org/officeDocument/2006/relationships" xmlns:mc="http://schemas.openxmlformats.org/markup-compatibility/2006" xmlns:mv="urn:schemas-microsoft-com:mac:vml" xmlns:p="http://schemas.openxmlformats.org/presentationml/2006/main" xmlns:c="http://schemas.openxmlformats.org/drawingml/2006/chart" xmlns:dgm="http://schemas.openxmlformats.org/drawingml/2006/diagram" xmlns:o="urn:schemas-microsoft-com:office:office" xmlns:v="urn:schemas-microsoft-com:vml" xmlns:pvml="urn:schemas-microsoft-com:office:powerpoint" xmlns:com="http://schemas.openxmlformats.org/drawingml/2006/compatibility" xmlns:p14="http://schemas.microsoft.com/office/powerpoint/2010/main" xmlns:p15="http://schemas.microsoft.com/office/powerpoint/2012/main" xmlns:ahyp="http://schemas.microsoft.com/office/drawing/2018/hyperlinkcolor">
+  <p:cSld>
+    <p:spTree>
+      <p:nvGrpSpPr>
+        <p:cNvPr id="127" name="Shape 127"/>
+        <p:cNvGrpSpPr/>
+        <p:nvPr/>
+      </p:nvGrpSpPr>
+      <p:grpSpPr>
+        <a:xfrm>
+          <a:off x="0" y="0"/>
+          <a:ext cx="0" cy="0"/>
+          <a:chOff x="0" y="0"/>
+          <a:chExt cx="0" cy="0"/>
+        </a:xfrm>
+      </p:grpSpPr>
+      <p:sp>
+        <p:nvSpPr>
+          <p:cNvPr id="128" name="Google Shape;128;p24"/>
+          <p:cNvSpPr txBox="1"/>
+          <p:nvPr>
+            <p:ph type="title"/>
+          </p:nvPr>
+        </p:nvSpPr>
+        <p:spPr>
+          <a:xfrm>
+            <a:off x="311700" y="292850"/>
+            <a:ext cx="8520600" cy="801000"/>
+          </a:xfrm>
+          <a:prstGeom prst="rect">
+            <a:avLst/>
+          </a:prstGeom>
+        </p:spPr>
+        <p:txBody>
+          <a:bodyPr anchorCtr="0" anchor="t" bIns="91425" lIns="91425" spcFirstLastPara="1" rIns="91425" wrap="square" tIns="91425">
+            <a:normAutofit fontScale="90000"/>
+          </a:bodyPr>
+          <a:lstStyle/>
+          <a:p>
+            <a:pPr indent="0" lvl="0" marL="0" rtl="0" algn="l">
+              <a:spcBef>
+                <a:spcPts val="0"/>
+              </a:spcBef>
+              <a:spcAft>
+                <a:spcPts val="0"/>
+              </a:spcAft>
+              <a:buNone/>
+            </a:pPr>
+            <a:r>
+              <a:rPr lang="en"/>
+              <a:t>Optimization (Calculations)</a:t>
+            </a:r>
+            <a:endParaRPr/>
+          </a:p>
+        </p:txBody>
+      </p:sp>
+      <p:sp>
+        <p:nvSpPr>
+          <p:cNvPr id="129" name="Google Shape;129;p24"/>
+          <p:cNvSpPr txBox="1"/>
+          <p:nvPr>
+            <p:ph idx="1" type="body"/>
+          </p:nvPr>
+        </p:nvSpPr>
+        <p:spPr>
+          <a:xfrm>
+            <a:off x="733975" y="1359375"/>
+            <a:ext cx="2769600" cy="754500"/>
+          </a:xfrm>
+          <a:prstGeom prst="rect">
+            <a:avLst/>
+          </a:prstGeom>
+        </p:spPr>
+        <p:txBody>
+          <a:bodyPr anchorCtr="0" anchor="t" bIns="91425" lIns="91425" spcFirstLastPara="1" rIns="91425" wrap="square" tIns="91425">
+            <a:normAutofit/>
+          </a:bodyPr>
+          <a:lstStyle/>
+          <a:p>
+            <a:pPr indent="0" lvl="0" marL="0" rtl="0" algn="l">
+              <a:spcBef>
+                <a:spcPts val="0"/>
+              </a:spcBef>
+              <a:spcAft>
+                <a:spcPts val="1200"/>
+              </a:spcAft>
+              <a:buNone/>
+            </a:pPr>
+            <a:r>
+              <a:rPr lang="en"/>
+              <a:t>Distance Metric:</a:t>
+            </a:r>
+            <a:endParaRPr/>
+          </a:p>
+        </p:txBody>
+      </p:sp>
+      <p:pic>
+        <p:nvPicPr>
+          <p:cNvPr id="130" name="Google Shape;130;p24"/>
+          <p:cNvPicPr preferRelativeResize="0"/>
+          <p:nvPr/>
+        </p:nvPicPr>
+        <p:blipFill>
+          <a:blip r:embed="rId3">
+            <a:alphaModFix/>
+          </a:blip>
+          <a:stretch>
+            <a:fillRect/>
+          </a:stretch>
+        </p:blipFill>
+        <p:spPr>
+          <a:xfrm>
+            <a:off x="423550" y="1882163"/>
+            <a:ext cx="3676650" cy="1819275"/>
+          </a:xfrm>
+          <a:prstGeom prst="rect">
+            <a:avLst/>
+          </a:prstGeom>
+          <a:noFill/>
+          <a:ln>
+            <a:noFill/>
+          </a:ln>
+        </p:spPr>
+      </p:pic>
+      <p:pic>
+        <p:nvPicPr>
+          <p:cNvPr id="131" name="Google Shape;131;p24"/>
+          <p:cNvPicPr preferRelativeResize="0"/>
+          <p:nvPr/>
+        </p:nvPicPr>
+        <p:blipFill>
+          <a:blip r:embed="rId4">
+            <a:alphaModFix/>
+          </a:blip>
+          <a:stretch>
+            <a:fillRect/>
+          </a:stretch>
+        </p:blipFill>
+        <p:spPr>
+          <a:xfrm>
+            <a:off x="5650225" y="1993663"/>
+            <a:ext cx="2476500" cy="1847850"/>
+          </a:xfrm>
+          <a:prstGeom prst="rect">
+            <a:avLst/>
+          </a:prstGeom>
+          <a:noFill/>
+          <a:ln>
+            <a:noFill/>
+          </a:ln>
+        </p:spPr>
+      </p:pic>
+      <p:sp>
+        <p:nvSpPr>
+          <p:cNvPr id="132" name="Google Shape;132;p24"/>
+          <p:cNvSpPr txBox="1"/>
+          <p:nvPr/>
+        </p:nvSpPr>
+        <p:spPr>
+          <a:xfrm>
+            <a:off x="5924725" y="1483025"/>
+            <a:ext cx="3000000" cy="461700"/>
+          </a:xfrm>
+          <a:prstGeom prst="rect">
+            <a:avLst/>
+          </a:prstGeom>
+          <a:noFill/>
+          <a:ln>
+            <a:noFill/>
+          </a:ln>
+        </p:spPr>
+        <p:txBody>
+          <a:bodyPr anchorCtr="0" anchor="t" bIns="91425" lIns="91425" spcFirstLastPara="1" rIns="91425" wrap="square" tIns="91425">
+            <a:spAutoFit/>
+          </a:bodyPr>
+          <a:lstStyle/>
+          <a:p>
+            <a:pPr indent="0" lvl="0" marL="0" rtl="0" algn="l">
+              <a:lnSpc>
+                <a:spcPct val="115000"/>
+              </a:lnSpc>
+              <a:spcBef>
+                <a:spcPts val="0"/>
+              </a:spcBef>
+              <a:spcAft>
+                <a:spcPts val="1200"/>
+              </a:spcAft>
+              <a:buNone/>
+            </a:pPr>
+            <a:r>
+              <a:rPr lang="en" sz="1800">
+                <a:solidFill>
+                  <a:schemeClr val="dk2"/>
+                </a:solidFill>
+                <a:latin typeface="Source Code Pro"/>
+                <a:ea typeface="Source Code Pro"/>
+                <a:cs typeface="Source Code Pro"/>
+                <a:sym typeface="Source Code Pro"/>
+              </a:rPr>
+              <a:t>K-Value</a:t>
+            </a:r>
+            <a:endParaRPr sz="1800">
+              <a:solidFill>
+                <a:schemeClr val="dk2"/>
+              </a:solidFill>
+              <a:latin typeface="Source Code Pro"/>
+              <a:ea typeface="Source Code Pro"/>
+              <a:cs typeface="Source Code Pro"/>
+              <a:sym typeface="Source Code Pro"/>
+            </a:endParaRPr>
+          </a:p>
+        </p:txBody>
+      </p:sp>
+    </p:spTree>
+  </p:cSld>
+  <p:clrMapOvr>
+    <a:masterClrMapping/>
+  </p:clrMapOvr>
+</p:sld>
+</file>
+
+<file path=ppt/slides/slide13.xml><?xml version="1.0" encoding="utf-8"?>
+<p:sld xmlns:a="http://schemas.openxmlformats.org/drawingml/2006/main" xmlns:r="http://schemas.openxmlformats.org/officeDocument/2006/relationships" xmlns:mc="http://schemas.openxmlformats.org/markup-compatibility/2006" xmlns:mv="urn:schemas-microsoft-com:mac:vml" xmlns:p="http://schemas.openxmlformats.org/presentationml/2006/main" xmlns:c="http://schemas.openxmlformats.org/drawingml/2006/chart" xmlns:dgm="http://schemas.openxmlformats.org/drawingml/2006/diagram" xmlns:o="urn:schemas-microsoft-com:office:office" xmlns:v="urn:schemas-microsoft-com:vml" xmlns:pvml="urn:schemas-microsoft-com:office:powerpoint" xmlns:com="http://schemas.openxmlformats.org/drawingml/2006/compatibility" xmlns:p14="http://schemas.microsoft.com/office/powerpoint/2010/main" xmlns:p15="http://schemas.microsoft.com/office/powerpoint/2012/main" xmlns:ahyp="http://schemas.microsoft.com/office/drawing/2018/hyperlinkcolor">
+  <p:cSld>
+    <p:spTree>
+      <p:nvGrpSpPr>
+        <p:cNvPr id="136" name="Shape 136"/>
+        <p:cNvGrpSpPr/>
+        <p:nvPr/>
+      </p:nvGrpSpPr>
+      <p:grpSpPr>
+        <a:xfrm>
+          <a:off x="0" y="0"/>
+          <a:ext cx="0" cy="0"/>
+          <a:chOff x="0" y="0"/>
+          <a:chExt cx="0" cy="0"/>
+        </a:xfrm>
+      </p:grpSpPr>
+      <p:sp>
+        <p:nvSpPr>
+          <p:cNvPr id="137" name="Google Shape;137;p25"/>
+          <p:cNvSpPr txBox="1"/>
+          <p:nvPr>
+            <p:ph type="title"/>
+          </p:nvPr>
+        </p:nvSpPr>
+        <p:spPr>
+          <a:xfrm>
+            <a:off x="311700" y="292850"/>
+            <a:ext cx="8520600" cy="801000"/>
+          </a:xfrm>
+          <a:prstGeom prst="rect">
+            <a:avLst/>
+          </a:prstGeom>
+        </p:spPr>
+        <p:txBody>
+          <a:bodyPr anchorCtr="0" anchor="t" bIns="91425" lIns="91425" spcFirstLastPara="1" rIns="91425" wrap="square" tIns="91425">
+            <a:normAutofit fontScale="90000"/>
+          </a:bodyPr>
+          <a:lstStyle/>
+          <a:p>
+            <a:pPr indent="0" lvl="0" marL="0" rtl="0" algn="l">
+              <a:spcBef>
+                <a:spcPts val="0"/>
+              </a:spcBef>
+              <a:spcAft>
+                <a:spcPts val="0"/>
+              </a:spcAft>
+              <a:buNone/>
+            </a:pPr>
+            <a:r>
+              <a:rPr lang="en"/>
+              <a:t>Evaluations</a:t>
+            </a:r>
+            <a:endParaRPr/>
+          </a:p>
+        </p:txBody>
+      </p:sp>
+      <p:sp>
+        <p:nvSpPr>
+          <p:cNvPr id="138" name="Google Shape;138;p25"/>
+          <p:cNvSpPr txBox="1"/>
+          <p:nvPr>
+            <p:ph idx="1" type="body"/>
+          </p:nvPr>
+        </p:nvSpPr>
+        <p:spPr>
+          <a:xfrm>
+            <a:off x="333375" y="1224350"/>
+            <a:ext cx="3066000" cy="3340200"/>
+          </a:xfrm>
+          <a:prstGeom prst="rect">
+            <a:avLst/>
+          </a:prstGeom>
+        </p:spPr>
+        <p:txBody>
+          <a:bodyPr anchorCtr="0" anchor="t" bIns="91425" lIns="91425" spcFirstLastPara="1" rIns="91425" wrap="square" tIns="91425">
+            <a:normAutofit/>
+          </a:bodyPr>
+          <a:lstStyle/>
+          <a:p>
+            <a:pPr indent="0" lvl="0" marL="0" rtl="0" algn="l">
+              <a:spcBef>
+                <a:spcPts val="0"/>
+              </a:spcBef>
+              <a:spcAft>
+                <a:spcPts val="0"/>
+              </a:spcAft>
+              <a:buNone/>
+            </a:pPr>
+            <a:r>
+              <a:rPr lang="en"/>
+              <a:t>Explanation</a:t>
+            </a:r>
+            <a:r>
+              <a:rPr lang="en"/>
+              <a:t>:</a:t>
+            </a:r>
+            <a:endParaRPr/>
+          </a:p>
+          <a:p>
+            <a:pPr indent="0" lvl="0" marL="0" rtl="0" algn="l">
+              <a:spcBef>
+                <a:spcPts val="1200"/>
+              </a:spcBef>
+              <a:spcAft>
+                <a:spcPts val="1200"/>
+              </a:spcAft>
+              <a:buNone/>
+            </a:pPr>
+            <a:r>
+              <a:t/>
+            </a:r>
+            <a:endParaRPr/>
+          </a:p>
+        </p:txBody>
+      </p:sp>
+      <p:pic>
+        <p:nvPicPr>
+          <p:cNvPr id="139" name="Google Shape;139;p25"/>
+          <p:cNvPicPr preferRelativeResize="0"/>
+          <p:nvPr/>
+        </p:nvPicPr>
+        <p:blipFill>
+          <a:blip r:embed="rId3">
+            <a:alphaModFix/>
+          </a:blip>
+          <a:stretch>
+            <a:fillRect/>
+          </a:stretch>
+        </p:blipFill>
+        <p:spPr>
+          <a:xfrm>
+            <a:off x="3551775" y="1246250"/>
+            <a:ext cx="5439826" cy="3318301"/>
+          </a:xfrm>
+          <a:prstGeom prst="rect">
+            <a:avLst/>
+          </a:prstGeom>
+          <a:noFill/>
+          <a:ln>
+            <a:noFill/>
+          </a:ln>
+        </p:spPr>
+      </p:pic>
+      <p:pic>
+        <p:nvPicPr>
+          <p:cNvPr id="140" name="Google Shape;140;p25"/>
+          <p:cNvPicPr preferRelativeResize="0"/>
+          <p:nvPr/>
+        </p:nvPicPr>
+        <p:blipFill>
+          <a:blip r:embed="rId4">
+            <a:alphaModFix/>
+          </a:blip>
+          <a:stretch>
+            <a:fillRect/>
+          </a:stretch>
+        </p:blipFill>
+        <p:spPr>
+          <a:xfrm>
+            <a:off x="3551775" y="1262541"/>
+            <a:ext cx="5553976" cy="2618425"/>
+          </a:xfrm>
+          <a:prstGeom prst="rect">
+            <a:avLst/>
+          </a:prstGeom>
+          <a:noFill/>
+          <a:ln>
+            <a:noFill/>
+          </a:ln>
+        </p:spPr>
+      </p:pic>
+    </p:spTree>
+  </p:cSld>
+  <p:clrMapOvr>
+    <a:masterClrMapping/>
+  </p:clrMapOvr>
+</p:sld>
+</file>
+
+<file path=ppt/slides/slide14.xml><?xml version="1.0" encoding="utf-8"?>
+<p:sld xmlns:a="http://schemas.openxmlformats.org/drawingml/2006/main" xmlns:r="http://schemas.openxmlformats.org/officeDocument/2006/relationships" xmlns:mc="http://schemas.openxmlformats.org/markup-compatibility/2006" xmlns:mv="urn:schemas-microsoft-com:mac:vml" xmlns:p="http://schemas.openxmlformats.org/presentationml/2006/main" xmlns:c="http://schemas.openxmlformats.org/drawingml/2006/chart" xmlns:dgm="http://schemas.openxmlformats.org/drawingml/2006/diagram" xmlns:o="urn:schemas-microsoft-com:office:office" xmlns:v="urn:schemas-microsoft-com:vml" xmlns:pvml="urn:schemas-microsoft-com:office:powerpoint" xmlns:com="http://schemas.openxmlformats.org/drawingml/2006/compatibility" xmlns:p14="http://schemas.microsoft.com/office/powerpoint/2010/main" xmlns:p15="http://schemas.microsoft.com/office/powerpoint/2012/main" xmlns:ahyp="http://schemas.microsoft.com/office/drawing/2018/hyperlinkcolor">
+  <p:cSld>
+    <p:spTree>
+      <p:nvGrpSpPr>
+        <p:cNvPr id="144" name="Shape 144"/>
+        <p:cNvGrpSpPr/>
+        <p:nvPr/>
+      </p:nvGrpSpPr>
+      <p:grpSpPr>
+        <a:xfrm>
+          <a:off x="0" y="0"/>
+          <a:ext cx="0" cy="0"/>
+          <a:chOff x="0" y="0"/>
+          <a:chExt cx="0" cy="0"/>
+        </a:xfrm>
+      </p:grpSpPr>
+      <p:sp>
+        <p:nvSpPr>
+          <p:cNvPr id="145" name="Google Shape;145;p26"/>
+          <p:cNvSpPr txBox="1"/>
+          <p:nvPr>
+            <p:ph type="title"/>
+          </p:nvPr>
+        </p:nvSpPr>
+        <p:spPr>
+          <a:xfrm>
+            <a:off x="311700" y="292850"/>
+            <a:ext cx="8520600" cy="801000"/>
+          </a:xfrm>
+          <a:prstGeom prst="rect">
+            <a:avLst/>
+          </a:prstGeom>
+        </p:spPr>
+        <p:txBody>
+          <a:bodyPr anchorCtr="0" anchor="t" bIns="91425" lIns="91425" spcFirstLastPara="1" rIns="91425" wrap="square" tIns="91425">
+            <a:normAutofit fontScale="90000"/>
+          </a:bodyPr>
+          <a:lstStyle/>
+          <a:p>
+            <a:pPr indent="0" lvl="0" marL="0" rtl="0" algn="l">
+              <a:spcBef>
+                <a:spcPts val="0"/>
+              </a:spcBef>
+              <a:spcAft>
+                <a:spcPts val="0"/>
+              </a:spcAft>
+              <a:buNone/>
+            </a:pPr>
+            <a:r>
+              <a:rPr lang="en"/>
+              <a:t>Evaluations</a:t>
+            </a:r>
+            <a:endParaRPr/>
+          </a:p>
+        </p:txBody>
+      </p:sp>
+      <p:sp>
+        <p:nvSpPr>
+          <p:cNvPr id="146" name="Google Shape;146;p26"/>
+          <p:cNvSpPr txBox="1"/>
+          <p:nvPr>
+            <p:ph idx="1" type="body"/>
+          </p:nvPr>
+        </p:nvSpPr>
+        <p:spPr>
+          <a:xfrm>
+            <a:off x="333375" y="1224350"/>
+            <a:ext cx="3066000" cy="3340200"/>
+          </a:xfrm>
+          <a:prstGeom prst="rect">
+            <a:avLst/>
+          </a:prstGeom>
+        </p:spPr>
+        <p:txBody>
+          <a:bodyPr anchorCtr="0" anchor="t" bIns="91425" lIns="91425" spcFirstLastPara="1" rIns="91425" wrap="square" tIns="91425">
+            <a:normAutofit/>
+          </a:bodyPr>
+          <a:lstStyle/>
+          <a:p>
+            <a:pPr indent="0" lvl="0" marL="0" rtl="0" algn="l">
+              <a:spcBef>
+                <a:spcPts val="0"/>
+              </a:spcBef>
+              <a:spcAft>
+                <a:spcPts val="0"/>
+              </a:spcAft>
+              <a:buNone/>
+            </a:pPr>
+            <a:r>
+              <a:rPr lang="en"/>
+              <a:t>Explanation:</a:t>
+            </a:r>
+            <a:endParaRPr/>
+          </a:p>
+          <a:p>
+            <a:pPr indent="0" lvl="0" marL="0" rtl="0" algn="l">
+              <a:spcBef>
+                <a:spcPts val="1200"/>
+              </a:spcBef>
+              <a:spcAft>
+                <a:spcPts val="1200"/>
+              </a:spcAft>
+              <a:buNone/>
+            </a:pPr>
+            <a:r>
+              <a:t/>
+            </a:r>
+            <a:endParaRPr/>
+          </a:p>
+        </p:txBody>
+      </p:sp>
+      <p:pic>
+        <p:nvPicPr>
+          <p:cNvPr id="147" name="Google Shape;147;p26"/>
+          <p:cNvPicPr preferRelativeResize="0"/>
+          <p:nvPr/>
+        </p:nvPicPr>
+        <p:blipFill>
+          <a:blip r:embed="rId3">
+            <a:alphaModFix/>
+          </a:blip>
+          <a:stretch>
+            <a:fillRect/>
+          </a:stretch>
+        </p:blipFill>
+        <p:spPr>
+          <a:xfrm>
+            <a:off x="3399375" y="1093850"/>
+            <a:ext cx="5744626" cy="3784851"/>
+          </a:xfrm>
+          <a:prstGeom prst="rect">
+            <a:avLst/>
+          </a:prstGeom>
+          <a:noFill/>
+          <a:ln>
+            <a:noFill/>
+          </a:ln>
+        </p:spPr>
+      </p:pic>
+    </p:spTree>
+  </p:cSld>
+  <p:clrMapOvr>
+    <a:masterClrMapping/>
+  </p:clrMapOvr>
+</p:sld>
+</file>
+
+<file path=ppt/slides/slide15.xml><?xml version="1.0" encoding="utf-8"?>
+<p:sld xmlns:a="http://schemas.openxmlformats.org/drawingml/2006/main" xmlns:r="http://schemas.openxmlformats.org/officeDocument/2006/relationships" xmlns:mc="http://schemas.openxmlformats.org/markup-compatibility/2006" xmlns:mv="urn:schemas-microsoft-com:mac:vml" xmlns:p="http://schemas.openxmlformats.org/presentationml/2006/main" xmlns:c="http://schemas.openxmlformats.org/drawingml/2006/chart" xmlns:dgm="http://schemas.openxmlformats.org/drawingml/2006/diagram" xmlns:o="urn:schemas-microsoft-com:office:office" xmlns:v="urn:schemas-microsoft-com:vml" xmlns:pvml="urn:schemas-microsoft-com:office:powerpoint" xmlns:com="http://schemas.openxmlformats.org/drawingml/2006/compatibility" xmlns:p14="http://schemas.microsoft.com/office/powerpoint/2010/main" xmlns:p15="http://schemas.microsoft.com/office/powerpoint/2012/main" xmlns:ahyp="http://schemas.microsoft.com/office/drawing/2018/hyperlinkcolor">
+  <p:cSld>
+    <p:spTree>
+      <p:nvGrpSpPr>
+        <p:cNvPr id="151" name="Shape 151"/>
+        <p:cNvGrpSpPr/>
+        <p:nvPr/>
+      </p:nvGrpSpPr>
+      <p:grpSpPr>
+        <a:xfrm>
+          <a:off x="0" y="0"/>
+          <a:ext cx="0" cy="0"/>
+          <a:chOff x="0" y="0"/>
+          <a:chExt cx="0" cy="0"/>
+        </a:xfrm>
+      </p:grpSpPr>
+      <p:sp>
+        <p:nvSpPr>
+          <p:cNvPr id="152" name="Google Shape;152;p27"/>
+          <p:cNvSpPr txBox="1"/>
+          <p:nvPr>
+            <p:ph type="title"/>
+          </p:nvPr>
+        </p:nvSpPr>
+        <p:spPr>
+          <a:xfrm>
+            <a:off x="311700" y="292850"/>
+            <a:ext cx="8520600" cy="801000"/>
+          </a:xfrm>
+          <a:prstGeom prst="rect">
+            <a:avLst/>
+          </a:prstGeom>
+        </p:spPr>
+        <p:txBody>
+          <a:bodyPr anchorCtr="0" anchor="t" bIns="91425" lIns="91425" spcFirstLastPara="1" rIns="91425" wrap="square" tIns="91425">
+            <a:normAutofit fontScale="90000"/>
+          </a:bodyPr>
+          <a:lstStyle/>
+          <a:p>
+            <a:pPr indent="0" lvl="0" marL="0" rtl="0" algn="l">
+              <a:spcBef>
+                <a:spcPts val="0"/>
+              </a:spcBef>
+              <a:spcAft>
+                <a:spcPts val="0"/>
+              </a:spcAft>
+              <a:buNone/>
+            </a:pPr>
+            <a:r>
+              <a:rPr lang="en"/>
+              <a:t>Evaluations - Cont.</a:t>
+            </a:r>
+            <a:endParaRPr/>
+          </a:p>
+        </p:txBody>
+      </p:sp>
+      <p:sp>
+        <p:nvSpPr>
+          <p:cNvPr id="153" name="Google Shape;153;p27"/>
+          <p:cNvSpPr txBox="1"/>
+          <p:nvPr>
+            <p:ph idx="1" type="body"/>
+          </p:nvPr>
+        </p:nvSpPr>
+        <p:spPr>
+          <a:xfrm>
+            <a:off x="311700" y="1228675"/>
+            <a:ext cx="8520600" cy="3340200"/>
+          </a:xfrm>
+          <a:prstGeom prst="rect">
+            <a:avLst/>
+          </a:prstGeom>
+        </p:spPr>
+        <p:txBody>
+          <a:bodyPr anchorCtr="0" anchor="t" bIns="91425" lIns="91425" spcFirstLastPara="1" rIns="91425" wrap="square" tIns="91425">
+            <a:normAutofit/>
+          </a:bodyPr>
+          <a:lstStyle/>
+          <a:p>
+            <a:pPr indent="0" lvl="0" marL="0" rtl="0" algn="l">
+              <a:spcBef>
+                <a:spcPts val="0"/>
+              </a:spcBef>
+              <a:spcAft>
+                <a:spcPts val="1200"/>
+              </a:spcAft>
+              <a:buNone/>
+            </a:pPr>
+            <a:r>
+              <a:t/>
+            </a:r>
+            <a:endParaRPr/>
+          </a:p>
+        </p:txBody>
+      </p:sp>
+      <p:pic>
+        <p:nvPicPr>
+          <p:cNvPr id="154" name="Google Shape;154;p27"/>
+          <p:cNvPicPr preferRelativeResize="0"/>
+          <p:nvPr/>
+        </p:nvPicPr>
+        <p:blipFill>
+          <a:blip r:embed="rId3">
+            <a:alphaModFix/>
+          </a:blip>
+          <a:stretch>
+            <a:fillRect/>
+          </a:stretch>
+        </p:blipFill>
+        <p:spPr>
+          <a:xfrm>
+            <a:off x="3314200" y="1598275"/>
+            <a:ext cx="5811826" cy="3545225"/>
+          </a:xfrm>
+          <a:prstGeom prst="rect">
+            <a:avLst/>
+          </a:prstGeom>
+          <a:noFill/>
+          <a:ln>
+            <a:noFill/>
+          </a:ln>
+        </p:spPr>
+      </p:pic>
     </p:spTree>
   </p:cSld>
   <p:clrMapOvr>
@@ -7154,11 +8950,14 @@
         </p:spPr>
         <p:txBody>
           <a:bodyPr anchorCtr="0" anchor="t" bIns="91425" lIns="91425" spcFirstLastPara="1" rIns="91425" wrap="square" tIns="91425">
-            <a:normAutofit fontScale="90000"/>
+            <a:noAutofit/>
           </a:bodyPr>
           <a:lstStyle/>
           <a:p>
             <a:pPr indent="0" lvl="0" marL="0" rtl="0" algn="l">
+              <a:lnSpc>
+                <a:spcPct val="115000"/>
+              </a:lnSpc>
               <a:spcBef>
                 <a:spcPts val="0"/>
               </a:spcBef>
@@ -7168,10 +8967,49 @@
               <a:buNone/>
             </a:pPr>
             <a:r>
-              <a:rPr lang="en"/>
-              <a:t>Implementation:</a:t>
+              <a:rPr lang="en" sz="3600">
+                <a:solidFill>
+                  <a:srgbClr val="000000"/>
+                </a:solidFill>
+              </a:rPr>
+              <a:t>Lazy Learning:</a:t>
             </a:r>
-            <a:endParaRPr/>
+            <a:r>
+              <a:rPr b="0" lang="en" sz="3600">
+                <a:solidFill>
+                  <a:srgbClr val="000000"/>
+                </a:solidFill>
+              </a:rPr>
+              <a:t> </a:t>
+            </a:r>
+            <a:endParaRPr b="0" sz="3600">
+              <a:solidFill>
+                <a:srgbClr val="000000"/>
+              </a:solidFill>
+            </a:endParaRPr>
+          </a:p>
+          <a:p>
+            <a:pPr indent="0" lvl="0" marL="0" rtl="0" algn="l">
+              <a:spcBef>
+                <a:spcPts val="1200"/>
+              </a:spcBef>
+              <a:spcAft>
+                <a:spcPts val="0"/>
+              </a:spcAft>
+              <a:buNone/>
+            </a:pPr>
+            <a:r>
+              <a:t/>
+            </a:r>
+            <a:endParaRPr sz="1100">
+              <a:solidFill>
+                <a:srgbClr val="000000"/>
+              </a:solidFill>
+              <a:latin typeface="Arial"/>
+              <a:ea typeface="Arial"/>
+              <a:cs typeface="Arial"/>
+              <a:sym typeface="Arial"/>
+            </a:endParaRPr>
           </a:p>
         </p:txBody>
       </p:sp>
@@ -7186,7 +9024,7 @@
         <p:spPr>
           <a:xfrm>
             <a:off x="311700" y="1228675"/>
-            <a:ext cx="4484100" cy="3340200"/>
+            <a:ext cx="3691200" cy="3340200"/>
           </a:xfrm>
           <a:prstGeom prst="rect">
             <a:avLst/>
@@ -7194,7 +9032,7 @@
         </p:spPr>
         <p:txBody>
           <a:bodyPr anchorCtr="0" anchor="t" bIns="91425" lIns="91425" spcFirstLastPara="1" rIns="91425" wrap="square" tIns="91425">
-            <a:normAutofit fontScale="25000"/>
+            <a:noAutofit/>
           </a:bodyPr>
           <a:lstStyle/>
           <a:p>
@@ -7208,158 +9046,105 @@
               <a:buNone/>
             </a:pPr>
             <a:r>
-              <a:rPr lang="en" sz="5413">
-                <a:solidFill>
-                  <a:schemeClr val="dk1"/>
+              <a:rPr lang="en" sz="1500">
+                <a:solidFill>
+                  <a:srgbClr val="000000"/>
                 </a:solidFill>
               </a:rPr>
-              <a:t>Because of its </a:t>
+              <a:t>KNN is considered a  "lazy" algorithm because it does not construct a model during the training phase. </a:t>
             </a:r>
-            <a:r>
-              <a:rPr lang="en" sz="5413">
-                <a:solidFill>
-                  <a:schemeClr val="dk1"/>
-                </a:solidFill>
-              </a:rPr>
-              <a:t>implementation</a:t>
-            </a:r>
-            <a:r>
-              <a:rPr lang="en" sz="5413">
-                <a:solidFill>
-                  <a:schemeClr val="dk1"/>
-                </a:solidFill>
-              </a:rPr>
-              <a:t>, its focuses more on regression or classification tasks. </a:t>
-            </a:r>
-            <a:endParaRPr sz="5413">
+            <a:endParaRPr sz="1500">
               <a:solidFill>
-                <a:schemeClr val="dk1"/>
+                <a:srgbClr val="000000"/>
               </a:solidFill>
             </a:endParaRPr>
           </a:p>
           <a:p>
-            <a:pPr indent="0" lvl="0" marL="0" rtl="0" algn="l">
+            <a:pPr indent="-323850" lvl="0" marL="457200" rtl="0" algn="l">
               <a:spcBef>
                 <a:spcPts val="1200"/>
               </a:spcBef>
               <a:spcAft>
                 <a:spcPts val="0"/>
               </a:spcAft>
-              <a:buNone/>
+              <a:buClr>
+                <a:srgbClr val="000000"/>
+              </a:buClr>
+              <a:buSzPts val="1500"/>
+              <a:buChar char="●"/>
             </a:pPr>
             <a:r>
-              <a:rPr lang="en" sz="5413">
-                <a:solidFill>
-                  <a:schemeClr val="dk1"/>
+              <a:rPr lang="en" sz="1500">
+                <a:solidFill>
+                  <a:srgbClr val="000000"/>
                 </a:solidFill>
               </a:rPr>
-              <a:t>Makes no assumptions, therefore is classified as a non-parametric and instance-based learning method.</a:t>
+              <a:t>It memorizes the entire training dataset and performs computations only when a prediction is requested for a new data point.</a:t>
             </a:r>
-            <a:endParaRPr sz="5413">
+            <a:endParaRPr sz="1500">
               <a:solidFill>
-                <a:schemeClr val="dk1"/>
+                <a:srgbClr val="000000"/>
               </a:solidFill>
             </a:endParaRPr>
           </a:p>
           <a:p>
-            <a:pPr indent="0" lvl="0" marL="0" rtl="0" algn="l">
-              <a:spcBef>
-                <a:spcPts val="1200"/>
-              </a:spcBef>
-              <a:spcAft>
-                <a:spcPts val="0"/>
-              </a:spcAft>
-              <a:buNone/>
+            <a:pPr indent="-323850" lvl="0" marL="457200" rtl="0" algn="l">
+              <a:spcBef>
+                <a:spcPts val="0"/>
+              </a:spcBef>
+              <a:spcAft>
+                <a:spcPts val="0"/>
+              </a:spcAft>
+              <a:buClr>
+                <a:srgbClr val="000000"/>
+              </a:buClr>
+              <a:buSzPts val="1500"/>
+              <a:buChar char="●"/>
             </a:pPr>
             <a:r>
-              <a:rPr lang="en" sz="5413">
-                <a:solidFill>
-                  <a:schemeClr val="dk1"/>
+              <a:rPr lang="en" sz="1500">
+                <a:solidFill>
+                  <a:srgbClr val="000000"/>
                 </a:solidFill>
               </a:rPr>
-              <a:t>“K” refers to to the number of Nearby neighbors the Algorithm would need to look at before making a </a:t>
+              <a:t>Due to this, Optimization of datasets are prioritized.</a:t>
             </a:r>
-            <a:r>
-              <a:rPr lang="en" sz="5413">
-                <a:solidFill>
-                  <a:schemeClr val="dk1"/>
-                </a:solidFill>
-              </a:rPr>
-              <a:t>classification</a:t>
-            </a:r>
-            <a:r>
-              <a:rPr lang="en" sz="5413">
-                <a:solidFill>
-                  <a:schemeClr val="dk1"/>
-                </a:solidFill>
-              </a:rPr>
-              <a:t>.</a:t>
-            </a:r>
-            <a:endParaRPr sz="5413">
+            <a:endParaRPr sz="1500">
               <a:solidFill>
-                <a:schemeClr val="dk1"/>
-              </a:solidFill>
-            </a:endParaRPr>
-          </a:p>
-          <a:p>
-            <a:pPr indent="0" lvl="0" marL="0" rtl="0" algn="l">
-              <a:spcBef>
-                <a:spcPts val="1200"/>
-              </a:spcBef>
-              <a:spcAft>
-                <a:spcPts val="0"/>
-              </a:spcAft>
-              <a:buNone/>
-            </a:pPr>
-            <a:r>
-              <a:t/>
-            </a:r>
-            <a:endParaRPr>
-              <a:solidFill>
-                <a:schemeClr val="dk1"/>
-              </a:solidFill>
-            </a:endParaRPr>
-          </a:p>
-          <a:p>
-            <a:pPr indent="0" lvl="0" marL="0" rtl="0" algn="l">
-              <a:spcBef>
-                <a:spcPts val="1200"/>
-              </a:spcBef>
-              <a:spcAft>
-                <a:spcPts val="0"/>
-              </a:spcAft>
-              <a:buNone/>
-            </a:pPr>
-            <a:r>
-              <a:t/>
-            </a:r>
-            <a:endParaRPr>
-              <a:solidFill>
-                <a:schemeClr val="dk1"/>
-              </a:solidFill>
-            </a:endParaRPr>
-          </a:p>
-          <a:p>
-            <a:pPr indent="0" lvl="0" marL="0" rtl="0" algn="l">
-              <a:spcBef>
-                <a:spcPts val="1200"/>
-              </a:spcBef>
-              <a:spcAft>
-                <a:spcPts val="1200"/>
-              </a:spcAft>
-              <a:buNone/>
-            </a:pPr>
-            <a:r>
-              <a:t/>
-            </a:r>
-            <a:endParaRPr>
-              <a:solidFill>
-                <a:schemeClr val="dk1"/>
+                <a:srgbClr val="000000"/>
               </a:solidFill>
             </a:endParaRPr>
           </a:p>
         </p:txBody>
       </p:sp>
+      <p:pic>
+        <p:nvPicPr>
+          <p:cNvPr id="71" name="Google Shape;71;p15"/>
+          <p:cNvPicPr preferRelativeResize="0"/>
+          <p:nvPr/>
+        </p:nvPicPr>
+        <p:blipFill>
+          <a:blip r:embed="rId3">
+            <a:alphaModFix/>
+          </a:blip>
+          <a:stretch>
+            <a:fillRect/>
+          </a:stretch>
+        </p:blipFill>
+        <p:spPr>
+          <a:xfrm>
+            <a:off x="4240575" y="1093850"/>
+            <a:ext cx="4798466" cy="3744851"/>
+          </a:xfrm>
+          <a:prstGeom prst="rect">
+            <a:avLst/>
+          </a:prstGeom>
+          <a:noFill/>
+          <a:ln>
+            <a:noFill/>
+          </a:ln>
+        </p:spPr>
+      </p:pic>
     </p:spTree>
   </p:cSld>
   <p:clrMapOvr>
@@ -7373,7 +9158,7 @@
   <p:cSld>
     <p:spTree>
       <p:nvGrpSpPr>
-        <p:cNvPr id="74" name="Shape 74"/>
+        <p:cNvPr id="75" name="Shape 75"/>
         <p:cNvGrpSpPr/>
         <p:nvPr/>
       </p:nvGrpSpPr>
@@ -7387,7 +9172,7 @@
       </p:grpSpPr>
       <p:sp>
         <p:nvSpPr>
-          <p:cNvPr id="75" name="Google Shape;75;p16"/>
+          <p:cNvPr id="76" name="Google Shape;76;p16"/>
           <p:cNvSpPr txBox="1"/>
           <p:nvPr>
             <p:ph type="title"/>
@@ -7404,134 +9189,248 @@
         </p:spPr>
         <p:txBody>
           <a:bodyPr anchorCtr="0" anchor="t" bIns="91425" lIns="91425" spcFirstLastPara="1" rIns="91425" wrap="square" tIns="91425">
-            <a:normAutofit fontScale="90000"/>
+            <a:normAutofit/>
           </a:bodyPr>
           <a:lstStyle/>
           <a:p>
             <a:pPr indent="0" lvl="0" marL="0" rtl="0" algn="l">
-              <a:spcBef>
-                <a:spcPts val="0"/>
-              </a:spcBef>
-              <a:spcAft>
-                <a:spcPts val="0"/>
+              <a:lnSpc>
+                <a:spcPct val="115000"/>
+              </a:lnSpc>
+              <a:spcBef>
+                <a:spcPts val="0"/>
+              </a:spcBef>
+              <a:spcAft>
+                <a:spcPts val="1200"/>
               </a:spcAft>
               <a:buNone/>
             </a:pPr>
             <a:r>
-              <a:rPr lang="en"/>
-              <a:t>Design</a:t>
+              <a:rPr lang="en" sz="3600">
+                <a:solidFill>
+                  <a:srgbClr val="000000"/>
+                </a:solidFill>
+              </a:rPr>
+              <a:t>Distance Metrics:</a:t>
+            </a:r>
+            <a:r>
+              <a:rPr b="0" lang="en" sz="3600">
+                <a:solidFill>
+                  <a:srgbClr val="000000"/>
+                </a:solidFill>
+              </a:rPr>
+              <a:t> </a:t>
+            </a:r>
+            <a:endParaRPr sz="3600"/>
+          </a:p>
+        </p:txBody>
+      </p:sp>
+      <p:sp>
+        <p:nvSpPr>
+          <p:cNvPr id="77" name="Google Shape;77;p16"/>
+          <p:cNvSpPr txBox="1"/>
+          <p:nvPr>
+            <p:ph idx="1" type="body"/>
+          </p:nvPr>
+        </p:nvSpPr>
+        <p:spPr>
+          <a:xfrm>
+            <a:off x="311700" y="1228675"/>
+            <a:ext cx="3999900" cy="3340200"/>
+          </a:xfrm>
+          <a:prstGeom prst="rect">
+            <a:avLst/>
+          </a:prstGeom>
+        </p:spPr>
+        <p:txBody>
+          <a:bodyPr anchorCtr="0" anchor="t" bIns="91425" lIns="91425" spcFirstLastPara="1" rIns="91425" wrap="square" tIns="91425">
+            <a:normAutofit fontScale="85000" lnSpcReduction="20000"/>
+          </a:bodyPr>
+          <a:lstStyle/>
+          <a:p>
+            <a:pPr indent="0" lvl="0" marL="0" rtl="0" algn="l">
+              <a:spcBef>
+                <a:spcPts val="0"/>
+              </a:spcBef>
+              <a:spcAft>
+                <a:spcPts val="0"/>
+              </a:spcAft>
+              <a:buNone/>
+            </a:pPr>
+            <a:r>
+              <a:rPr lang="en" sz="1800">
+                <a:solidFill>
+                  <a:srgbClr val="000000"/>
+                </a:solidFill>
+              </a:rPr>
+              <a:t>The core of KNN relies on measuring the "distance" or similarity between data points. </a:t>
+            </a:r>
+            <a:endParaRPr sz="1800">
+              <a:solidFill>
+                <a:srgbClr val="000000"/>
+              </a:solidFill>
+            </a:endParaRPr>
+          </a:p>
+          <a:p>
+            <a:pPr indent="-325755" lvl="0" marL="457200" rtl="0" algn="l">
+              <a:spcBef>
+                <a:spcPts val="1200"/>
+              </a:spcBef>
+              <a:spcAft>
+                <a:spcPts val="0"/>
+              </a:spcAft>
+              <a:buClr>
+                <a:srgbClr val="000000"/>
+              </a:buClr>
+              <a:buSzPct val="100000"/>
+              <a:buChar char="●"/>
+            </a:pPr>
+            <a:r>
+              <a:rPr lang="en" sz="1800">
+                <a:solidFill>
+                  <a:srgbClr val="000000"/>
+                </a:solidFill>
+              </a:rPr>
+              <a:t>Common distance metrics include </a:t>
+            </a:r>
+            <a:endParaRPr sz="1800">
+              <a:solidFill>
+                <a:srgbClr val="000000"/>
+              </a:solidFill>
+            </a:endParaRPr>
+          </a:p>
+          <a:p>
+            <a:pPr indent="-325755" lvl="1" marL="914400" rtl="0" algn="l">
+              <a:spcBef>
+                <a:spcPts val="0"/>
+              </a:spcBef>
+              <a:spcAft>
+                <a:spcPts val="0"/>
+              </a:spcAft>
+              <a:buClr>
+                <a:srgbClr val="000000"/>
+              </a:buClr>
+              <a:buSzPct val="100000"/>
+              <a:buChar char="○"/>
+            </a:pPr>
+            <a:r>
+              <a:rPr lang="en" sz="1800">
+                <a:solidFill>
+                  <a:srgbClr val="000000"/>
+                </a:solidFill>
+              </a:rPr>
+              <a:t>Euclidean distance, </a:t>
+            </a:r>
+            <a:endParaRPr sz="1800">
+              <a:solidFill>
+                <a:srgbClr val="000000"/>
+              </a:solidFill>
+            </a:endParaRPr>
+          </a:p>
+          <a:p>
+            <a:pPr indent="-325755" lvl="1" marL="914400" rtl="0" algn="l">
+              <a:spcBef>
+                <a:spcPts val="0"/>
+              </a:spcBef>
+              <a:spcAft>
+                <a:spcPts val="0"/>
+              </a:spcAft>
+              <a:buClr>
+                <a:srgbClr val="000000"/>
+              </a:buClr>
+              <a:buSzPct val="100000"/>
+              <a:buChar char="○"/>
+            </a:pPr>
+            <a:r>
+              <a:rPr lang="en" sz="1800">
+                <a:solidFill>
+                  <a:srgbClr val="000000"/>
+                </a:solidFill>
+              </a:rPr>
+              <a:t>Manhattan distance, </a:t>
+            </a:r>
+            <a:endParaRPr sz="1800">
+              <a:solidFill>
+                <a:srgbClr val="000000"/>
+              </a:solidFill>
+            </a:endParaRPr>
+          </a:p>
+          <a:p>
+            <a:pPr indent="-325755" lvl="1" marL="914400" rtl="0" algn="l">
+              <a:spcBef>
+                <a:spcPts val="0"/>
+              </a:spcBef>
+              <a:spcAft>
+                <a:spcPts val="0"/>
+              </a:spcAft>
+              <a:buClr>
+                <a:srgbClr val="000000"/>
+              </a:buClr>
+              <a:buSzPct val="100000"/>
+              <a:buChar char="○"/>
+            </a:pPr>
+            <a:r>
+              <a:rPr lang="en" sz="1800">
+                <a:solidFill>
+                  <a:srgbClr val="000000"/>
+                </a:solidFill>
+              </a:rPr>
+              <a:t>Minkowski distance. </a:t>
+            </a:r>
+            <a:endParaRPr sz="1800">
+              <a:solidFill>
+                <a:srgbClr val="000000"/>
+              </a:solidFill>
+            </a:endParaRPr>
+          </a:p>
+          <a:p>
+            <a:pPr indent="-325755" lvl="0" marL="457200" rtl="0" algn="l">
+              <a:spcBef>
+                <a:spcPts val="0"/>
+              </a:spcBef>
+              <a:spcAft>
+                <a:spcPts val="0"/>
+              </a:spcAft>
+              <a:buClr>
+                <a:srgbClr val="000000"/>
+              </a:buClr>
+              <a:buSzPct val="100000"/>
+              <a:buChar char="●"/>
+            </a:pPr>
+            <a:r>
+              <a:rPr lang="en" sz="1800">
+                <a:solidFill>
+                  <a:srgbClr val="000000"/>
+                </a:solidFill>
+              </a:rPr>
+              <a:t>The choice of metric can significantly impact performance.</a:t>
+            </a:r>
+            <a:endParaRPr sz="1800">
+              <a:solidFill>
+                <a:srgbClr val="000000"/>
+              </a:solidFill>
+            </a:endParaRPr>
+          </a:p>
+          <a:p>
+            <a:pPr indent="0" lvl="0" marL="0" rtl="0" algn="l">
+              <a:spcBef>
+                <a:spcPts val="1200"/>
+              </a:spcBef>
+              <a:spcAft>
+                <a:spcPts val="1200"/>
+              </a:spcAft>
+              <a:buNone/>
+            </a:pPr>
+            <a:r>
+              <a:t/>
             </a:r>
             <a:endParaRPr/>
           </a:p>
         </p:txBody>
       </p:sp>
-      <p:sp>
-        <p:nvSpPr>
-          <p:cNvPr id="76" name="Google Shape;76;p16"/>
-          <p:cNvSpPr txBox="1"/>
-          <p:nvPr>
-            <p:ph idx="1" type="body"/>
-          </p:nvPr>
-        </p:nvSpPr>
-        <p:spPr>
-          <a:xfrm>
-            <a:off x="311700" y="1228675"/>
-            <a:ext cx="5233500" cy="3340200"/>
-          </a:xfrm>
-          <a:prstGeom prst="rect">
-            <a:avLst/>
-          </a:prstGeom>
-        </p:spPr>
-        <p:txBody>
-          <a:bodyPr anchorCtr="0" anchor="t" bIns="91425" lIns="91425" spcFirstLastPara="1" rIns="91425" wrap="square" tIns="91425">
-            <a:normAutofit fontScale="92500" lnSpcReduction="20000"/>
-          </a:bodyPr>
-          <a:lstStyle/>
-          <a:p>
-            <a:pPr indent="0" lvl="0" marL="0" rtl="0" algn="l">
-              <a:spcBef>
-                <a:spcPts val="0"/>
-              </a:spcBef>
-              <a:spcAft>
-                <a:spcPts val="0"/>
-              </a:spcAft>
-              <a:buNone/>
-            </a:pPr>
-            <a:r>
-              <a:rPr lang="en" sz="1150">
-                <a:solidFill>
-                  <a:schemeClr val="dk1"/>
-                </a:solidFill>
-              </a:rPr>
-              <a:t>The algorithm first gets the raw data from the file. In the example listed, we used csv or excel files for our data. The data would then get broken down for common attributes. In the data, we have the luxury to having the attributes defined for us.</a:t>
-            </a:r>
-            <a:endParaRPr sz="1150">
-              <a:solidFill>
-                <a:schemeClr val="dk1"/>
-              </a:solidFill>
-            </a:endParaRPr>
-          </a:p>
-          <a:p>
-            <a:pPr indent="-334327" lvl="0" marL="457200" rtl="0" algn="l">
-              <a:spcBef>
-                <a:spcPts val="1200"/>
-              </a:spcBef>
-              <a:spcAft>
-                <a:spcPts val="0"/>
-              </a:spcAft>
-              <a:buClr>
-                <a:schemeClr val="dk1"/>
-              </a:buClr>
-              <a:buSzPct val="100000"/>
-              <a:buChar char="●"/>
-            </a:pPr>
-            <a:r>
-              <a:rPr lang="en">
-                <a:solidFill>
-                  <a:schemeClr val="dk1"/>
-                </a:solidFill>
-              </a:rPr>
-              <a:t>The data stored would later be sorted by values, in accordance to their … . Because the data we would be processing mainly focuses on numbers and integers, we didn’t design the sorting algorithm to handle strings, just issued a warning.</a:t>
-            </a:r>
-            <a:endParaRPr>
-              <a:solidFill>
-                <a:schemeClr val="dk1"/>
-              </a:solidFill>
-            </a:endParaRPr>
-          </a:p>
-          <a:p>
-            <a:pPr indent="-334327" lvl="0" marL="457200" rtl="0" algn="l">
-              <a:spcBef>
-                <a:spcPts val="0"/>
-              </a:spcBef>
-              <a:spcAft>
-                <a:spcPts val="0"/>
-              </a:spcAft>
-              <a:buClr>
-                <a:schemeClr val="dk1"/>
-              </a:buClr>
-              <a:buSzPct val="100000"/>
-              <a:buChar char="●"/>
-            </a:pPr>
-            <a:r>
-              <a:rPr lang="en">
-                <a:solidFill>
-                  <a:schemeClr val="dk1"/>
-                </a:solidFill>
-              </a:rPr>
-              <a:t>As the data is </a:t>
-            </a:r>
-            <a:endParaRPr>
-              <a:solidFill>
-                <a:schemeClr val="dk1"/>
-              </a:solidFill>
-            </a:endParaRPr>
-          </a:p>
-        </p:txBody>
-      </p:sp>
       <p:pic>
         <p:nvPicPr>
-          <p:cNvPr id="77" name="Google Shape;77;p16"/>
+          <p:cNvPr id="78" name="Google Shape;78;p16"/>
           <p:cNvPicPr preferRelativeResize="0"/>
           <p:nvPr/>
         </p:nvPicPr>
@@ -7545,8 +9444,8 @@
         </p:blipFill>
         <p:spPr>
           <a:xfrm>
-            <a:off x="5596425" y="1634775"/>
-            <a:ext cx="3547575" cy="1647575"/>
+            <a:off x="4459725" y="1228675"/>
+            <a:ext cx="4684276" cy="3914825"/>
           </a:xfrm>
           <a:prstGeom prst="rect">
             <a:avLst/>
@@ -7557,6 +9456,45 @@
           </a:ln>
         </p:spPr>
       </p:pic>
+      <p:sp>
+        <p:nvSpPr>
+          <p:cNvPr id="79" name="Google Shape;79;p16"/>
+          <p:cNvSpPr txBox="1"/>
+          <p:nvPr>
+            <p:ph idx="2" type="body"/>
+          </p:nvPr>
+        </p:nvSpPr>
+        <p:spPr>
+          <a:xfrm>
+            <a:off x="4832400" y="1228675"/>
+            <a:ext cx="3999900" cy="3340200"/>
+          </a:xfrm>
+          <a:prstGeom prst="rect">
+            <a:avLst/>
+          </a:prstGeom>
+        </p:spPr>
+        <p:txBody>
+          <a:bodyPr anchorCtr="0" anchor="t" bIns="91425" lIns="91425" spcFirstLastPara="1" rIns="91425" wrap="square" tIns="91425">
+            <a:normAutofit/>
+          </a:bodyPr>
+          <a:lstStyle/>
+          <a:p>
+            <a:pPr indent="0" lvl="0" marL="0" rtl="0" algn="l">
+              <a:spcBef>
+                <a:spcPts val="0"/>
+              </a:spcBef>
+              <a:spcAft>
+                <a:spcPts val="1200"/>
+              </a:spcAft>
+              <a:buNone/>
+            </a:pPr>
+            <a:r>
+              <a:t/>
+            </a:r>
+            <a:endParaRPr/>
+          </a:p>
+        </p:txBody>
+      </p:sp>
     </p:spTree>
   </p:cSld>
   <p:clrMapOvr>
@@ -7570,7 +9508,7 @@
   <p:cSld>
     <p:spTree>
       <p:nvGrpSpPr>
-        <p:cNvPr id="81" name="Shape 81"/>
+        <p:cNvPr id="83" name="Shape 83"/>
         <p:cNvGrpSpPr/>
         <p:nvPr/>
       </p:nvGrpSpPr>
@@ -7584,7 +9522,7 @@
       </p:grpSpPr>
       <p:sp>
         <p:nvSpPr>
-          <p:cNvPr id="82" name="Google Shape;82;p17"/>
+          <p:cNvPr id="84" name="Google Shape;84;p17"/>
           <p:cNvSpPr txBox="1"/>
           <p:nvPr>
             <p:ph type="title"/>
@@ -7601,11 +9539,14 @@
         </p:spPr>
         <p:txBody>
           <a:bodyPr anchorCtr="0" anchor="t" bIns="91425" lIns="91425" spcFirstLastPara="1" rIns="91425" wrap="square" tIns="91425">
-            <a:normAutofit fontScale="90000"/>
+            <a:noAutofit/>
           </a:bodyPr>
           <a:lstStyle/>
           <a:p>
             <a:pPr indent="0" lvl="0" marL="0" rtl="0" algn="l">
+              <a:lnSpc>
+                <a:spcPct val="115000"/>
+              </a:lnSpc>
               <a:spcBef>
                 <a:spcPts val="0"/>
               </a:spcBef>
@@ -7615,8 +9556,47 @@
               <a:buNone/>
             </a:pPr>
             <a:r>
-              <a:rPr lang="en"/>
-              <a:t>Training Scheme?</a:t>
+              <a:rPr lang="en" sz="3600">
+                <a:solidFill>
+                  <a:srgbClr val="000000"/>
+                </a:solidFill>
+              </a:rPr>
+              <a:t>T</a:t>
+            </a:r>
+            <a:r>
+              <a:rPr lang="en" sz="3600">
+                <a:solidFill>
+                  <a:srgbClr val="000000"/>
+                </a:solidFill>
+              </a:rPr>
+              <a:t>he 'K' Value:</a:t>
+            </a:r>
+            <a:r>
+              <a:rPr b="0" lang="en" sz="3600">
+                <a:solidFill>
+                  <a:srgbClr val="000000"/>
+                </a:solidFill>
+              </a:rPr>
+              <a:t> </a:t>
+            </a:r>
+            <a:endParaRPr b="0" sz="3600">
+              <a:solidFill>
+                <a:srgbClr val="000000"/>
+              </a:solidFill>
+            </a:endParaRPr>
+          </a:p>
+          <a:p>
+            <a:pPr indent="0" lvl="0" marL="0" rtl="0" algn="l">
+              <a:spcBef>
+                <a:spcPts val="1200"/>
+              </a:spcBef>
+              <a:spcAft>
+                <a:spcPts val="0"/>
+              </a:spcAft>
+              <a:buNone/>
+            </a:pPr>
+            <a:r>
+              <a:t/>
             </a:r>
             <a:endParaRPr/>
           </a:p>
@@ -7624,7 +9604,7 @@
       </p:sp>
       <p:sp>
         <p:nvSpPr>
-          <p:cNvPr id="83" name="Google Shape;83;p17"/>
+          <p:cNvPr id="85" name="Google Shape;85;p17"/>
           <p:cNvSpPr txBox="1"/>
           <p:nvPr>
             <p:ph idx="1" type="body"/>
@@ -7633,7 +9613,7 @@
         <p:spPr>
           <a:xfrm>
             <a:off x="311700" y="1228675"/>
-            <a:ext cx="8520600" cy="3340200"/>
+            <a:ext cx="3430800" cy="3340200"/>
           </a:xfrm>
           <a:prstGeom prst="rect">
             <a:avLst/>
@@ -7641,123 +9621,64 @@
         </p:spPr>
         <p:txBody>
           <a:bodyPr anchorCtr="0" anchor="t" bIns="91425" lIns="91425" spcFirstLastPara="1" rIns="91425" wrap="square" tIns="91425">
-            <a:normAutofit/>
+            <a:normAutofit fontScale="92500" lnSpcReduction="10000"/>
           </a:bodyPr>
           <a:lstStyle/>
           <a:p>
-            <a:pPr indent="-342900" lvl="0" marL="457200" rtl="0" algn="l">
-              <a:spcBef>
-                <a:spcPts val="0"/>
-              </a:spcBef>
-              <a:spcAft>
-                <a:spcPts val="0"/>
-              </a:spcAft>
-              <a:buClr>
-                <a:schemeClr val="dk1"/>
-              </a:buClr>
-              <a:buSzPts val="1800"/>
-              <a:buChar char="●"/>
+            <a:pPr indent="0" lvl="0" marL="0" rtl="0" algn="l">
+              <a:spcBef>
+                <a:spcPts val="0"/>
+              </a:spcBef>
+              <a:spcAft>
+                <a:spcPts val="0"/>
+              </a:spcAft>
+              <a:buNone/>
             </a:pPr>
             <a:r>
-              <a:rPr lang="en">
-                <a:solidFill>
-                  <a:schemeClr val="dk1"/>
+              <a:rPr lang="en" sz="1100">
+                <a:solidFill>
+                  <a:srgbClr val="000000"/>
                 </a:solidFill>
               </a:rPr>
-              <a:t>K-NN algorithms don’t </a:t>
+              <a:t>This parameter determines the number of nearest neighbors to consider when making a prediction.</a:t>
             </a:r>
-            <a:r>
-              <a:rPr i="1" lang="en">
-                <a:solidFill>
-                  <a:schemeClr val="dk1"/>
-                </a:solidFill>
-              </a:rPr>
-              <a:t>necessarily</a:t>
-            </a:r>
-            <a:r>
-              <a:rPr i="1" lang="en">
-                <a:solidFill>
-                  <a:schemeClr val="dk1"/>
-                </a:solidFill>
-              </a:rPr>
-              <a:t> </a:t>
-            </a:r>
-            <a:r>
-              <a:rPr lang="en">
-                <a:solidFill>
-                  <a:schemeClr val="dk1"/>
-                </a:solidFill>
-              </a:rPr>
-              <a:t> learn from </a:t>
-            </a:r>
-            <a:r>
-              <a:rPr lang="en">
-                <a:solidFill>
-                  <a:schemeClr val="dk1"/>
-                </a:solidFill>
-              </a:rPr>
-              <a:t>training</a:t>
-            </a:r>
-            <a:r>
-              <a:rPr lang="en">
-                <a:solidFill>
-                  <a:schemeClr val="dk1"/>
-                </a:solidFill>
-              </a:rPr>
-              <a:t> sets, as it’s a “lazy learner”. </a:t>
-            </a:r>
-            <a:endParaRPr>
+            <a:endParaRPr sz="1100">
               <a:solidFill>
-                <a:schemeClr val="dk1"/>
+                <a:srgbClr val="000000"/>
               </a:solidFill>
             </a:endParaRPr>
           </a:p>
           <a:p>
-            <a:pPr indent="-317500" lvl="1" marL="914400" rtl="0" algn="l">
-              <a:spcBef>
-                <a:spcPts val="0"/>
+            <a:pPr indent="-293211" lvl="0" marL="457200" rtl="0" algn="l">
+              <a:spcBef>
+                <a:spcPts val="1200"/>
               </a:spcBef>
               <a:spcAft>
                 <a:spcPts val="0"/>
               </a:spcAft>
               <a:buClr>
-                <a:schemeClr val="dk1"/>
+                <a:srgbClr val="000000"/>
               </a:buClr>
-              <a:buSzPts val="1400"/>
-              <a:buChar char="○"/>
+              <a:buSzPct val="100000"/>
+              <a:buFont typeface="Source Code Pro"/>
+              <a:buChar char="●"/>
             </a:pPr>
             <a:r>
-              <a:rPr lang="en">
-                <a:solidFill>
-                  <a:schemeClr val="dk1"/>
+              <a:rPr lang="en" sz="1100">
+                <a:solidFill>
+                  <a:srgbClr val="000000"/>
                 </a:solidFill>
               </a:rPr>
-              <a:t>They instead store data and perform the computations at the time of </a:t>
+              <a:t>For classification, the new data point is assigned the class that is most frequent among its K nearest neighbors (majority voting).</a:t>
             </a:r>
-            <a:r>
-              <a:rPr lang="en">
-                <a:solidFill>
-                  <a:schemeClr val="dk1"/>
-                </a:solidFill>
-              </a:rPr>
-              <a:t>classification</a:t>
-            </a:r>
-            <a:r>
-              <a:rPr lang="en">
-                <a:solidFill>
-                  <a:schemeClr val="dk1"/>
-                </a:solidFill>
-              </a:rPr>
-              <a:t>. </a:t>
-            </a:r>
-            <a:endParaRPr>
+            <a:endParaRPr sz="1100">
               <a:solidFill>
-                <a:schemeClr val="dk1"/>
+                <a:srgbClr val="000000"/>
               </a:solidFill>
             </a:endParaRPr>
           </a:p>
           <a:p>
-            <a:pPr indent="-317500" lvl="1" marL="914400" rtl="0" algn="l">
+            <a:pPr indent="-293211" lvl="0" marL="457200" rtl="0" algn="l">
               <a:spcBef>
                 <a:spcPts val="0"/>
               </a:spcBef>
@@ -7765,75 +9686,28 @@
                 <a:spcPts val="0"/>
               </a:spcAft>
               <a:buClr>
-                <a:schemeClr val="dk1"/>
+                <a:srgbClr val="000000"/>
               </a:buClr>
-              <a:buSzPts val="1400"/>
-              <a:buChar char="○"/>
+              <a:buSzPct val="100000"/>
+              <a:buFont typeface="Source Code Pro"/>
+              <a:buChar char="●"/>
             </a:pPr>
             <a:r>
-              <a:rPr lang="en">
-                <a:solidFill>
-                  <a:schemeClr val="dk1"/>
+              <a:rPr lang="en" sz="1100">
+                <a:solidFill>
+                  <a:srgbClr val="000000"/>
                 </a:solidFill>
               </a:rPr>
-              <a:t>For example, if there had to been a table of data, preferenced with the data </a:t>
+              <a:t>For regression, the predicted value for the new data point is typically the mean or median of the values of its K nearest neighbors.</a:t>
             </a:r>
-            <a:r>
-              <a:rPr lang="en">
-                <a:solidFill>
-                  <a:schemeClr val="dk1"/>
-                </a:solidFill>
-              </a:rPr>
-              <a:t>containing</a:t>
-            </a:r>
-            <a:r>
-              <a:rPr lang="en">
-                <a:solidFill>
-                  <a:schemeClr val="dk1"/>
-                </a:solidFill>
-              </a:rPr>
-              <a:t> two features, Then the algorithm would decide that any new data would be </a:t>
-            </a:r>
-            <a:r>
-              <a:rPr lang="en">
-                <a:solidFill>
-                  <a:schemeClr val="dk1"/>
-                </a:solidFill>
-              </a:rPr>
-              <a:t>classified</a:t>
-            </a:r>
-            <a:r>
-              <a:rPr lang="en">
-                <a:solidFill>
-                  <a:schemeClr val="dk1"/>
-                </a:solidFill>
-              </a:rPr>
-              <a:t> as being </a:t>
-            </a:r>
-            <a:r>
-              <a:rPr lang="en">
-                <a:solidFill>
-                  <a:schemeClr val="dk1"/>
-                </a:solidFill>
-              </a:rPr>
-              <a:t>within</a:t>
-            </a:r>
-            <a:r>
-              <a:rPr lang="en">
-                <a:solidFill>
-                  <a:schemeClr val="dk1"/>
-                </a:solidFill>
-              </a:rPr>
-              <a:t> either of those two groups or an outlier.</a:t>
-            </a:r>
-            <a:endParaRPr>
+            <a:endParaRPr sz="1100">
               <a:solidFill>
-                <a:schemeClr val="dk1"/>
+                <a:srgbClr val="000000"/>
               </a:solidFill>
             </a:endParaRPr>
           </a:p>
           <a:p>
-            <a:pPr indent="-342900" lvl="0" marL="457200" rtl="0" algn="l">
+            <a:pPr indent="-293211" lvl="0" marL="457200" rtl="0" algn="l">
               <a:spcBef>
                 <a:spcPts val="0"/>
               </a:spcBef>
@@ -7841,51 +9715,52 @@
                 <a:spcPts val="0"/>
               </a:spcAft>
               <a:buClr>
-                <a:schemeClr val="dk1"/>
+                <a:srgbClr val="000000"/>
               </a:buClr>
-              <a:buSzPts val="1800"/>
+              <a:buSzPct val="100000"/>
+              <a:buFont typeface="Source Code Pro"/>
               <a:buChar char="●"/>
             </a:pPr>
             <a:r>
-              <a:rPr lang="en">
-                <a:solidFill>
-                  <a:schemeClr val="dk1"/>
+              <a:rPr lang="en" sz="1100">
+                <a:solidFill>
+                  <a:srgbClr val="000000"/>
                 </a:solidFill>
               </a:rPr>
-              <a:t>Diabetes and </a:t>
+              <a:t>Choosing an optimal 'K' is crucial, as too small a 'K' can make the model sensitive to noise, while too large a 'K' can lead to over-smoothing and underfitting. An odd 'K' is often preferred in classification to avoid ties.</a:t>
             </a:r>
-            <a:r>
-              <a:rPr lang="en">
-                <a:solidFill>
-                  <a:schemeClr val="dk1"/>
-                </a:solidFill>
-              </a:rPr>
-              <a:t>Glucose</a:t>
-            </a:r>
-            <a:r>
-              <a:rPr lang="en">
-                <a:solidFill>
-                  <a:schemeClr val="dk1"/>
-                </a:solidFill>
-              </a:rPr>
-              <a:t> CSV files will be fed into the algorithm, studying for trends </a:t>
-            </a:r>
-            <a:r>
-              <a:rPr lang="en">
-                <a:solidFill>
-                  <a:schemeClr val="dk1"/>
-                </a:solidFill>
-              </a:rPr>
-              <a:t>among the data to see if there are any trends in information.</a:t>
-            </a:r>
-            <a:endParaRPr>
-              <a:solidFill>
-                <a:schemeClr val="dk1"/>
-              </a:solidFill>
-            </a:endParaRPr>
+            <a:endParaRPr/>
           </a:p>
         </p:txBody>
       </p:sp>
+      <p:pic>
+        <p:nvPicPr>
+          <p:cNvPr id="86" name="Google Shape;86;p17"/>
+          <p:cNvPicPr preferRelativeResize="0"/>
+          <p:nvPr/>
+        </p:nvPicPr>
+        <p:blipFill>
+          <a:blip r:embed="rId3">
+            <a:alphaModFix/>
+          </a:blip>
+          <a:stretch>
+            <a:fillRect/>
+          </a:stretch>
+        </p:blipFill>
+        <p:spPr>
+          <a:xfrm>
+            <a:off x="4974675" y="1250950"/>
+            <a:ext cx="3857625" cy="3295650"/>
+          </a:xfrm>
+          <a:prstGeom prst="rect">
+            <a:avLst/>
+          </a:prstGeom>
+          <a:noFill/>
+          <a:ln>
+            <a:noFill/>
+          </a:ln>
+        </p:spPr>
+      </p:pic>
     </p:spTree>
   </p:cSld>
   <p:clrMapOvr>
@@ -7899,7 +9774,7 @@
   <p:cSld>
     <p:spTree>
       <p:nvGrpSpPr>
-        <p:cNvPr id="87" name="Shape 87"/>
+        <p:cNvPr id="90" name="Shape 90"/>
         <p:cNvGrpSpPr/>
         <p:nvPr/>
       </p:nvGrpSpPr>
@@ -7913,7 +9788,7 @@
       </p:grpSpPr>
       <p:sp>
         <p:nvSpPr>
-          <p:cNvPr id="88" name="Google Shape;88;p18"/>
+          <p:cNvPr id="91" name="Google Shape;91;p18"/>
           <p:cNvSpPr txBox="1"/>
           <p:nvPr>
             <p:ph type="title"/>
@@ -7921,20 +9796,20 @@
         </p:nvSpPr>
         <p:spPr>
           <a:xfrm>
-            <a:off x="311700" y="292850"/>
-            <a:ext cx="8520600" cy="801000"/>
+            <a:off x="311700" y="1240275"/>
+            <a:ext cx="8520600" cy="1981800"/>
           </a:xfrm>
           <a:prstGeom prst="rect">
             <a:avLst/>
           </a:prstGeom>
         </p:spPr>
         <p:txBody>
-          <a:bodyPr anchorCtr="0" anchor="t" bIns="91425" lIns="91425" spcFirstLastPara="1" rIns="91425" wrap="square" tIns="91425">
+          <a:bodyPr anchorCtr="0" anchor="b" bIns="91425" lIns="91425" spcFirstLastPara="1" rIns="91425" wrap="square" tIns="91425">
             <a:normAutofit fontScale="90000"/>
           </a:bodyPr>
           <a:lstStyle/>
           <a:p>
-            <a:pPr indent="0" lvl="0" marL="0" rtl="0" algn="l">
+            <a:pPr indent="0" lvl="0" marL="0" rtl="0" algn="ctr">
               <a:spcBef>
                 <a:spcPts val="0"/>
               </a:spcBef>
@@ -7945,46 +9820,7 @@
             </a:pPr>
             <a:r>
               <a:rPr lang="en"/>
-              <a:t>Optimization (Calculations)</a:t>
-            </a:r>
-            <a:endParaRPr/>
-          </a:p>
-        </p:txBody>
-      </p:sp>
-      <p:sp>
-        <p:nvSpPr>
-          <p:cNvPr id="89" name="Google Shape;89;p18"/>
-          <p:cNvSpPr txBox="1"/>
-          <p:nvPr>
-            <p:ph idx="1" type="body"/>
-          </p:nvPr>
-        </p:nvSpPr>
-        <p:spPr>
-          <a:xfrm>
-            <a:off x="311700" y="1228675"/>
-            <a:ext cx="8520600" cy="3340200"/>
-          </a:xfrm>
-          <a:prstGeom prst="rect">
-            <a:avLst/>
-          </a:prstGeom>
-        </p:spPr>
-        <p:txBody>
-          <a:bodyPr anchorCtr="0" anchor="t" bIns="91425" lIns="91425" spcFirstLastPara="1" rIns="91425" wrap="square" tIns="91425">
-            <a:normAutofit/>
-          </a:bodyPr>
-          <a:lstStyle/>
-          <a:p>
-            <a:pPr indent="0" lvl="0" marL="0" rtl="0" algn="l">
-              <a:spcBef>
-                <a:spcPts val="0"/>
-              </a:spcBef>
-              <a:spcAft>
-                <a:spcPts val="1200"/>
-              </a:spcAft>
-              <a:buNone/>
-            </a:pPr>
-            <a:r>
-              <a:t/>
+              <a:t>Issues</a:t>
             </a:r>
             <a:endParaRPr/>
           </a:p>
@@ -8003,7 +9839,7 @@
   <p:cSld>
     <p:spTree>
       <p:nvGrpSpPr>
-        <p:cNvPr id="93" name="Shape 93"/>
+        <p:cNvPr id="95" name="Shape 95"/>
         <p:cNvGrpSpPr/>
         <p:nvPr/>
       </p:nvGrpSpPr>
@@ -8017,7 +9853,7 @@
       </p:grpSpPr>
       <p:sp>
         <p:nvSpPr>
-          <p:cNvPr id="94" name="Google Shape;94;p19"/>
+          <p:cNvPr id="96" name="Google Shape;96;p19"/>
           <p:cNvSpPr txBox="1"/>
           <p:nvPr>
             <p:ph type="title"/>
@@ -8027,46 +9863,6 @@
           <a:xfrm>
             <a:off x="311700" y="292850"/>
             <a:ext cx="8520600" cy="801000"/>
-          </a:xfrm>
-          <a:prstGeom prst="rect">
-            <a:avLst/>
-          </a:prstGeom>
-        </p:spPr>
-        <p:txBody>
-          <a:bodyPr anchorCtr="0" anchor="t" bIns="91425" lIns="91425" spcFirstLastPara="1" rIns="91425" wrap="square" tIns="91425">
-            <a:normAutofit fontScale="90000"/>
-          </a:bodyPr>
-          <a:lstStyle/>
-          <a:p>
-            <a:pPr indent="0" lvl="0" marL="0" rtl="0" algn="l">
-              <a:spcBef>
-                <a:spcPts val="0"/>
-              </a:spcBef>
-              <a:spcAft>
-                <a:spcPts val="0"/>
-              </a:spcAft>
-              <a:buNone/>
-            </a:pPr>
-            <a:r>
-              <a:rPr lang="en"/>
-              <a:t>Evaluations</a:t>
-            </a:r>
-            <a:endParaRPr/>
-          </a:p>
-        </p:txBody>
-      </p:sp>
-      <p:sp>
-        <p:nvSpPr>
-          <p:cNvPr id="95" name="Google Shape;95;p19"/>
-          <p:cNvSpPr txBox="1"/>
-          <p:nvPr>
-            <p:ph idx="1" type="body"/>
-          </p:nvPr>
-        </p:nvSpPr>
-        <p:spPr>
-          <a:xfrm>
-            <a:off x="311700" y="1228675"/>
-            <a:ext cx="8520600" cy="3340200"/>
           </a:xfrm>
           <a:prstGeom prst="rect">
             <a:avLst/>
@@ -8079,8 +9875,111 @@
           <a:lstStyle/>
           <a:p>
             <a:pPr indent="0" lvl="0" marL="0" rtl="0" algn="l">
-              <a:spcBef>
-                <a:spcPts val="0"/>
+              <a:lnSpc>
+                <a:spcPct val="115000"/>
+              </a:lnSpc>
+              <a:spcBef>
+                <a:spcPts val="0"/>
+              </a:spcBef>
+              <a:spcAft>
+                <a:spcPts val="1200"/>
+              </a:spcAft>
+              <a:buNone/>
+            </a:pPr>
+            <a:r>
+              <a:rPr lang="en" sz="3600">
+                <a:solidFill>
+                  <a:srgbClr val="000000"/>
+                </a:solidFill>
+              </a:rPr>
+              <a:t>Sensitivity to Feature Scaling and Irrelevant Features:</a:t>
+            </a:r>
+            <a:endParaRPr sz="3600"/>
+          </a:p>
+        </p:txBody>
+      </p:sp>
+      <p:sp>
+        <p:nvSpPr>
+          <p:cNvPr id="97" name="Google Shape;97;p19"/>
+          <p:cNvSpPr txBox="1"/>
+          <p:nvPr>
+            <p:ph idx="1" type="body"/>
+          </p:nvPr>
+        </p:nvSpPr>
+        <p:spPr>
+          <a:xfrm>
+            <a:off x="311700" y="1228675"/>
+            <a:ext cx="8520600" cy="3340200"/>
+          </a:xfrm>
+          <a:prstGeom prst="rect">
+            <a:avLst/>
+          </a:prstGeom>
+        </p:spPr>
+        <p:txBody>
+          <a:bodyPr anchorCtr="0" anchor="t" bIns="91425" lIns="91425" spcFirstLastPara="1" rIns="91425" wrap="square" tIns="91425">
+            <a:normAutofit/>
+          </a:bodyPr>
+          <a:lstStyle/>
+          <a:p>
+            <a:pPr indent="-342900" lvl="0" marL="457200" rtl="0" algn="l">
+              <a:spcBef>
+                <a:spcPts val="0"/>
+              </a:spcBef>
+              <a:spcAft>
+                <a:spcPts val="0"/>
+              </a:spcAft>
+              <a:buClr>
+                <a:srgbClr val="000000"/>
+              </a:buClr>
+              <a:buSzPts val="1800"/>
+              <a:buChar char="●"/>
+            </a:pPr>
+            <a:r>
+              <a:rPr lang="en">
+                <a:solidFill>
+                  <a:srgbClr val="000000"/>
+                </a:solidFill>
+              </a:rPr>
+              <a:t> As the scale of features increases, larger ranges disproportionately influence the distance calculations of KNN.</a:t>
+            </a:r>
+            <a:endParaRPr>
+              <a:solidFill>
+                <a:srgbClr val="000000"/>
+              </a:solidFill>
+            </a:endParaRPr>
+          </a:p>
+          <a:p>
+            <a:pPr indent="-342900" lvl="0" marL="457200" rtl="0" algn="l">
+              <a:spcBef>
+                <a:spcPts val="0"/>
+              </a:spcBef>
+              <a:spcAft>
+                <a:spcPts val="0"/>
+              </a:spcAft>
+              <a:buClr>
+                <a:srgbClr val="000000"/>
+              </a:buClr>
+              <a:buSzPts val="1800"/>
+              <a:buChar char="●"/>
+            </a:pPr>
+            <a:r>
+              <a:rPr lang="en">
+                <a:solidFill>
+                  <a:srgbClr val="000000"/>
+                </a:solidFill>
+              </a:rPr>
+              <a:t>Feature scaling (e.g., normalization or standardization) is often necessary. Irrelevant features can also degrade performance.</a:t>
+            </a:r>
+            <a:endParaRPr>
+              <a:solidFill>
+                <a:srgbClr val="000000"/>
+              </a:solidFill>
+            </a:endParaRPr>
+          </a:p>
+          <a:p>
+            <a:pPr indent="0" lvl="0" marL="0" rtl="0" algn="l">
+              <a:spcBef>
+                <a:spcPts val="1200"/>
               </a:spcBef>
               <a:spcAft>
                 <a:spcPts val="1200"/>
@@ -8094,34 +9993,6 @@
           </a:p>
         </p:txBody>
       </p:sp>
-      <p:pic>
-        <p:nvPicPr>
-          <p:cNvPr id="96" name="Google Shape;96;p19"/>
-          <p:cNvPicPr preferRelativeResize="0"/>
-          <p:nvPr/>
-        </p:nvPicPr>
-        <p:blipFill>
-          <a:blip r:embed="rId3">
-            <a:alphaModFix/>
-          </a:blip>
-          <a:stretch>
-            <a:fillRect/>
-          </a:stretch>
-        </p:blipFill>
-        <p:spPr>
-          <a:xfrm>
-            <a:off x="3399400" y="1093850"/>
-            <a:ext cx="5744599" cy="3969925"/>
-          </a:xfrm>
-          <a:prstGeom prst="rect">
-            <a:avLst/>
-          </a:prstGeom>
-          <a:noFill/>
-          <a:ln>
-            <a:noFill/>
-          </a:ln>
-        </p:spPr>
-      </p:pic>
     </p:spTree>
   </p:cSld>
   <p:clrMapOvr>
@@ -8135,7 +10006,7 @@
   <p:cSld>
     <p:spTree>
       <p:nvGrpSpPr>
-        <p:cNvPr id="100" name="Shape 100"/>
+        <p:cNvPr id="101" name="Shape 101"/>
         <p:cNvGrpSpPr/>
         <p:nvPr/>
       </p:nvGrpSpPr>
@@ -8149,7 +10020,7 @@
       </p:grpSpPr>
       <p:sp>
         <p:nvSpPr>
-          <p:cNvPr id="101" name="Google Shape;101;p20"/>
+          <p:cNvPr id="102" name="Google Shape;102;p20"/>
           <p:cNvSpPr txBox="1"/>
           <p:nvPr>
             <p:ph type="title"/>
@@ -8181,7 +10052,7 @@
             </a:pPr>
             <a:r>
               <a:rPr lang="en"/>
-              <a:t>Evaluations - Cont.</a:t>
+              <a:t>Implementation:</a:t>
             </a:r>
             <a:endParaRPr/>
           </a:p>
@@ -8189,7 +10060,7 @@
       </p:sp>
       <p:sp>
         <p:nvSpPr>
-          <p:cNvPr id="102" name="Google Shape;102;p20"/>
+          <p:cNvPr id="103" name="Google Shape;103;p20"/>
           <p:cNvSpPr txBox="1"/>
           <p:nvPr>
             <p:ph idx="1" type="body"/>
@@ -8198,7 +10069,7 @@
         <p:spPr>
           <a:xfrm>
             <a:off x="311700" y="1228675"/>
-            <a:ext cx="8520600" cy="3340200"/>
+            <a:ext cx="4484100" cy="3340200"/>
           </a:xfrm>
           <a:prstGeom prst="rect">
             <a:avLst/>
@@ -8206,7 +10077,7 @@
         </p:spPr>
         <p:txBody>
           <a:bodyPr anchorCtr="0" anchor="t" bIns="91425" lIns="91425" spcFirstLastPara="1" rIns="91425" wrap="square" tIns="91425">
-            <a:normAutofit/>
+            <a:normAutofit fontScale="40000"/>
           </a:bodyPr>
           <a:lstStyle/>
           <a:p>
@@ -8215,20 +10086,121 @@
                 <a:spcPts val="0"/>
               </a:spcBef>
               <a:spcAft>
+                <a:spcPts val="0"/>
+              </a:spcAft>
+              <a:buNone/>
+            </a:pPr>
+            <a:r>
+              <a:rPr lang="en" sz="5413">
+                <a:solidFill>
+                  <a:schemeClr val="dk1"/>
+                </a:solidFill>
+              </a:rPr>
+              <a:t>Because of its </a:t>
+            </a:r>
+            <a:r>
+              <a:rPr lang="en" sz="5413">
+                <a:solidFill>
+                  <a:schemeClr val="dk1"/>
+                </a:solidFill>
+              </a:rPr>
+              <a:t>implementation</a:t>
+            </a:r>
+            <a:r>
+              <a:rPr lang="en" sz="5413">
+                <a:solidFill>
+                  <a:schemeClr val="dk1"/>
+                </a:solidFill>
+              </a:rPr>
+              <a:t>, its focuses more on regression or classification tasks. </a:t>
+            </a:r>
+            <a:endParaRPr sz="5413">
+              <a:solidFill>
+                <a:schemeClr val="dk1"/>
+              </a:solidFill>
+            </a:endParaRPr>
+          </a:p>
+          <a:p>
+            <a:pPr indent="0" lvl="0" marL="0" rtl="0" algn="l">
+              <a:spcBef>
                 <a:spcPts val="1200"/>
+              </a:spcBef>
+              <a:spcAft>
+                <a:spcPts val="0"/>
               </a:spcAft>
               <a:buNone/>
             </a:pPr>
             <a:r>
               <a:t/>
             </a:r>
-            <a:endParaRPr/>
+            <a:endParaRPr sz="5413">
+              <a:solidFill>
+                <a:schemeClr val="dk1"/>
+              </a:solidFill>
+            </a:endParaRPr>
+          </a:p>
+          <a:p>
+            <a:pPr indent="0" lvl="0" marL="0" rtl="0" algn="l">
+              <a:spcBef>
+                <a:spcPts val="1200"/>
+              </a:spcBef>
+              <a:spcAft>
+                <a:spcPts val="0"/>
+              </a:spcAft>
+              <a:buNone/>
+            </a:pPr>
+            <a:r>
+              <a:t/>
+            </a:r>
+            <a:endParaRPr>
+              <a:solidFill>
+                <a:schemeClr val="dk1"/>
+              </a:solidFill>
+            </a:endParaRPr>
+          </a:p>
+          <a:p>
+            <a:pPr indent="0" lvl="0" marL="0" rtl="0" algn="l">
+              <a:spcBef>
+                <a:spcPts val="1200"/>
+              </a:spcBef>
+              <a:spcAft>
+                <a:spcPts val="0"/>
+              </a:spcAft>
+              <a:buNone/>
+            </a:pPr>
+            <a:r>
+              <a:t/>
+            </a:r>
+            <a:endParaRPr>
+              <a:solidFill>
+                <a:schemeClr val="dk1"/>
+              </a:solidFill>
+            </a:endParaRPr>
+          </a:p>
+          <a:p>
+            <a:pPr indent="0" lvl="0" marL="0" rtl="0" algn="l">
+              <a:spcBef>
+                <a:spcPts val="1200"/>
+              </a:spcBef>
+              <a:spcAft>
+                <a:spcPts val="1200"/>
+              </a:spcAft>
+              <a:buNone/>
+            </a:pPr>
+            <a:r>
+              <a:t/>
+            </a:r>
+            <a:endParaRPr>
+              <a:solidFill>
+                <a:schemeClr val="dk1"/>
+              </a:solidFill>
+            </a:endParaRPr>
           </a:p>
         </p:txBody>
       </p:sp>
       <p:pic>
         <p:nvPicPr>
-          <p:cNvPr id="103" name="Google Shape;103;p20"/>
+          <p:cNvPr id="104" name="Google Shape;104;p20"/>
           <p:cNvPicPr preferRelativeResize="0"/>
           <p:nvPr/>
         </p:nvPicPr>
@@ -8242,8 +10214,8 @@
         </p:blipFill>
         <p:spPr>
           <a:xfrm>
-            <a:off x="3471275" y="1228675"/>
-            <a:ext cx="5672725" cy="3713000"/>
+            <a:off x="4948200" y="1246250"/>
+            <a:ext cx="4043399" cy="2673916"/>
           </a:xfrm>
           <a:prstGeom prst="rect">
             <a:avLst/>
@@ -8254,6 +10226,110 @@
           </a:ln>
         </p:spPr>
       </p:pic>
+    </p:spTree>
+  </p:cSld>
+  <p:clrMapOvr>
+    <a:masterClrMapping/>
+  </p:clrMapOvr>
+</p:sld>
+</file>
+
+<file path=ppt/slides/slide9.xml><?xml version="1.0" encoding="utf-8"?>
+<p:sld xmlns:a="http://schemas.openxmlformats.org/drawingml/2006/main" xmlns:r="http://schemas.openxmlformats.org/officeDocument/2006/relationships" xmlns:mc="http://schemas.openxmlformats.org/markup-compatibility/2006" xmlns:mv="urn:schemas-microsoft-com:mac:vml" xmlns:p="http://schemas.openxmlformats.org/presentationml/2006/main" xmlns:c="http://schemas.openxmlformats.org/drawingml/2006/chart" xmlns:dgm="http://schemas.openxmlformats.org/drawingml/2006/diagram" xmlns:o="urn:schemas-microsoft-com:office:office" xmlns:v="urn:schemas-microsoft-com:vml" xmlns:pvml="urn:schemas-microsoft-com:office:powerpoint" xmlns:com="http://schemas.openxmlformats.org/drawingml/2006/compatibility" xmlns:p14="http://schemas.microsoft.com/office/powerpoint/2010/main" xmlns:p15="http://schemas.microsoft.com/office/powerpoint/2012/main" xmlns:ahyp="http://schemas.microsoft.com/office/drawing/2018/hyperlinkcolor">
+  <p:cSld>
+    <p:spTree>
+      <p:nvGrpSpPr>
+        <p:cNvPr id="108" name="Shape 108"/>
+        <p:cNvGrpSpPr/>
+        <p:nvPr/>
+      </p:nvGrpSpPr>
+      <p:grpSpPr>
+        <a:xfrm>
+          <a:off x="0" y="0"/>
+          <a:ext cx="0" cy="0"/>
+          <a:chOff x="0" y="0"/>
+          <a:chExt cx="0" cy="0"/>
+        </a:xfrm>
+      </p:grpSpPr>
+      <p:sp>
+        <p:nvSpPr>
+          <p:cNvPr id="109" name="Google Shape;109;p21"/>
+          <p:cNvSpPr txBox="1"/>
+          <p:nvPr>
+            <p:ph type="title"/>
+          </p:nvPr>
+        </p:nvSpPr>
+        <p:spPr>
+          <a:xfrm>
+            <a:off x="311700" y="1240275"/>
+            <a:ext cx="8520600" cy="1981800"/>
+          </a:xfrm>
+          <a:prstGeom prst="rect">
+            <a:avLst/>
+          </a:prstGeom>
+        </p:spPr>
+        <p:txBody>
+          <a:bodyPr anchorCtr="0" anchor="b" bIns="91425" lIns="91425" spcFirstLastPara="1" rIns="91425" wrap="square" tIns="91425">
+            <a:normAutofit fontScale="90000"/>
+          </a:bodyPr>
+          <a:lstStyle/>
+          <a:p>
+            <a:pPr indent="0" lvl="0" marL="0" rtl="0" algn="ctr">
+              <a:spcBef>
+                <a:spcPts val="0"/>
+              </a:spcBef>
+              <a:spcAft>
+                <a:spcPts val="0"/>
+              </a:spcAft>
+              <a:buNone/>
+            </a:pPr>
+            <a:r>
+              <a:rPr lang="en"/>
+              <a:t>Preprocessing</a:t>
+            </a:r>
+            <a:endParaRPr/>
+          </a:p>
+        </p:txBody>
+      </p:sp>
+      <p:sp>
+        <p:nvSpPr>
+          <p:cNvPr id="110" name="Google Shape;110;p21"/>
+          <p:cNvSpPr txBox="1"/>
+          <p:nvPr>
+            <p:ph idx="1" type="body"/>
+          </p:nvPr>
+        </p:nvSpPr>
+        <p:spPr>
+          <a:xfrm>
+            <a:off x="311700" y="3304625"/>
+            <a:ext cx="8520600" cy="1300800"/>
+          </a:xfrm>
+          <a:prstGeom prst="rect">
+            <a:avLst/>
+          </a:prstGeom>
+        </p:spPr>
+        <p:txBody>
+          <a:bodyPr anchorCtr="0" anchor="t" bIns="91425" lIns="91425" spcFirstLastPara="1" rIns="91425" wrap="square" tIns="91425">
+            <a:normAutofit/>
+          </a:bodyPr>
+          <a:lstStyle/>
+          <a:p>
+            <a:pPr indent="0" lvl="0" marL="0" rtl="0" algn="ctr">
+              <a:spcBef>
+                <a:spcPts val="0"/>
+              </a:spcBef>
+              <a:spcAft>
+                <a:spcPts val="1200"/>
+              </a:spcAft>
+              <a:buNone/>
+            </a:pPr>
+            <a:r>
+              <a:t/>
+            </a:r>
+            <a:endParaRPr/>
+          </a:p>
+        </p:txBody>
+      </p:sp>
     </p:spTree>
   </p:cSld>
   <p:clrMapOvr>

--- a/k-Nearest Neighbors (k-NN) Classification _ Regression.pptx
+++ b/k-Nearest Neighbors (k-NN) Classification _ Regression.pptx
@@ -23,21 +23,33 @@
     <p:sldId id="268" r:id="rId18"/>
     <p:sldId id="269" r:id="rId19"/>
     <p:sldId id="270" r:id="rId20"/>
+    <p:sldId id="271" r:id="rId21"/>
+    <p:sldId id="272" r:id="rId22"/>
+    <p:sldId id="273" r:id="rId23"/>
   </p:sldIdLst>
   <p:sldSz cy="5143500" cx="9144000"/>
   <p:notesSz cx="6858000" cy="9144000"/>
   <p:embeddedFontLst>
     <p:embeddedFont>
-      <p:font typeface="Amatic SC"/>
-      <p:regular r:id="rId21"/>
-      <p:bold r:id="rId22"/>
+      <p:font typeface="Playfair Display"/>
+      <p:regular r:id="rId24"/>
+      <p:bold r:id="rId25"/>
+      <p:italic r:id="rId26"/>
+      <p:boldItalic r:id="rId27"/>
+    </p:embeddedFont>
+    <p:embeddedFont>
+      <p:font typeface="Lato"/>
+      <p:regular r:id="rId28"/>
+      <p:bold r:id="rId29"/>
+      <p:italic r:id="rId30"/>
+      <p:boldItalic r:id="rId31"/>
     </p:embeddedFont>
     <p:embeddedFont>
       <p:font typeface="Source Code Pro"/>
-      <p:regular r:id="rId23"/>
-      <p:bold r:id="rId24"/>
-      <p:italic r:id="rId25"/>
-      <p:boldItalic r:id="rId26"/>
+      <p:regular r:id="rId32"/>
+      <p:bold r:id="rId33"/>
+      <p:italic r:id="rId34"/>
+      <p:boldItalic r:id="rId35"/>
     </p:embeddedFont>
   </p:embeddedFontLst>
   <p:defaultTextStyle>
@@ -719,7 +731,7 @@
   <p:cSld>
     <p:spTree>
       <p:nvGrpSpPr>
-        <p:cNvPr id="52" name="Shape 52"/>
+        <p:cNvPr id="55" name="Shape 55"/>
         <p:cNvGrpSpPr/>
         <p:nvPr/>
       </p:nvGrpSpPr>
@@ -733,7 +745,7 @@
       </p:grpSpPr>
       <p:sp>
         <p:nvSpPr>
-          <p:cNvPr id="53" name="Google Shape;53;p:notes"/>
+          <p:cNvPr id="56" name="Google Shape;56;p:notes"/>
           <p:cNvSpPr/>
           <p:nvPr>
             <p:ph idx="2" type="sldImg"/>
@@ -768,7 +780,7 @@
       </p:sp>
       <p:sp>
         <p:nvSpPr>
-          <p:cNvPr id="54" name="Google Shape;54;p:notes"/>
+          <p:cNvPr id="57" name="Google Shape;57;p:notes"/>
           <p:cNvSpPr txBox="1"/>
           <p:nvPr>
             <p:ph idx="1" type="body"/>
@@ -818,7 +830,7 @@
   <p:cSld>
     <p:spTree>
       <p:nvGrpSpPr>
-        <p:cNvPr id="111" name="Shape 111"/>
+        <p:cNvPr id="112" name="Shape 112"/>
         <p:cNvGrpSpPr/>
         <p:nvPr/>
       </p:nvGrpSpPr>
@@ -832,7 +844,7 @@
       </p:grpSpPr>
       <p:sp>
         <p:nvSpPr>
-          <p:cNvPr id="112" name="Google Shape;112;g3a561a26540_0_55:notes"/>
+          <p:cNvPr id="113" name="Google Shape;113;g391342c0d9e_0_41:notes"/>
           <p:cNvSpPr/>
           <p:nvPr>
             <p:ph idx="2" type="sldImg"/>
@@ -867,7 +879,7 @@
       </p:sp>
       <p:sp>
         <p:nvSpPr>
-          <p:cNvPr id="113" name="Google Shape;113;g3a561a26540_0_55:notes"/>
+          <p:cNvPr id="114" name="Google Shape;114;g391342c0d9e_0_41:notes"/>
           <p:cNvSpPr txBox="1"/>
           <p:nvPr>
             <p:ph idx="1" type="body"/>
@@ -931,7 +943,7 @@
       </p:grpSpPr>
       <p:sp>
         <p:nvSpPr>
-          <p:cNvPr id="119" name="Google Shape;119;g39974face96_0_19:notes"/>
+          <p:cNvPr id="119" name="Google Shape;119;g3a561a26540_0_0:notes"/>
           <p:cNvSpPr/>
           <p:nvPr>
             <p:ph idx="2" type="sldImg"/>
@@ -966,7 +978,7 @@
       </p:sp>
       <p:sp>
         <p:nvSpPr>
-          <p:cNvPr id="120" name="Google Shape;120;g39974face96_0_19:notes"/>
+          <p:cNvPr id="120" name="Google Shape;120;g3a561a26540_0_0:notes"/>
           <p:cNvSpPr txBox="1"/>
           <p:nvPr>
             <p:ph idx="1" type="body"/>
@@ -1016,7 +1028,7 @@
   <p:cSld>
     <p:spTree>
       <p:nvGrpSpPr>
-        <p:cNvPr id="124" name="Shape 124"/>
+        <p:cNvPr id="125" name="Shape 125"/>
         <p:cNvGrpSpPr/>
         <p:nvPr/>
       </p:nvGrpSpPr>
@@ -1030,7 +1042,7 @@
       </p:grpSpPr>
       <p:sp>
         <p:nvSpPr>
-          <p:cNvPr id="125" name="Google Shape;125;g39974face96_0_24:notes"/>
+          <p:cNvPr id="126" name="Google Shape;126;g391342c0d9e_0_6:notes"/>
           <p:cNvSpPr/>
           <p:nvPr>
             <p:ph idx="2" type="sldImg"/>
@@ -1065,7 +1077,7 @@
       </p:sp>
       <p:sp>
         <p:nvSpPr>
-          <p:cNvPr id="126" name="Google Shape;126;g39974face96_0_24:notes"/>
+          <p:cNvPr id="127" name="Google Shape;127;g391342c0d9e_0_6:notes"/>
           <p:cNvSpPr txBox="1"/>
           <p:nvPr>
             <p:ph idx="1" type="body"/>
@@ -1115,7 +1127,7 @@
   <p:cSld>
     <p:spTree>
       <p:nvGrpSpPr>
-        <p:cNvPr id="133" name="Shape 133"/>
+        <p:cNvPr id="131" name="Shape 131"/>
         <p:cNvGrpSpPr/>
         <p:nvPr/>
       </p:nvGrpSpPr>
@@ -1129,7 +1141,7 @@
       </p:grpSpPr>
       <p:sp>
         <p:nvSpPr>
-          <p:cNvPr id="134" name="Google Shape;134;g39974face96_0_29:notes"/>
+          <p:cNvPr id="132" name="Google Shape;132;g3a561a26540_0_55:notes"/>
           <p:cNvSpPr/>
           <p:nvPr>
             <p:ph idx="2" type="sldImg"/>
@@ -1164,7 +1176,7 @@
       </p:sp>
       <p:sp>
         <p:nvSpPr>
-          <p:cNvPr id="135" name="Google Shape;135;g39974face96_0_29:notes"/>
+          <p:cNvPr id="133" name="Google Shape;133;g3a561a26540_0_55:notes"/>
           <p:cNvSpPr txBox="1"/>
           <p:nvPr>
             <p:ph idx="1" type="body"/>
@@ -1214,7 +1226,7 @@
   <p:cSld>
     <p:spTree>
       <p:nvGrpSpPr>
-        <p:cNvPr id="141" name="Shape 141"/>
+        <p:cNvPr id="138" name="Shape 138"/>
         <p:cNvGrpSpPr/>
         <p:nvPr/>
       </p:nvGrpSpPr>
@@ -1228,7 +1240,7 @@
       </p:grpSpPr>
       <p:sp>
         <p:nvSpPr>
-          <p:cNvPr id="142" name="Google Shape;142;g391342c0d9e_0_19:notes"/>
+          <p:cNvPr id="139" name="Google Shape;139;g39974face96_0_19:notes"/>
           <p:cNvSpPr/>
           <p:nvPr>
             <p:ph idx="2" type="sldImg"/>
@@ -1263,7 +1275,7 @@
       </p:sp>
       <p:sp>
         <p:nvSpPr>
-          <p:cNvPr id="143" name="Google Shape;143;g391342c0d9e_0_19:notes"/>
+          <p:cNvPr id="140" name="Google Shape;140;g39974face96_0_19:notes"/>
           <p:cNvSpPr txBox="1"/>
           <p:nvPr>
             <p:ph idx="1" type="body"/>
@@ -1313,7 +1325,7 @@
   <p:cSld>
     <p:spTree>
       <p:nvGrpSpPr>
-        <p:cNvPr id="148" name="Shape 148"/>
+        <p:cNvPr id="144" name="Shape 144"/>
         <p:cNvGrpSpPr/>
         <p:nvPr/>
       </p:nvGrpSpPr>
@@ -1327,7 +1339,7 @@
       </p:grpSpPr>
       <p:sp>
         <p:nvSpPr>
-          <p:cNvPr id="149" name="Google Shape;149;g3a561a26540_0_63:notes"/>
+          <p:cNvPr id="145" name="Google Shape;145;g39974face96_0_24:notes"/>
           <p:cNvSpPr/>
           <p:nvPr>
             <p:ph idx="2" type="sldImg"/>
@@ -1362,7 +1374,304 @@
       </p:sp>
       <p:sp>
         <p:nvSpPr>
-          <p:cNvPr id="150" name="Google Shape;150;g3a561a26540_0_63:notes"/>
+          <p:cNvPr id="146" name="Google Shape;146;g39974face96_0_24:notes"/>
+          <p:cNvSpPr txBox="1"/>
+          <p:nvPr>
+            <p:ph idx="1" type="body"/>
+          </p:nvPr>
+        </p:nvSpPr>
+        <p:spPr>
+          <a:xfrm>
+            <a:off x="685800" y="4343400"/>
+            <a:ext cx="5486400" cy="4114800"/>
+          </a:xfrm>
+          <a:prstGeom prst="rect">
+            <a:avLst/>
+          </a:prstGeom>
+        </p:spPr>
+        <p:txBody>
+          <a:bodyPr anchorCtr="0" anchor="t" bIns="91425" lIns="91425" spcFirstLastPara="1" rIns="91425" wrap="square" tIns="91425">
+            <a:noAutofit/>
+          </a:bodyPr>
+          <a:lstStyle/>
+          <a:p>
+            <a:pPr indent="0" lvl="0" marL="0" rtl="0" algn="l">
+              <a:spcBef>
+                <a:spcPts val="0"/>
+              </a:spcBef>
+              <a:spcAft>
+                <a:spcPts val="0"/>
+              </a:spcAft>
+              <a:buNone/>
+            </a:pPr>
+            <a:r>
+              <a:t/>
+            </a:r>
+            <a:endParaRPr/>
+          </a:p>
+        </p:txBody>
+      </p:sp>
+    </p:spTree>
+  </p:cSld>
+  <p:clrMapOvr>
+    <a:masterClrMapping/>
+  </p:clrMapOvr>
+</p:notes>
+</file>
+
+<file path=ppt/notesSlides/notesSlide16.xml><?xml version="1.0" encoding="utf-8"?>
+<p:notes xmlns:a="http://schemas.openxmlformats.org/drawingml/2006/main" xmlns:r="http://schemas.openxmlformats.org/officeDocument/2006/relationships" xmlns:mc="http://schemas.openxmlformats.org/markup-compatibility/2006" xmlns:mv="urn:schemas-microsoft-com:mac:vml" xmlns:p="http://schemas.openxmlformats.org/presentationml/2006/main" xmlns:c="http://schemas.openxmlformats.org/drawingml/2006/chart" xmlns:dgm="http://schemas.openxmlformats.org/drawingml/2006/diagram" xmlns:o="urn:schemas-microsoft-com:office:office" xmlns:v="urn:schemas-microsoft-com:vml" xmlns:pvml="urn:schemas-microsoft-com:office:powerpoint" xmlns:com="http://schemas.openxmlformats.org/drawingml/2006/compatibility" xmlns:p14="http://schemas.microsoft.com/office/powerpoint/2010/main" xmlns:p15="http://schemas.microsoft.com/office/powerpoint/2012/main" xmlns:ahyp="http://schemas.microsoft.com/office/drawing/2018/hyperlinkcolor" showMasterPhAnim="0" showMasterSp="0">
+  <p:cSld>
+    <p:spTree>
+      <p:nvGrpSpPr>
+        <p:cNvPr id="153" name="Shape 153"/>
+        <p:cNvGrpSpPr/>
+        <p:nvPr/>
+      </p:nvGrpSpPr>
+      <p:grpSpPr>
+        <a:xfrm>
+          <a:off x="0" y="0"/>
+          <a:ext cx="0" cy="0"/>
+          <a:chOff x="0" y="0"/>
+          <a:chExt cx="0" cy="0"/>
+        </a:xfrm>
+      </p:grpSpPr>
+      <p:sp>
+        <p:nvSpPr>
+          <p:cNvPr id="154" name="Google Shape;154;g39974face96_0_29:notes"/>
+          <p:cNvSpPr/>
+          <p:nvPr>
+            <p:ph idx="2" type="sldImg"/>
+          </p:nvPr>
+        </p:nvSpPr>
+        <p:spPr>
+          <a:xfrm>
+            <a:off x="381300" y="685800"/>
+            <a:ext cx="6096000" cy="3429000"/>
+          </a:xfrm>
+          <a:custGeom>
+            <a:rect b="b" l="l" r="r" t="t"/>
+            <a:pathLst>
+              <a:path extrusionOk="0" h="120000" w="120000">
+                <a:moveTo>
+                  <a:pt x="0" y="0"/>
+                </a:moveTo>
+                <a:lnTo>
+                  <a:pt x="120000" y="0"/>
+                </a:lnTo>
+                <a:lnTo>
+                  <a:pt x="120000" y="120000"/>
+                </a:lnTo>
+                <a:lnTo>
+                  <a:pt x="0" y="120000"/>
+                </a:lnTo>
+                <a:close/>
+              </a:path>
+            </a:pathLst>
+          </a:custGeom>
+        </p:spPr>
+      </p:sp>
+      <p:sp>
+        <p:nvSpPr>
+          <p:cNvPr id="155" name="Google Shape;155;g39974face96_0_29:notes"/>
+          <p:cNvSpPr txBox="1"/>
+          <p:nvPr>
+            <p:ph idx="1" type="body"/>
+          </p:nvPr>
+        </p:nvSpPr>
+        <p:spPr>
+          <a:xfrm>
+            <a:off x="685800" y="4343400"/>
+            <a:ext cx="5486400" cy="4114800"/>
+          </a:xfrm>
+          <a:prstGeom prst="rect">
+            <a:avLst/>
+          </a:prstGeom>
+        </p:spPr>
+        <p:txBody>
+          <a:bodyPr anchorCtr="0" anchor="t" bIns="91425" lIns="91425" spcFirstLastPara="1" rIns="91425" wrap="square" tIns="91425">
+            <a:noAutofit/>
+          </a:bodyPr>
+          <a:lstStyle/>
+          <a:p>
+            <a:pPr indent="0" lvl="0" marL="0" rtl="0" algn="l">
+              <a:spcBef>
+                <a:spcPts val="0"/>
+              </a:spcBef>
+              <a:spcAft>
+                <a:spcPts val="0"/>
+              </a:spcAft>
+              <a:buNone/>
+            </a:pPr>
+            <a:r>
+              <a:t/>
+            </a:r>
+            <a:endParaRPr/>
+          </a:p>
+        </p:txBody>
+      </p:sp>
+    </p:spTree>
+  </p:cSld>
+  <p:clrMapOvr>
+    <a:masterClrMapping/>
+  </p:clrMapOvr>
+</p:notes>
+</file>
+
+<file path=ppt/notesSlides/notesSlide17.xml><?xml version="1.0" encoding="utf-8"?>
+<p:notes xmlns:a="http://schemas.openxmlformats.org/drawingml/2006/main" xmlns:r="http://schemas.openxmlformats.org/officeDocument/2006/relationships" xmlns:mc="http://schemas.openxmlformats.org/markup-compatibility/2006" xmlns:mv="urn:schemas-microsoft-com:mac:vml" xmlns:p="http://schemas.openxmlformats.org/presentationml/2006/main" xmlns:c="http://schemas.openxmlformats.org/drawingml/2006/chart" xmlns:dgm="http://schemas.openxmlformats.org/drawingml/2006/diagram" xmlns:o="urn:schemas-microsoft-com:office:office" xmlns:v="urn:schemas-microsoft-com:vml" xmlns:pvml="urn:schemas-microsoft-com:office:powerpoint" xmlns:com="http://schemas.openxmlformats.org/drawingml/2006/compatibility" xmlns:p14="http://schemas.microsoft.com/office/powerpoint/2010/main" xmlns:p15="http://schemas.microsoft.com/office/powerpoint/2012/main" xmlns:ahyp="http://schemas.microsoft.com/office/drawing/2018/hyperlinkcolor" showMasterPhAnim="0" showMasterSp="0">
+  <p:cSld>
+    <p:spTree>
+      <p:nvGrpSpPr>
+        <p:cNvPr id="160" name="Shape 160"/>
+        <p:cNvGrpSpPr/>
+        <p:nvPr/>
+      </p:nvGrpSpPr>
+      <p:grpSpPr>
+        <a:xfrm>
+          <a:off x="0" y="0"/>
+          <a:ext cx="0" cy="0"/>
+          <a:chOff x="0" y="0"/>
+          <a:chExt cx="0" cy="0"/>
+        </a:xfrm>
+      </p:grpSpPr>
+      <p:sp>
+        <p:nvSpPr>
+          <p:cNvPr id="161" name="Google Shape;161;g391342c0d9e_0_19:notes"/>
+          <p:cNvSpPr/>
+          <p:nvPr>
+            <p:ph idx="2" type="sldImg"/>
+          </p:nvPr>
+        </p:nvSpPr>
+        <p:spPr>
+          <a:xfrm>
+            <a:off x="381300" y="685800"/>
+            <a:ext cx="6096000" cy="3429000"/>
+          </a:xfrm>
+          <a:custGeom>
+            <a:rect b="b" l="l" r="r" t="t"/>
+            <a:pathLst>
+              <a:path extrusionOk="0" h="120000" w="120000">
+                <a:moveTo>
+                  <a:pt x="0" y="0"/>
+                </a:moveTo>
+                <a:lnTo>
+                  <a:pt x="120000" y="0"/>
+                </a:lnTo>
+                <a:lnTo>
+                  <a:pt x="120000" y="120000"/>
+                </a:lnTo>
+                <a:lnTo>
+                  <a:pt x="0" y="120000"/>
+                </a:lnTo>
+                <a:close/>
+              </a:path>
+            </a:pathLst>
+          </a:custGeom>
+        </p:spPr>
+      </p:sp>
+      <p:sp>
+        <p:nvSpPr>
+          <p:cNvPr id="162" name="Google Shape;162;g391342c0d9e_0_19:notes"/>
+          <p:cNvSpPr txBox="1"/>
+          <p:nvPr>
+            <p:ph idx="1" type="body"/>
+          </p:nvPr>
+        </p:nvSpPr>
+        <p:spPr>
+          <a:xfrm>
+            <a:off x="685800" y="4343400"/>
+            <a:ext cx="5486400" cy="4114800"/>
+          </a:xfrm>
+          <a:prstGeom prst="rect">
+            <a:avLst/>
+          </a:prstGeom>
+        </p:spPr>
+        <p:txBody>
+          <a:bodyPr anchorCtr="0" anchor="t" bIns="91425" lIns="91425" spcFirstLastPara="1" rIns="91425" wrap="square" tIns="91425">
+            <a:noAutofit/>
+          </a:bodyPr>
+          <a:lstStyle/>
+          <a:p>
+            <a:pPr indent="0" lvl="0" marL="0" rtl="0" algn="l">
+              <a:spcBef>
+                <a:spcPts val="0"/>
+              </a:spcBef>
+              <a:spcAft>
+                <a:spcPts val="0"/>
+              </a:spcAft>
+              <a:buNone/>
+            </a:pPr>
+            <a:r>
+              <a:t/>
+            </a:r>
+            <a:endParaRPr/>
+          </a:p>
+        </p:txBody>
+      </p:sp>
+    </p:spTree>
+  </p:cSld>
+  <p:clrMapOvr>
+    <a:masterClrMapping/>
+  </p:clrMapOvr>
+</p:notes>
+</file>
+
+<file path=ppt/notesSlides/notesSlide18.xml><?xml version="1.0" encoding="utf-8"?>
+<p:notes xmlns:a="http://schemas.openxmlformats.org/drawingml/2006/main" xmlns:r="http://schemas.openxmlformats.org/officeDocument/2006/relationships" xmlns:mc="http://schemas.openxmlformats.org/markup-compatibility/2006" xmlns:mv="urn:schemas-microsoft-com:mac:vml" xmlns:p="http://schemas.openxmlformats.org/presentationml/2006/main" xmlns:c="http://schemas.openxmlformats.org/drawingml/2006/chart" xmlns:dgm="http://schemas.openxmlformats.org/drawingml/2006/diagram" xmlns:o="urn:schemas-microsoft-com:office:office" xmlns:v="urn:schemas-microsoft-com:vml" xmlns:pvml="urn:schemas-microsoft-com:office:powerpoint" xmlns:com="http://schemas.openxmlformats.org/drawingml/2006/compatibility" xmlns:p14="http://schemas.microsoft.com/office/powerpoint/2010/main" xmlns:p15="http://schemas.microsoft.com/office/powerpoint/2012/main" xmlns:ahyp="http://schemas.microsoft.com/office/drawing/2018/hyperlinkcolor" showMasterPhAnim="0" showMasterSp="0">
+  <p:cSld>
+    <p:spTree>
+      <p:nvGrpSpPr>
+        <p:cNvPr id="167" name="Shape 167"/>
+        <p:cNvGrpSpPr/>
+        <p:nvPr/>
+      </p:nvGrpSpPr>
+      <p:grpSpPr>
+        <a:xfrm>
+          <a:off x="0" y="0"/>
+          <a:ext cx="0" cy="0"/>
+          <a:chOff x="0" y="0"/>
+          <a:chExt cx="0" cy="0"/>
+        </a:xfrm>
+      </p:grpSpPr>
+      <p:sp>
+        <p:nvSpPr>
+          <p:cNvPr id="168" name="Google Shape;168;g3a561a26540_0_63:notes"/>
+          <p:cNvSpPr/>
+          <p:nvPr>
+            <p:ph idx="2" type="sldImg"/>
+          </p:nvPr>
+        </p:nvSpPr>
+        <p:spPr>
+          <a:xfrm>
+            <a:off x="381300" y="685800"/>
+            <a:ext cx="6096000" cy="3429000"/>
+          </a:xfrm>
+          <a:custGeom>
+            <a:rect b="b" l="l" r="r" t="t"/>
+            <a:pathLst>
+              <a:path extrusionOk="0" h="120000" w="120000">
+                <a:moveTo>
+                  <a:pt x="0" y="0"/>
+                </a:moveTo>
+                <a:lnTo>
+                  <a:pt x="120000" y="0"/>
+                </a:lnTo>
+                <a:lnTo>
+                  <a:pt x="120000" y="120000"/>
+                </a:lnTo>
+                <a:lnTo>
+                  <a:pt x="0" y="120000"/>
+                </a:lnTo>
+                <a:close/>
+              </a:path>
+            </a:pathLst>
+          </a:custGeom>
+        </p:spPr>
+      </p:sp>
+      <p:sp>
+        <p:nvSpPr>
+          <p:cNvPr id="169" name="Google Shape;169;g3a561a26540_0_63:notes"/>
           <p:cNvSpPr txBox="1"/>
           <p:nvPr>
             <p:ph idx="1" type="body"/>
@@ -1412,7 +1721,7 @@
   <p:cSld>
     <p:spTree>
       <p:nvGrpSpPr>
-        <p:cNvPr id="58" name="Shape 58"/>
+        <p:cNvPr id="61" name="Shape 61"/>
         <p:cNvGrpSpPr/>
         <p:nvPr/>
       </p:nvGrpSpPr>
@@ -1426,7 +1735,7 @@
       </p:grpSpPr>
       <p:sp>
         <p:nvSpPr>
-          <p:cNvPr id="59" name="Google Shape;59;g39974face96_0_14:notes"/>
+          <p:cNvPr id="62" name="Google Shape;62;g39974face96_0_14:notes"/>
           <p:cNvSpPr/>
           <p:nvPr>
             <p:ph idx="2" type="sldImg"/>
@@ -1461,7 +1770,7 @@
       </p:sp>
       <p:sp>
         <p:nvSpPr>
-          <p:cNvPr id="60" name="Google Shape;60;g39974face96_0_14:notes"/>
+          <p:cNvPr id="63" name="Google Shape;63;g39974face96_0_14:notes"/>
           <p:cNvSpPr txBox="1"/>
           <p:nvPr>
             <p:ph idx="1" type="body"/>
@@ -1511,7 +1820,7 @@
   <p:cSld>
     <p:spTree>
       <p:nvGrpSpPr>
-        <p:cNvPr id="65" name="Shape 65"/>
+        <p:cNvPr id="68" name="Shape 68"/>
         <p:cNvGrpSpPr/>
         <p:nvPr/>
       </p:nvGrpSpPr>
@@ -1525,7 +1834,7 @@
       </p:grpSpPr>
       <p:sp>
         <p:nvSpPr>
-          <p:cNvPr id="66" name="Google Shape;66;g3ab8fe2ff1a_0_0:notes"/>
+          <p:cNvPr id="69" name="Google Shape;69;g3ab8fe2ff1a_0_0:notes"/>
           <p:cNvSpPr/>
           <p:nvPr>
             <p:ph idx="2" type="sldImg"/>
@@ -1560,7 +1869,7 @@
       </p:sp>
       <p:sp>
         <p:nvSpPr>
-          <p:cNvPr id="67" name="Google Shape;67;g3ab8fe2ff1a_0_0:notes"/>
+          <p:cNvPr id="70" name="Google Shape;70;g3ab8fe2ff1a_0_0:notes"/>
           <p:cNvSpPr txBox="1"/>
           <p:nvPr>
             <p:ph idx="1" type="body"/>
@@ -1610,7 +1919,7 @@
   <p:cSld>
     <p:spTree>
       <p:nvGrpSpPr>
-        <p:cNvPr id="72" name="Shape 72"/>
+        <p:cNvPr id="75" name="Shape 75"/>
         <p:cNvGrpSpPr/>
         <p:nvPr/>
       </p:nvGrpSpPr>
@@ -1624,7 +1933,7 @@
       </p:grpSpPr>
       <p:sp>
         <p:nvSpPr>
-          <p:cNvPr id="73" name="Google Shape;73;g3ab8fe2ff1a_0_16:notes"/>
+          <p:cNvPr id="76" name="Google Shape;76;g3ab8fe2ff1a_0_16:notes"/>
           <p:cNvSpPr/>
           <p:nvPr>
             <p:ph idx="2" type="sldImg"/>
@@ -1659,7 +1968,7 @@
       </p:sp>
       <p:sp>
         <p:nvSpPr>
-          <p:cNvPr id="74" name="Google Shape;74;g3ab8fe2ff1a_0_16:notes"/>
+          <p:cNvPr id="77" name="Google Shape;77;g3ab8fe2ff1a_0_16:notes"/>
           <p:cNvSpPr txBox="1"/>
           <p:nvPr>
             <p:ph idx="1" type="body"/>
@@ -1709,7 +2018,7 @@
   <p:cSld>
     <p:spTree>
       <p:nvGrpSpPr>
-        <p:cNvPr id="80" name="Shape 80"/>
+        <p:cNvPr id="82" name="Shape 82"/>
         <p:cNvGrpSpPr/>
         <p:nvPr/>
       </p:nvGrpSpPr>
@@ -1723,7 +2032,7 @@
       </p:grpSpPr>
       <p:sp>
         <p:nvSpPr>
-          <p:cNvPr id="81" name="Google Shape;81;g3ab8fe2ff1a_0_21:notes"/>
+          <p:cNvPr id="83" name="Google Shape;83;g3ab8fe2ff1a_0_21:notes"/>
           <p:cNvSpPr/>
           <p:nvPr>
             <p:ph idx="2" type="sldImg"/>
@@ -1758,7 +2067,7 @@
       </p:sp>
       <p:sp>
         <p:nvSpPr>
-          <p:cNvPr id="82" name="Google Shape;82;g3ab8fe2ff1a_0_21:notes"/>
+          <p:cNvPr id="84" name="Google Shape;84;g3ab8fe2ff1a_0_21:notes"/>
           <p:cNvSpPr txBox="1"/>
           <p:nvPr>
             <p:ph idx="1" type="body"/>
@@ -1808,7 +2117,7 @@
   <p:cSld>
     <p:spTree>
       <p:nvGrpSpPr>
-        <p:cNvPr id="87" name="Shape 87"/>
+        <p:cNvPr id="89" name="Shape 89"/>
         <p:cNvGrpSpPr/>
         <p:nvPr/>
       </p:nvGrpSpPr>
@@ -1822,7 +2131,7 @@
       </p:grpSpPr>
       <p:sp>
         <p:nvSpPr>
-          <p:cNvPr id="88" name="Google Shape;88;g391342c0d9e_0_1:notes"/>
+          <p:cNvPr id="90" name="Google Shape;90;g391342c0d9e_0_1:notes"/>
           <p:cNvSpPr/>
           <p:nvPr>
             <p:ph idx="2" type="sldImg"/>
@@ -1857,7 +2166,7 @@
       </p:sp>
       <p:sp>
         <p:nvSpPr>
-          <p:cNvPr id="89" name="Google Shape;89;g391342c0d9e_0_1:notes"/>
+          <p:cNvPr id="91" name="Google Shape;91;g391342c0d9e_0_1:notes"/>
           <p:cNvSpPr txBox="1"/>
           <p:nvPr>
             <p:ph idx="1" type="body"/>
@@ -1907,7 +2216,7 @@
   <p:cSld>
     <p:spTree>
       <p:nvGrpSpPr>
-        <p:cNvPr id="92" name="Shape 92"/>
+        <p:cNvPr id="94" name="Shape 94"/>
         <p:cNvGrpSpPr/>
         <p:nvPr/>
       </p:nvGrpSpPr>
@@ -1921,7 +2230,7 @@
       </p:grpSpPr>
       <p:sp>
         <p:nvSpPr>
-          <p:cNvPr id="93" name="Google Shape;93;g3ab8fe2ff1a_0_36:notes"/>
+          <p:cNvPr id="95" name="Google Shape;95;g3ab8fe2ff1a_0_36:notes"/>
           <p:cNvSpPr/>
           <p:nvPr>
             <p:ph idx="2" type="sldImg"/>
@@ -1956,7 +2265,7 @@
       </p:sp>
       <p:sp>
         <p:nvSpPr>
-          <p:cNvPr id="94" name="Google Shape;94;g3ab8fe2ff1a_0_36:notes"/>
+          <p:cNvPr id="96" name="Google Shape;96;g3ab8fe2ff1a_0_36:notes"/>
           <p:cNvSpPr txBox="1"/>
           <p:nvPr>
             <p:ph idx="1" type="body"/>
@@ -2006,7 +2315,7 @@
   <p:cSld>
     <p:spTree>
       <p:nvGrpSpPr>
-        <p:cNvPr id="98" name="Shape 98"/>
+        <p:cNvPr id="100" name="Shape 100"/>
         <p:cNvGrpSpPr/>
         <p:nvPr/>
       </p:nvGrpSpPr>
@@ -2020,7 +2329,7 @@
       </p:grpSpPr>
       <p:sp>
         <p:nvSpPr>
-          <p:cNvPr id="99" name="Google Shape;99;g3a561a26540_0_0:notes"/>
+          <p:cNvPr id="101" name="Google Shape;101;g391342c0d9e_0_31:notes"/>
           <p:cNvSpPr/>
           <p:nvPr>
             <p:ph idx="2" type="sldImg"/>
@@ -2055,7 +2364,7 @@
       </p:sp>
       <p:sp>
         <p:nvSpPr>
-          <p:cNvPr id="100" name="Google Shape;100;g3a561a26540_0_0:notes"/>
+          <p:cNvPr id="102" name="Google Shape;102;g391342c0d9e_0_31:notes"/>
           <p:cNvSpPr txBox="1"/>
           <p:nvPr>
             <p:ph idx="1" type="body"/>
@@ -2119,7 +2428,7 @@
       </p:grpSpPr>
       <p:sp>
         <p:nvSpPr>
-          <p:cNvPr id="106" name="Google Shape;106;g391342c0d9e_0_6:notes"/>
+          <p:cNvPr id="106" name="Google Shape;106;g391342c0d9e_0_36:notes"/>
           <p:cNvSpPr/>
           <p:nvPr>
             <p:ph idx="2" type="sldImg"/>
@@ -2154,7 +2463,7 @@
       </p:sp>
       <p:sp>
         <p:nvSpPr>
-          <p:cNvPr id="107" name="Google Shape;107;g391342c0d9e_0_6:notes"/>
+          <p:cNvPr id="107" name="Google Shape;107;g391342c0d9e_0_36:notes"/>
           <p:cNvSpPr txBox="1"/>
           <p:nvPr>
             <p:ph idx="1" type="body"/>
@@ -2202,13 +2511,6 @@
 <file path=ppt/slideLayouts/slideLayout1.xml><?xml version="1.0" encoding="utf-8"?>
 <p:sldLayout xmlns:a="http://schemas.openxmlformats.org/drawingml/2006/main" xmlns:r="http://schemas.openxmlformats.org/officeDocument/2006/relationships" xmlns:mc="http://schemas.openxmlformats.org/markup-compatibility/2006" xmlns:mv="urn:schemas-microsoft-com:mac:vml" xmlns:p="http://schemas.openxmlformats.org/presentationml/2006/main" xmlns:c="http://schemas.openxmlformats.org/drawingml/2006/chart" xmlns:dgm="http://schemas.openxmlformats.org/drawingml/2006/diagram" xmlns:o="urn:schemas-microsoft-com:office:office" xmlns:v="urn:schemas-microsoft-com:vml" xmlns:pvml="urn:schemas-microsoft-com:office:powerpoint" xmlns:com="http://schemas.openxmlformats.org/drawingml/2006/compatibility" xmlns:p14="http://schemas.microsoft.com/office/powerpoint/2010/main" xmlns:p15="http://schemas.microsoft.com/office/powerpoint/2012/main" xmlns:ahyp="http://schemas.microsoft.com/office/drawing/2018/hyperlinkcolor" matchingName="Title slide" type="title">
   <p:cSld name="TITLE">
-    <p:bg>
-      <p:bgPr>
-        <a:solidFill>
-          <a:schemeClr val="dk1"/>
-        </a:solidFill>
-      </p:bgPr>
-    </p:bg>
     <p:spTree>
       <p:nvGrpSpPr>
         <p:cNvPr id="9" name="Shape 9"/>
@@ -2231,14 +2533,14 @@
         </p:nvSpPr>
         <p:spPr>
           <a:xfrm>
-            <a:off x="0" y="0"/>
-            <a:ext cx="9144000" cy="3429000"/>
+            <a:off x="2749050" y="748800"/>
+            <a:ext cx="3645900" cy="3645900"/>
           </a:xfrm>
           <a:prstGeom prst="rect">
             <a:avLst/>
           </a:prstGeom>
           <a:solidFill>
-            <a:schemeClr val="lt1"/>
+            <a:schemeClr val="dk1"/>
           </a:solidFill>
           <a:ln>
             <a:noFill/>
@@ -2269,126 +2571,48 @@
       <p:sp>
         <p:nvSpPr>
           <p:cNvPr id="11" name="Google Shape;11;p2"/>
-          <p:cNvSpPr txBox="1"/>
-          <p:nvPr>
-            <p:ph type="ctrTitle"/>
-          </p:nvPr>
+          <p:cNvSpPr/>
+          <p:nvPr/>
         </p:nvSpPr>
         <p:spPr>
           <a:xfrm>
-            <a:off x="311700" y="392150"/>
-            <a:ext cx="8520600" cy="2690400"/>
+            <a:off x="2992950" y="992700"/>
+            <a:ext cx="3158100" cy="3158100"/>
           </a:xfrm>
           <a:prstGeom prst="rect">
             <a:avLst/>
           </a:prstGeom>
+          <a:noFill/>
+          <a:ln cap="flat" cmpd="sng" w="28575">
+            <a:solidFill>
+              <a:schemeClr val="lt1"/>
+            </a:solidFill>
+            <a:prstDash val="solid"/>
+            <a:miter lim="8000"/>
+            <a:headEnd len="sm" w="sm" type="none"/>
+            <a:tailEnd len="sm" w="sm" type="none"/>
+          </a:ln>
         </p:spPr>
         <p:txBody>
           <a:bodyPr anchorCtr="0" anchor="ctr" bIns="91425" lIns="91425" spcFirstLastPara="1" rIns="91425" wrap="square" tIns="91425">
-            <a:normAutofit/>
+            <a:noAutofit/>
           </a:bodyPr>
-          <a:lstStyle>
-            <a:lvl1pPr lvl="0" algn="ctr">
-              <a:spcBef>
-                <a:spcPts val="0"/>
-              </a:spcBef>
-              <a:spcAft>
-                <a:spcPts val="0"/>
-              </a:spcAft>
-              <a:buSzPts val="8000"/>
-              <a:buNone/>
-              <a:defRPr sz="8000"/>
-            </a:lvl1pPr>
-            <a:lvl2pPr lvl="1" algn="ctr">
-              <a:spcBef>
-                <a:spcPts val="0"/>
-              </a:spcBef>
-              <a:spcAft>
-                <a:spcPts val="0"/>
-              </a:spcAft>
-              <a:buSzPts val="8000"/>
-              <a:buNone/>
-              <a:defRPr sz="8000"/>
-            </a:lvl2pPr>
-            <a:lvl3pPr lvl="2" algn="ctr">
-              <a:spcBef>
-                <a:spcPts val="0"/>
-              </a:spcBef>
-              <a:spcAft>
-                <a:spcPts val="0"/>
-              </a:spcAft>
-              <a:buSzPts val="8000"/>
-              <a:buNone/>
-              <a:defRPr sz="8000"/>
-            </a:lvl3pPr>
-            <a:lvl4pPr lvl="3" algn="ctr">
-              <a:spcBef>
-                <a:spcPts val="0"/>
-              </a:spcBef>
-              <a:spcAft>
-                <a:spcPts val="0"/>
-              </a:spcAft>
-              <a:buSzPts val="8000"/>
-              <a:buNone/>
-              <a:defRPr sz="8000"/>
-            </a:lvl4pPr>
-            <a:lvl5pPr lvl="4" algn="ctr">
-              <a:spcBef>
-                <a:spcPts val="0"/>
-              </a:spcBef>
-              <a:spcAft>
-                <a:spcPts val="0"/>
-              </a:spcAft>
-              <a:buSzPts val="8000"/>
-              <a:buNone/>
-              <a:defRPr sz="8000"/>
-            </a:lvl5pPr>
-            <a:lvl6pPr lvl="5" algn="ctr">
-              <a:spcBef>
-                <a:spcPts val="0"/>
-              </a:spcBef>
-              <a:spcAft>
-                <a:spcPts val="0"/>
-              </a:spcAft>
-              <a:buSzPts val="8000"/>
-              <a:buNone/>
-              <a:defRPr sz="8000"/>
-            </a:lvl6pPr>
-            <a:lvl7pPr lvl="6" algn="ctr">
-              <a:spcBef>
-                <a:spcPts val="0"/>
-              </a:spcBef>
-              <a:spcAft>
-                <a:spcPts val="0"/>
-              </a:spcAft>
-              <a:buSzPts val="8000"/>
-              <a:buNone/>
-              <a:defRPr sz="8000"/>
-            </a:lvl7pPr>
-            <a:lvl8pPr lvl="7" algn="ctr">
-              <a:spcBef>
-                <a:spcPts val="0"/>
-              </a:spcBef>
-              <a:spcAft>
-                <a:spcPts val="0"/>
-              </a:spcAft>
-              <a:buSzPts val="8000"/>
-              <a:buNone/>
-              <a:defRPr sz="8000"/>
-            </a:lvl8pPr>
-            <a:lvl9pPr lvl="8" algn="ctr">
-              <a:spcBef>
-                <a:spcPts val="0"/>
-              </a:spcBef>
-              <a:spcAft>
-                <a:spcPts val="0"/>
-              </a:spcAft>
-              <a:buSzPts val="8000"/>
-              <a:buNone/>
-              <a:defRPr sz="8000"/>
-            </a:lvl9pPr>
-          </a:lstStyle>
-          <a:p/>
+          <a:lstStyle/>
+          <a:p>
+            <a:pPr indent="0" lvl="0" marL="0" rtl="0" algn="l">
+              <a:spcBef>
+                <a:spcPts val="0"/>
+              </a:spcBef>
+              <a:spcAft>
+                <a:spcPts val="0"/>
+              </a:spcAft>
+              <a:buNone/>
+            </a:pPr>
+            <a:r>
+              <a:t/>
+            </a:r>
+            <a:endParaRPr/>
+          </a:p>
         </p:txBody>
       </p:sp>
       <p:sp>
@@ -2396,13 +2620,13 @@
           <p:cNvPr id="12" name="Google Shape;12;p2"/>
           <p:cNvSpPr txBox="1"/>
           <p:nvPr>
-            <p:ph idx="1" type="subTitle"/>
+            <p:ph type="ctrTitle"/>
           </p:nvPr>
         </p:nvSpPr>
         <p:spPr>
           <a:xfrm>
-            <a:off x="311700" y="3890400"/>
-            <a:ext cx="8520600" cy="706200"/>
+            <a:off x="3096250" y="1627200"/>
+            <a:ext cx="2951400" cy="1584300"/>
           </a:xfrm>
           <a:prstGeom prst="rect">
             <a:avLst/>
@@ -2414,9 +2638,6 @@
           </a:bodyPr>
           <a:lstStyle>
             <a:lvl1pPr lvl="0" algn="ctr">
-              <a:lnSpc>
-                <a:spcPct val="100000"/>
-              </a:lnSpc>
               <a:spcBef>
                 <a:spcPts val="0"/>
               </a:spcBef>
@@ -2424,20 +2645,22 @@
                 <a:spcPts val="0"/>
               </a:spcAft>
               <a:buClr>
-                <a:schemeClr val="accent1"/>
+                <a:schemeClr val="lt1"/>
               </a:buClr>
-              <a:buSzPts val="2100"/>
-              <a:buNone/>
-              <a:defRPr b="1" sz="2100">
-                <a:solidFill>
-                  <a:schemeClr val="accent1"/>
-                </a:solidFill>
+              <a:buSzPts val="3200"/>
+              <a:buFont typeface="Lato"/>
+              <a:buNone/>
+              <a:defRPr>
+                <a:solidFill>
+                  <a:schemeClr val="lt1"/>
+                </a:solidFill>
+                <a:latin typeface="Lato"/>
+                <a:ea typeface="Lato"/>
+                <a:cs typeface="Lato"/>
+                <a:sym typeface="Lato"/>
               </a:defRPr>
             </a:lvl1pPr>
             <a:lvl2pPr lvl="1" algn="ctr">
-              <a:lnSpc>
-                <a:spcPct val="100000"/>
-              </a:lnSpc>
               <a:spcBef>
                 <a:spcPts val="0"/>
               </a:spcBef>
@@ -2445,20 +2668,22 @@
                 <a:spcPts val="0"/>
               </a:spcAft>
               <a:buClr>
-                <a:schemeClr val="accent1"/>
+                <a:schemeClr val="lt1"/>
               </a:buClr>
-              <a:buSzPts val="2100"/>
-              <a:buNone/>
-              <a:defRPr b="1" sz="2100">
-                <a:solidFill>
-                  <a:schemeClr val="accent1"/>
-                </a:solidFill>
+              <a:buSzPts val="3200"/>
+              <a:buFont typeface="Lato"/>
+              <a:buNone/>
+              <a:defRPr>
+                <a:solidFill>
+                  <a:schemeClr val="lt1"/>
+                </a:solidFill>
+                <a:latin typeface="Lato"/>
+                <a:ea typeface="Lato"/>
+                <a:cs typeface="Lato"/>
+                <a:sym typeface="Lato"/>
               </a:defRPr>
             </a:lvl2pPr>
             <a:lvl3pPr lvl="2" algn="ctr">
-              <a:lnSpc>
-                <a:spcPct val="100000"/>
-              </a:lnSpc>
               <a:spcBef>
                 <a:spcPts val="0"/>
               </a:spcBef>
@@ -2466,20 +2691,22 @@
                 <a:spcPts val="0"/>
               </a:spcAft>
               <a:buClr>
-                <a:schemeClr val="accent1"/>
+                <a:schemeClr val="lt1"/>
               </a:buClr>
-              <a:buSzPts val="2100"/>
-              <a:buNone/>
-              <a:defRPr b="1" sz="2100">
-                <a:solidFill>
-                  <a:schemeClr val="accent1"/>
-                </a:solidFill>
+              <a:buSzPts val="3200"/>
+              <a:buFont typeface="Lato"/>
+              <a:buNone/>
+              <a:defRPr>
+                <a:solidFill>
+                  <a:schemeClr val="lt1"/>
+                </a:solidFill>
+                <a:latin typeface="Lato"/>
+                <a:ea typeface="Lato"/>
+                <a:cs typeface="Lato"/>
+                <a:sym typeface="Lato"/>
               </a:defRPr>
             </a:lvl3pPr>
             <a:lvl4pPr lvl="3" algn="ctr">
-              <a:lnSpc>
-                <a:spcPct val="100000"/>
-              </a:lnSpc>
               <a:spcBef>
                 <a:spcPts val="0"/>
               </a:spcBef>
@@ -2487,20 +2714,22 @@
                 <a:spcPts val="0"/>
               </a:spcAft>
               <a:buClr>
-                <a:schemeClr val="accent1"/>
+                <a:schemeClr val="lt1"/>
               </a:buClr>
-              <a:buSzPts val="2100"/>
-              <a:buNone/>
-              <a:defRPr b="1" sz="2100">
-                <a:solidFill>
-                  <a:schemeClr val="accent1"/>
-                </a:solidFill>
+              <a:buSzPts val="3200"/>
+              <a:buFont typeface="Lato"/>
+              <a:buNone/>
+              <a:defRPr>
+                <a:solidFill>
+                  <a:schemeClr val="lt1"/>
+                </a:solidFill>
+                <a:latin typeface="Lato"/>
+                <a:ea typeface="Lato"/>
+                <a:cs typeface="Lato"/>
+                <a:sym typeface="Lato"/>
               </a:defRPr>
             </a:lvl4pPr>
             <a:lvl5pPr lvl="4" algn="ctr">
-              <a:lnSpc>
-                <a:spcPct val="100000"/>
-              </a:lnSpc>
               <a:spcBef>
                 <a:spcPts val="0"/>
               </a:spcBef>
@@ -2508,20 +2737,22 @@
                 <a:spcPts val="0"/>
               </a:spcAft>
               <a:buClr>
-                <a:schemeClr val="accent1"/>
+                <a:schemeClr val="lt1"/>
               </a:buClr>
-              <a:buSzPts val="2100"/>
-              <a:buNone/>
-              <a:defRPr b="1" sz="2100">
-                <a:solidFill>
-                  <a:schemeClr val="accent1"/>
-                </a:solidFill>
+              <a:buSzPts val="3200"/>
+              <a:buFont typeface="Lato"/>
+              <a:buNone/>
+              <a:defRPr>
+                <a:solidFill>
+                  <a:schemeClr val="lt1"/>
+                </a:solidFill>
+                <a:latin typeface="Lato"/>
+                <a:ea typeface="Lato"/>
+                <a:cs typeface="Lato"/>
+                <a:sym typeface="Lato"/>
               </a:defRPr>
             </a:lvl5pPr>
             <a:lvl6pPr lvl="5" algn="ctr">
-              <a:lnSpc>
-                <a:spcPct val="100000"/>
-              </a:lnSpc>
               <a:spcBef>
                 <a:spcPts val="0"/>
               </a:spcBef>
@@ -2529,20 +2760,22 @@
                 <a:spcPts val="0"/>
               </a:spcAft>
               <a:buClr>
-                <a:schemeClr val="accent1"/>
+                <a:schemeClr val="lt1"/>
               </a:buClr>
-              <a:buSzPts val="2100"/>
-              <a:buNone/>
-              <a:defRPr b="1" sz="2100">
-                <a:solidFill>
-                  <a:schemeClr val="accent1"/>
-                </a:solidFill>
+              <a:buSzPts val="3200"/>
+              <a:buFont typeface="Lato"/>
+              <a:buNone/>
+              <a:defRPr>
+                <a:solidFill>
+                  <a:schemeClr val="lt1"/>
+                </a:solidFill>
+                <a:latin typeface="Lato"/>
+                <a:ea typeface="Lato"/>
+                <a:cs typeface="Lato"/>
+                <a:sym typeface="Lato"/>
               </a:defRPr>
             </a:lvl6pPr>
             <a:lvl7pPr lvl="6" algn="ctr">
-              <a:lnSpc>
-                <a:spcPct val="100000"/>
-              </a:lnSpc>
               <a:spcBef>
                 <a:spcPts val="0"/>
               </a:spcBef>
@@ -2550,20 +2783,22 @@
                 <a:spcPts val="0"/>
               </a:spcAft>
               <a:buClr>
-                <a:schemeClr val="accent1"/>
+                <a:schemeClr val="lt1"/>
               </a:buClr>
-              <a:buSzPts val="2100"/>
-              <a:buNone/>
-              <a:defRPr b="1" sz="2100">
-                <a:solidFill>
-                  <a:schemeClr val="accent1"/>
-                </a:solidFill>
+              <a:buSzPts val="3200"/>
+              <a:buFont typeface="Lato"/>
+              <a:buNone/>
+              <a:defRPr>
+                <a:solidFill>
+                  <a:schemeClr val="lt1"/>
+                </a:solidFill>
+                <a:latin typeface="Lato"/>
+                <a:ea typeface="Lato"/>
+                <a:cs typeface="Lato"/>
+                <a:sym typeface="Lato"/>
               </a:defRPr>
             </a:lvl7pPr>
             <a:lvl8pPr lvl="7" algn="ctr">
-              <a:lnSpc>
-                <a:spcPct val="100000"/>
-              </a:lnSpc>
               <a:spcBef>
                 <a:spcPts val="0"/>
               </a:spcBef>
@@ -2571,20 +2806,22 @@
                 <a:spcPts val="0"/>
               </a:spcAft>
               <a:buClr>
-                <a:schemeClr val="accent1"/>
+                <a:schemeClr val="lt1"/>
               </a:buClr>
-              <a:buSzPts val="2100"/>
-              <a:buNone/>
-              <a:defRPr b="1" sz="2100">
-                <a:solidFill>
-                  <a:schemeClr val="accent1"/>
-                </a:solidFill>
+              <a:buSzPts val="3200"/>
+              <a:buFont typeface="Lato"/>
+              <a:buNone/>
+              <a:defRPr>
+                <a:solidFill>
+                  <a:schemeClr val="lt1"/>
+                </a:solidFill>
+                <a:latin typeface="Lato"/>
+                <a:ea typeface="Lato"/>
+                <a:cs typeface="Lato"/>
+                <a:sym typeface="Lato"/>
               </a:defRPr>
             </a:lvl8pPr>
             <a:lvl9pPr lvl="8" algn="ctr">
-              <a:lnSpc>
-                <a:spcPct val="100000"/>
-              </a:lnSpc>
               <a:spcBef>
                 <a:spcPts val="0"/>
               </a:spcBef>
@@ -2592,14 +2829,19 @@
                 <a:spcPts val="0"/>
               </a:spcAft>
               <a:buClr>
-                <a:schemeClr val="accent1"/>
+                <a:schemeClr val="lt1"/>
               </a:buClr>
-              <a:buSzPts val="2100"/>
-              <a:buNone/>
-              <a:defRPr b="1" sz="2100">
-                <a:solidFill>
-                  <a:schemeClr val="accent1"/>
-                </a:solidFill>
+              <a:buSzPts val="3200"/>
+              <a:buFont typeface="Lato"/>
+              <a:buNone/>
+              <a:defRPr>
+                <a:solidFill>
+                  <a:schemeClr val="lt1"/>
+                </a:solidFill>
+                <a:latin typeface="Lato"/>
+                <a:ea typeface="Lato"/>
+                <a:cs typeface="Lato"/>
+                <a:sym typeface="Lato"/>
               </a:defRPr>
             </a:lvl9pPr>
           </a:lstStyle>
@@ -2611,12 +2853,272 @@
           <p:cNvPr id="13" name="Google Shape;13;p2"/>
           <p:cNvSpPr txBox="1"/>
           <p:nvPr>
+            <p:ph idx="1" type="subTitle"/>
+          </p:nvPr>
+        </p:nvSpPr>
+        <p:spPr>
+          <a:xfrm>
+            <a:off x="3096363" y="3266930"/>
+            <a:ext cx="2951400" cy="701400"/>
+          </a:xfrm>
+          <a:prstGeom prst="rect">
+            <a:avLst/>
+          </a:prstGeom>
+        </p:spPr>
+        <p:txBody>
+          <a:bodyPr anchorCtr="0" anchor="b" bIns="91425" lIns="91425" spcFirstLastPara="1" rIns="91425" wrap="square" tIns="91425">
+            <a:normAutofit/>
+          </a:bodyPr>
+          <a:lstStyle>
+            <a:lvl1pPr lvl="0" algn="ctr">
+              <a:lnSpc>
+                <a:spcPct val="100000"/>
+              </a:lnSpc>
+              <a:spcBef>
+                <a:spcPts val="0"/>
+              </a:spcBef>
+              <a:spcAft>
+                <a:spcPts val="0"/>
+              </a:spcAft>
+              <a:buClr>
+                <a:schemeClr val="lt1"/>
+              </a:buClr>
+              <a:buSzPts val="1800"/>
+              <a:buFont typeface="Playfair Display"/>
+              <a:buNone/>
+              <a:defRPr b="1">
+                <a:solidFill>
+                  <a:schemeClr val="lt1"/>
+                </a:solidFill>
+                <a:latin typeface="Playfair Display"/>
+                <a:ea typeface="Playfair Display"/>
+                <a:cs typeface="Playfair Display"/>
+                <a:sym typeface="Playfair Display"/>
+              </a:defRPr>
+            </a:lvl1pPr>
+            <a:lvl2pPr lvl="1" algn="ctr">
+              <a:lnSpc>
+                <a:spcPct val="100000"/>
+              </a:lnSpc>
+              <a:spcBef>
+                <a:spcPts val="0"/>
+              </a:spcBef>
+              <a:spcAft>
+                <a:spcPts val="0"/>
+              </a:spcAft>
+              <a:buClr>
+                <a:schemeClr val="lt1"/>
+              </a:buClr>
+              <a:buSzPts val="1800"/>
+              <a:buFont typeface="Playfair Display"/>
+              <a:buNone/>
+              <a:defRPr b="1" sz="1800">
+                <a:solidFill>
+                  <a:schemeClr val="lt1"/>
+                </a:solidFill>
+                <a:latin typeface="Playfair Display"/>
+                <a:ea typeface="Playfair Display"/>
+                <a:cs typeface="Playfair Display"/>
+                <a:sym typeface="Playfair Display"/>
+              </a:defRPr>
+            </a:lvl2pPr>
+            <a:lvl3pPr lvl="2" algn="ctr">
+              <a:lnSpc>
+                <a:spcPct val="100000"/>
+              </a:lnSpc>
+              <a:spcBef>
+                <a:spcPts val="0"/>
+              </a:spcBef>
+              <a:spcAft>
+                <a:spcPts val="0"/>
+              </a:spcAft>
+              <a:buClr>
+                <a:schemeClr val="lt1"/>
+              </a:buClr>
+              <a:buSzPts val="1800"/>
+              <a:buFont typeface="Playfair Display"/>
+              <a:buNone/>
+              <a:defRPr b="1" sz="1800">
+                <a:solidFill>
+                  <a:schemeClr val="lt1"/>
+                </a:solidFill>
+                <a:latin typeface="Playfair Display"/>
+                <a:ea typeface="Playfair Display"/>
+                <a:cs typeface="Playfair Display"/>
+                <a:sym typeface="Playfair Display"/>
+              </a:defRPr>
+            </a:lvl3pPr>
+            <a:lvl4pPr lvl="3" algn="ctr">
+              <a:lnSpc>
+                <a:spcPct val="100000"/>
+              </a:lnSpc>
+              <a:spcBef>
+                <a:spcPts val="0"/>
+              </a:spcBef>
+              <a:spcAft>
+                <a:spcPts val="0"/>
+              </a:spcAft>
+              <a:buClr>
+                <a:schemeClr val="lt1"/>
+              </a:buClr>
+              <a:buSzPts val="1800"/>
+              <a:buFont typeface="Playfair Display"/>
+              <a:buNone/>
+              <a:defRPr b="1" sz="1800">
+                <a:solidFill>
+                  <a:schemeClr val="lt1"/>
+                </a:solidFill>
+                <a:latin typeface="Playfair Display"/>
+                <a:ea typeface="Playfair Display"/>
+                <a:cs typeface="Playfair Display"/>
+                <a:sym typeface="Playfair Display"/>
+              </a:defRPr>
+            </a:lvl4pPr>
+            <a:lvl5pPr lvl="4" algn="ctr">
+              <a:lnSpc>
+                <a:spcPct val="100000"/>
+              </a:lnSpc>
+              <a:spcBef>
+                <a:spcPts val="0"/>
+              </a:spcBef>
+              <a:spcAft>
+                <a:spcPts val="0"/>
+              </a:spcAft>
+              <a:buClr>
+                <a:schemeClr val="lt1"/>
+              </a:buClr>
+              <a:buSzPts val="1800"/>
+              <a:buFont typeface="Playfair Display"/>
+              <a:buNone/>
+              <a:defRPr b="1" sz="1800">
+                <a:solidFill>
+                  <a:schemeClr val="lt1"/>
+                </a:solidFill>
+                <a:latin typeface="Playfair Display"/>
+                <a:ea typeface="Playfair Display"/>
+                <a:cs typeface="Playfair Display"/>
+                <a:sym typeface="Playfair Display"/>
+              </a:defRPr>
+            </a:lvl5pPr>
+            <a:lvl6pPr lvl="5" algn="ctr">
+              <a:lnSpc>
+                <a:spcPct val="100000"/>
+              </a:lnSpc>
+              <a:spcBef>
+                <a:spcPts val="0"/>
+              </a:spcBef>
+              <a:spcAft>
+                <a:spcPts val="0"/>
+              </a:spcAft>
+              <a:buClr>
+                <a:schemeClr val="lt1"/>
+              </a:buClr>
+              <a:buSzPts val="1800"/>
+              <a:buFont typeface="Playfair Display"/>
+              <a:buNone/>
+              <a:defRPr b="1" sz="1800">
+                <a:solidFill>
+                  <a:schemeClr val="lt1"/>
+                </a:solidFill>
+                <a:latin typeface="Playfair Display"/>
+                <a:ea typeface="Playfair Display"/>
+                <a:cs typeface="Playfair Display"/>
+                <a:sym typeface="Playfair Display"/>
+              </a:defRPr>
+            </a:lvl6pPr>
+            <a:lvl7pPr lvl="6" algn="ctr">
+              <a:lnSpc>
+                <a:spcPct val="100000"/>
+              </a:lnSpc>
+              <a:spcBef>
+                <a:spcPts val="0"/>
+              </a:spcBef>
+              <a:spcAft>
+                <a:spcPts val="0"/>
+              </a:spcAft>
+              <a:buClr>
+                <a:schemeClr val="lt1"/>
+              </a:buClr>
+              <a:buSzPts val="1800"/>
+              <a:buFont typeface="Playfair Display"/>
+              <a:buNone/>
+              <a:defRPr b="1" sz="1800">
+                <a:solidFill>
+                  <a:schemeClr val="lt1"/>
+                </a:solidFill>
+                <a:latin typeface="Playfair Display"/>
+                <a:ea typeface="Playfair Display"/>
+                <a:cs typeface="Playfair Display"/>
+                <a:sym typeface="Playfair Display"/>
+              </a:defRPr>
+            </a:lvl7pPr>
+            <a:lvl8pPr lvl="7" algn="ctr">
+              <a:lnSpc>
+                <a:spcPct val="100000"/>
+              </a:lnSpc>
+              <a:spcBef>
+                <a:spcPts val="0"/>
+              </a:spcBef>
+              <a:spcAft>
+                <a:spcPts val="0"/>
+              </a:spcAft>
+              <a:buClr>
+                <a:schemeClr val="lt1"/>
+              </a:buClr>
+              <a:buSzPts val="1800"/>
+              <a:buFont typeface="Playfair Display"/>
+              <a:buNone/>
+              <a:defRPr b="1" sz="1800">
+                <a:solidFill>
+                  <a:schemeClr val="lt1"/>
+                </a:solidFill>
+                <a:latin typeface="Playfair Display"/>
+                <a:ea typeface="Playfair Display"/>
+                <a:cs typeface="Playfair Display"/>
+                <a:sym typeface="Playfair Display"/>
+              </a:defRPr>
+            </a:lvl8pPr>
+            <a:lvl9pPr lvl="8" algn="ctr">
+              <a:lnSpc>
+                <a:spcPct val="100000"/>
+              </a:lnSpc>
+              <a:spcBef>
+                <a:spcPts val="0"/>
+              </a:spcBef>
+              <a:spcAft>
+                <a:spcPts val="0"/>
+              </a:spcAft>
+              <a:buClr>
+                <a:schemeClr val="lt1"/>
+              </a:buClr>
+              <a:buSzPts val="1800"/>
+              <a:buFont typeface="Playfair Display"/>
+              <a:buNone/>
+              <a:defRPr b="1" sz="1800">
+                <a:solidFill>
+                  <a:schemeClr val="lt1"/>
+                </a:solidFill>
+                <a:latin typeface="Playfair Display"/>
+                <a:ea typeface="Playfair Display"/>
+                <a:cs typeface="Playfair Display"/>
+                <a:sym typeface="Playfair Display"/>
+              </a:defRPr>
+            </a:lvl9pPr>
+          </a:lstStyle>
+          <a:p/>
+        </p:txBody>
+      </p:sp>
+      <p:sp>
+        <p:nvSpPr>
+          <p:cNvPr id="14" name="Google Shape;14;p2"/>
+          <p:cNvSpPr txBox="1"/>
+          <p:nvPr>
             <p:ph idx="12" type="sldNum"/>
           </p:nvPr>
         </p:nvSpPr>
         <p:spPr>
           <a:xfrm>
-            <a:off x="8472458" y="4663217"/>
+            <a:off x="8490250" y="4681009"/>
             <a:ext cx="548700" cy="393600"/>
           </a:xfrm>
           <a:prstGeom prst="rect">
@@ -2696,7 +3198,7 @@
   <p:cSld name="BIG_NUMBER">
     <p:spTree>
       <p:nvGrpSpPr>
-        <p:cNvPr id="46" name="Shape 46"/>
+        <p:cNvPr id="48" name="Shape 48"/>
         <p:cNvGrpSpPr/>
         <p:nvPr/>
       </p:nvGrpSpPr>
@@ -2710,7 +3212,50 @@
       </p:grpSpPr>
       <p:sp>
         <p:nvSpPr>
-          <p:cNvPr id="47" name="Google Shape;47;p11"/>
+          <p:cNvPr id="49" name="Google Shape;49;p11"/>
+          <p:cNvSpPr/>
+          <p:nvPr/>
+        </p:nvSpPr>
+        <p:spPr>
+          <a:xfrm>
+            <a:off x="0" y="5045700"/>
+            <a:ext cx="9144000" cy="97800"/>
+          </a:xfrm>
+          <a:prstGeom prst="rect">
+            <a:avLst/>
+          </a:prstGeom>
+          <a:solidFill>
+            <a:schemeClr val="dk1"/>
+          </a:solidFill>
+          <a:ln>
+            <a:noFill/>
+          </a:ln>
+        </p:spPr>
+        <p:txBody>
+          <a:bodyPr anchorCtr="0" anchor="ctr" bIns="91425" lIns="91425" spcFirstLastPara="1" rIns="91425" wrap="square" tIns="91425">
+            <a:noAutofit/>
+          </a:bodyPr>
+          <a:lstStyle/>
+          <a:p>
+            <a:pPr indent="0" lvl="0" marL="0" rtl="0" algn="l">
+              <a:spcBef>
+                <a:spcPts val="0"/>
+              </a:spcBef>
+              <a:spcAft>
+                <a:spcPts val="0"/>
+              </a:spcAft>
+              <a:buNone/>
+            </a:pPr>
+            <a:r>
+              <a:t/>
+            </a:r>
+            <a:endParaRPr/>
+          </a:p>
+        </p:txBody>
+      </p:sp>
+      <p:sp>
+        <p:nvSpPr>
+          <p:cNvPr id="50" name="Google Shape;50;p11"/>
           <p:cNvSpPr txBox="1"/>
           <p:nvPr>
             <p:ph hasCustomPrompt="1" type="title"/>
@@ -2718,8 +3263,8 @@
         </p:nvSpPr>
         <p:spPr>
           <a:xfrm>
-            <a:off x="311700" y="1240275"/>
-            <a:ext cx="8520600" cy="1981800"/>
+            <a:off x="311700" y="1233100"/>
+            <a:ext cx="8520600" cy="1610100"/>
           </a:xfrm>
           <a:prstGeom prst="rect">
             <a:avLst/>
@@ -2737,18 +3282,14 @@
               <a:spcAft>
                 <a:spcPts val="0"/>
               </a:spcAft>
-              <a:buClr>
-                <a:schemeClr val="lt1"/>
-              </a:buClr>
-              <a:buSzPts val="12000"/>
-              <a:buNone/>
-              <a:defRPr sz="12000">
-                <a:solidFill>
-                  <a:schemeClr val="lt1"/>
-                </a:solidFill>
-                <a:highlight>
-                  <a:schemeClr val="accent1"/>
-                </a:highlight>
+              <a:buSzPts val="10000"/>
+              <a:buFont typeface="Lato"/>
+              <a:buNone/>
+              <a:defRPr sz="10000">
+                <a:latin typeface="Lato"/>
+                <a:ea typeface="Lato"/>
+                <a:cs typeface="Lato"/>
+                <a:sym typeface="Lato"/>
               </a:defRPr>
             </a:lvl1pPr>
             <a:lvl2pPr lvl="1" algn="ctr">
@@ -2758,18 +3299,14 @@
               <a:spcAft>
                 <a:spcPts val="0"/>
               </a:spcAft>
-              <a:buClr>
-                <a:schemeClr val="lt1"/>
-              </a:buClr>
-              <a:buSzPts val="12000"/>
-              <a:buNone/>
-              <a:defRPr sz="12000">
-                <a:solidFill>
-                  <a:schemeClr val="lt1"/>
-                </a:solidFill>
-                <a:highlight>
-                  <a:schemeClr val="accent1"/>
-                </a:highlight>
+              <a:buSzPts val="10000"/>
+              <a:buFont typeface="Lato"/>
+              <a:buNone/>
+              <a:defRPr sz="10000">
+                <a:latin typeface="Lato"/>
+                <a:ea typeface="Lato"/>
+                <a:cs typeface="Lato"/>
+                <a:sym typeface="Lato"/>
               </a:defRPr>
             </a:lvl2pPr>
             <a:lvl3pPr lvl="2" algn="ctr">
@@ -2779,18 +3316,14 @@
               <a:spcAft>
                 <a:spcPts val="0"/>
               </a:spcAft>
-              <a:buClr>
-                <a:schemeClr val="lt1"/>
-              </a:buClr>
-              <a:buSzPts val="12000"/>
-              <a:buNone/>
-              <a:defRPr sz="12000">
-                <a:solidFill>
-                  <a:schemeClr val="lt1"/>
-                </a:solidFill>
-                <a:highlight>
-                  <a:schemeClr val="accent1"/>
-                </a:highlight>
+              <a:buSzPts val="10000"/>
+              <a:buFont typeface="Lato"/>
+              <a:buNone/>
+              <a:defRPr sz="10000">
+                <a:latin typeface="Lato"/>
+                <a:ea typeface="Lato"/>
+                <a:cs typeface="Lato"/>
+                <a:sym typeface="Lato"/>
               </a:defRPr>
             </a:lvl3pPr>
             <a:lvl4pPr lvl="3" algn="ctr">
@@ -2800,18 +3333,14 @@
               <a:spcAft>
                 <a:spcPts val="0"/>
               </a:spcAft>
-              <a:buClr>
-                <a:schemeClr val="lt1"/>
-              </a:buClr>
-              <a:buSzPts val="12000"/>
-              <a:buNone/>
-              <a:defRPr sz="12000">
-                <a:solidFill>
-                  <a:schemeClr val="lt1"/>
-                </a:solidFill>
-                <a:highlight>
-                  <a:schemeClr val="accent1"/>
-                </a:highlight>
+              <a:buSzPts val="10000"/>
+              <a:buFont typeface="Lato"/>
+              <a:buNone/>
+              <a:defRPr sz="10000">
+                <a:latin typeface="Lato"/>
+                <a:ea typeface="Lato"/>
+                <a:cs typeface="Lato"/>
+                <a:sym typeface="Lato"/>
               </a:defRPr>
             </a:lvl4pPr>
             <a:lvl5pPr lvl="4" algn="ctr">
@@ -2821,18 +3350,14 @@
               <a:spcAft>
                 <a:spcPts val="0"/>
               </a:spcAft>
-              <a:buClr>
-                <a:schemeClr val="lt1"/>
-              </a:buClr>
-              <a:buSzPts val="12000"/>
-              <a:buNone/>
-              <a:defRPr sz="12000">
-                <a:solidFill>
-                  <a:schemeClr val="lt1"/>
-                </a:solidFill>
-                <a:highlight>
-                  <a:schemeClr val="accent1"/>
-                </a:highlight>
+              <a:buSzPts val="10000"/>
+              <a:buFont typeface="Lato"/>
+              <a:buNone/>
+              <a:defRPr sz="10000">
+                <a:latin typeface="Lato"/>
+                <a:ea typeface="Lato"/>
+                <a:cs typeface="Lato"/>
+                <a:sym typeface="Lato"/>
               </a:defRPr>
             </a:lvl5pPr>
             <a:lvl6pPr lvl="5" algn="ctr">
@@ -2842,18 +3367,14 @@
               <a:spcAft>
                 <a:spcPts val="0"/>
               </a:spcAft>
-              <a:buClr>
-                <a:schemeClr val="lt1"/>
-              </a:buClr>
-              <a:buSzPts val="12000"/>
-              <a:buNone/>
-              <a:defRPr sz="12000">
-                <a:solidFill>
-                  <a:schemeClr val="lt1"/>
-                </a:solidFill>
-                <a:highlight>
-                  <a:schemeClr val="accent1"/>
-                </a:highlight>
+              <a:buSzPts val="10000"/>
+              <a:buFont typeface="Lato"/>
+              <a:buNone/>
+              <a:defRPr sz="10000">
+                <a:latin typeface="Lato"/>
+                <a:ea typeface="Lato"/>
+                <a:cs typeface="Lato"/>
+                <a:sym typeface="Lato"/>
               </a:defRPr>
             </a:lvl6pPr>
             <a:lvl7pPr lvl="6" algn="ctr">
@@ -2863,18 +3384,14 @@
               <a:spcAft>
                 <a:spcPts val="0"/>
               </a:spcAft>
-              <a:buClr>
-                <a:schemeClr val="lt1"/>
-              </a:buClr>
-              <a:buSzPts val="12000"/>
-              <a:buNone/>
-              <a:defRPr sz="12000">
-                <a:solidFill>
-                  <a:schemeClr val="lt1"/>
-                </a:solidFill>
-                <a:highlight>
-                  <a:schemeClr val="accent1"/>
-                </a:highlight>
+              <a:buSzPts val="10000"/>
+              <a:buFont typeface="Lato"/>
+              <a:buNone/>
+              <a:defRPr sz="10000">
+                <a:latin typeface="Lato"/>
+                <a:ea typeface="Lato"/>
+                <a:cs typeface="Lato"/>
+                <a:sym typeface="Lato"/>
               </a:defRPr>
             </a:lvl7pPr>
             <a:lvl8pPr lvl="7" algn="ctr">
@@ -2884,18 +3401,14 @@
               <a:spcAft>
                 <a:spcPts val="0"/>
               </a:spcAft>
-              <a:buClr>
-                <a:schemeClr val="lt1"/>
-              </a:buClr>
-              <a:buSzPts val="12000"/>
-              <a:buNone/>
-              <a:defRPr sz="12000">
-                <a:solidFill>
-                  <a:schemeClr val="lt1"/>
-                </a:solidFill>
-                <a:highlight>
-                  <a:schemeClr val="accent1"/>
-                </a:highlight>
+              <a:buSzPts val="10000"/>
+              <a:buFont typeface="Lato"/>
+              <a:buNone/>
+              <a:defRPr sz="10000">
+                <a:latin typeface="Lato"/>
+                <a:ea typeface="Lato"/>
+                <a:cs typeface="Lato"/>
+                <a:sym typeface="Lato"/>
               </a:defRPr>
             </a:lvl8pPr>
             <a:lvl9pPr lvl="8" algn="ctr">
@@ -2905,18 +3418,14 @@
               <a:spcAft>
                 <a:spcPts val="0"/>
               </a:spcAft>
-              <a:buClr>
-                <a:schemeClr val="lt1"/>
-              </a:buClr>
-              <a:buSzPts val="12000"/>
-              <a:buNone/>
-              <a:defRPr sz="12000">
-                <a:solidFill>
-                  <a:schemeClr val="lt1"/>
-                </a:solidFill>
-                <a:highlight>
-                  <a:schemeClr val="accent1"/>
-                </a:highlight>
+              <a:buSzPts val="10000"/>
+              <a:buFont typeface="Lato"/>
+              <a:buNone/>
+              <a:defRPr sz="10000">
+                <a:latin typeface="Lato"/>
+                <a:ea typeface="Lato"/>
+                <a:cs typeface="Lato"/>
+                <a:sym typeface="Lato"/>
               </a:defRPr>
             </a:lvl9pPr>
           </a:lstStyle>
@@ -2929,7 +3438,7 @@
       </p:sp>
       <p:sp>
         <p:nvSpPr>
-          <p:cNvPr id="48" name="Google Shape;48;p11"/>
+          <p:cNvPr id="51" name="Google Shape;51;p11"/>
           <p:cNvSpPr txBox="1"/>
           <p:nvPr>
             <p:ph idx="1" type="body"/>
@@ -2937,8 +3446,8 @@
         </p:nvSpPr>
         <p:spPr>
           <a:xfrm>
-            <a:off x="311700" y="3304625"/>
-            <a:ext cx="8520600" cy="1300800"/>
+            <a:off x="311700" y="2919450"/>
+            <a:ext cx="8520600" cy="1071600"/>
           </a:xfrm>
           <a:prstGeom prst="rect">
             <a:avLst/>
@@ -2956,19 +3465,9 @@
               <a:spcAft>
                 <a:spcPts val="0"/>
               </a:spcAft>
-              <a:buClr>
-                <a:schemeClr val="accent1"/>
-              </a:buClr>
               <a:buSzPts val="1800"/>
               <a:buChar char="●"/>
-              <a:defRPr>
-                <a:solidFill>
-                  <a:schemeClr val="accent1"/>
-                </a:solidFill>
-                <a:highlight>
-                  <a:schemeClr val="dk1"/>
-                </a:highlight>
-              </a:defRPr>
+              <a:defRPr/>
             </a:lvl1pPr>
             <a:lvl2pPr indent="-317500" lvl="1" marL="914400" algn="ctr">
               <a:spcBef>
@@ -2977,19 +3476,9 @@
               <a:spcAft>
                 <a:spcPts val="0"/>
               </a:spcAft>
-              <a:buClr>
-                <a:schemeClr val="accent1"/>
-              </a:buClr>
               <a:buSzPts val="1400"/>
               <a:buChar char="○"/>
-              <a:defRPr>
-                <a:solidFill>
-                  <a:schemeClr val="accent1"/>
-                </a:solidFill>
-                <a:highlight>
-                  <a:schemeClr val="dk1"/>
-                </a:highlight>
-              </a:defRPr>
+              <a:defRPr/>
             </a:lvl2pPr>
             <a:lvl3pPr indent="-317500" lvl="2" marL="1371600" algn="ctr">
               <a:spcBef>
@@ -2998,19 +3487,9 @@
               <a:spcAft>
                 <a:spcPts val="0"/>
               </a:spcAft>
-              <a:buClr>
-                <a:schemeClr val="accent1"/>
-              </a:buClr>
               <a:buSzPts val="1400"/>
               <a:buChar char="■"/>
-              <a:defRPr>
-                <a:solidFill>
-                  <a:schemeClr val="accent1"/>
-                </a:solidFill>
-                <a:highlight>
-                  <a:schemeClr val="dk1"/>
-                </a:highlight>
-              </a:defRPr>
+              <a:defRPr/>
             </a:lvl3pPr>
             <a:lvl4pPr indent="-317500" lvl="3" marL="1828800" algn="ctr">
               <a:spcBef>
@@ -3019,19 +3498,9 @@
               <a:spcAft>
                 <a:spcPts val="0"/>
               </a:spcAft>
-              <a:buClr>
-                <a:schemeClr val="accent1"/>
-              </a:buClr>
               <a:buSzPts val="1400"/>
               <a:buChar char="●"/>
-              <a:defRPr>
-                <a:solidFill>
-                  <a:schemeClr val="accent1"/>
-                </a:solidFill>
-                <a:highlight>
-                  <a:schemeClr val="dk1"/>
-                </a:highlight>
-              </a:defRPr>
+              <a:defRPr/>
             </a:lvl4pPr>
             <a:lvl5pPr indent="-317500" lvl="4" marL="2286000" algn="ctr">
               <a:spcBef>
@@ -3040,19 +3509,9 @@
               <a:spcAft>
                 <a:spcPts val="0"/>
               </a:spcAft>
-              <a:buClr>
-                <a:schemeClr val="accent1"/>
-              </a:buClr>
               <a:buSzPts val="1400"/>
               <a:buChar char="○"/>
-              <a:defRPr>
-                <a:solidFill>
-                  <a:schemeClr val="accent1"/>
-                </a:solidFill>
-                <a:highlight>
-                  <a:schemeClr val="dk1"/>
-                </a:highlight>
-              </a:defRPr>
+              <a:defRPr/>
             </a:lvl5pPr>
             <a:lvl6pPr indent="-317500" lvl="5" marL="2743200" algn="ctr">
               <a:spcBef>
@@ -3061,19 +3520,9 @@
               <a:spcAft>
                 <a:spcPts val="0"/>
               </a:spcAft>
-              <a:buClr>
-                <a:schemeClr val="accent1"/>
-              </a:buClr>
               <a:buSzPts val="1400"/>
               <a:buChar char="■"/>
-              <a:defRPr>
-                <a:solidFill>
-                  <a:schemeClr val="accent1"/>
-                </a:solidFill>
-                <a:highlight>
-                  <a:schemeClr val="dk1"/>
-                </a:highlight>
-              </a:defRPr>
+              <a:defRPr/>
             </a:lvl6pPr>
             <a:lvl7pPr indent="-317500" lvl="6" marL="3200400" algn="ctr">
               <a:spcBef>
@@ -3082,19 +3531,9 @@
               <a:spcAft>
                 <a:spcPts val="0"/>
               </a:spcAft>
-              <a:buClr>
-                <a:schemeClr val="accent1"/>
-              </a:buClr>
               <a:buSzPts val="1400"/>
               <a:buChar char="●"/>
-              <a:defRPr>
-                <a:solidFill>
-                  <a:schemeClr val="accent1"/>
-                </a:solidFill>
-                <a:highlight>
-                  <a:schemeClr val="dk1"/>
-                </a:highlight>
-              </a:defRPr>
+              <a:defRPr/>
             </a:lvl7pPr>
             <a:lvl8pPr indent="-317500" lvl="7" marL="3657600" algn="ctr">
               <a:spcBef>
@@ -3103,19 +3542,9 @@
               <a:spcAft>
                 <a:spcPts val="0"/>
               </a:spcAft>
-              <a:buClr>
-                <a:schemeClr val="accent1"/>
-              </a:buClr>
               <a:buSzPts val="1400"/>
               <a:buChar char="○"/>
-              <a:defRPr>
-                <a:solidFill>
-                  <a:schemeClr val="accent1"/>
-                </a:solidFill>
-                <a:highlight>
-                  <a:schemeClr val="dk1"/>
-                </a:highlight>
-              </a:defRPr>
+              <a:defRPr/>
             </a:lvl8pPr>
             <a:lvl9pPr indent="-317500" lvl="8" marL="4114800" algn="ctr">
               <a:spcBef>
@@ -3124,19 +3553,9 @@
               <a:spcAft>
                 <a:spcPts val="0"/>
               </a:spcAft>
-              <a:buClr>
-                <a:schemeClr val="accent1"/>
-              </a:buClr>
               <a:buSzPts val="1400"/>
               <a:buChar char="■"/>
-              <a:defRPr>
-                <a:solidFill>
-                  <a:schemeClr val="accent1"/>
-                </a:solidFill>
-                <a:highlight>
-                  <a:schemeClr val="dk1"/>
-                </a:highlight>
-              </a:defRPr>
+              <a:defRPr/>
             </a:lvl9pPr>
           </a:lstStyle>
           <a:p/>
@@ -3144,7 +3563,7 @@
       </p:sp>
       <p:sp>
         <p:nvSpPr>
-          <p:cNvPr id="49" name="Google Shape;49;p11"/>
+          <p:cNvPr id="52" name="Google Shape;52;p11"/>
           <p:cNvSpPr txBox="1"/>
           <p:nvPr>
             <p:ph idx="12" type="sldNum"/>
@@ -3152,7 +3571,7 @@
         </p:nvSpPr>
         <p:spPr>
           <a:xfrm>
-            <a:off x="8472458" y="4663217"/>
+            <a:off x="8490250" y="4681009"/>
             <a:ext cx="548700" cy="393600"/>
           </a:xfrm>
           <a:prstGeom prst="rect">
@@ -3232,7 +3651,7 @@
   <p:cSld name="BLANK">
     <p:spTree>
       <p:nvGrpSpPr>
-        <p:cNvPr id="50" name="Shape 50"/>
+        <p:cNvPr id="53" name="Shape 53"/>
         <p:cNvGrpSpPr/>
         <p:nvPr/>
       </p:nvGrpSpPr>
@@ -3246,7 +3665,7 @@
       </p:grpSpPr>
       <p:sp>
         <p:nvSpPr>
-          <p:cNvPr id="51" name="Google Shape;51;p12"/>
+          <p:cNvPr id="54" name="Google Shape;54;p12"/>
           <p:cNvSpPr txBox="1"/>
           <p:nvPr>
             <p:ph idx="12" type="sldNum"/>
@@ -3254,7 +3673,7 @@
         </p:nvSpPr>
         <p:spPr>
           <a:xfrm>
-            <a:off x="8472458" y="4663217"/>
+            <a:off x="8490250" y="4681009"/>
             <a:ext cx="548700" cy="393600"/>
           </a:xfrm>
           <a:prstGeom prst="rect">
@@ -3341,7 +3760,7 @@
     </p:bg>
     <p:spTree>
       <p:nvGrpSpPr>
-        <p:cNvPr id="14" name="Shape 14"/>
+        <p:cNvPr id="15" name="Shape 15"/>
         <p:cNvGrpSpPr/>
         <p:nvPr/>
       </p:nvGrpSpPr>
@@ -3355,7 +3774,7 @@
       </p:grpSpPr>
       <p:sp>
         <p:nvSpPr>
-          <p:cNvPr id="15" name="Google Shape;15;p3"/>
+          <p:cNvPr id="16" name="Google Shape;16;p3"/>
           <p:cNvSpPr txBox="1"/>
           <p:nvPr>
             <p:ph type="title"/>
@@ -3363,15 +3782,12 @@
         </p:nvSpPr>
         <p:spPr>
           <a:xfrm>
-            <a:off x="2802750" y="802500"/>
-            <a:ext cx="3538500" cy="3538500"/>
+            <a:off x="509550" y="1423875"/>
+            <a:ext cx="8124900" cy="1798200"/>
           </a:xfrm>
           <a:prstGeom prst="rect">
             <a:avLst/>
           </a:prstGeom>
-          <a:solidFill>
-            <a:srgbClr val="FFFFFF"/>
-          </a:solidFill>
         </p:spPr>
         <p:txBody>
           <a:bodyPr anchorCtr="0" anchor="ctr" bIns="91425" lIns="91425" spcFirstLastPara="1" rIns="91425" wrap="square" tIns="91425">
@@ -3385,9 +3801,21 @@
               <a:spcAft>
                 <a:spcPts val="0"/>
               </a:spcAft>
+              <a:buClr>
+                <a:schemeClr val="lt1"/>
+              </a:buClr>
               <a:buSzPts val="4800"/>
-              <a:buNone/>
-              <a:defRPr sz="4800"/>
+              <a:buFont typeface="Lato"/>
+              <a:buNone/>
+              <a:defRPr b="0" sz="4800">
+                <a:solidFill>
+                  <a:schemeClr val="lt1"/>
+                </a:solidFill>
+                <a:latin typeface="Lato"/>
+                <a:ea typeface="Lato"/>
+                <a:cs typeface="Lato"/>
+                <a:sym typeface="Lato"/>
+              </a:defRPr>
             </a:lvl1pPr>
             <a:lvl2pPr lvl="1" algn="ctr">
               <a:spcBef>
@@ -3396,9 +3824,21 @@
               <a:spcAft>
                 <a:spcPts val="0"/>
               </a:spcAft>
+              <a:buClr>
+                <a:schemeClr val="lt1"/>
+              </a:buClr>
               <a:buSzPts val="4800"/>
-              <a:buNone/>
-              <a:defRPr sz="4800"/>
+              <a:buFont typeface="Lato"/>
+              <a:buNone/>
+              <a:defRPr b="0" sz="4800">
+                <a:solidFill>
+                  <a:schemeClr val="lt1"/>
+                </a:solidFill>
+                <a:latin typeface="Lato"/>
+                <a:ea typeface="Lato"/>
+                <a:cs typeface="Lato"/>
+                <a:sym typeface="Lato"/>
+              </a:defRPr>
             </a:lvl2pPr>
             <a:lvl3pPr lvl="2" algn="ctr">
               <a:spcBef>
@@ -3407,9 +3847,21 @@
               <a:spcAft>
                 <a:spcPts val="0"/>
               </a:spcAft>
+              <a:buClr>
+                <a:schemeClr val="lt1"/>
+              </a:buClr>
               <a:buSzPts val="4800"/>
-              <a:buNone/>
-              <a:defRPr sz="4800"/>
+              <a:buFont typeface="Lato"/>
+              <a:buNone/>
+              <a:defRPr b="0" sz="4800">
+                <a:solidFill>
+                  <a:schemeClr val="lt1"/>
+                </a:solidFill>
+                <a:latin typeface="Lato"/>
+                <a:ea typeface="Lato"/>
+                <a:cs typeface="Lato"/>
+                <a:sym typeface="Lato"/>
+              </a:defRPr>
             </a:lvl3pPr>
             <a:lvl4pPr lvl="3" algn="ctr">
               <a:spcBef>
@@ -3418,9 +3870,21 @@
               <a:spcAft>
                 <a:spcPts val="0"/>
               </a:spcAft>
+              <a:buClr>
+                <a:schemeClr val="lt1"/>
+              </a:buClr>
               <a:buSzPts val="4800"/>
-              <a:buNone/>
-              <a:defRPr sz="4800"/>
+              <a:buFont typeface="Lato"/>
+              <a:buNone/>
+              <a:defRPr b="0" sz="4800">
+                <a:solidFill>
+                  <a:schemeClr val="lt1"/>
+                </a:solidFill>
+                <a:latin typeface="Lato"/>
+                <a:ea typeface="Lato"/>
+                <a:cs typeface="Lato"/>
+                <a:sym typeface="Lato"/>
+              </a:defRPr>
             </a:lvl4pPr>
             <a:lvl5pPr lvl="4" algn="ctr">
               <a:spcBef>
@@ -3429,9 +3893,21 @@
               <a:spcAft>
                 <a:spcPts val="0"/>
               </a:spcAft>
+              <a:buClr>
+                <a:schemeClr val="lt1"/>
+              </a:buClr>
               <a:buSzPts val="4800"/>
-              <a:buNone/>
-              <a:defRPr sz="4800"/>
+              <a:buFont typeface="Lato"/>
+              <a:buNone/>
+              <a:defRPr b="0" sz="4800">
+                <a:solidFill>
+                  <a:schemeClr val="lt1"/>
+                </a:solidFill>
+                <a:latin typeface="Lato"/>
+                <a:ea typeface="Lato"/>
+                <a:cs typeface="Lato"/>
+                <a:sym typeface="Lato"/>
+              </a:defRPr>
             </a:lvl5pPr>
             <a:lvl6pPr lvl="5" algn="ctr">
               <a:spcBef>
@@ -3440,9 +3916,21 @@
               <a:spcAft>
                 <a:spcPts val="0"/>
               </a:spcAft>
+              <a:buClr>
+                <a:schemeClr val="lt1"/>
+              </a:buClr>
               <a:buSzPts val="4800"/>
-              <a:buNone/>
-              <a:defRPr sz="4800"/>
+              <a:buFont typeface="Lato"/>
+              <a:buNone/>
+              <a:defRPr b="0" sz="4800">
+                <a:solidFill>
+                  <a:schemeClr val="lt1"/>
+                </a:solidFill>
+                <a:latin typeface="Lato"/>
+                <a:ea typeface="Lato"/>
+                <a:cs typeface="Lato"/>
+                <a:sym typeface="Lato"/>
+              </a:defRPr>
             </a:lvl6pPr>
             <a:lvl7pPr lvl="6" algn="ctr">
               <a:spcBef>
@@ -3451,9 +3939,21 @@
               <a:spcAft>
                 <a:spcPts val="0"/>
               </a:spcAft>
+              <a:buClr>
+                <a:schemeClr val="lt1"/>
+              </a:buClr>
               <a:buSzPts val="4800"/>
-              <a:buNone/>
-              <a:defRPr sz="4800"/>
+              <a:buFont typeface="Lato"/>
+              <a:buNone/>
+              <a:defRPr b="0" sz="4800">
+                <a:solidFill>
+                  <a:schemeClr val="lt1"/>
+                </a:solidFill>
+                <a:latin typeface="Lato"/>
+                <a:ea typeface="Lato"/>
+                <a:cs typeface="Lato"/>
+                <a:sym typeface="Lato"/>
+              </a:defRPr>
             </a:lvl7pPr>
             <a:lvl8pPr lvl="7" algn="ctr">
               <a:spcBef>
@@ -3462,9 +3962,21 @@
               <a:spcAft>
                 <a:spcPts val="0"/>
               </a:spcAft>
+              <a:buClr>
+                <a:schemeClr val="lt1"/>
+              </a:buClr>
               <a:buSzPts val="4800"/>
-              <a:buNone/>
-              <a:defRPr sz="4800"/>
+              <a:buFont typeface="Lato"/>
+              <a:buNone/>
+              <a:defRPr b="0" sz="4800">
+                <a:solidFill>
+                  <a:schemeClr val="lt1"/>
+                </a:solidFill>
+                <a:latin typeface="Lato"/>
+                <a:ea typeface="Lato"/>
+                <a:cs typeface="Lato"/>
+                <a:sym typeface="Lato"/>
+              </a:defRPr>
             </a:lvl8pPr>
             <a:lvl9pPr lvl="8" algn="ctr">
               <a:spcBef>
@@ -3473,9 +3985,21 @@
               <a:spcAft>
                 <a:spcPts val="0"/>
               </a:spcAft>
+              <a:buClr>
+                <a:schemeClr val="lt1"/>
+              </a:buClr>
               <a:buSzPts val="4800"/>
-              <a:buNone/>
-              <a:defRPr sz="4800"/>
+              <a:buFont typeface="Lato"/>
+              <a:buNone/>
+              <a:defRPr b="0" sz="4800">
+                <a:solidFill>
+                  <a:schemeClr val="lt1"/>
+                </a:solidFill>
+                <a:latin typeface="Lato"/>
+                <a:ea typeface="Lato"/>
+                <a:cs typeface="Lato"/>
+                <a:sym typeface="Lato"/>
+              </a:defRPr>
             </a:lvl9pPr>
           </a:lstStyle>
           <a:p/>
@@ -3483,7 +4007,7 @@
       </p:sp>
       <p:sp>
         <p:nvSpPr>
-          <p:cNvPr id="16" name="Google Shape;16;p3"/>
+          <p:cNvPr id="17" name="Google Shape;17;p3"/>
           <p:cNvSpPr txBox="1"/>
           <p:nvPr>
             <p:ph idx="12" type="sldNum"/>
@@ -3491,7 +4015,7 @@
         </p:nvSpPr>
         <p:spPr>
           <a:xfrm>
-            <a:off x="8472458" y="4663217"/>
+            <a:off x="8490250" y="4681009"/>
             <a:ext cx="548700" cy="393600"/>
           </a:xfrm>
           <a:prstGeom prst="rect">
@@ -3505,39 +4029,75 @@
           <a:lstStyle>
             <a:lvl1pPr lvl="0">
               <a:buNone/>
-              <a:defRPr/>
+              <a:defRPr>
+                <a:solidFill>
+                  <a:schemeClr val="lt1"/>
+                </a:solidFill>
+              </a:defRPr>
             </a:lvl1pPr>
             <a:lvl2pPr lvl="1">
               <a:buNone/>
-              <a:defRPr/>
+              <a:defRPr>
+                <a:solidFill>
+                  <a:schemeClr val="lt1"/>
+                </a:solidFill>
+              </a:defRPr>
             </a:lvl2pPr>
             <a:lvl3pPr lvl="2">
               <a:buNone/>
-              <a:defRPr/>
+              <a:defRPr>
+                <a:solidFill>
+                  <a:schemeClr val="lt1"/>
+                </a:solidFill>
+              </a:defRPr>
             </a:lvl3pPr>
             <a:lvl4pPr lvl="3">
               <a:buNone/>
-              <a:defRPr/>
+              <a:defRPr>
+                <a:solidFill>
+                  <a:schemeClr val="lt1"/>
+                </a:solidFill>
+              </a:defRPr>
             </a:lvl4pPr>
             <a:lvl5pPr lvl="4">
               <a:buNone/>
-              <a:defRPr/>
+              <a:defRPr>
+                <a:solidFill>
+                  <a:schemeClr val="lt1"/>
+                </a:solidFill>
+              </a:defRPr>
             </a:lvl5pPr>
             <a:lvl6pPr lvl="5">
               <a:buNone/>
-              <a:defRPr/>
+              <a:defRPr>
+                <a:solidFill>
+                  <a:schemeClr val="lt1"/>
+                </a:solidFill>
+              </a:defRPr>
             </a:lvl6pPr>
             <a:lvl7pPr lvl="6">
               <a:buNone/>
-              <a:defRPr/>
+              <a:defRPr>
+                <a:solidFill>
+                  <a:schemeClr val="lt1"/>
+                </a:solidFill>
+              </a:defRPr>
             </a:lvl7pPr>
             <a:lvl8pPr lvl="7">
               <a:buNone/>
-              <a:defRPr/>
+              <a:defRPr>
+                <a:solidFill>
+                  <a:schemeClr val="lt1"/>
+                </a:solidFill>
+              </a:defRPr>
             </a:lvl8pPr>
             <a:lvl9pPr lvl="8">
               <a:buNone/>
-              <a:defRPr/>
+              <a:defRPr>
+                <a:solidFill>
+                  <a:schemeClr val="lt1"/>
+                </a:solidFill>
+              </a:defRPr>
             </a:lvl9pPr>
           </a:lstStyle>
           <a:p>
@@ -3571,7 +4131,7 @@
   <p:cSld name="TITLE_AND_BODY">
     <p:spTree>
       <p:nvGrpSpPr>
-        <p:cNvPr id="17" name="Shape 17"/>
+        <p:cNvPr id="18" name="Shape 18"/>
         <p:cNvGrpSpPr/>
         <p:nvPr/>
       </p:nvGrpSpPr>
@@ -3585,7 +4145,50 @@
       </p:grpSpPr>
       <p:sp>
         <p:nvSpPr>
-          <p:cNvPr id="18" name="Google Shape;18;p4"/>
+          <p:cNvPr id="19" name="Google Shape;19;p4"/>
+          <p:cNvSpPr/>
+          <p:nvPr/>
+        </p:nvSpPr>
+        <p:spPr>
+          <a:xfrm>
+            <a:off x="0" y="5045700"/>
+            <a:ext cx="9144000" cy="97800"/>
+          </a:xfrm>
+          <a:prstGeom prst="rect">
+            <a:avLst/>
+          </a:prstGeom>
+          <a:solidFill>
+            <a:schemeClr val="dk1"/>
+          </a:solidFill>
+          <a:ln>
+            <a:noFill/>
+          </a:ln>
+        </p:spPr>
+        <p:txBody>
+          <a:bodyPr anchorCtr="0" anchor="ctr" bIns="91425" lIns="91425" spcFirstLastPara="1" rIns="91425" wrap="square" tIns="91425">
+            <a:noAutofit/>
+          </a:bodyPr>
+          <a:lstStyle/>
+          <a:p>
+            <a:pPr indent="0" lvl="0" marL="0" rtl="0" algn="l">
+              <a:spcBef>
+                <a:spcPts val="0"/>
+              </a:spcBef>
+              <a:spcAft>
+                <a:spcPts val="0"/>
+              </a:spcAft>
+              <a:buNone/>
+            </a:pPr>
+            <a:r>
+              <a:t/>
+            </a:r>
+            <a:endParaRPr/>
+          </a:p>
+        </p:txBody>
+      </p:sp>
+      <p:sp>
+        <p:nvSpPr>
+          <p:cNvPr id="20" name="Google Shape;20;p4"/>
           <p:cNvSpPr txBox="1"/>
           <p:nvPr>
             <p:ph type="title"/>
@@ -3593,8 +4196,8 @@
         </p:nvSpPr>
         <p:spPr>
           <a:xfrm>
-            <a:off x="311700" y="292850"/>
-            <a:ext cx="8520600" cy="801000"/>
+            <a:off x="311700" y="391350"/>
+            <a:ext cx="8520600" cy="626100"/>
           </a:xfrm>
           <a:prstGeom prst="rect">
             <a:avLst/>
@@ -3612,7 +4215,7 @@
               <a:spcAft>
                 <a:spcPts val="0"/>
               </a:spcAft>
-              <a:buSzPts val="4200"/>
+              <a:buSzPts val="3200"/>
               <a:buNone/>
               <a:defRPr/>
             </a:lvl1pPr>
@@ -3623,7 +4226,7 @@
               <a:spcAft>
                 <a:spcPts val="0"/>
               </a:spcAft>
-              <a:buSzPts val="4200"/>
+              <a:buSzPts val="3200"/>
               <a:buNone/>
               <a:defRPr/>
             </a:lvl2pPr>
@@ -3634,7 +4237,7 @@
               <a:spcAft>
                 <a:spcPts val="0"/>
               </a:spcAft>
-              <a:buSzPts val="4200"/>
+              <a:buSzPts val="3200"/>
               <a:buNone/>
               <a:defRPr/>
             </a:lvl3pPr>
@@ -3645,7 +4248,7 @@
               <a:spcAft>
                 <a:spcPts val="0"/>
               </a:spcAft>
-              <a:buSzPts val="4200"/>
+              <a:buSzPts val="3200"/>
               <a:buNone/>
               <a:defRPr/>
             </a:lvl4pPr>
@@ -3656,7 +4259,7 @@
               <a:spcAft>
                 <a:spcPts val="0"/>
               </a:spcAft>
-              <a:buSzPts val="4200"/>
+              <a:buSzPts val="3200"/>
               <a:buNone/>
               <a:defRPr/>
             </a:lvl5pPr>
@@ -3667,7 +4270,7 @@
               <a:spcAft>
                 <a:spcPts val="0"/>
               </a:spcAft>
-              <a:buSzPts val="4200"/>
+              <a:buSzPts val="3200"/>
               <a:buNone/>
               <a:defRPr/>
             </a:lvl6pPr>
@@ -3678,7 +4281,7 @@
               <a:spcAft>
                 <a:spcPts val="0"/>
               </a:spcAft>
-              <a:buSzPts val="4200"/>
+              <a:buSzPts val="3200"/>
               <a:buNone/>
               <a:defRPr/>
             </a:lvl7pPr>
@@ -3689,7 +4292,7 @@
               <a:spcAft>
                 <a:spcPts val="0"/>
               </a:spcAft>
-              <a:buSzPts val="4200"/>
+              <a:buSzPts val="3200"/>
               <a:buNone/>
               <a:defRPr/>
             </a:lvl8pPr>
@@ -3700,7 +4303,7 @@
               <a:spcAft>
                 <a:spcPts val="0"/>
               </a:spcAft>
-              <a:buSzPts val="4200"/>
+              <a:buSzPts val="3200"/>
               <a:buNone/>
               <a:defRPr/>
             </a:lvl9pPr>
@@ -3710,7 +4313,7 @@
       </p:sp>
       <p:sp>
         <p:nvSpPr>
-          <p:cNvPr id="19" name="Google Shape;19;p4"/>
+          <p:cNvPr id="21" name="Google Shape;21;p4"/>
           <p:cNvSpPr txBox="1"/>
           <p:nvPr>
             <p:ph idx="1" type="body"/>
@@ -3718,8 +4321,8 @@
         </p:nvSpPr>
         <p:spPr>
           <a:xfrm>
-            <a:off x="311700" y="1228675"/>
-            <a:ext cx="8520600" cy="3340200"/>
+            <a:off x="311700" y="1152475"/>
+            <a:ext cx="8520600" cy="3416400"/>
           </a:xfrm>
           <a:prstGeom prst="rect">
             <a:avLst/>
@@ -3835,7 +4438,7 @@
       </p:sp>
       <p:sp>
         <p:nvSpPr>
-          <p:cNvPr id="20" name="Google Shape;20;p4"/>
+          <p:cNvPr id="22" name="Google Shape;22;p4"/>
           <p:cNvSpPr txBox="1"/>
           <p:nvPr>
             <p:ph idx="12" type="sldNum"/>
@@ -3843,7 +4446,7 @@
         </p:nvSpPr>
         <p:spPr>
           <a:xfrm>
-            <a:off x="8472458" y="4663217"/>
+            <a:off x="8490250" y="4681009"/>
             <a:ext cx="548700" cy="393600"/>
           </a:xfrm>
           <a:prstGeom prst="rect">
@@ -3923,7 +4526,7 @@
   <p:cSld name="TITLE_AND_TWO_COLUMNS">
     <p:spTree>
       <p:nvGrpSpPr>
-        <p:cNvPr id="21" name="Shape 21"/>
+        <p:cNvPr id="23" name="Shape 23"/>
         <p:cNvGrpSpPr/>
         <p:nvPr/>
       </p:nvGrpSpPr>
@@ -3937,7 +4540,7 @@
       </p:grpSpPr>
       <p:sp>
         <p:nvSpPr>
-          <p:cNvPr id="22" name="Google Shape;22;p5"/>
+          <p:cNvPr id="24" name="Google Shape;24;p5"/>
           <p:cNvSpPr txBox="1"/>
           <p:nvPr>
             <p:ph type="title"/>
@@ -3945,8 +4548,8 @@
         </p:nvSpPr>
         <p:spPr>
           <a:xfrm>
-            <a:off x="311700" y="292850"/>
-            <a:ext cx="8520600" cy="801000"/>
+            <a:off x="311700" y="391350"/>
+            <a:ext cx="8520600" cy="626100"/>
           </a:xfrm>
           <a:prstGeom prst="rect">
             <a:avLst/>
@@ -3964,7 +4567,7 @@
               <a:spcAft>
                 <a:spcPts val="0"/>
               </a:spcAft>
-              <a:buSzPts val="4200"/>
+              <a:buSzPts val="3200"/>
               <a:buNone/>
               <a:defRPr/>
             </a:lvl1pPr>
@@ -3975,7 +4578,7 @@
               <a:spcAft>
                 <a:spcPts val="0"/>
               </a:spcAft>
-              <a:buSzPts val="4200"/>
+              <a:buSzPts val="3200"/>
               <a:buNone/>
               <a:defRPr/>
             </a:lvl2pPr>
@@ -3986,7 +4589,7 @@
               <a:spcAft>
                 <a:spcPts val="0"/>
               </a:spcAft>
-              <a:buSzPts val="4200"/>
+              <a:buSzPts val="3200"/>
               <a:buNone/>
               <a:defRPr/>
             </a:lvl3pPr>
@@ -3997,7 +4600,7 @@
               <a:spcAft>
                 <a:spcPts val="0"/>
               </a:spcAft>
-              <a:buSzPts val="4200"/>
+              <a:buSzPts val="3200"/>
               <a:buNone/>
               <a:defRPr/>
             </a:lvl4pPr>
@@ -4008,7 +4611,7 @@
               <a:spcAft>
                 <a:spcPts val="0"/>
               </a:spcAft>
-              <a:buSzPts val="4200"/>
+              <a:buSzPts val="3200"/>
               <a:buNone/>
               <a:defRPr/>
             </a:lvl5pPr>
@@ -4019,7 +4622,7 @@
               <a:spcAft>
                 <a:spcPts val="0"/>
               </a:spcAft>
-              <a:buSzPts val="4200"/>
+              <a:buSzPts val="3200"/>
               <a:buNone/>
               <a:defRPr/>
             </a:lvl6pPr>
@@ -4030,7 +4633,7 @@
               <a:spcAft>
                 <a:spcPts val="0"/>
               </a:spcAft>
-              <a:buSzPts val="4200"/>
+              <a:buSzPts val="3200"/>
               <a:buNone/>
               <a:defRPr/>
             </a:lvl7pPr>
@@ -4041,7 +4644,7 @@
               <a:spcAft>
                 <a:spcPts val="0"/>
               </a:spcAft>
-              <a:buSzPts val="4200"/>
+              <a:buSzPts val="3200"/>
               <a:buNone/>
               <a:defRPr/>
             </a:lvl8pPr>
@@ -4052,7 +4655,7 @@
               <a:spcAft>
                 <a:spcPts val="0"/>
               </a:spcAft>
-              <a:buSzPts val="4200"/>
+              <a:buSzPts val="3200"/>
               <a:buNone/>
               <a:defRPr/>
             </a:lvl9pPr>
@@ -4062,7 +4665,7 @@
       </p:sp>
       <p:sp>
         <p:nvSpPr>
-          <p:cNvPr id="23" name="Google Shape;23;p5"/>
+          <p:cNvPr id="25" name="Google Shape;25;p5"/>
           <p:cNvSpPr txBox="1"/>
           <p:nvPr>
             <p:ph idx="1" type="body"/>
@@ -4070,8 +4673,8 @@
         </p:nvSpPr>
         <p:spPr>
           <a:xfrm>
-            <a:off x="311700" y="1228675"/>
-            <a:ext cx="3999900" cy="3340200"/>
+            <a:off x="311700" y="1152475"/>
+            <a:ext cx="3999900" cy="3416400"/>
           </a:xfrm>
           <a:prstGeom prst="rect">
             <a:avLst/>
@@ -4187,7 +4790,7 @@
       </p:sp>
       <p:sp>
         <p:nvSpPr>
-          <p:cNvPr id="24" name="Google Shape;24;p5"/>
+          <p:cNvPr id="26" name="Google Shape;26;p5"/>
           <p:cNvSpPr txBox="1"/>
           <p:nvPr>
             <p:ph idx="2" type="body"/>
@@ -4195,8 +4798,8 @@
         </p:nvSpPr>
         <p:spPr>
           <a:xfrm>
-            <a:off x="4832400" y="1228675"/>
-            <a:ext cx="3999900" cy="3340200"/>
+            <a:off x="4832400" y="1152475"/>
+            <a:ext cx="3999900" cy="3416400"/>
           </a:xfrm>
           <a:prstGeom prst="rect">
             <a:avLst/>
@@ -4312,7 +4915,7 @@
       </p:sp>
       <p:sp>
         <p:nvSpPr>
-          <p:cNvPr id="25" name="Google Shape;25;p5"/>
+          <p:cNvPr id="27" name="Google Shape;27;p5"/>
           <p:cNvSpPr txBox="1"/>
           <p:nvPr>
             <p:ph idx="12" type="sldNum"/>
@@ -4320,7 +4923,7 @@
         </p:nvSpPr>
         <p:spPr>
           <a:xfrm>
-            <a:off x="8472458" y="4663217"/>
+            <a:off x="8490250" y="4681009"/>
             <a:ext cx="548700" cy="393600"/>
           </a:xfrm>
           <a:prstGeom prst="rect">
@@ -4400,7 +5003,7 @@
   <p:cSld name="TITLE_ONLY">
     <p:spTree>
       <p:nvGrpSpPr>
-        <p:cNvPr id="26" name="Shape 26"/>
+        <p:cNvPr id="28" name="Shape 28"/>
         <p:cNvGrpSpPr/>
         <p:nvPr/>
       </p:nvGrpSpPr>
@@ -4414,7 +5017,7 @@
       </p:grpSpPr>
       <p:sp>
         <p:nvSpPr>
-          <p:cNvPr id="27" name="Google Shape;27;p6"/>
+          <p:cNvPr id="29" name="Google Shape;29;p6"/>
           <p:cNvSpPr txBox="1"/>
           <p:nvPr>
             <p:ph type="title"/>
@@ -4422,8 +5025,8 @@
         </p:nvSpPr>
         <p:spPr>
           <a:xfrm>
-            <a:off x="304800" y="309350"/>
-            <a:ext cx="8537700" cy="748200"/>
+            <a:off x="311700" y="391350"/>
+            <a:ext cx="8520600" cy="626100"/>
           </a:xfrm>
           <a:prstGeom prst="rect">
             <a:avLst/>
@@ -4441,9 +5044,9 @@
               <a:spcAft>
                 <a:spcPts val="0"/>
               </a:spcAft>
-              <a:buSzPts val="4000"/>
-              <a:buNone/>
-              <a:defRPr sz="4000"/>
+              <a:buSzPts val="3200"/>
+              <a:buNone/>
+              <a:defRPr/>
             </a:lvl1pPr>
             <a:lvl2pPr lvl="1">
               <a:spcBef>
@@ -4452,9 +5055,9 @@
               <a:spcAft>
                 <a:spcPts val="0"/>
               </a:spcAft>
-              <a:buSzPts val="4000"/>
-              <a:buNone/>
-              <a:defRPr sz="4000"/>
+              <a:buSzPts val="3200"/>
+              <a:buNone/>
+              <a:defRPr/>
             </a:lvl2pPr>
             <a:lvl3pPr lvl="2">
               <a:spcBef>
@@ -4463,9 +5066,9 @@
               <a:spcAft>
                 <a:spcPts val="0"/>
               </a:spcAft>
-              <a:buSzPts val="4000"/>
-              <a:buNone/>
-              <a:defRPr sz="4000"/>
+              <a:buSzPts val="3200"/>
+              <a:buNone/>
+              <a:defRPr/>
             </a:lvl3pPr>
             <a:lvl4pPr lvl="3">
               <a:spcBef>
@@ -4474,9 +5077,9 @@
               <a:spcAft>
                 <a:spcPts val="0"/>
               </a:spcAft>
-              <a:buSzPts val="4000"/>
-              <a:buNone/>
-              <a:defRPr sz="4000"/>
+              <a:buSzPts val="3200"/>
+              <a:buNone/>
+              <a:defRPr/>
             </a:lvl4pPr>
             <a:lvl5pPr lvl="4">
               <a:spcBef>
@@ -4485,9 +5088,9 @@
               <a:spcAft>
                 <a:spcPts val="0"/>
               </a:spcAft>
-              <a:buSzPts val="4000"/>
-              <a:buNone/>
-              <a:defRPr sz="4000"/>
+              <a:buSzPts val="3200"/>
+              <a:buNone/>
+              <a:defRPr/>
             </a:lvl5pPr>
             <a:lvl6pPr lvl="5">
               <a:spcBef>
@@ -4496,9 +5099,9 @@
               <a:spcAft>
                 <a:spcPts val="0"/>
               </a:spcAft>
-              <a:buSzPts val="4000"/>
-              <a:buNone/>
-              <a:defRPr sz="4000"/>
+              <a:buSzPts val="3200"/>
+              <a:buNone/>
+              <a:defRPr/>
             </a:lvl6pPr>
             <a:lvl7pPr lvl="6">
               <a:spcBef>
@@ -4507,9 +5110,9 @@
               <a:spcAft>
                 <a:spcPts val="0"/>
               </a:spcAft>
-              <a:buSzPts val="4000"/>
-              <a:buNone/>
-              <a:defRPr sz="4000"/>
+              <a:buSzPts val="3200"/>
+              <a:buNone/>
+              <a:defRPr/>
             </a:lvl7pPr>
             <a:lvl8pPr lvl="7">
               <a:spcBef>
@@ -4518,9 +5121,9 @@
               <a:spcAft>
                 <a:spcPts val="0"/>
               </a:spcAft>
-              <a:buSzPts val="4000"/>
-              <a:buNone/>
-              <a:defRPr sz="4000"/>
+              <a:buSzPts val="3200"/>
+              <a:buNone/>
+              <a:defRPr/>
             </a:lvl8pPr>
             <a:lvl9pPr lvl="8">
               <a:spcBef>
@@ -4529,9 +5132,9 @@
               <a:spcAft>
                 <a:spcPts val="0"/>
               </a:spcAft>
-              <a:buSzPts val="4000"/>
-              <a:buNone/>
-              <a:defRPr sz="4000"/>
+              <a:buSzPts val="3200"/>
+              <a:buNone/>
+              <a:defRPr/>
             </a:lvl9pPr>
           </a:lstStyle>
           <a:p/>
@@ -4539,7 +5142,7 @@
       </p:sp>
       <p:sp>
         <p:nvSpPr>
-          <p:cNvPr id="28" name="Google Shape;28;p6"/>
+          <p:cNvPr id="30" name="Google Shape;30;p6"/>
           <p:cNvSpPr txBox="1"/>
           <p:nvPr>
             <p:ph idx="12" type="sldNum"/>
@@ -4547,7 +5150,7 @@
         </p:nvSpPr>
         <p:spPr>
           <a:xfrm>
-            <a:off x="8472458" y="4663217"/>
+            <a:off x="8490250" y="4681009"/>
             <a:ext cx="548700" cy="393600"/>
           </a:xfrm>
           <a:prstGeom prst="rect">
@@ -4627,7 +5230,7 @@
   <p:cSld name="ONE_COLUMN_TEXT">
     <p:spTree>
       <p:nvGrpSpPr>
-        <p:cNvPr id="29" name="Shape 29"/>
+        <p:cNvPr id="31" name="Shape 31"/>
         <p:cNvGrpSpPr/>
         <p:nvPr/>
       </p:nvGrpSpPr>
@@ -4641,7 +5244,7 @@
       </p:grpSpPr>
       <p:sp>
         <p:nvSpPr>
-          <p:cNvPr id="30" name="Google Shape;30;p7"/>
+          <p:cNvPr id="32" name="Google Shape;32;p7"/>
           <p:cNvSpPr txBox="1"/>
           <p:nvPr>
             <p:ph type="title"/>
@@ -4668,13 +5271,9 @@
               <a:spcAft>
                 <a:spcPts val="0"/>
               </a:spcAft>
-              <a:buSzPts val="3000"/>
-              <a:buNone/>
-              <a:defRPr sz="3000">
-                <a:highlight>
-                  <a:schemeClr val="dk1"/>
-                </a:highlight>
-              </a:defRPr>
+              <a:buSzPts val="2400"/>
+              <a:buNone/>
+              <a:defRPr sz="2400"/>
             </a:lvl1pPr>
             <a:lvl2pPr lvl="1">
               <a:spcBef>
@@ -4683,13 +5282,9 @@
               <a:spcAft>
                 <a:spcPts val="0"/>
               </a:spcAft>
-              <a:buSzPts val="3000"/>
-              <a:buNone/>
-              <a:defRPr sz="3000">
-                <a:highlight>
-                  <a:schemeClr val="dk1"/>
-                </a:highlight>
-              </a:defRPr>
+              <a:buSzPts val="2400"/>
+              <a:buNone/>
+              <a:defRPr sz="2400"/>
             </a:lvl2pPr>
             <a:lvl3pPr lvl="2">
               <a:spcBef>
@@ -4698,13 +5293,9 @@
               <a:spcAft>
                 <a:spcPts val="0"/>
               </a:spcAft>
-              <a:buSzPts val="3000"/>
-              <a:buNone/>
-              <a:defRPr sz="3000">
-                <a:highlight>
-                  <a:schemeClr val="dk1"/>
-                </a:highlight>
-              </a:defRPr>
+              <a:buSzPts val="2400"/>
+              <a:buNone/>
+              <a:defRPr sz="2400"/>
             </a:lvl3pPr>
             <a:lvl4pPr lvl="3">
               <a:spcBef>
@@ -4713,13 +5304,9 @@
               <a:spcAft>
                 <a:spcPts val="0"/>
               </a:spcAft>
-              <a:buSzPts val="3000"/>
-              <a:buNone/>
-              <a:defRPr sz="3000">
-                <a:highlight>
-                  <a:schemeClr val="dk1"/>
-                </a:highlight>
-              </a:defRPr>
+              <a:buSzPts val="2400"/>
+              <a:buNone/>
+              <a:defRPr sz="2400"/>
             </a:lvl4pPr>
             <a:lvl5pPr lvl="4">
               <a:spcBef>
@@ -4728,13 +5315,9 @@
               <a:spcAft>
                 <a:spcPts val="0"/>
               </a:spcAft>
-              <a:buSzPts val="3000"/>
-              <a:buNone/>
-              <a:defRPr sz="3000">
-                <a:highlight>
-                  <a:schemeClr val="dk1"/>
-                </a:highlight>
-              </a:defRPr>
+              <a:buSzPts val="2400"/>
+              <a:buNone/>
+              <a:defRPr sz="2400"/>
             </a:lvl5pPr>
             <a:lvl6pPr lvl="5">
               <a:spcBef>
@@ -4743,13 +5326,9 @@
               <a:spcAft>
                 <a:spcPts val="0"/>
               </a:spcAft>
-              <a:buSzPts val="3000"/>
-              <a:buNone/>
-              <a:defRPr sz="3000">
-                <a:highlight>
-                  <a:schemeClr val="dk1"/>
-                </a:highlight>
-              </a:defRPr>
+              <a:buSzPts val="2400"/>
+              <a:buNone/>
+              <a:defRPr sz="2400"/>
             </a:lvl6pPr>
             <a:lvl7pPr lvl="6">
               <a:spcBef>
@@ -4758,13 +5337,9 @@
               <a:spcAft>
                 <a:spcPts val="0"/>
               </a:spcAft>
-              <a:buSzPts val="3000"/>
-              <a:buNone/>
-              <a:defRPr sz="3000">
-                <a:highlight>
-                  <a:schemeClr val="dk1"/>
-                </a:highlight>
-              </a:defRPr>
+              <a:buSzPts val="2400"/>
+              <a:buNone/>
+              <a:defRPr sz="2400"/>
             </a:lvl7pPr>
             <a:lvl8pPr lvl="7">
               <a:spcBef>
@@ -4773,13 +5348,9 @@
               <a:spcAft>
                 <a:spcPts val="0"/>
               </a:spcAft>
-              <a:buSzPts val="3000"/>
-              <a:buNone/>
-              <a:defRPr sz="3000">
-                <a:highlight>
-                  <a:schemeClr val="dk1"/>
-                </a:highlight>
-              </a:defRPr>
+              <a:buSzPts val="2400"/>
+              <a:buNone/>
+              <a:defRPr sz="2400"/>
             </a:lvl8pPr>
             <a:lvl9pPr lvl="8">
               <a:spcBef>
@@ -4788,13 +5359,9 @@
               <a:spcAft>
                 <a:spcPts val="0"/>
               </a:spcAft>
-              <a:buSzPts val="3000"/>
-              <a:buNone/>
-              <a:defRPr sz="3000">
-                <a:highlight>
-                  <a:schemeClr val="dk1"/>
-                </a:highlight>
-              </a:defRPr>
+              <a:buSzPts val="2400"/>
+              <a:buNone/>
+              <a:defRPr sz="2400"/>
             </a:lvl9pPr>
           </a:lstStyle>
           <a:p/>
@@ -4802,7 +5369,7 @@
       </p:sp>
       <p:sp>
         <p:nvSpPr>
-          <p:cNvPr id="31" name="Google Shape;31;p7"/>
+          <p:cNvPr id="33" name="Google Shape;33;p7"/>
           <p:cNvSpPr txBox="1"/>
           <p:nvPr>
             <p:ph idx="1" type="body"/>
@@ -4810,7 +5377,7 @@
         </p:nvSpPr>
         <p:spPr>
           <a:xfrm>
-            <a:off x="311700" y="1389600"/>
+            <a:off x="311700" y="1391378"/>
             <a:ext cx="2808000" cy="3179400"/>
           </a:xfrm>
           <a:prstGeom prst="rect">
@@ -4927,7 +5494,7 @@
       </p:sp>
       <p:sp>
         <p:nvSpPr>
-          <p:cNvPr id="32" name="Google Shape;32;p7"/>
+          <p:cNvPr id="34" name="Google Shape;34;p7"/>
           <p:cNvSpPr txBox="1"/>
           <p:nvPr>
             <p:ph idx="12" type="sldNum"/>
@@ -4935,7 +5502,7 @@
         </p:nvSpPr>
         <p:spPr>
           <a:xfrm>
-            <a:off x="8472458" y="4663217"/>
+            <a:off x="8490250" y="4681009"/>
             <a:ext cx="548700" cy="393600"/>
           </a:xfrm>
           <a:prstGeom prst="rect">
@@ -5016,13 +5583,13 @@
     <p:bg>
       <p:bgPr>
         <a:solidFill>
-          <a:schemeClr val="accent4"/>
+          <a:schemeClr val="dk2"/>
         </a:solidFill>
       </p:bgPr>
     </p:bg>
     <p:spTree>
       <p:nvGrpSpPr>
-        <p:cNvPr id="33" name="Shape 33"/>
+        <p:cNvPr id="35" name="Shape 35"/>
         <p:cNvGrpSpPr/>
         <p:nvPr/>
       </p:nvGrpSpPr>
@@ -5036,7 +5603,7 @@
       </p:grpSpPr>
       <p:sp>
         <p:nvSpPr>
-          <p:cNvPr id="34" name="Google Shape;34;p8"/>
+          <p:cNvPr id="36" name="Google Shape;36;p8"/>
           <p:cNvSpPr txBox="1"/>
           <p:nvPr>
             <p:ph type="title"/>
@@ -5066,12 +5633,17 @@
               <a:buClr>
                 <a:schemeClr val="lt1"/>
               </a:buClr>
-              <a:buSzPts val="6000"/>
-              <a:buNone/>
-              <a:defRPr sz="6000">
+              <a:buSzPts val="4800"/>
+              <a:buFont typeface="Lato"/>
+              <a:buNone/>
+              <a:defRPr b="0" sz="4800">
                 <a:solidFill>
                   <a:schemeClr val="lt1"/>
                 </a:solidFill>
+                <a:latin typeface="Lato"/>
+                <a:ea typeface="Lato"/>
+                <a:cs typeface="Lato"/>
+                <a:sym typeface="Lato"/>
               </a:defRPr>
             </a:lvl1pPr>
             <a:lvl2pPr lvl="1">
@@ -5084,12 +5656,17 @@
               <a:buClr>
                 <a:schemeClr val="lt1"/>
               </a:buClr>
-              <a:buSzPts val="6000"/>
-              <a:buNone/>
-              <a:defRPr sz="6000">
+              <a:buSzPts val="4800"/>
+              <a:buFont typeface="Lato"/>
+              <a:buNone/>
+              <a:defRPr b="0" sz="4800">
                 <a:solidFill>
                   <a:schemeClr val="lt1"/>
                 </a:solidFill>
+                <a:latin typeface="Lato"/>
+                <a:ea typeface="Lato"/>
+                <a:cs typeface="Lato"/>
+                <a:sym typeface="Lato"/>
               </a:defRPr>
             </a:lvl2pPr>
             <a:lvl3pPr lvl="2">
@@ -5102,12 +5679,17 @@
               <a:buClr>
                 <a:schemeClr val="lt1"/>
               </a:buClr>
-              <a:buSzPts val="6000"/>
-              <a:buNone/>
-              <a:defRPr sz="6000">
+              <a:buSzPts val="4800"/>
+              <a:buFont typeface="Lato"/>
+              <a:buNone/>
+              <a:defRPr b="0" sz="4800">
                 <a:solidFill>
                   <a:schemeClr val="lt1"/>
                 </a:solidFill>
+                <a:latin typeface="Lato"/>
+                <a:ea typeface="Lato"/>
+                <a:cs typeface="Lato"/>
+                <a:sym typeface="Lato"/>
               </a:defRPr>
             </a:lvl3pPr>
             <a:lvl4pPr lvl="3">
@@ -5120,12 +5702,17 @@
               <a:buClr>
                 <a:schemeClr val="lt1"/>
               </a:buClr>
-              <a:buSzPts val="6000"/>
-              <a:buNone/>
-              <a:defRPr sz="6000">
+              <a:buSzPts val="4800"/>
+              <a:buFont typeface="Lato"/>
+              <a:buNone/>
+              <a:defRPr b="0" sz="4800">
                 <a:solidFill>
                   <a:schemeClr val="lt1"/>
                 </a:solidFill>
+                <a:latin typeface="Lato"/>
+                <a:ea typeface="Lato"/>
+                <a:cs typeface="Lato"/>
+                <a:sym typeface="Lato"/>
               </a:defRPr>
             </a:lvl4pPr>
             <a:lvl5pPr lvl="4">
@@ -5138,12 +5725,17 @@
               <a:buClr>
                 <a:schemeClr val="lt1"/>
               </a:buClr>
-              <a:buSzPts val="6000"/>
-              <a:buNone/>
-              <a:defRPr sz="6000">
+              <a:buSzPts val="4800"/>
+              <a:buFont typeface="Lato"/>
+              <a:buNone/>
+              <a:defRPr b="0" sz="4800">
                 <a:solidFill>
                   <a:schemeClr val="lt1"/>
                 </a:solidFill>
+                <a:latin typeface="Lato"/>
+                <a:ea typeface="Lato"/>
+                <a:cs typeface="Lato"/>
+                <a:sym typeface="Lato"/>
               </a:defRPr>
             </a:lvl5pPr>
             <a:lvl6pPr lvl="5">
@@ -5156,12 +5748,17 @@
               <a:buClr>
                 <a:schemeClr val="lt1"/>
               </a:buClr>
-              <a:buSzPts val="6000"/>
-              <a:buNone/>
-              <a:defRPr sz="6000">
+              <a:buSzPts val="4800"/>
+              <a:buFont typeface="Lato"/>
+              <a:buNone/>
+              <a:defRPr b="0" sz="4800">
                 <a:solidFill>
                   <a:schemeClr val="lt1"/>
                 </a:solidFill>
+                <a:latin typeface="Lato"/>
+                <a:ea typeface="Lato"/>
+                <a:cs typeface="Lato"/>
+                <a:sym typeface="Lato"/>
               </a:defRPr>
             </a:lvl6pPr>
             <a:lvl7pPr lvl="6">
@@ -5174,12 +5771,17 @@
               <a:buClr>
                 <a:schemeClr val="lt1"/>
               </a:buClr>
-              <a:buSzPts val="6000"/>
-              <a:buNone/>
-              <a:defRPr sz="6000">
+              <a:buSzPts val="4800"/>
+              <a:buFont typeface="Lato"/>
+              <a:buNone/>
+              <a:defRPr b="0" sz="4800">
                 <a:solidFill>
                   <a:schemeClr val="lt1"/>
                 </a:solidFill>
+                <a:latin typeface="Lato"/>
+                <a:ea typeface="Lato"/>
+                <a:cs typeface="Lato"/>
+                <a:sym typeface="Lato"/>
               </a:defRPr>
             </a:lvl7pPr>
             <a:lvl8pPr lvl="7">
@@ -5192,12 +5794,17 @@
               <a:buClr>
                 <a:schemeClr val="lt1"/>
               </a:buClr>
-              <a:buSzPts val="6000"/>
-              <a:buNone/>
-              <a:defRPr sz="6000">
+              <a:buSzPts val="4800"/>
+              <a:buFont typeface="Lato"/>
+              <a:buNone/>
+              <a:defRPr b="0" sz="4800">
                 <a:solidFill>
                   <a:schemeClr val="lt1"/>
                 </a:solidFill>
+                <a:latin typeface="Lato"/>
+                <a:ea typeface="Lato"/>
+                <a:cs typeface="Lato"/>
+                <a:sym typeface="Lato"/>
               </a:defRPr>
             </a:lvl8pPr>
             <a:lvl9pPr lvl="8">
@@ -5210,12 +5817,17 @@
               <a:buClr>
                 <a:schemeClr val="lt1"/>
               </a:buClr>
-              <a:buSzPts val="6000"/>
-              <a:buNone/>
-              <a:defRPr sz="6000">
+              <a:buSzPts val="4800"/>
+              <a:buFont typeface="Lato"/>
+              <a:buNone/>
+              <a:defRPr b="0" sz="4800">
                 <a:solidFill>
                   <a:schemeClr val="lt1"/>
                 </a:solidFill>
+                <a:latin typeface="Lato"/>
+                <a:ea typeface="Lato"/>
+                <a:cs typeface="Lato"/>
+                <a:sym typeface="Lato"/>
               </a:defRPr>
             </a:lvl9pPr>
           </a:lstStyle>
@@ -5224,7 +5836,7 @@
       </p:sp>
       <p:sp>
         <p:nvSpPr>
-          <p:cNvPr id="35" name="Google Shape;35;p8"/>
+          <p:cNvPr id="37" name="Google Shape;37;p8"/>
           <p:cNvSpPr txBox="1"/>
           <p:nvPr>
             <p:ph idx="12" type="sldNum"/>
@@ -5232,7 +5844,7 @@
         </p:nvSpPr>
         <p:spPr>
           <a:xfrm>
-            <a:off x="8472458" y="4663217"/>
+            <a:off x="8490250" y="4681009"/>
             <a:ext cx="548700" cy="393600"/>
           </a:xfrm>
           <a:prstGeom prst="rect">
@@ -5348,7 +5960,7 @@
   <p:cSld name="SECTION_TITLE_AND_DESCRIPTION">
     <p:spTree>
       <p:nvGrpSpPr>
-        <p:cNvPr id="36" name="Shape 36"/>
+        <p:cNvPr id="38" name="Shape 38"/>
         <p:cNvGrpSpPr/>
         <p:nvPr/>
       </p:nvGrpSpPr>
@@ -5362,7 +5974,7 @@
       </p:grpSpPr>
       <p:sp>
         <p:nvSpPr>
-          <p:cNvPr id="37" name="Google Shape;37;p9"/>
+          <p:cNvPr id="39" name="Google Shape;39;p9"/>
           <p:cNvSpPr/>
           <p:nvPr/>
         </p:nvSpPr>
@@ -5405,7 +6017,7 @@
       </p:sp>
       <p:cxnSp>
         <p:nvCxnSpPr>
-          <p:cNvPr id="38" name="Google Shape;38;p9"/>
+          <p:cNvPr id="40" name="Google Shape;40;p9"/>
           <p:cNvCxnSpPr/>
           <p:nvPr/>
         </p:nvCxnSpPr>
@@ -5418,7 +6030,7 @@
             <a:avLst/>
           </a:prstGeom>
           <a:noFill/>
-          <a:ln cap="flat" cmpd="sng" w="28575">
+          <a:ln cap="flat" cmpd="sng" w="19050">
             <a:solidFill>
               <a:schemeClr val="lt1"/>
             </a:solidFill>
@@ -5431,7 +6043,7 @@
       </p:cxnSp>
       <p:sp>
         <p:nvSpPr>
-          <p:cNvPr id="39" name="Google Shape;39;p9"/>
+          <p:cNvPr id="41" name="Google Shape;41;p9"/>
           <p:cNvSpPr txBox="1"/>
           <p:nvPr>
             <p:ph type="title"/>
@@ -5439,8 +6051,8 @@
         </p:nvSpPr>
         <p:spPr>
           <a:xfrm>
-            <a:off x="265500" y="1081400"/>
-            <a:ext cx="4045200" cy="1710300"/>
+            <a:off x="265500" y="1107950"/>
+            <a:ext cx="4045200" cy="1683600"/>
           </a:xfrm>
           <a:prstGeom prst="rect">
             <a:avLst/>
@@ -5458,9 +6070,9 @@
               <a:spcAft>
                 <a:spcPts val="0"/>
               </a:spcAft>
-              <a:buSzPts val="5400"/>
-              <a:buNone/>
-              <a:defRPr sz="5400"/>
+              <a:buSzPts val="4200"/>
+              <a:buNone/>
+              <a:defRPr sz="4200"/>
             </a:lvl1pPr>
             <a:lvl2pPr lvl="1" algn="ctr">
               <a:spcBef>
@@ -5469,9 +6081,9 @@
               <a:spcAft>
                 <a:spcPts val="0"/>
               </a:spcAft>
-              <a:buSzPts val="5400"/>
-              <a:buNone/>
-              <a:defRPr sz="5400"/>
+              <a:buSzPts val="4200"/>
+              <a:buNone/>
+              <a:defRPr sz="4200"/>
             </a:lvl2pPr>
             <a:lvl3pPr lvl="2" algn="ctr">
               <a:spcBef>
@@ -5480,9 +6092,9 @@
               <a:spcAft>
                 <a:spcPts val="0"/>
               </a:spcAft>
-              <a:buSzPts val="5400"/>
-              <a:buNone/>
-              <a:defRPr sz="5400"/>
+              <a:buSzPts val="4200"/>
+              <a:buNone/>
+              <a:defRPr sz="4200"/>
             </a:lvl3pPr>
             <a:lvl4pPr lvl="3" algn="ctr">
               <a:spcBef>
@@ -5491,9 +6103,9 @@
               <a:spcAft>
                 <a:spcPts val="0"/>
               </a:spcAft>
-              <a:buSzPts val="5400"/>
-              <a:buNone/>
-              <a:defRPr sz="5400"/>
+              <a:buSzPts val="4200"/>
+              <a:buNone/>
+              <a:defRPr sz="4200"/>
             </a:lvl4pPr>
             <a:lvl5pPr lvl="4" algn="ctr">
               <a:spcBef>
@@ -5502,9 +6114,9 @@
               <a:spcAft>
                 <a:spcPts val="0"/>
               </a:spcAft>
-              <a:buSzPts val="5400"/>
-              <a:buNone/>
-              <a:defRPr sz="5400"/>
+              <a:buSzPts val="4200"/>
+              <a:buNone/>
+              <a:defRPr sz="4200"/>
             </a:lvl5pPr>
             <a:lvl6pPr lvl="5" algn="ctr">
               <a:spcBef>
@@ -5513,9 +6125,9 @@
               <a:spcAft>
                 <a:spcPts val="0"/>
               </a:spcAft>
-              <a:buSzPts val="5400"/>
-              <a:buNone/>
-              <a:defRPr sz="5400"/>
+              <a:buSzPts val="4200"/>
+              <a:buNone/>
+              <a:defRPr sz="4200"/>
             </a:lvl6pPr>
             <a:lvl7pPr lvl="6" algn="ctr">
               <a:spcBef>
@@ -5524,9 +6136,9 @@
               <a:spcAft>
                 <a:spcPts val="0"/>
               </a:spcAft>
-              <a:buSzPts val="5400"/>
-              <a:buNone/>
-              <a:defRPr sz="5400"/>
+              <a:buSzPts val="4200"/>
+              <a:buNone/>
+              <a:defRPr sz="4200"/>
             </a:lvl7pPr>
             <a:lvl8pPr lvl="7" algn="ctr">
               <a:spcBef>
@@ -5535,9 +6147,9 @@
               <a:spcAft>
                 <a:spcPts val="0"/>
               </a:spcAft>
-              <a:buSzPts val="5400"/>
-              <a:buNone/>
-              <a:defRPr sz="5400"/>
+              <a:buSzPts val="4200"/>
+              <a:buNone/>
+              <a:defRPr sz="4200"/>
             </a:lvl8pPr>
             <a:lvl9pPr lvl="8" algn="ctr">
               <a:spcBef>
@@ -5546,376 +6158,9 @@
               <a:spcAft>
                 <a:spcPts val="0"/>
               </a:spcAft>
-              <a:buSzPts val="5400"/>
-              <a:buNone/>
-              <a:defRPr sz="5400"/>
-            </a:lvl9pPr>
-          </a:lstStyle>
-          <a:p/>
-        </p:txBody>
-      </p:sp>
-      <p:sp>
-        <p:nvSpPr>
-          <p:cNvPr id="40" name="Google Shape;40;p9"/>
-          <p:cNvSpPr txBox="1"/>
-          <p:nvPr>
-            <p:ph idx="1" type="subTitle"/>
-          </p:nvPr>
-        </p:nvSpPr>
-        <p:spPr>
-          <a:xfrm>
-            <a:off x="265500" y="2845223"/>
-            <a:ext cx="4045200" cy="1345500"/>
-          </a:xfrm>
-          <a:prstGeom prst="rect">
-            <a:avLst/>
-          </a:prstGeom>
-        </p:spPr>
-        <p:txBody>
-          <a:bodyPr anchorCtr="0" anchor="t" bIns="91425" lIns="91425" spcFirstLastPara="1" rIns="91425" wrap="square" tIns="91425">
-            <a:normAutofit/>
-          </a:bodyPr>
-          <a:lstStyle>
-            <a:lvl1pPr lvl="0" algn="ctr">
-              <a:lnSpc>
-                <a:spcPct val="100000"/>
-              </a:lnSpc>
-              <a:spcBef>
-                <a:spcPts val="0"/>
-              </a:spcBef>
-              <a:spcAft>
-                <a:spcPts val="0"/>
-              </a:spcAft>
-              <a:buSzPts val="1800"/>
-              <a:buNone/>
-              <a:defRPr/>
-            </a:lvl1pPr>
-            <a:lvl2pPr lvl="1" algn="ctr">
-              <a:lnSpc>
-                <a:spcPct val="100000"/>
-              </a:lnSpc>
-              <a:spcBef>
-                <a:spcPts val="0"/>
-              </a:spcBef>
-              <a:spcAft>
-                <a:spcPts val="0"/>
-              </a:spcAft>
-              <a:buSzPts val="1800"/>
-              <a:buNone/>
-              <a:defRPr sz="1800"/>
-            </a:lvl2pPr>
-            <a:lvl3pPr lvl="2" algn="ctr">
-              <a:lnSpc>
-                <a:spcPct val="100000"/>
-              </a:lnSpc>
-              <a:spcBef>
-                <a:spcPts val="0"/>
-              </a:spcBef>
-              <a:spcAft>
-                <a:spcPts val="0"/>
-              </a:spcAft>
-              <a:buSzPts val="1800"/>
-              <a:buNone/>
-              <a:defRPr sz="1800"/>
-            </a:lvl3pPr>
-            <a:lvl4pPr lvl="3" algn="ctr">
-              <a:lnSpc>
-                <a:spcPct val="100000"/>
-              </a:lnSpc>
-              <a:spcBef>
-                <a:spcPts val="0"/>
-              </a:spcBef>
-              <a:spcAft>
-                <a:spcPts val="0"/>
-              </a:spcAft>
-              <a:buSzPts val="1800"/>
-              <a:buNone/>
-              <a:defRPr sz="1800"/>
-            </a:lvl4pPr>
-            <a:lvl5pPr lvl="4" algn="ctr">
-              <a:lnSpc>
-                <a:spcPct val="100000"/>
-              </a:lnSpc>
-              <a:spcBef>
-                <a:spcPts val="0"/>
-              </a:spcBef>
-              <a:spcAft>
-                <a:spcPts val="0"/>
-              </a:spcAft>
-              <a:buSzPts val="1800"/>
-              <a:buNone/>
-              <a:defRPr sz="1800"/>
-            </a:lvl5pPr>
-            <a:lvl6pPr lvl="5" algn="ctr">
-              <a:lnSpc>
-                <a:spcPct val="100000"/>
-              </a:lnSpc>
-              <a:spcBef>
-                <a:spcPts val="0"/>
-              </a:spcBef>
-              <a:spcAft>
-                <a:spcPts val="0"/>
-              </a:spcAft>
-              <a:buSzPts val="1800"/>
-              <a:buNone/>
-              <a:defRPr sz="1800"/>
-            </a:lvl6pPr>
-            <a:lvl7pPr lvl="6" algn="ctr">
-              <a:lnSpc>
-                <a:spcPct val="100000"/>
-              </a:lnSpc>
-              <a:spcBef>
-                <a:spcPts val="0"/>
-              </a:spcBef>
-              <a:spcAft>
-                <a:spcPts val="0"/>
-              </a:spcAft>
-              <a:buSzPts val="1800"/>
-              <a:buNone/>
-              <a:defRPr sz="1800"/>
-            </a:lvl7pPr>
-            <a:lvl8pPr lvl="7" algn="ctr">
-              <a:lnSpc>
-                <a:spcPct val="100000"/>
-              </a:lnSpc>
-              <a:spcBef>
-                <a:spcPts val="0"/>
-              </a:spcBef>
-              <a:spcAft>
-                <a:spcPts val="0"/>
-              </a:spcAft>
-              <a:buSzPts val="1800"/>
-              <a:buNone/>
-              <a:defRPr sz="1800"/>
-            </a:lvl8pPr>
-            <a:lvl9pPr lvl="8" algn="ctr">
-              <a:lnSpc>
-                <a:spcPct val="100000"/>
-              </a:lnSpc>
-              <a:spcBef>
-                <a:spcPts val="0"/>
-              </a:spcBef>
-              <a:spcAft>
-                <a:spcPts val="0"/>
-              </a:spcAft>
-              <a:buSzPts val="1800"/>
-              <a:buNone/>
-              <a:defRPr sz="1800"/>
-            </a:lvl9pPr>
-          </a:lstStyle>
-          <a:p/>
-        </p:txBody>
-      </p:sp>
-      <p:sp>
-        <p:nvSpPr>
-          <p:cNvPr id="41" name="Google Shape;41;p9"/>
-          <p:cNvSpPr txBox="1"/>
-          <p:nvPr>
-            <p:ph idx="2" type="body"/>
-          </p:nvPr>
-        </p:nvSpPr>
-        <p:spPr>
-          <a:xfrm>
-            <a:off x="4939500" y="724200"/>
-            <a:ext cx="3837000" cy="3695100"/>
-          </a:xfrm>
-          <a:prstGeom prst="rect">
-            <a:avLst/>
-          </a:prstGeom>
-        </p:spPr>
-        <p:txBody>
-          <a:bodyPr anchorCtr="0" anchor="ctr" bIns="91425" lIns="91425" spcFirstLastPara="1" rIns="91425" wrap="square" tIns="91425">
-            <a:normAutofit/>
-          </a:bodyPr>
-          <a:lstStyle>
-            <a:lvl1pPr indent="-342900" lvl="0" marL="457200">
-              <a:spcBef>
-                <a:spcPts val="0"/>
-              </a:spcBef>
-              <a:spcAft>
-                <a:spcPts val="0"/>
-              </a:spcAft>
-              <a:buClr>
-                <a:schemeClr val="accent1"/>
-              </a:buClr>
-              <a:buSzPts val="1800"/>
-              <a:buChar char="●"/>
-              <a:defRPr>
-                <a:solidFill>
-                  <a:schemeClr val="accent1"/>
-                </a:solidFill>
-                <a:highlight>
-                  <a:schemeClr val="lt1"/>
-                </a:highlight>
-              </a:defRPr>
-            </a:lvl1pPr>
-            <a:lvl2pPr indent="-317500" lvl="1" marL="914400">
-              <a:spcBef>
-                <a:spcPts val="0"/>
-              </a:spcBef>
-              <a:spcAft>
-                <a:spcPts val="0"/>
-              </a:spcAft>
-              <a:buClr>
-                <a:schemeClr val="accent1"/>
-              </a:buClr>
-              <a:buSzPts val="1400"/>
-              <a:buChar char="○"/>
-              <a:defRPr>
-                <a:solidFill>
-                  <a:schemeClr val="accent1"/>
-                </a:solidFill>
-                <a:highlight>
-                  <a:schemeClr val="lt1"/>
-                </a:highlight>
-              </a:defRPr>
-            </a:lvl2pPr>
-            <a:lvl3pPr indent="-317500" lvl="2" marL="1371600">
-              <a:spcBef>
-                <a:spcPts val="0"/>
-              </a:spcBef>
-              <a:spcAft>
-                <a:spcPts val="0"/>
-              </a:spcAft>
-              <a:buClr>
-                <a:schemeClr val="accent1"/>
-              </a:buClr>
-              <a:buSzPts val="1400"/>
-              <a:buChar char="■"/>
-              <a:defRPr>
-                <a:solidFill>
-                  <a:schemeClr val="accent1"/>
-                </a:solidFill>
-                <a:highlight>
-                  <a:schemeClr val="lt1"/>
-                </a:highlight>
-              </a:defRPr>
-            </a:lvl3pPr>
-            <a:lvl4pPr indent="-317500" lvl="3" marL="1828800">
-              <a:spcBef>
-                <a:spcPts val="0"/>
-              </a:spcBef>
-              <a:spcAft>
-                <a:spcPts val="0"/>
-              </a:spcAft>
-              <a:buClr>
-                <a:schemeClr val="accent1"/>
-              </a:buClr>
-              <a:buSzPts val="1400"/>
-              <a:buChar char="●"/>
-              <a:defRPr>
-                <a:solidFill>
-                  <a:schemeClr val="accent1"/>
-                </a:solidFill>
-                <a:highlight>
-                  <a:schemeClr val="lt1"/>
-                </a:highlight>
-              </a:defRPr>
-            </a:lvl4pPr>
-            <a:lvl5pPr indent="-317500" lvl="4" marL="2286000">
-              <a:spcBef>
-                <a:spcPts val="0"/>
-              </a:spcBef>
-              <a:spcAft>
-                <a:spcPts val="0"/>
-              </a:spcAft>
-              <a:buClr>
-                <a:schemeClr val="accent1"/>
-              </a:buClr>
-              <a:buSzPts val="1400"/>
-              <a:buChar char="○"/>
-              <a:defRPr>
-                <a:solidFill>
-                  <a:schemeClr val="accent1"/>
-                </a:solidFill>
-                <a:highlight>
-                  <a:schemeClr val="lt1"/>
-                </a:highlight>
-              </a:defRPr>
-            </a:lvl5pPr>
-            <a:lvl6pPr indent="-317500" lvl="5" marL="2743200">
-              <a:spcBef>
-                <a:spcPts val="0"/>
-              </a:spcBef>
-              <a:spcAft>
-                <a:spcPts val="0"/>
-              </a:spcAft>
-              <a:buClr>
-                <a:schemeClr val="accent1"/>
-              </a:buClr>
-              <a:buSzPts val="1400"/>
-              <a:buChar char="■"/>
-              <a:defRPr>
-                <a:solidFill>
-                  <a:schemeClr val="accent1"/>
-                </a:solidFill>
-                <a:highlight>
-                  <a:schemeClr val="lt1"/>
-                </a:highlight>
-              </a:defRPr>
-            </a:lvl6pPr>
-            <a:lvl7pPr indent="-317500" lvl="6" marL="3200400">
-              <a:spcBef>
-                <a:spcPts val="0"/>
-              </a:spcBef>
-              <a:spcAft>
-                <a:spcPts val="0"/>
-              </a:spcAft>
-              <a:buClr>
-                <a:schemeClr val="accent1"/>
-              </a:buClr>
-              <a:buSzPts val="1400"/>
-              <a:buChar char="●"/>
-              <a:defRPr>
-                <a:solidFill>
-                  <a:schemeClr val="accent1"/>
-                </a:solidFill>
-                <a:highlight>
-                  <a:schemeClr val="lt1"/>
-                </a:highlight>
-              </a:defRPr>
-            </a:lvl7pPr>
-            <a:lvl8pPr indent="-317500" lvl="7" marL="3657600">
-              <a:spcBef>
-                <a:spcPts val="0"/>
-              </a:spcBef>
-              <a:spcAft>
-                <a:spcPts val="0"/>
-              </a:spcAft>
-              <a:buClr>
-                <a:schemeClr val="accent1"/>
-              </a:buClr>
-              <a:buSzPts val="1400"/>
-              <a:buChar char="○"/>
-              <a:defRPr>
-                <a:solidFill>
-                  <a:schemeClr val="accent1"/>
-                </a:solidFill>
-                <a:highlight>
-                  <a:schemeClr val="lt1"/>
-                </a:highlight>
-              </a:defRPr>
-            </a:lvl8pPr>
-            <a:lvl9pPr indent="-317500" lvl="8" marL="4114800">
-              <a:spcBef>
-                <a:spcPts val="0"/>
-              </a:spcBef>
-              <a:spcAft>
-                <a:spcPts val="0"/>
-              </a:spcAft>
-              <a:buClr>
-                <a:schemeClr val="accent1"/>
-              </a:buClr>
-              <a:buSzPts val="1400"/>
-              <a:buChar char="■"/>
-              <a:defRPr>
-                <a:solidFill>
-                  <a:schemeClr val="accent1"/>
-                </a:solidFill>
-                <a:highlight>
-                  <a:schemeClr val="lt1"/>
-                </a:highlight>
-              </a:defRPr>
+              <a:buSzPts val="4200"/>
+              <a:buNone/>
+              <a:defRPr sz="4200"/>
             </a:lvl9pPr>
           </a:lstStyle>
           <a:p/>
@@ -5926,12 +6171,352 @@
           <p:cNvPr id="42" name="Google Shape;42;p9"/>
           <p:cNvSpPr txBox="1"/>
           <p:nvPr>
+            <p:ph idx="1" type="subTitle"/>
+          </p:nvPr>
+        </p:nvSpPr>
+        <p:spPr>
+          <a:xfrm>
+            <a:off x="265500" y="2845201"/>
+            <a:ext cx="4045200" cy="1345500"/>
+          </a:xfrm>
+          <a:prstGeom prst="rect">
+            <a:avLst/>
+          </a:prstGeom>
+        </p:spPr>
+        <p:txBody>
+          <a:bodyPr anchorCtr="0" anchor="t" bIns="91425" lIns="91425" spcFirstLastPara="1" rIns="91425" wrap="square" tIns="91425">
+            <a:normAutofit/>
+          </a:bodyPr>
+          <a:lstStyle>
+            <a:lvl1pPr lvl="0" algn="ctr">
+              <a:lnSpc>
+                <a:spcPct val="100000"/>
+              </a:lnSpc>
+              <a:spcBef>
+                <a:spcPts val="0"/>
+              </a:spcBef>
+              <a:spcAft>
+                <a:spcPts val="0"/>
+              </a:spcAft>
+              <a:buSzPts val="2100"/>
+              <a:buNone/>
+              <a:defRPr sz="2100"/>
+            </a:lvl1pPr>
+            <a:lvl2pPr lvl="1" algn="ctr">
+              <a:lnSpc>
+                <a:spcPct val="100000"/>
+              </a:lnSpc>
+              <a:spcBef>
+                <a:spcPts val="0"/>
+              </a:spcBef>
+              <a:spcAft>
+                <a:spcPts val="0"/>
+              </a:spcAft>
+              <a:buSzPts val="2100"/>
+              <a:buNone/>
+              <a:defRPr sz="2100"/>
+            </a:lvl2pPr>
+            <a:lvl3pPr lvl="2" algn="ctr">
+              <a:lnSpc>
+                <a:spcPct val="100000"/>
+              </a:lnSpc>
+              <a:spcBef>
+                <a:spcPts val="0"/>
+              </a:spcBef>
+              <a:spcAft>
+                <a:spcPts val="0"/>
+              </a:spcAft>
+              <a:buSzPts val="2100"/>
+              <a:buNone/>
+              <a:defRPr sz="2100"/>
+            </a:lvl3pPr>
+            <a:lvl4pPr lvl="3" algn="ctr">
+              <a:lnSpc>
+                <a:spcPct val="100000"/>
+              </a:lnSpc>
+              <a:spcBef>
+                <a:spcPts val="0"/>
+              </a:spcBef>
+              <a:spcAft>
+                <a:spcPts val="0"/>
+              </a:spcAft>
+              <a:buSzPts val="2100"/>
+              <a:buNone/>
+              <a:defRPr sz="2100"/>
+            </a:lvl4pPr>
+            <a:lvl5pPr lvl="4" algn="ctr">
+              <a:lnSpc>
+                <a:spcPct val="100000"/>
+              </a:lnSpc>
+              <a:spcBef>
+                <a:spcPts val="0"/>
+              </a:spcBef>
+              <a:spcAft>
+                <a:spcPts val="0"/>
+              </a:spcAft>
+              <a:buSzPts val="2100"/>
+              <a:buNone/>
+              <a:defRPr sz="2100"/>
+            </a:lvl5pPr>
+            <a:lvl6pPr lvl="5" algn="ctr">
+              <a:lnSpc>
+                <a:spcPct val="100000"/>
+              </a:lnSpc>
+              <a:spcBef>
+                <a:spcPts val="0"/>
+              </a:spcBef>
+              <a:spcAft>
+                <a:spcPts val="0"/>
+              </a:spcAft>
+              <a:buSzPts val="2100"/>
+              <a:buNone/>
+              <a:defRPr sz="2100"/>
+            </a:lvl6pPr>
+            <a:lvl7pPr lvl="6" algn="ctr">
+              <a:lnSpc>
+                <a:spcPct val="100000"/>
+              </a:lnSpc>
+              <a:spcBef>
+                <a:spcPts val="0"/>
+              </a:spcBef>
+              <a:spcAft>
+                <a:spcPts val="0"/>
+              </a:spcAft>
+              <a:buSzPts val="2100"/>
+              <a:buNone/>
+              <a:defRPr sz="2100"/>
+            </a:lvl7pPr>
+            <a:lvl8pPr lvl="7" algn="ctr">
+              <a:lnSpc>
+                <a:spcPct val="100000"/>
+              </a:lnSpc>
+              <a:spcBef>
+                <a:spcPts val="0"/>
+              </a:spcBef>
+              <a:spcAft>
+                <a:spcPts val="0"/>
+              </a:spcAft>
+              <a:buSzPts val="2100"/>
+              <a:buNone/>
+              <a:defRPr sz="2100"/>
+            </a:lvl8pPr>
+            <a:lvl9pPr lvl="8" algn="ctr">
+              <a:lnSpc>
+                <a:spcPct val="100000"/>
+              </a:lnSpc>
+              <a:spcBef>
+                <a:spcPts val="0"/>
+              </a:spcBef>
+              <a:spcAft>
+                <a:spcPts val="0"/>
+              </a:spcAft>
+              <a:buSzPts val="2100"/>
+              <a:buNone/>
+              <a:defRPr sz="2100"/>
+            </a:lvl9pPr>
+          </a:lstStyle>
+          <a:p/>
+        </p:txBody>
+      </p:sp>
+      <p:sp>
+        <p:nvSpPr>
+          <p:cNvPr id="43" name="Google Shape;43;p9"/>
+          <p:cNvSpPr txBox="1"/>
+          <p:nvPr>
+            <p:ph idx="2" type="body"/>
+          </p:nvPr>
+        </p:nvSpPr>
+        <p:spPr>
+          <a:xfrm>
+            <a:off x="4939500" y="724200"/>
+            <a:ext cx="3837000" cy="3695100"/>
+          </a:xfrm>
+          <a:prstGeom prst="rect">
+            <a:avLst/>
+          </a:prstGeom>
+        </p:spPr>
+        <p:txBody>
+          <a:bodyPr anchorCtr="0" anchor="ctr" bIns="91425" lIns="91425" spcFirstLastPara="1" rIns="91425" wrap="square" tIns="91425">
+            <a:normAutofit/>
+          </a:bodyPr>
+          <a:lstStyle>
+            <a:lvl1pPr indent="-342900" lvl="0" marL="457200">
+              <a:spcBef>
+                <a:spcPts val="0"/>
+              </a:spcBef>
+              <a:spcAft>
+                <a:spcPts val="0"/>
+              </a:spcAft>
+              <a:buClr>
+                <a:schemeClr val="lt1"/>
+              </a:buClr>
+              <a:buSzPts val="1800"/>
+              <a:buChar char="●"/>
+              <a:defRPr>
+                <a:solidFill>
+                  <a:schemeClr val="lt1"/>
+                </a:solidFill>
+              </a:defRPr>
+            </a:lvl1pPr>
+            <a:lvl2pPr indent="-317500" lvl="1" marL="914400">
+              <a:spcBef>
+                <a:spcPts val="0"/>
+              </a:spcBef>
+              <a:spcAft>
+                <a:spcPts val="0"/>
+              </a:spcAft>
+              <a:buClr>
+                <a:schemeClr val="lt1"/>
+              </a:buClr>
+              <a:buSzPts val="1400"/>
+              <a:buChar char="○"/>
+              <a:defRPr>
+                <a:solidFill>
+                  <a:schemeClr val="lt1"/>
+                </a:solidFill>
+              </a:defRPr>
+            </a:lvl2pPr>
+            <a:lvl3pPr indent="-317500" lvl="2" marL="1371600">
+              <a:spcBef>
+                <a:spcPts val="0"/>
+              </a:spcBef>
+              <a:spcAft>
+                <a:spcPts val="0"/>
+              </a:spcAft>
+              <a:buClr>
+                <a:schemeClr val="lt1"/>
+              </a:buClr>
+              <a:buSzPts val="1400"/>
+              <a:buChar char="■"/>
+              <a:defRPr>
+                <a:solidFill>
+                  <a:schemeClr val="lt1"/>
+                </a:solidFill>
+              </a:defRPr>
+            </a:lvl3pPr>
+            <a:lvl4pPr indent="-317500" lvl="3" marL="1828800">
+              <a:spcBef>
+                <a:spcPts val="0"/>
+              </a:spcBef>
+              <a:spcAft>
+                <a:spcPts val="0"/>
+              </a:spcAft>
+              <a:buClr>
+                <a:schemeClr val="lt1"/>
+              </a:buClr>
+              <a:buSzPts val="1400"/>
+              <a:buChar char="●"/>
+              <a:defRPr>
+                <a:solidFill>
+                  <a:schemeClr val="lt1"/>
+                </a:solidFill>
+              </a:defRPr>
+            </a:lvl4pPr>
+            <a:lvl5pPr indent="-317500" lvl="4" marL="2286000">
+              <a:spcBef>
+                <a:spcPts val="0"/>
+              </a:spcBef>
+              <a:spcAft>
+                <a:spcPts val="0"/>
+              </a:spcAft>
+              <a:buClr>
+                <a:schemeClr val="lt1"/>
+              </a:buClr>
+              <a:buSzPts val="1400"/>
+              <a:buChar char="○"/>
+              <a:defRPr>
+                <a:solidFill>
+                  <a:schemeClr val="lt1"/>
+                </a:solidFill>
+              </a:defRPr>
+            </a:lvl5pPr>
+            <a:lvl6pPr indent="-317500" lvl="5" marL="2743200">
+              <a:spcBef>
+                <a:spcPts val="0"/>
+              </a:spcBef>
+              <a:spcAft>
+                <a:spcPts val="0"/>
+              </a:spcAft>
+              <a:buClr>
+                <a:schemeClr val="lt1"/>
+              </a:buClr>
+              <a:buSzPts val="1400"/>
+              <a:buChar char="■"/>
+              <a:defRPr>
+                <a:solidFill>
+                  <a:schemeClr val="lt1"/>
+                </a:solidFill>
+              </a:defRPr>
+            </a:lvl6pPr>
+            <a:lvl7pPr indent="-317500" lvl="6" marL="3200400">
+              <a:spcBef>
+                <a:spcPts val="0"/>
+              </a:spcBef>
+              <a:spcAft>
+                <a:spcPts val="0"/>
+              </a:spcAft>
+              <a:buClr>
+                <a:schemeClr val="lt1"/>
+              </a:buClr>
+              <a:buSzPts val="1400"/>
+              <a:buChar char="●"/>
+              <a:defRPr>
+                <a:solidFill>
+                  <a:schemeClr val="lt1"/>
+                </a:solidFill>
+              </a:defRPr>
+            </a:lvl7pPr>
+            <a:lvl8pPr indent="-317500" lvl="7" marL="3657600">
+              <a:spcBef>
+                <a:spcPts val="0"/>
+              </a:spcBef>
+              <a:spcAft>
+                <a:spcPts val="0"/>
+              </a:spcAft>
+              <a:buClr>
+                <a:schemeClr val="lt1"/>
+              </a:buClr>
+              <a:buSzPts val="1400"/>
+              <a:buChar char="○"/>
+              <a:defRPr>
+                <a:solidFill>
+                  <a:schemeClr val="lt1"/>
+                </a:solidFill>
+              </a:defRPr>
+            </a:lvl8pPr>
+            <a:lvl9pPr indent="-317500" lvl="8" marL="4114800">
+              <a:spcBef>
+                <a:spcPts val="0"/>
+              </a:spcBef>
+              <a:spcAft>
+                <a:spcPts val="0"/>
+              </a:spcAft>
+              <a:buClr>
+                <a:schemeClr val="lt1"/>
+              </a:buClr>
+              <a:buSzPts val="1400"/>
+              <a:buChar char="■"/>
+              <a:defRPr>
+                <a:solidFill>
+                  <a:schemeClr val="lt1"/>
+                </a:solidFill>
+              </a:defRPr>
+            </a:lvl9pPr>
+          </a:lstStyle>
+          <a:p/>
+        </p:txBody>
+      </p:sp>
+      <p:sp>
+        <p:nvSpPr>
+          <p:cNvPr id="44" name="Google Shape;44;p9"/>
+          <p:cNvSpPr txBox="1"/>
+          <p:nvPr>
             <p:ph idx="12" type="sldNum"/>
           </p:nvPr>
         </p:nvSpPr>
         <p:spPr>
           <a:xfrm>
-            <a:off x="8472458" y="4663217"/>
+            <a:off x="8490250" y="4681009"/>
             <a:ext cx="548700" cy="393600"/>
           </a:xfrm>
           <a:prstGeom prst="rect">
@@ -5945,39 +6530,75 @@
           <a:lstStyle>
             <a:lvl1pPr lvl="0">
               <a:buNone/>
-              <a:defRPr/>
+              <a:defRPr>
+                <a:solidFill>
+                  <a:schemeClr val="lt1"/>
+                </a:solidFill>
+              </a:defRPr>
             </a:lvl1pPr>
             <a:lvl2pPr lvl="1">
               <a:buNone/>
-              <a:defRPr/>
+              <a:defRPr>
+                <a:solidFill>
+                  <a:schemeClr val="lt1"/>
+                </a:solidFill>
+              </a:defRPr>
             </a:lvl2pPr>
             <a:lvl3pPr lvl="2">
               <a:buNone/>
-              <a:defRPr/>
+              <a:defRPr>
+                <a:solidFill>
+                  <a:schemeClr val="lt1"/>
+                </a:solidFill>
+              </a:defRPr>
             </a:lvl3pPr>
             <a:lvl4pPr lvl="3">
               <a:buNone/>
-              <a:defRPr/>
+              <a:defRPr>
+                <a:solidFill>
+                  <a:schemeClr val="lt1"/>
+                </a:solidFill>
+              </a:defRPr>
             </a:lvl4pPr>
             <a:lvl5pPr lvl="4">
               <a:buNone/>
-              <a:defRPr/>
+              <a:defRPr>
+                <a:solidFill>
+                  <a:schemeClr val="lt1"/>
+                </a:solidFill>
+              </a:defRPr>
             </a:lvl5pPr>
             <a:lvl6pPr lvl="5">
               <a:buNone/>
-              <a:defRPr/>
+              <a:defRPr>
+                <a:solidFill>
+                  <a:schemeClr val="lt1"/>
+                </a:solidFill>
+              </a:defRPr>
             </a:lvl6pPr>
             <a:lvl7pPr lvl="6">
               <a:buNone/>
-              <a:defRPr/>
+              <a:defRPr>
+                <a:solidFill>
+                  <a:schemeClr val="lt1"/>
+                </a:solidFill>
+              </a:defRPr>
             </a:lvl7pPr>
             <a:lvl8pPr lvl="7">
               <a:buNone/>
-              <a:defRPr/>
+              <a:defRPr>
+                <a:solidFill>
+                  <a:schemeClr val="lt1"/>
+                </a:solidFill>
+              </a:defRPr>
             </a:lvl8pPr>
             <a:lvl9pPr lvl="8">
               <a:buNone/>
-              <a:defRPr/>
+              <a:defRPr>
+                <a:solidFill>
+                  <a:schemeClr val="lt1"/>
+                </a:solidFill>
+              </a:defRPr>
             </a:lvl9pPr>
           </a:lstStyle>
           <a:p>
@@ -6011,7 +6632,7 @@
   <p:cSld name="CAPTION_ONLY">
     <p:spTree>
       <p:nvGrpSpPr>
-        <p:cNvPr id="43" name="Shape 43"/>
+        <p:cNvPr id="45" name="Shape 45"/>
         <p:cNvGrpSpPr/>
         <p:nvPr/>
       </p:nvGrpSpPr>
@@ -6025,7 +6646,7 @@
       </p:grpSpPr>
       <p:sp>
         <p:nvSpPr>
-          <p:cNvPr id="44" name="Google Shape;44;p10"/>
+          <p:cNvPr id="46" name="Google Shape;46;p10"/>
           <p:cNvSpPr txBox="1"/>
           <p:nvPr>
             <p:ph idx="1" type="body"/>
@@ -6055,21 +6676,9 @@
               <a:spcAft>
                 <a:spcPts val="0"/>
               </a:spcAft>
-              <a:buClr>
-                <a:schemeClr val="accent1"/>
-              </a:buClr>
-              <a:buSzPts val="2400"/>
-              <a:buFont typeface="Amatic SC"/>
-              <a:buNone/>
-              <a:defRPr b="1" sz="2400">
-                <a:solidFill>
-                  <a:schemeClr val="accent1"/>
-                </a:solidFill>
-                <a:latin typeface="Amatic SC"/>
-                <a:ea typeface="Amatic SC"/>
-                <a:cs typeface="Amatic SC"/>
-                <a:sym typeface="Amatic SC"/>
-              </a:defRPr>
+              <a:buSzPts val="1800"/>
+              <a:buNone/>
+              <a:defRPr/>
             </a:lvl1pPr>
           </a:lstStyle>
           <a:p/>
@@ -6077,7 +6686,7 @@
       </p:sp>
       <p:sp>
         <p:nvSpPr>
-          <p:cNvPr id="45" name="Google Shape;45;p10"/>
+          <p:cNvPr id="47" name="Google Shape;47;p10"/>
           <p:cNvSpPr txBox="1"/>
           <p:nvPr>
             <p:ph idx="12" type="sldNum"/>
@@ -6085,7 +6694,7 @@
         </p:nvSpPr>
         <p:spPr>
           <a:xfrm>
-            <a:off x="8472458" y="4663217"/>
+            <a:off x="8490250" y="4681009"/>
             <a:ext cx="548700" cy="393600"/>
           </a:xfrm>
           <a:prstGeom prst="rect">
@@ -6162,7 +6771,7 @@
 
 <file path=ppt/slideMasters/slideMaster1.xml><?xml version="1.0" encoding="utf-8"?>
 <p:sldMaster xmlns:a="http://schemas.openxmlformats.org/drawingml/2006/main" xmlns:r="http://schemas.openxmlformats.org/officeDocument/2006/relationships" xmlns:mc="http://schemas.openxmlformats.org/markup-compatibility/2006" xmlns:mv="urn:schemas-microsoft-com:mac:vml" xmlns:p="http://schemas.openxmlformats.org/presentationml/2006/main" xmlns:c="http://schemas.openxmlformats.org/drawingml/2006/chart" xmlns:dgm="http://schemas.openxmlformats.org/drawingml/2006/diagram" xmlns:o="urn:schemas-microsoft-com:office:office" xmlns:v="urn:schemas-microsoft-com:vml" xmlns:pvml="urn:schemas-microsoft-com:office:powerpoint" xmlns:com="http://schemas.openxmlformats.org/drawingml/2006/compatibility" xmlns:p14="http://schemas.microsoft.com/office/powerpoint/2010/main" xmlns:p15="http://schemas.microsoft.com/office/powerpoint/2012/main" xmlns:ahyp="http://schemas.microsoft.com/office/drawing/2018/hyperlinkcolor">
-  <p:cSld name="beach-day">
+  <p:cSld name="coral">
     <p:bg>
       <p:bgPr>
         <a:solidFill>
@@ -6194,8 +6803,8 @@
         </p:nvSpPr>
         <p:spPr>
           <a:xfrm>
-            <a:off x="311700" y="292850"/>
-            <a:ext cx="8520600" cy="801000"/>
+            <a:off x="311700" y="391350"/>
+            <a:ext cx="8520600" cy="626100"/>
           </a:xfrm>
           <a:prstGeom prst="rect">
             <a:avLst/>
@@ -6218,19 +6827,19 @@
                 <a:spcPts val="0"/>
               </a:spcAft>
               <a:buClr>
-                <a:schemeClr val="accent1"/>
+                <a:schemeClr val="dk1"/>
               </a:buClr>
-              <a:buSzPts val="4200"/>
-              <a:buFont typeface="Amatic SC"/>
-              <a:buNone/>
-              <a:defRPr b="1" sz="4200">
-                <a:solidFill>
-                  <a:schemeClr val="accent1"/>
-                </a:solidFill>
-                <a:latin typeface="Amatic SC"/>
-                <a:ea typeface="Amatic SC"/>
-                <a:cs typeface="Amatic SC"/>
-                <a:sym typeface="Amatic SC"/>
+              <a:buSzPts val="3200"/>
+              <a:buFont typeface="Playfair Display"/>
+              <a:buNone/>
+              <a:defRPr b="1" sz="3200">
+                <a:solidFill>
+                  <a:schemeClr val="dk1"/>
+                </a:solidFill>
+                <a:latin typeface="Playfair Display"/>
+                <a:ea typeface="Playfair Display"/>
+                <a:cs typeface="Playfair Display"/>
+                <a:sym typeface="Playfair Display"/>
               </a:defRPr>
             </a:lvl1pPr>
             <a:lvl2pPr lvl="1">
@@ -6241,19 +6850,19 @@
                 <a:spcPts val="0"/>
               </a:spcAft>
               <a:buClr>
-                <a:schemeClr val="accent1"/>
+                <a:schemeClr val="dk1"/>
               </a:buClr>
-              <a:buSzPts val="4200"/>
-              <a:buFont typeface="Amatic SC"/>
-              <a:buNone/>
-              <a:defRPr b="1" sz="4200">
-                <a:solidFill>
-                  <a:schemeClr val="accent1"/>
-                </a:solidFill>
-                <a:latin typeface="Amatic SC"/>
-                <a:ea typeface="Amatic SC"/>
-                <a:cs typeface="Amatic SC"/>
-                <a:sym typeface="Amatic SC"/>
+              <a:buSzPts val="3200"/>
+              <a:buFont typeface="Playfair Display"/>
+              <a:buNone/>
+              <a:defRPr b="1" sz="3200">
+                <a:solidFill>
+                  <a:schemeClr val="dk1"/>
+                </a:solidFill>
+                <a:latin typeface="Playfair Display"/>
+                <a:ea typeface="Playfair Display"/>
+                <a:cs typeface="Playfair Display"/>
+                <a:sym typeface="Playfair Display"/>
               </a:defRPr>
             </a:lvl2pPr>
             <a:lvl3pPr lvl="2">
@@ -6264,19 +6873,19 @@
                 <a:spcPts val="0"/>
               </a:spcAft>
               <a:buClr>
-                <a:schemeClr val="accent1"/>
+                <a:schemeClr val="dk1"/>
               </a:buClr>
-              <a:buSzPts val="4200"/>
-              <a:buFont typeface="Amatic SC"/>
-              <a:buNone/>
-              <a:defRPr b="1" sz="4200">
-                <a:solidFill>
-                  <a:schemeClr val="accent1"/>
-                </a:solidFill>
-                <a:latin typeface="Amatic SC"/>
-                <a:ea typeface="Amatic SC"/>
-                <a:cs typeface="Amatic SC"/>
-                <a:sym typeface="Amatic SC"/>
+              <a:buSzPts val="3200"/>
+              <a:buFont typeface="Playfair Display"/>
+              <a:buNone/>
+              <a:defRPr b="1" sz="3200">
+                <a:solidFill>
+                  <a:schemeClr val="dk1"/>
+                </a:solidFill>
+                <a:latin typeface="Playfair Display"/>
+                <a:ea typeface="Playfair Display"/>
+                <a:cs typeface="Playfair Display"/>
+                <a:sym typeface="Playfair Display"/>
               </a:defRPr>
             </a:lvl3pPr>
             <a:lvl4pPr lvl="3">
@@ -6287,19 +6896,19 @@
                 <a:spcPts val="0"/>
               </a:spcAft>
               <a:buClr>
-                <a:schemeClr val="accent1"/>
+                <a:schemeClr val="dk1"/>
               </a:buClr>
-              <a:buSzPts val="4200"/>
-              <a:buFont typeface="Amatic SC"/>
-              <a:buNone/>
-              <a:defRPr b="1" sz="4200">
-                <a:solidFill>
-                  <a:schemeClr val="accent1"/>
-                </a:solidFill>
-                <a:latin typeface="Amatic SC"/>
-                <a:ea typeface="Amatic SC"/>
-                <a:cs typeface="Amatic SC"/>
-                <a:sym typeface="Amatic SC"/>
+              <a:buSzPts val="3200"/>
+              <a:buFont typeface="Playfair Display"/>
+              <a:buNone/>
+              <a:defRPr b="1" sz="3200">
+                <a:solidFill>
+                  <a:schemeClr val="dk1"/>
+                </a:solidFill>
+                <a:latin typeface="Playfair Display"/>
+                <a:ea typeface="Playfair Display"/>
+                <a:cs typeface="Playfair Display"/>
+                <a:sym typeface="Playfair Display"/>
               </a:defRPr>
             </a:lvl4pPr>
             <a:lvl5pPr lvl="4">
@@ -6310,19 +6919,19 @@
                 <a:spcPts val="0"/>
               </a:spcAft>
               <a:buClr>
-                <a:schemeClr val="accent1"/>
+                <a:schemeClr val="dk1"/>
               </a:buClr>
-              <a:buSzPts val="4200"/>
-              <a:buFont typeface="Amatic SC"/>
-              <a:buNone/>
-              <a:defRPr b="1" sz="4200">
-                <a:solidFill>
-                  <a:schemeClr val="accent1"/>
-                </a:solidFill>
-                <a:latin typeface="Amatic SC"/>
-                <a:ea typeface="Amatic SC"/>
-                <a:cs typeface="Amatic SC"/>
-                <a:sym typeface="Amatic SC"/>
+              <a:buSzPts val="3200"/>
+              <a:buFont typeface="Playfair Display"/>
+              <a:buNone/>
+              <a:defRPr b="1" sz="3200">
+                <a:solidFill>
+                  <a:schemeClr val="dk1"/>
+                </a:solidFill>
+                <a:latin typeface="Playfair Display"/>
+                <a:ea typeface="Playfair Display"/>
+                <a:cs typeface="Playfair Display"/>
+                <a:sym typeface="Playfair Display"/>
               </a:defRPr>
             </a:lvl5pPr>
             <a:lvl6pPr lvl="5">
@@ -6333,19 +6942,19 @@
                 <a:spcPts val="0"/>
               </a:spcAft>
               <a:buClr>
-                <a:schemeClr val="accent1"/>
+                <a:schemeClr val="dk1"/>
               </a:buClr>
-              <a:buSzPts val="4200"/>
-              <a:buFont typeface="Amatic SC"/>
-              <a:buNone/>
-              <a:defRPr b="1" sz="4200">
-                <a:solidFill>
-                  <a:schemeClr val="accent1"/>
-                </a:solidFill>
-                <a:latin typeface="Amatic SC"/>
-                <a:ea typeface="Amatic SC"/>
-                <a:cs typeface="Amatic SC"/>
-                <a:sym typeface="Amatic SC"/>
+              <a:buSzPts val="3200"/>
+              <a:buFont typeface="Playfair Display"/>
+              <a:buNone/>
+              <a:defRPr b="1" sz="3200">
+                <a:solidFill>
+                  <a:schemeClr val="dk1"/>
+                </a:solidFill>
+                <a:latin typeface="Playfair Display"/>
+                <a:ea typeface="Playfair Display"/>
+                <a:cs typeface="Playfair Display"/>
+                <a:sym typeface="Playfair Display"/>
               </a:defRPr>
             </a:lvl6pPr>
             <a:lvl7pPr lvl="6">
@@ -6356,19 +6965,19 @@
                 <a:spcPts val="0"/>
               </a:spcAft>
               <a:buClr>
-                <a:schemeClr val="accent1"/>
+                <a:schemeClr val="dk1"/>
               </a:buClr>
-              <a:buSzPts val="4200"/>
-              <a:buFont typeface="Amatic SC"/>
-              <a:buNone/>
-              <a:defRPr b="1" sz="4200">
-                <a:solidFill>
-                  <a:schemeClr val="accent1"/>
-                </a:solidFill>
-                <a:latin typeface="Amatic SC"/>
-                <a:ea typeface="Amatic SC"/>
-                <a:cs typeface="Amatic SC"/>
-                <a:sym typeface="Amatic SC"/>
+              <a:buSzPts val="3200"/>
+              <a:buFont typeface="Playfair Display"/>
+              <a:buNone/>
+              <a:defRPr b="1" sz="3200">
+                <a:solidFill>
+                  <a:schemeClr val="dk1"/>
+                </a:solidFill>
+                <a:latin typeface="Playfair Display"/>
+                <a:ea typeface="Playfair Display"/>
+                <a:cs typeface="Playfair Display"/>
+                <a:sym typeface="Playfair Display"/>
               </a:defRPr>
             </a:lvl7pPr>
             <a:lvl8pPr lvl="7">
@@ -6379,19 +6988,19 @@
                 <a:spcPts val="0"/>
               </a:spcAft>
               <a:buClr>
-                <a:schemeClr val="accent1"/>
+                <a:schemeClr val="dk1"/>
               </a:buClr>
-              <a:buSzPts val="4200"/>
-              <a:buFont typeface="Amatic SC"/>
-              <a:buNone/>
-              <a:defRPr b="1" sz="4200">
-                <a:solidFill>
-                  <a:schemeClr val="accent1"/>
-                </a:solidFill>
-                <a:latin typeface="Amatic SC"/>
-                <a:ea typeface="Amatic SC"/>
-                <a:cs typeface="Amatic SC"/>
-                <a:sym typeface="Amatic SC"/>
+              <a:buSzPts val="3200"/>
+              <a:buFont typeface="Playfair Display"/>
+              <a:buNone/>
+              <a:defRPr b="1" sz="3200">
+                <a:solidFill>
+                  <a:schemeClr val="dk1"/>
+                </a:solidFill>
+                <a:latin typeface="Playfair Display"/>
+                <a:ea typeface="Playfair Display"/>
+                <a:cs typeface="Playfair Display"/>
+                <a:sym typeface="Playfair Display"/>
               </a:defRPr>
             </a:lvl8pPr>
             <a:lvl9pPr lvl="8">
@@ -6402,19 +7011,19 @@
                 <a:spcPts val="0"/>
               </a:spcAft>
               <a:buClr>
-                <a:schemeClr val="accent1"/>
+                <a:schemeClr val="dk1"/>
               </a:buClr>
-              <a:buSzPts val="4200"/>
-              <a:buFont typeface="Amatic SC"/>
-              <a:buNone/>
-              <a:defRPr b="1" sz="4200">
-                <a:solidFill>
-                  <a:schemeClr val="accent1"/>
-                </a:solidFill>
-                <a:latin typeface="Amatic SC"/>
-                <a:ea typeface="Amatic SC"/>
-                <a:cs typeface="Amatic SC"/>
-                <a:sym typeface="Amatic SC"/>
+              <a:buSzPts val="3200"/>
+              <a:buFont typeface="Playfair Display"/>
+              <a:buNone/>
+              <a:defRPr b="1" sz="3200">
+                <a:solidFill>
+                  <a:schemeClr val="dk1"/>
+                </a:solidFill>
+                <a:latin typeface="Playfair Display"/>
+                <a:ea typeface="Playfair Display"/>
+                <a:cs typeface="Playfair Display"/>
+                <a:sym typeface="Playfair Display"/>
               </a:defRPr>
             </a:lvl9pPr>
           </a:lstStyle>
@@ -6431,8 +7040,8 @@
         </p:nvSpPr>
         <p:spPr>
           <a:xfrm>
-            <a:off x="311700" y="1228675"/>
-            <a:ext cx="8520600" cy="3340200"/>
+            <a:off x="311700" y="1152475"/>
+            <a:ext cx="8520600" cy="3416400"/>
           </a:xfrm>
           <a:prstGeom prst="rect">
             <a:avLst/>
@@ -6461,16 +7070,16 @@
                 <a:schemeClr val="dk2"/>
               </a:buClr>
               <a:buSzPts val="1800"/>
-              <a:buFont typeface="Source Code Pro"/>
+              <a:buFont typeface="Lato"/>
               <a:buChar char="●"/>
               <a:defRPr sz="1800">
                 <a:solidFill>
                   <a:schemeClr val="dk2"/>
                 </a:solidFill>
-                <a:latin typeface="Source Code Pro"/>
-                <a:ea typeface="Source Code Pro"/>
-                <a:cs typeface="Source Code Pro"/>
-                <a:sym typeface="Source Code Pro"/>
+                <a:latin typeface="Lato"/>
+                <a:ea typeface="Lato"/>
+                <a:cs typeface="Lato"/>
+                <a:sym typeface="Lato"/>
               </a:defRPr>
             </a:lvl1pPr>
             <a:lvl2pPr indent="-317500" lvl="1" marL="914400">
@@ -6487,16 +7096,16 @@
                 <a:schemeClr val="dk2"/>
               </a:buClr>
               <a:buSzPts val="1400"/>
-              <a:buFont typeface="Source Code Pro"/>
+              <a:buFont typeface="Lato"/>
               <a:buChar char="○"/>
               <a:defRPr>
                 <a:solidFill>
                   <a:schemeClr val="dk2"/>
                 </a:solidFill>
-                <a:latin typeface="Source Code Pro"/>
-                <a:ea typeface="Source Code Pro"/>
-                <a:cs typeface="Source Code Pro"/>
-                <a:sym typeface="Source Code Pro"/>
+                <a:latin typeface="Lato"/>
+                <a:ea typeface="Lato"/>
+                <a:cs typeface="Lato"/>
+                <a:sym typeface="Lato"/>
               </a:defRPr>
             </a:lvl2pPr>
             <a:lvl3pPr indent="-317500" lvl="2" marL="1371600">
@@ -6513,16 +7122,16 @@
                 <a:schemeClr val="dk2"/>
               </a:buClr>
               <a:buSzPts val="1400"/>
-              <a:buFont typeface="Source Code Pro"/>
+              <a:buFont typeface="Lato"/>
               <a:buChar char="■"/>
               <a:defRPr>
                 <a:solidFill>
                   <a:schemeClr val="dk2"/>
                 </a:solidFill>
-                <a:latin typeface="Source Code Pro"/>
-                <a:ea typeface="Source Code Pro"/>
-                <a:cs typeface="Source Code Pro"/>
-                <a:sym typeface="Source Code Pro"/>
+                <a:latin typeface="Lato"/>
+                <a:ea typeface="Lato"/>
+                <a:cs typeface="Lato"/>
+                <a:sym typeface="Lato"/>
               </a:defRPr>
             </a:lvl3pPr>
             <a:lvl4pPr indent="-317500" lvl="3" marL="1828800">
@@ -6539,16 +7148,16 @@
                 <a:schemeClr val="dk2"/>
               </a:buClr>
               <a:buSzPts val="1400"/>
-              <a:buFont typeface="Source Code Pro"/>
+              <a:buFont typeface="Lato"/>
               <a:buChar char="●"/>
               <a:defRPr>
                 <a:solidFill>
                   <a:schemeClr val="dk2"/>
                 </a:solidFill>
-                <a:latin typeface="Source Code Pro"/>
-                <a:ea typeface="Source Code Pro"/>
-                <a:cs typeface="Source Code Pro"/>
-                <a:sym typeface="Source Code Pro"/>
+                <a:latin typeface="Lato"/>
+                <a:ea typeface="Lato"/>
+                <a:cs typeface="Lato"/>
+                <a:sym typeface="Lato"/>
               </a:defRPr>
             </a:lvl4pPr>
             <a:lvl5pPr indent="-317500" lvl="4" marL="2286000">
@@ -6565,16 +7174,16 @@
                 <a:schemeClr val="dk2"/>
               </a:buClr>
               <a:buSzPts val="1400"/>
-              <a:buFont typeface="Source Code Pro"/>
+              <a:buFont typeface="Lato"/>
               <a:buChar char="○"/>
               <a:defRPr>
                 <a:solidFill>
                   <a:schemeClr val="dk2"/>
                 </a:solidFill>
-                <a:latin typeface="Source Code Pro"/>
-                <a:ea typeface="Source Code Pro"/>
-                <a:cs typeface="Source Code Pro"/>
-                <a:sym typeface="Source Code Pro"/>
+                <a:latin typeface="Lato"/>
+                <a:ea typeface="Lato"/>
+                <a:cs typeface="Lato"/>
+                <a:sym typeface="Lato"/>
               </a:defRPr>
             </a:lvl5pPr>
             <a:lvl6pPr indent="-317500" lvl="5" marL="2743200">
@@ -6591,16 +7200,16 @@
                 <a:schemeClr val="dk2"/>
               </a:buClr>
               <a:buSzPts val="1400"/>
-              <a:buFont typeface="Source Code Pro"/>
+              <a:buFont typeface="Lato"/>
               <a:buChar char="■"/>
               <a:defRPr>
                 <a:solidFill>
                   <a:schemeClr val="dk2"/>
                 </a:solidFill>
-                <a:latin typeface="Source Code Pro"/>
-                <a:ea typeface="Source Code Pro"/>
-                <a:cs typeface="Source Code Pro"/>
-                <a:sym typeface="Source Code Pro"/>
+                <a:latin typeface="Lato"/>
+                <a:ea typeface="Lato"/>
+                <a:cs typeface="Lato"/>
+                <a:sym typeface="Lato"/>
               </a:defRPr>
             </a:lvl6pPr>
             <a:lvl7pPr indent="-317500" lvl="6" marL="3200400">
@@ -6617,16 +7226,16 @@
                 <a:schemeClr val="dk2"/>
               </a:buClr>
               <a:buSzPts val="1400"/>
-              <a:buFont typeface="Source Code Pro"/>
+              <a:buFont typeface="Lato"/>
               <a:buChar char="●"/>
               <a:defRPr>
                 <a:solidFill>
                   <a:schemeClr val="dk2"/>
                 </a:solidFill>
-                <a:latin typeface="Source Code Pro"/>
-                <a:ea typeface="Source Code Pro"/>
-                <a:cs typeface="Source Code Pro"/>
-                <a:sym typeface="Source Code Pro"/>
+                <a:latin typeface="Lato"/>
+                <a:ea typeface="Lato"/>
+                <a:cs typeface="Lato"/>
+                <a:sym typeface="Lato"/>
               </a:defRPr>
             </a:lvl7pPr>
             <a:lvl8pPr indent="-317500" lvl="7" marL="3657600">
@@ -6643,16 +7252,16 @@
                 <a:schemeClr val="dk2"/>
               </a:buClr>
               <a:buSzPts val="1400"/>
-              <a:buFont typeface="Source Code Pro"/>
+              <a:buFont typeface="Lato"/>
               <a:buChar char="○"/>
               <a:defRPr>
                 <a:solidFill>
                   <a:schemeClr val="dk2"/>
                 </a:solidFill>
-                <a:latin typeface="Source Code Pro"/>
-                <a:ea typeface="Source Code Pro"/>
-                <a:cs typeface="Source Code Pro"/>
-                <a:sym typeface="Source Code Pro"/>
+                <a:latin typeface="Lato"/>
+                <a:ea typeface="Lato"/>
+                <a:cs typeface="Lato"/>
+                <a:sym typeface="Lato"/>
               </a:defRPr>
             </a:lvl8pPr>
             <a:lvl9pPr indent="-317500" lvl="8" marL="4114800">
@@ -6669,16 +7278,16 @@
                 <a:schemeClr val="dk2"/>
               </a:buClr>
               <a:buSzPts val="1400"/>
-              <a:buFont typeface="Source Code Pro"/>
+              <a:buFont typeface="Lato"/>
               <a:buChar char="■"/>
               <a:defRPr>
                 <a:solidFill>
                   <a:schemeClr val="dk2"/>
                 </a:solidFill>
-                <a:latin typeface="Source Code Pro"/>
-                <a:ea typeface="Source Code Pro"/>
-                <a:cs typeface="Source Code Pro"/>
-                <a:sym typeface="Source Code Pro"/>
+                <a:latin typeface="Lato"/>
+                <a:ea typeface="Lato"/>
+                <a:cs typeface="Lato"/>
+                <a:sym typeface="Lato"/>
               </a:defRPr>
             </a:lvl9pPr>
           </a:lstStyle>
@@ -6695,7 +7304,7 @@
         </p:nvSpPr>
         <p:spPr>
           <a:xfrm>
-            <a:off x="8472458" y="4663217"/>
+            <a:off x="8490250" y="4681009"/>
             <a:ext cx="548700" cy="393600"/>
           </a:xfrm>
           <a:prstGeom prst="rect">
@@ -6715,108 +7324,108 @@
               <a:buNone/>
               <a:defRPr sz="1000">
                 <a:solidFill>
-                  <a:schemeClr val="accent1"/>
-                </a:solidFill>
-                <a:latin typeface="Source Code Pro"/>
-                <a:ea typeface="Source Code Pro"/>
-                <a:cs typeface="Source Code Pro"/>
-                <a:sym typeface="Source Code Pro"/>
+                  <a:schemeClr val="dk2"/>
+                </a:solidFill>
+                <a:latin typeface="Lato"/>
+                <a:ea typeface="Lato"/>
+                <a:cs typeface="Lato"/>
+                <a:sym typeface="Lato"/>
               </a:defRPr>
             </a:lvl1pPr>
             <a:lvl2pPr lvl="1" algn="r">
               <a:buNone/>
               <a:defRPr sz="1000">
                 <a:solidFill>
-                  <a:schemeClr val="accent1"/>
-                </a:solidFill>
-                <a:latin typeface="Source Code Pro"/>
-                <a:ea typeface="Source Code Pro"/>
-                <a:cs typeface="Source Code Pro"/>
-                <a:sym typeface="Source Code Pro"/>
+                  <a:schemeClr val="dk2"/>
+                </a:solidFill>
+                <a:latin typeface="Lato"/>
+                <a:ea typeface="Lato"/>
+                <a:cs typeface="Lato"/>
+                <a:sym typeface="Lato"/>
               </a:defRPr>
             </a:lvl2pPr>
             <a:lvl3pPr lvl="2" algn="r">
               <a:buNone/>
               <a:defRPr sz="1000">
                 <a:solidFill>
-                  <a:schemeClr val="accent1"/>
-                </a:solidFill>
-                <a:latin typeface="Source Code Pro"/>
-                <a:ea typeface="Source Code Pro"/>
-                <a:cs typeface="Source Code Pro"/>
-                <a:sym typeface="Source Code Pro"/>
+                  <a:schemeClr val="dk2"/>
+                </a:solidFill>
+                <a:latin typeface="Lato"/>
+                <a:ea typeface="Lato"/>
+                <a:cs typeface="Lato"/>
+                <a:sym typeface="Lato"/>
               </a:defRPr>
             </a:lvl3pPr>
             <a:lvl4pPr lvl="3" algn="r">
               <a:buNone/>
               <a:defRPr sz="1000">
                 <a:solidFill>
-                  <a:schemeClr val="accent1"/>
-                </a:solidFill>
-                <a:latin typeface="Source Code Pro"/>
-                <a:ea typeface="Source Code Pro"/>
-                <a:cs typeface="Source Code Pro"/>
-                <a:sym typeface="Source Code Pro"/>
+                  <a:schemeClr val="dk2"/>
+                </a:solidFill>
+                <a:latin typeface="Lato"/>
+                <a:ea typeface="Lato"/>
+                <a:cs typeface="Lato"/>
+                <a:sym typeface="Lato"/>
               </a:defRPr>
             </a:lvl4pPr>
             <a:lvl5pPr lvl="4" algn="r">
               <a:buNone/>
               <a:defRPr sz="1000">
                 <a:solidFill>
-                  <a:schemeClr val="accent1"/>
-                </a:solidFill>
-                <a:latin typeface="Source Code Pro"/>
-                <a:ea typeface="Source Code Pro"/>
-                <a:cs typeface="Source Code Pro"/>
-                <a:sym typeface="Source Code Pro"/>
+                  <a:schemeClr val="dk2"/>
+                </a:solidFill>
+                <a:latin typeface="Lato"/>
+                <a:ea typeface="Lato"/>
+                <a:cs typeface="Lato"/>
+                <a:sym typeface="Lato"/>
               </a:defRPr>
             </a:lvl5pPr>
             <a:lvl6pPr lvl="5" algn="r">
               <a:buNone/>
               <a:defRPr sz="1000">
                 <a:solidFill>
-                  <a:schemeClr val="accent1"/>
-                </a:solidFill>
-                <a:latin typeface="Source Code Pro"/>
-                <a:ea typeface="Source Code Pro"/>
-                <a:cs typeface="Source Code Pro"/>
-                <a:sym typeface="Source Code Pro"/>
+                  <a:schemeClr val="dk2"/>
+                </a:solidFill>
+                <a:latin typeface="Lato"/>
+                <a:ea typeface="Lato"/>
+                <a:cs typeface="Lato"/>
+                <a:sym typeface="Lato"/>
               </a:defRPr>
             </a:lvl6pPr>
             <a:lvl7pPr lvl="6" algn="r">
               <a:buNone/>
               <a:defRPr sz="1000">
                 <a:solidFill>
-                  <a:schemeClr val="accent1"/>
-                </a:solidFill>
-                <a:latin typeface="Source Code Pro"/>
-                <a:ea typeface="Source Code Pro"/>
-                <a:cs typeface="Source Code Pro"/>
-                <a:sym typeface="Source Code Pro"/>
+                  <a:schemeClr val="dk2"/>
+                </a:solidFill>
+                <a:latin typeface="Lato"/>
+                <a:ea typeface="Lato"/>
+                <a:cs typeface="Lato"/>
+                <a:sym typeface="Lato"/>
               </a:defRPr>
             </a:lvl7pPr>
             <a:lvl8pPr lvl="7" algn="r">
               <a:buNone/>
               <a:defRPr sz="1000">
                 <a:solidFill>
-                  <a:schemeClr val="accent1"/>
-                </a:solidFill>
-                <a:latin typeface="Source Code Pro"/>
-                <a:ea typeface="Source Code Pro"/>
-                <a:cs typeface="Source Code Pro"/>
-                <a:sym typeface="Source Code Pro"/>
+                  <a:schemeClr val="dk2"/>
+                </a:solidFill>
+                <a:latin typeface="Lato"/>
+                <a:ea typeface="Lato"/>
+                <a:cs typeface="Lato"/>
+                <a:sym typeface="Lato"/>
               </a:defRPr>
             </a:lvl8pPr>
             <a:lvl9pPr lvl="8" algn="r">
               <a:buNone/>
               <a:defRPr sz="1000">
                 <a:solidFill>
-                  <a:schemeClr val="accent1"/>
-                </a:solidFill>
-                <a:latin typeface="Source Code Pro"/>
-                <a:ea typeface="Source Code Pro"/>
-                <a:cs typeface="Source Code Pro"/>
-                <a:sym typeface="Source Code Pro"/>
+                  <a:schemeClr val="dk2"/>
+                </a:solidFill>
+                <a:latin typeface="Lato"/>
+                <a:ea typeface="Lato"/>
+                <a:cs typeface="Lato"/>
+                <a:sym typeface="Lato"/>
               </a:defRPr>
             </a:lvl9pPr>
           </a:lstStyle>
@@ -7552,7 +8161,7 @@
   <p:cSld>
     <p:spTree>
       <p:nvGrpSpPr>
-        <p:cNvPr id="55" name="Shape 55"/>
+        <p:cNvPr id="58" name="Shape 58"/>
         <p:cNvGrpSpPr/>
         <p:nvPr/>
       </p:nvGrpSpPr>
@@ -7566,7 +8175,7 @@
       </p:grpSpPr>
       <p:sp>
         <p:nvSpPr>
-          <p:cNvPr id="56" name="Google Shape;56;p13"/>
+          <p:cNvPr id="59" name="Google Shape;59;p13"/>
           <p:cNvSpPr txBox="1"/>
           <p:nvPr>
             <p:ph type="ctrTitle"/>
@@ -7574,8 +8183,8 @@
         </p:nvSpPr>
         <p:spPr>
           <a:xfrm>
-            <a:off x="311700" y="392150"/>
-            <a:ext cx="8520600" cy="2690400"/>
+            <a:off x="3096250" y="1627200"/>
+            <a:ext cx="2951400" cy="1584300"/>
           </a:xfrm>
           <a:prstGeom prst="rect">
             <a:avLst/>
@@ -7583,7 +8192,7 @@
         </p:spPr>
         <p:txBody>
           <a:bodyPr anchorCtr="0" anchor="ctr" bIns="91425" lIns="91425" spcFirstLastPara="1" rIns="91425" wrap="square" tIns="91425">
-            <a:normAutofit/>
+            <a:normAutofit fontScale="90000"/>
           </a:bodyPr>
           <a:lstStyle/>
           <a:p>
@@ -7609,7 +8218,7 @@
       </p:sp>
       <p:sp>
         <p:nvSpPr>
-          <p:cNvPr id="57" name="Google Shape;57;p13"/>
+          <p:cNvPr id="60" name="Google Shape;60;p13"/>
           <p:cNvSpPr txBox="1"/>
           <p:nvPr>
             <p:ph idx="1" type="subTitle"/>
@@ -7617,16 +8226,16 @@
         </p:nvSpPr>
         <p:spPr>
           <a:xfrm>
-            <a:off x="311700" y="3890400"/>
-            <a:ext cx="8520600" cy="706200"/>
+            <a:off x="3096363" y="3266930"/>
+            <a:ext cx="2951400" cy="701400"/>
           </a:xfrm>
           <a:prstGeom prst="rect">
             <a:avLst/>
           </a:prstGeom>
         </p:spPr>
         <p:txBody>
-          <a:bodyPr anchorCtr="0" anchor="ctr" bIns="91425" lIns="91425" spcFirstLastPara="1" rIns="91425" wrap="square" tIns="91425">
-            <a:normAutofit/>
+          <a:bodyPr anchorCtr="0" anchor="b" bIns="91425" lIns="91425" spcFirstLastPara="1" rIns="91425" wrap="square" tIns="91425">
+            <a:normAutofit lnSpcReduction="10000"/>
           </a:bodyPr>
           <a:lstStyle/>
           <a:p>
@@ -7660,7 +8269,7 @@
   <p:cSld>
     <p:spTree>
       <p:nvGrpSpPr>
-        <p:cNvPr id="114" name="Shape 114"/>
+        <p:cNvPr id="115" name="Shape 115"/>
         <p:cNvGrpSpPr/>
         <p:nvPr/>
       </p:nvGrpSpPr>
@@ -7674,7 +8283,7 @@
       </p:grpSpPr>
       <p:sp>
         <p:nvSpPr>
-          <p:cNvPr id="115" name="Google Shape;115;p22"/>
+          <p:cNvPr id="116" name="Google Shape;116;p22"/>
           <p:cNvSpPr txBox="1"/>
           <p:nvPr>
             <p:ph type="title"/>
@@ -7682,8 +8291,8 @@
         </p:nvSpPr>
         <p:spPr>
           <a:xfrm>
-            <a:off x="311700" y="292850"/>
-            <a:ext cx="8520600" cy="801000"/>
+            <a:off x="311700" y="391350"/>
+            <a:ext cx="8520600" cy="626100"/>
           </a:xfrm>
           <a:prstGeom prst="rect">
             <a:avLst/>
@@ -7706,7 +8315,7 @@
             </a:pPr>
             <a:r>
               <a:rPr lang="en"/>
-              <a:t>Raw Data</a:t>
+              <a:t>Diabetes</a:t>
             </a:r>
             <a:endParaRPr/>
           </a:p>
@@ -7714,7 +8323,7 @@
       </p:sp>
       <p:sp>
         <p:nvSpPr>
-          <p:cNvPr id="116" name="Google Shape;116;p22"/>
+          <p:cNvPr id="117" name="Google Shape;117;p22"/>
           <p:cNvSpPr txBox="1"/>
           <p:nvPr>
             <p:ph idx="1" type="body"/>
@@ -7722,8 +8331,8 @@
         </p:nvSpPr>
         <p:spPr>
           <a:xfrm>
-            <a:off x="311700" y="1228675"/>
-            <a:ext cx="5233500" cy="3340200"/>
+            <a:off x="311700" y="1152475"/>
+            <a:ext cx="8520600" cy="3416400"/>
           </a:xfrm>
           <a:prstGeom prst="rect">
             <a:avLst/>
@@ -7731,43 +8340,19 @@
         </p:spPr>
         <p:txBody>
           <a:bodyPr anchorCtr="0" anchor="t" bIns="91425" lIns="91425" spcFirstLastPara="1" rIns="91425" wrap="square" tIns="91425">
-            <a:normAutofit lnSpcReduction="20000"/>
+            <a:normAutofit/>
           </a:bodyPr>
           <a:lstStyle/>
           <a:p>
-            <a:pPr indent="0" lvl="0" marL="0" rtl="0" algn="l">
-              <a:spcBef>
-                <a:spcPts val="0"/>
-              </a:spcBef>
-              <a:spcAft>
-                <a:spcPts val="0"/>
-              </a:spcAft>
-              <a:buNone/>
-            </a:pPr>
-            <a:r>
-              <a:rPr lang="en" sz="1150">
-                <a:solidFill>
-                  <a:schemeClr val="dk1"/>
-                </a:solidFill>
-              </a:rPr>
-              <a:t>The algorithm first gets the raw data from the file. In the example listed, we used csv or excel files for our data. The data would then get broken down for common attributes. In the data, we have the luxury to having the attributes defined for us.</a:t>
-            </a:r>
-            <a:endParaRPr sz="1150">
-              <a:solidFill>
-                <a:schemeClr val="dk1"/>
-              </a:solidFill>
-            </a:endParaRPr>
-          </a:p>
-          <a:p>
             <a:pPr indent="-342900" lvl="0" marL="457200" rtl="0" algn="l">
               <a:spcBef>
-                <a:spcPts val="1200"/>
+                <a:spcPts val="0"/>
               </a:spcBef>
               <a:spcAft>
                 <a:spcPts val="0"/>
               </a:spcAft>
               <a:buClr>
-                <a:schemeClr val="dk1"/>
+                <a:schemeClr val="accent1"/>
               </a:buClr>
               <a:buSzPts val="1800"/>
               <a:buChar char="●"/>
@@ -7775,47 +8360,75 @@
             <a:r>
               <a:rPr lang="en">
                 <a:solidFill>
-                  <a:schemeClr val="dk1"/>
+                  <a:schemeClr val="accent1"/>
                 </a:solidFill>
               </a:rPr>
-              <a:t>The data stored would later be sorted by values, in accordance to their. Because the data we would be processing mainly focuses on numbers and integers, we didn’t design the sorting algorithm to handle strings, just issued a warning.</a:t>
+              <a:t>This dataset is originally gathered from the National Institute of Diabetes and Digestive and Kidney Diseases. </a:t>
             </a:r>
             <a:endParaRPr>
               <a:solidFill>
-                <a:schemeClr val="dk1"/>
+                <a:schemeClr val="accent1"/>
+              </a:solidFill>
+            </a:endParaRPr>
+          </a:p>
+          <a:p>
+            <a:pPr indent="-342900" lvl="0" marL="457200" rtl="0" algn="l">
+              <a:spcBef>
+                <a:spcPts val="0"/>
+              </a:spcBef>
+              <a:spcAft>
+                <a:spcPts val="0"/>
+              </a:spcAft>
+              <a:buClr>
+                <a:schemeClr val="accent1"/>
+              </a:buClr>
+              <a:buSzPts val="1800"/>
+              <a:buChar char="●"/>
+            </a:pPr>
+            <a:r>
+              <a:rPr lang="en">
+                <a:solidFill>
+                  <a:schemeClr val="accent1"/>
+                </a:solidFill>
+              </a:rPr>
+              <a:t>The objective of the dataset is to diagnostically predict whether a patient has diabetes based on certain diagnostic measurements included in the dataset. </a:t>
+            </a:r>
+            <a:endParaRPr>
+              <a:solidFill>
+                <a:schemeClr val="accent1"/>
+              </a:solidFill>
+            </a:endParaRPr>
+          </a:p>
+          <a:p>
+            <a:pPr indent="-342900" lvl="0" marL="457200" rtl="0" algn="l">
+              <a:spcBef>
+                <a:spcPts val="0"/>
+              </a:spcBef>
+              <a:spcAft>
+                <a:spcPts val="0"/>
+              </a:spcAft>
+              <a:buClr>
+                <a:schemeClr val="accent1"/>
+              </a:buClr>
+              <a:buSzPts val="1800"/>
+              <a:buChar char="●"/>
+            </a:pPr>
+            <a:r>
+              <a:rPr lang="en">
+                <a:solidFill>
+                  <a:schemeClr val="accent1"/>
+                </a:solidFill>
+              </a:rPr>
+              <a:t>From the data set in the (.csv) File We can find several variables, some of them are independent(several medical predictor variables) and only one target dependent variable (Outcome).</a:t>
+            </a:r>
+            <a:endParaRPr>
+              <a:solidFill>
+                <a:schemeClr val="accent1"/>
               </a:solidFill>
             </a:endParaRPr>
           </a:p>
         </p:txBody>
       </p:sp>
-      <p:pic>
-        <p:nvPicPr>
-          <p:cNvPr id="117" name="Google Shape;117;p22"/>
-          <p:cNvPicPr preferRelativeResize="0"/>
-          <p:nvPr/>
-        </p:nvPicPr>
-        <p:blipFill>
-          <a:blip r:embed="rId3">
-            <a:alphaModFix/>
-          </a:blip>
-          <a:stretch>
-            <a:fillRect/>
-          </a:stretch>
-        </p:blipFill>
-        <p:spPr>
-          <a:xfrm>
-            <a:off x="5596425" y="1634775"/>
-            <a:ext cx="3547575" cy="1647575"/>
-          </a:xfrm>
-          <a:prstGeom prst="rect">
-            <a:avLst/>
-          </a:prstGeom>
-          <a:noFill/>
-          <a:ln>
-            <a:noFill/>
-          </a:ln>
-        </p:spPr>
-      </p:pic>
     </p:spTree>
   </p:cSld>
   <p:clrMapOvr>
@@ -7851,8 +8464,8 @@
         </p:nvSpPr>
         <p:spPr>
           <a:xfrm>
-            <a:off x="311700" y="292850"/>
-            <a:ext cx="8520600" cy="801000"/>
+            <a:off x="311700" y="391350"/>
+            <a:ext cx="8520600" cy="626100"/>
           </a:xfrm>
           <a:prstGeom prst="rect">
             <a:avLst/>
@@ -7875,7 +8488,7 @@
             </a:pPr>
             <a:r>
               <a:rPr lang="en"/>
-              <a:t>Training Scheme?</a:t>
+              <a:t>Implementation:</a:t>
             </a:r>
             <a:endParaRPr/>
           </a:p>
@@ -7892,7 +8505,7 @@
         <p:spPr>
           <a:xfrm>
             <a:off x="311700" y="1228675"/>
-            <a:ext cx="8520600" cy="3340200"/>
+            <a:ext cx="4484100" cy="3340200"/>
           </a:xfrm>
           <a:prstGeom prst="rect">
             <a:avLst/>
@@ -7900,78 +8513,76 @@
         </p:spPr>
         <p:txBody>
           <a:bodyPr anchorCtr="0" anchor="t" bIns="91425" lIns="91425" spcFirstLastPara="1" rIns="91425" wrap="square" tIns="91425">
-            <a:normAutofit/>
+            <a:normAutofit fontScale="47500" lnSpcReduction="10000"/>
           </a:bodyPr>
           <a:lstStyle/>
           <a:p>
-            <a:pPr indent="-342900" lvl="0" marL="457200" rtl="0" algn="l">
-              <a:spcBef>
-                <a:spcPts val="0"/>
-              </a:spcBef>
-              <a:spcAft>
-                <a:spcPts val="0"/>
-              </a:spcAft>
-              <a:buClr>
-                <a:schemeClr val="dk1"/>
-              </a:buClr>
-              <a:buSzPts val="1800"/>
-              <a:buChar char="●"/>
+            <a:pPr indent="0" lvl="0" marL="0" rtl="0" algn="l">
+              <a:spcBef>
+                <a:spcPts val="0"/>
+              </a:spcBef>
+              <a:spcAft>
+                <a:spcPts val="0"/>
+              </a:spcAft>
+              <a:buNone/>
             </a:pPr>
             <a:r>
-              <a:rPr lang="en">
-                <a:solidFill>
-                  <a:schemeClr val="dk1"/>
-                </a:solidFill>
-              </a:rPr>
-              <a:t>As stated, </a:t>
+              <a:rPr lang="en" sz="5413"/>
+              <a:t>Because of its </a:t>
             </a:r>
             <a:r>
-              <a:rPr lang="en">
-                <a:solidFill>
-                  <a:schemeClr val="dk1"/>
-                </a:solidFill>
-              </a:rPr>
-              <a:t>K-NN algorithms don’t </a:t>
+              <a:rPr lang="en" sz="5413"/>
+              <a:t>implementation</a:t>
             </a:r>
             <a:r>
-              <a:rPr i="1" lang="en">
-                <a:solidFill>
-                  <a:schemeClr val="dk1"/>
-                </a:solidFill>
-              </a:rPr>
-              <a:t>necessarily</a:t>
+              <a:rPr lang="en" sz="5413"/>
+              <a:t>, its focuses more on regression or classification tasks.</a:t>
             </a:r>
             <a:r>
-              <a:rPr i="1" lang="en">
+              <a:rPr lang="en" sz="5413">
                 <a:solidFill>
                   <a:schemeClr val="dk1"/>
                 </a:solidFill>
               </a:rPr>
               <a:t> </a:t>
             </a:r>
+            <a:endParaRPr sz="5413">
+              <a:solidFill>
+                <a:schemeClr val="dk1"/>
+              </a:solidFill>
+            </a:endParaRPr>
+          </a:p>
+          <a:p>
+            <a:pPr indent="0" lvl="0" marL="0" rtl="0" algn="l">
+              <a:spcBef>
+                <a:spcPts val="1200"/>
+              </a:spcBef>
+              <a:spcAft>
+                <a:spcPts val="0"/>
+              </a:spcAft>
+              <a:buNone/>
+            </a:pPr>
             <a:r>
-              <a:rPr lang="en">
-                <a:solidFill>
-                  <a:schemeClr val="dk1"/>
-                </a:solidFill>
-              </a:rPr>
-              <a:t> learn from </a:t>
+              <a:t/>
             </a:r>
+            <a:endParaRPr sz="5413">
+              <a:solidFill>
+                <a:schemeClr val="dk1"/>
+              </a:solidFill>
+            </a:endParaRPr>
+          </a:p>
+          <a:p>
+            <a:pPr indent="0" lvl="0" marL="0" rtl="0" algn="l">
+              <a:spcBef>
+                <a:spcPts val="1200"/>
+              </a:spcBef>
+              <a:spcAft>
+                <a:spcPts val="0"/>
+              </a:spcAft>
+              <a:buNone/>
+            </a:pPr>
             <a:r>
-              <a:rPr lang="en">
-                <a:solidFill>
-                  <a:schemeClr val="dk1"/>
-                </a:solidFill>
-              </a:rPr>
-              <a:t>training</a:t>
-            </a:r>
-            <a:r>
-              <a:rPr lang="en">
-                <a:solidFill>
-                  <a:schemeClr val="dk1"/>
-                </a:solidFill>
-              </a:rPr>
-              <a:t> sets, as it’s a “lazy learner”. </a:t>
+              <a:t/>
             </a:r>
             <a:endParaRPr>
               <a:solidFill>
@@ -7980,50 +8591,17 @@
             </a:endParaRPr>
           </a:p>
           <a:p>
-            <a:pPr indent="-342900" lvl="0" marL="457200" rtl="0" algn="l">
-              <a:spcBef>
-                <a:spcPts val="0"/>
-              </a:spcBef>
-              <a:spcAft>
-                <a:spcPts val="0"/>
-              </a:spcAft>
-              <a:buClr>
-                <a:schemeClr val="dk1"/>
-              </a:buClr>
-              <a:buSzPts val="1800"/>
-              <a:buChar char="●"/>
+            <a:pPr indent="0" lvl="0" marL="0" rtl="0" algn="l">
+              <a:spcBef>
+                <a:spcPts val="1200"/>
+              </a:spcBef>
+              <a:spcAft>
+                <a:spcPts val="0"/>
+              </a:spcAft>
+              <a:buNone/>
             </a:pPr>
             <a:r>
-              <a:rPr lang="en">
-                <a:solidFill>
-                  <a:schemeClr val="dk1"/>
-                </a:solidFill>
-              </a:rPr>
-              <a:t>Diabetes and </a:t>
-            </a:r>
-            <a:r>
-              <a:rPr lang="en">
-                <a:solidFill>
-                  <a:schemeClr val="dk1"/>
-                </a:solidFill>
-              </a:rPr>
-              <a:t>Glucose</a:t>
-            </a:r>
-            <a:r>
-              <a:rPr lang="en">
-                <a:solidFill>
-                  <a:schemeClr val="dk1"/>
-                </a:solidFill>
-              </a:rPr>
-              <a:t> CSV files will be fed into the algorithm, studying for trends </a:t>
-            </a:r>
-            <a:r>
-              <a:rPr lang="en">
-                <a:solidFill>
-                  <a:schemeClr val="dk1"/>
-                </a:solidFill>
-              </a:rPr>
-              <a:t>among the data to see if there are any trends in information.</a:t>
+              <a:t/>
             </a:r>
             <a:endParaRPr>
               <a:solidFill>
@@ -8032,6 +8610,477 @@
             </a:endParaRPr>
           </a:p>
           <a:p>
+            <a:pPr indent="0" lvl="0" marL="0" rtl="0" algn="l">
+              <a:spcBef>
+                <a:spcPts val="1200"/>
+              </a:spcBef>
+              <a:spcAft>
+                <a:spcPts val="1200"/>
+              </a:spcAft>
+              <a:buNone/>
+            </a:pPr>
+            <a:r>
+              <a:t/>
+            </a:r>
+            <a:endParaRPr>
+              <a:solidFill>
+                <a:schemeClr val="dk1"/>
+              </a:solidFill>
+            </a:endParaRPr>
+          </a:p>
+        </p:txBody>
+      </p:sp>
+      <p:pic>
+        <p:nvPicPr>
+          <p:cNvPr id="124" name="Google Shape;124;p23"/>
+          <p:cNvPicPr preferRelativeResize="0"/>
+          <p:nvPr/>
+        </p:nvPicPr>
+        <p:blipFill>
+          <a:blip r:embed="rId3">
+            <a:alphaModFix/>
+          </a:blip>
+          <a:stretch>
+            <a:fillRect/>
+          </a:stretch>
+        </p:blipFill>
+        <p:spPr>
+          <a:xfrm>
+            <a:off x="4948200" y="1246250"/>
+            <a:ext cx="4043399" cy="2673916"/>
+          </a:xfrm>
+          <a:prstGeom prst="rect">
+            <a:avLst/>
+          </a:prstGeom>
+          <a:noFill/>
+          <a:ln>
+            <a:noFill/>
+          </a:ln>
+        </p:spPr>
+      </p:pic>
+    </p:spTree>
+  </p:cSld>
+  <p:clrMapOvr>
+    <a:masterClrMapping/>
+  </p:clrMapOvr>
+</p:sld>
+</file>
+
+<file path=ppt/slides/slide12.xml><?xml version="1.0" encoding="utf-8"?>
+<p:sld xmlns:a="http://schemas.openxmlformats.org/drawingml/2006/main" xmlns:r="http://schemas.openxmlformats.org/officeDocument/2006/relationships" xmlns:mc="http://schemas.openxmlformats.org/markup-compatibility/2006" xmlns:mv="urn:schemas-microsoft-com:mac:vml" xmlns:p="http://schemas.openxmlformats.org/presentationml/2006/main" xmlns:c="http://schemas.openxmlformats.org/drawingml/2006/chart" xmlns:dgm="http://schemas.openxmlformats.org/drawingml/2006/diagram" xmlns:o="urn:schemas-microsoft-com:office:office" xmlns:v="urn:schemas-microsoft-com:vml" xmlns:pvml="urn:schemas-microsoft-com:office:powerpoint" xmlns:com="http://schemas.openxmlformats.org/drawingml/2006/compatibility" xmlns:p14="http://schemas.microsoft.com/office/powerpoint/2010/main" xmlns:p15="http://schemas.microsoft.com/office/powerpoint/2012/main" xmlns:ahyp="http://schemas.microsoft.com/office/drawing/2018/hyperlinkcolor">
+  <p:cSld>
+    <p:spTree>
+      <p:nvGrpSpPr>
+        <p:cNvPr id="128" name="Shape 128"/>
+        <p:cNvGrpSpPr/>
+        <p:nvPr/>
+      </p:nvGrpSpPr>
+      <p:grpSpPr>
+        <a:xfrm>
+          <a:off x="0" y="0"/>
+          <a:ext cx="0" cy="0"/>
+          <a:chOff x="0" y="0"/>
+          <a:chExt cx="0" cy="0"/>
+        </a:xfrm>
+      </p:grpSpPr>
+      <p:sp>
+        <p:nvSpPr>
+          <p:cNvPr id="129" name="Google Shape;129;p24"/>
+          <p:cNvSpPr txBox="1"/>
+          <p:nvPr>
+            <p:ph type="title"/>
+          </p:nvPr>
+        </p:nvSpPr>
+        <p:spPr>
+          <a:xfrm>
+            <a:off x="311700" y="1233100"/>
+            <a:ext cx="8520600" cy="1610100"/>
+          </a:xfrm>
+          <a:prstGeom prst="rect">
+            <a:avLst/>
+          </a:prstGeom>
+        </p:spPr>
+        <p:txBody>
+          <a:bodyPr anchorCtr="0" anchor="b" bIns="91425" lIns="91425" spcFirstLastPara="1" rIns="91425" wrap="square" tIns="91425">
+            <a:normAutofit fontScale="90000"/>
+          </a:bodyPr>
+          <a:lstStyle/>
+          <a:p>
+            <a:pPr indent="0" lvl="0" marL="0" rtl="0" algn="ctr">
+              <a:spcBef>
+                <a:spcPts val="0"/>
+              </a:spcBef>
+              <a:spcAft>
+                <a:spcPts val="0"/>
+              </a:spcAft>
+              <a:buNone/>
+            </a:pPr>
+            <a:r>
+              <a:rPr lang="en"/>
+              <a:t>Pre-processing</a:t>
+            </a:r>
+            <a:endParaRPr/>
+          </a:p>
+        </p:txBody>
+      </p:sp>
+      <p:sp>
+        <p:nvSpPr>
+          <p:cNvPr id="130" name="Google Shape;130;p24"/>
+          <p:cNvSpPr txBox="1"/>
+          <p:nvPr>
+            <p:ph idx="1" type="body"/>
+          </p:nvPr>
+        </p:nvSpPr>
+        <p:spPr>
+          <a:xfrm>
+            <a:off x="311700" y="2919450"/>
+            <a:ext cx="8520600" cy="1071600"/>
+          </a:xfrm>
+          <a:prstGeom prst="rect">
+            <a:avLst/>
+          </a:prstGeom>
+        </p:spPr>
+        <p:txBody>
+          <a:bodyPr anchorCtr="0" anchor="t" bIns="91425" lIns="91425" spcFirstLastPara="1" rIns="91425" wrap="square" tIns="91425">
+            <a:normAutofit/>
+          </a:bodyPr>
+          <a:lstStyle/>
+          <a:p>
+            <a:pPr indent="0" lvl="0" marL="0" rtl="0" algn="ctr">
+              <a:spcBef>
+                <a:spcPts val="0"/>
+              </a:spcBef>
+              <a:spcAft>
+                <a:spcPts val="1200"/>
+              </a:spcAft>
+              <a:buNone/>
+            </a:pPr>
+            <a:r>
+              <a:t/>
+            </a:r>
+            <a:endParaRPr/>
+          </a:p>
+        </p:txBody>
+      </p:sp>
+    </p:spTree>
+  </p:cSld>
+  <p:clrMapOvr>
+    <a:masterClrMapping/>
+  </p:clrMapOvr>
+</p:sld>
+</file>
+
+<file path=ppt/slides/slide13.xml><?xml version="1.0" encoding="utf-8"?>
+<p:sld xmlns:a="http://schemas.openxmlformats.org/drawingml/2006/main" xmlns:r="http://schemas.openxmlformats.org/officeDocument/2006/relationships" xmlns:mc="http://schemas.openxmlformats.org/markup-compatibility/2006" xmlns:mv="urn:schemas-microsoft-com:mac:vml" xmlns:p="http://schemas.openxmlformats.org/presentationml/2006/main" xmlns:c="http://schemas.openxmlformats.org/drawingml/2006/chart" xmlns:dgm="http://schemas.openxmlformats.org/drawingml/2006/diagram" xmlns:o="urn:schemas-microsoft-com:office:office" xmlns:v="urn:schemas-microsoft-com:vml" xmlns:pvml="urn:schemas-microsoft-com:office:powerpoint" xmlns:com="http://schemas.openxmlformats.org/drawingml/2006/compatibility" xmlns:p14="http://schemas.microsoft.com/office/powerpoint/2010/main" xmlns:p15="http://schemas.microsoft.com/office/powerpoint/2012/main" xmlns:ahyp="http://schemas.microsoft.com/office/drawing/2018/hyperlinkcolor">
+  <p:cSld>
+    <p:spTree>
+      <p:nvGrpSpPr>
+        <p:cNvPr id="134" name="Shape 134"/>
+        <p:cNvGrpSpPr/>
+        <p:nvPr/>
+      </p:nvGrpSpPr>
+      <p:grpSpPr>
+        <a:xfrm>
+          <a:off x="0" y="0"/>
+          <a:ext cx="0" cy="0"/>
+          <a:chOff x="0" y="0"/>
+          <a:chExt cx="0" cy="0"/>
+        </a:xfrm>
+      </p:grpSpPr>
+      <p:sp>
+        <p:nvSpPr>
+          <p:cNvPr id="135" name="Google Shape;135;p25"/>
+          <p:cNvSpPr txBox="1"/>
+          <p:nvPr>
+            <p:ph type="title"/>
+          </p:nvPr>
+        </p:nvSpPr>
+        <p:spPr>
+          <a:xfrm>
+            <a:off x="311700" y="391350"/>
+            <a:ext cx="8520600" cy="626100"/>
+          </a:xfrm>
+          <a:prstGeom prst="rect">
+            <a:avLst/>
+          </a:prstGeom>
+        </p:spPr>
+        <p:txBody>
+          <a:bodyPr anchorCtr="0" anchor="t" bIns="91425" lIns="91425" spcFirstLastPara="1" rIns="91425" wrap="square" tIns="91425">
+            <a:normAutofit fontScale="90000"/>
+          </a:bodyPr>
+          <a:lstStyle/>
+          <a:p>
+            <a:pPr indent="0" lvl="0" marL="0" rtl="0" algn="l">
+              <a:spcBef>
+                <a:spcPts val="0"/>
+              </a:spcBef>
+              <a:spcAft>
+                <a:spcPts val="0"/>
+              </a:spcAft>
+              <a:buNone/>
+            </a:pPr>
+            <a:r>
+              <a:rPr lang="en"/>
+              <a:t>Raw Data</a:t>
+            </a:r>
+            <a:endParaRPr/>
+          </a:p>
+        </p:txBody>
+      </p:sp>
+      <p:sp>
+        <p:nvSpPr>
+          <p:cNvPr id="136" name="Google Shape;136;p25"/>
+          <p:cNvSpPr txBox="1"/>
+          <p:nvPr>
+            <p:ph idx="1" type="body"/>
+          </p:nvPr>
+        </p:nvSpPr>
+        <p:spPr>
+          <a:xfrm>
+            <a:off x="311700" y="1228675"/>
+            <a:ext cx="5233500" cy="3340200"/>
+          </a:xfrm>
+          <a:prstGeom prst="rect">
+            <a:avLst/>
+          </a:prstGeom>
+        </p:spPr>
+        <p:txBody>
+          <a:bodyPr anchorCtr="0" anchor="t" bIns="91425" lIns="91425" spcFirstLastPara="1" rIns="91425" wrap="square" tIns="91425">
+            <a:normAutofit/>
+          </a:bodyPr>
+          <a:lstStyle/>
+          <a:p>
+            <a:pPr indent="0" lvl="0" marL="0" rtl="0" algn="l">
+              <a:spcBef>
+                <a:spcPts val="0"/>
+              </a:spcBef>
+              <a:spcAft>
+                <a:spcPts val="0"/>
+              </a:spcAft>
+              <a:buNone/>
+            </a:pPr>
+            <a:r>
+              <a:rPr lang="en" sz="1150">
+                <a:solidFill>
+                  <a:schemeClr val="accent1"/>
+                </a:solidFill>
+              </a:rPr>
+              <a:t>The algorithm first gets the raw data from the file. In the example listed, we used csv or excel files for our data. The data would then get broken down for common attributes. In the data, we have the luxury to having the attributes defined for us.</a:t>
+            </a:r>
+            <a:endParaRPr sz="1150">
+              <a:solidFill>
+                <a:schemeClr val="accent1"/>
+              </a:solidFill>
+            </a:endParaRPr>
+          </a:p>
+          <a:p>
+            <a:pPr indent="-342900" lvl="0" marL="457200" rtl="0" algn="l">
+              <a:spcBef>
+                <a:spcPts val="1200"/>
+              </a:spcBef>
+              <a:spcAft>
+                <a:spcPts val="0"/>
+              </a:spcAft>
+              <a:buClr>
+                <a:schemeClr val="accent1"/>
+              </a:buClr>
+              <a:buSzPts val="1800"/>
+              <a:buChar char="●"/>
+            </a:pPr>
+            <a:r>
+              <a:rPr lang="en">
+                <a:solidFill>
+                  <a:schemeClr val="accent1"/>
+                </a:solidFill>
+              </a:rPr>
+              <a:t>The data stored would later be sorted by values, in accordance to their. Because the data we would be processing mainly focuses on numbers and integers, we didn’t design the sorting algorithm to handle strings, just issued a warning.</a:t>
+            </a:r>
+            <a:endParaRPr>
+              <a:solidFill>
+                <a:schemeClr val="accent1"/>
+              </a:solidFill>
+            </a:endParaRPr>
+          </a:p>
+        </p:txBody>
+      </p:sp>
+      <p:pic>
+        <p:nvPicPr>
+          <p:cNvPr id="137" name="Google Shape;137;p25"/>
+          <p:cNvPicPr preferRelativeResize="0"/>
+          <p:nvPr/>
+        </p:nvPicPr>
+        <p:blipFill>
+          <a:blip r:embed="rId3">
+            <a:alphaModFix/>
+          </a:blip>
+          <a:stretch>
+            <a:fillRect/>
+          </a:stretch>
+        </p:blipFill>
+        <p:spPr>
+          <a:xfrm>
+            <a:off x="5596425" y="1634775"/>
+            <a:ext cx="3547575" cy="1647575"/>
+          </a:xfrm>
+          <a:prstGeom prst="rect">
+            <a:avLst/>
+          </a:prstGeom>
+          <a:noFill/>
+          <a:ln>
+            <a:noFill/>
+          </a:ln>
+        </p:spPr>
+      </p:pic>
+    </p:spTree>
+  </p:cSld>
+  <p:clrMapOvr>
+    <a:masterClrMapping/>
+  </p:clrMapOvr>
+</p:sld>
+</file>
+
+<file path=ppt/slides/slide14.xml><?xml version="1.0" encoding="utf-8"?>
+<p:sld xmlns:a="http://schemas.openxmlformats.org/drawingml/2006/main" xmlns:r="http://schemas.openxmlformats.org/officeDocument/2006/relationships" xmlns:mc="http://schemas.openxmlformats.org/markup-compatibility/2006" xmlns:mv="urn:schemas-microsoft-com:mac:vml" xmlns:p="http://schemas.openxmlformats.org/presentationml/2006/main" xmlns:c="http://schemas.openxmlformats.org/drawingml/2006/chart" xmlns:dgm="http://schemas.openxmlformats.org/drawingml/2006/diagram" xmlns:o="urn:schemas-microsoft-com:office:office" xmlns:v="urn:schemas-microsoft-com:vml" xmlns:pvml="urn:schemas-microsoft-com:office:powerpoint" xmlns:com="http://schemas.openxmlformats.org/drawingml/2006/compatibility" xmlns:p14="http://schemas.microsoft.com/office/powerpoint/2010/main" xmlns:p15="http://schemas.microsoft.com/office/powerpoint/2012/main" xmlns:ahyp="http://schemas.microsoft.com/office/drawing/2018/hyperlinkcolor">
+  <p:cSld>
+    <p:spTree>
+      <p:nvGrpSpPr>
+        <p:cNvPr id="141" name="Shape 141"/>
+        <p:cNvGrpSpPr/>
+        <p:nvPr/>
+      </p:nvGrpSpPr>
+      <p:grpSpPr>
+        <a:xfrm>
+          <a:off x="0" y="0"/>
+          <a:ext cx="0" cy="0"/>
+          <a:chOff x="0" y="0"/>
+          <a:chExt cx="0" cy="0"/>
+        </a:xfrm>
+      </p:grpSpPr>
+      <p:sp>
+        <p:nvSpPr>
+          <p:cNvPr id="142" name="Google Shape;142;p26"/>
+          <p:cNvSpPr txBox="1"/>
+          <p:nvPr>
+            <p:ph type="title"/>
+          </p:nvPr>
+        </p:nvSpPr>
+        <p:spPr>
+          <a:xfrm>
+            <a:off x="311700" y="391350"/>
+            <a:ext cx="8520600" cy="626100"/>
+          </a:xfrm>
+          <a:prstGeom prst="rect">
+            <a:avLst/>
+          </a:prstGeom>
+        </p:spPr>
+        <p:txBody>
+          <a:bodyPr anchorCtr="0" anchor="t" bIns="91425" lIns="91425" spcFirstLastPara="1" rIns="91425" wrap="square" tIns="91425">
+            <a:normAutofit fontScale="90000"/>
+          </a:bodyPr>
+          <a:lstStyle/>
+          <a:p>
+            <a:pPr indent="0" lvl="0" marL="0" rtl="0" algn="l">
+              <a:spcBef>
+                <a:spcPts val="0"/>
+              </a:spcBef>
+              <a:spcAft>
+                <a:spcPts val="0"/>
+              </a:spcAft>
+              <a:buNone/>
+            </a:pPr>
+            <a:r>
+              <a:rPr lang="en"/>
+              <a:t>Training Scheme?</a:t>
+            </a:r>
+            <a:endParaRPr/>
+          </a:p>
+        </p:txBody>
+      </p:sp>
+      <p:sp>
+        <p:nvSpPr>
+          <p:cNvPr id="143" name="Google Shape;143;p26"/>
+          <p:cNvSpPr txBox="1"/>
+          <p:nvPr>
+            <p:ph idx="1" type="body"/>
+          </p:nvPr>
+        </p:nvSpPr>
+        <p:spPr>
+          <a:xfrm>
+            <a:off x="311700" y="1152475"/>
+            <a:ext cx="8520600" cy="3416400"/>
+          </a:xfrm>
+          <a:prstGeom prst="rect">
+            <a:avLst/>
+          </a:prstGeom>
+        </p:spPr>
+        <p:txBody>
+          <a:bodyPr anchorCtr="0" anchor="t" bIns="91425" lIns="91425" spcFirstLastPara="1" rIns="91425" wrap="square" tIns="91425">
+            <a:normAutofit/>
+          </a:bodyPr>
+          <a:lstStyle/>
+          <a:p>
+            <a:pPr indent="-342900" lvl="0" marL="457200" rtl="0" algn="l">
+              <a:spcBef>
+                <a:spcPts val="0"/>
+              </a:spcBef>
+              <a:spcAft>
+                <a:spcPts val="0"/>
+              </a:spcAft>
+              <a:buSzPts val="1800"/>
+              <a:buChar char="●"/>
+            </a:pPr>
+            <a:r>
+              <a:rPr lang="en"/>
+              <a:t>As stated, </a:t>
+            </a:r>
+            <a:r>
+              <a:rPr lang="en"/>
+              <a:t>K-NN algorithms don’t </a:t>
+            </a:r>
+            <a:r>
+              <a:rPr i="1" lang="en"/>
+              <a:t>necessarily</a:t>
+            </a:r>
+            <a:r>
+              <a:rPr i="1" lang="en"/>
+              <a:t> </a:t>
+            </a:r>
+            <a:r>
+              <a:rPr lang="en"/>
+              <a:t> learn from </a:t>
+            </a:r>
+            <a:r>
+              <a:rPr lang="en"/>
+              <a:t>training</a:t>
+            </a:r>
+            <a:r>
+              <a:rPr lang="en"/>
+              <a:t> sets, as it’s a “lazy learner”. </a:t>
+            </a:r>
+            <a:endParaRPr/>
+          </a:p>
+          <a:p>
+            <a:pPr indent="-342900" lvl="0" marL="457200" rtl="0" algn="l">
+              <a:spcBef>
+                <a:spcPts val="0"/>
+              </a:spcBef>
+              <a:spcAft>
+                <a:spcPts val="0"/>
+              </a:spcAft>
+              <a:buSzPts val="1800"/>
+              <a:buChar char="●"/>
+            </a:pPr>
+            <a:r>
+              <a:rPr lang="en"/>
+              <a:t>Diabetes and Iris CSV files will be fed into the algorithm, studying for trends </a:t>
+            </a:r>
+            <a:r>
+              <a:rPr lang="en"/>
+              <a:t>among the data to see if there are any trends in information.</a:t>
+            </a:r>
+            <a:endParaRPr/>
+          </a:p>
+          <a:p>
             <a:pPr indent="-317500" lvl="1" marL="914400" rtl="0" algn="l">
               <a:spcBef>
                 <a:spcPts val="0"/>
@@ -8046,12 +9095,16 @@
               <a:buChar char="○"/>
             </a:pPr>
             <a:r>
+              <a:rPr lang="en"/>
+              <a:t>They instead store data and perform the computations at the time of classification.</a:t>
+            </a:r>
+            <a:r>
               <a:rPr lang="en">
                 <a:solidFill>
                   <a:schemeClr val="dk1"/>
                 </a:solidFill>
               </a:rPr>
-              <a:t>They instead store data and perform the computations at the time of classification. </a:t>
+              <a:t> </a:t>
             </a:r>
             <a:endParaRPr>
               <a:solidFill>
@@ -8069,12 +9122,12 @@
 </p:sld>
 </file>
 
-<file path=ppt/slides/slide12.xml><?xml version="1.0" encoding="utf-8"?>
+<file path=ppt/slides/slide15.xml><?xml version="1.0" encoding="utf-8"?>
 <p:sld xmlns:a="http://schemas.openxmlformats.org/drawingml/2006/main" xmlns:r="http://schemas.openxmlformats.org/officeDocument/2006/relationships" xmlns:mc="http://schemas.openxmlformats.org/markup-compatibility/2006" xmlns:mv="urn:schemas-microsoft-com:mac:vml" xmlns:p="http://schemas.openxmlformats.org/presentationml/2006/main" xmlns:c="http://schemas.openxmlformats.org/drawingml/2006/chart" xmlns:dgm="http://schemas.openxmlformats.org/drawingml/2006/diagram" xmlns:o="urn:schemas-microsoft-com:office:office" xmlns:v="urn:schemas-microsoft-com:vml" xmlns:pvml="urn:schemas-microsoft-com:office:powerpoint" xmlns:com="http://schemas.openxmlformats.org/drawingml/2006/compatibility" xmlns:p14="http://schemas.microsoft.com/office/powerpoint/2010/main" xmlns:p15="http://schemas.microsoft.com/office/powerpoint/2012/main" xmlns:ahyp="http://schemas.microsoft.com/office/drawing/2018/hyperlinkcolor">
   <p:cSld>
     <p:spTree>
       <p:nvGrpSpPr>
-        <p:cNvPr id="127" name="Shape 127"/>
+        <p:cNvPr id="147" name="Shape 147"/>
         <p:cNvGrpSpPr/>
         <p:nvPr/>
       </p:nvGrpSpPr>
@@ -8088,7 +9141,7 @@
       </p:grpSpPr>
       <p:sp>
         <p:nvSpPr>
-          <p:cNvPr id="128" name="Google Shape;128;p24"/>
+          <p:cNvPr id="148" name="Google Shape;148;p27"/>
           <p:cNvSpPr txBox="1"/>
           <p:nvPr>
             <p:ph type="title"/>
@@ -8096,8 +9149,8 @@
         </p:nvSpPr>
         <p:spPr>
           <a:xfrm>
-            <a:off x="311700" y="292850"/>
-            <a:ext cx="8520600" cy="801000"/>
+            <a:off x="311700" y="391350"/>
+            <a:ext cx="8520600" cy="626100"/>
           </a:xfrm>
           <a:prstGeom prst="rect">
             <a:avLst/>
@@ -8128,7 +9181,7 @@
       </p:sp>
       <p:sp>
         <p:nvSpPr>
-          <p:cNvPr id="129" name="Google Shape;129;p24"/>
+          <p:cNvPr id="149" name="Google Shape;149;p27"/>
           <p:cNvSpPr txBox="1"/>
           <p:nvPr>
             <p:ph idx="1" type="body"/>
@@ -8168,7 +9221,7 @@
       </p:sp>
       <p:pic>
         <p:nvPicPr>
-          <p:cNvPr id="130" name="Google Shape;130;p24"/>
+          <p:cNvPr id="150" name="Google Shape;150;p27"/>
           <p:cNvPicPr preferRelativeResize="0"/>
           <p:nvPr/>
         </p:nvPicPr>
@@ -8196,7 +9249,7 @@
       </p:pic>
       <p:pic>
         <p:nvPicPr>
-          <p:cNvPr id="131" name="Google Shape;131;p24"/>
+          <p:cNvPr id="151" name="Google Shape;151;p27"/>
           <p:cNvPicPr preferRelativeResize="0"/>
           <p:nvPr/>
         </p:nvPicPr>
@@ -8224,7 +9277,7 @@
       </p:pic>
       <p:sp>
         <p:nvSpPr>
-          <p:cNvPr id="132" name="Google Shape;132;p24"/>
+          <p:cNvPr id="152" name="Google Shape;152;p27"/>
           <p:cNvSpPr txBox="1"/>
           <p:nvPr/>
         </p:nvSpPr>
@@ -8291,12 +9344,12 @@
 </p:sld>
 </file>
 
-<file path=ppt/slides/slide13.xml><?xml version="1.0" encoding="utf-8"?>
+<file path=ppt/slides/slide16.xml><?xml version="1.0" encoding="utf-8"?>
 <p:sld xmlns:a="http://schemas.openxmlformats.org/drawingml/2006/main" xmlns:r="http://schemas.openxmlformats.org/officeDocument/2006/relationships" xmlns:mc="http://schemas.openxmlformats.org/markup-compatibility/2006" xmlns:mv="urn:schemas-microsoft-com:mac:vml" xmlns:p="http://schemas.openxmlformats.org/presentationml/2006/main" xmlns:c="http://schemas.openxmlformats.org/drawingml/2006/chart" xmlns:dgm="http://schemas.openxmlformats.org/drawingml/2006/diagram" xmlns:o="urn:schemas-microsoft-com:office:office" xmlns:v="urn:schemas-microsoft-com:vml" xmlns:pvml="urn:schemas-microsoft-com:office:powerpoint" xmlns:com="http://schemas.openxmlformats.org/drawingml/2006/compatibility" xmlns:p14="http://schemas.microsoft.com/office/powerpoint/2010/main" xmlns:p15="http://schemas.microsoft.com/office/powerpoint/2012/main" xmlns:ahyp="http://schemas.microsoft.com/office/drawing/2018/hyperlinkcolor">
   <p:cSld>
     <p:spTree>
       <p:nvGrpSpPr>
-        <p:cNvPr id="136" name="Shape 136"/>
+        <p:cNvPr id="156" name="Shape 156"/>
         <p:cNvGrpSpPr/>
         <p:nvPr/>
       </p:nvGrpSpPr>
@@ -8310,7 +9363,7 @@
       </p:grpSpPr>
       <p:sp>
         <p:nvSpPr>
-          <p:cNvPr id="137" name="Google Shape;137;p25"/>
+          <p:cNvPr id="157" name="Google Shape;157;p28"/>
           <p:cNvSpPr txBox="1"/>
           <p:nvPr>
             <p:ph type="title"/>
@@ -8318,8 +9371,8 @@
         </p:nvSpPr>
         <p:spPr>
           <a:xfrm>
-            <a:off x="311700" y="292850"/>
-            <a:ext cx="8520600" cy="801000"/>
+            <a:off x="311700" y="391350"/>
+            <a:ext cx="8520600" cy="626100"/>
           </a:xfrm>
           <a:prstGeom prst="rect">
             <a:avLst/>
@@ -8342,7 +9395,7 @@
             </a:pPr>
             <a:r>
               <a:rPr lang="en"/>
-              <a:t>Evaluations</a:t>
+              <a:t>Iris - Evaluations</a:t>
             </a:r>
             <a:endParaRPr/>
           </a:p>
@@ -8350,7 +9403,7 @@
       </p:sp>
       <p:sp>
         <p:nvSpPr>
-          <p:cNvPr id="138" name="Google Shape;138;p25"/>
+          <p:cNvPr id="158" name="Google Shape;158;p28"/>
           <p:cNvSpPr txBox="1"/>
           <p:nvPr>
             <p:ph idx="1" type="body"/>
@@ -8367,7 +9420,7 @@
         </p:spPr>
         <p:txBody>
           <a:bodyPr anchorCtr="0" anchor="t" bIns="91425" lIns="91425" spcFirstLastPara="1" rIns="91425" wrap="square" tIns="91425">
-            <a:normAutofit/>
+            <a:normAutofit fontScale="92500" lnSpcReduction="20000"/>
           </a:bodyPr>
           <a:lstStyle/>
           <a:p>
@@ -8382,11 +9435,86 @@
             </a:pPr>
             <a:r>
               <a:rPr lang="en"/>
-              <a:t>Explanation</a:t>
+              <a:t>Incorrect.</a:t>
             </a:r>
+            <a:endParaRPr/>
+          </a:p>
+          <a:p>
+            <a:pPr indent="0" lvl="0" marL="0" rtl="0" algn="l">
+              <a:spcBef>
+                <a:spcPts val="1200"/>
+              </a:spcBef>
+              <a:spcAft>
+                <a:spcPts val="0"/>
+              </a:spcAft>
+              <a:buNone/>
+            </a:pPr>
             <a:r>
               <a:rPr lang="en"/>
-              <a:t>:</a:t>
+              <a:t>model predicted: Virginica</a:t>
+            </a:r>
+            <a:endParaRPr/>
+          </a:p>
+          <a:p>
+            <a:pPr indent="0" lvl="0" marL="0" rtl="0" algn="l">
+              <a:spcBef>
+                <a:spcPts val="1200"/>
+              </a:spcBef>
+              <a:spcAft>
+                <a:spcPts val="0"/>
+              </a:spcAft>
+              <a:buNone/>
+            </a:pPr>
+            <a:r>
+              <a:rPr lang="en"/>
+              <a:t>correct value: Versicolor</a:t>
+            </a:r>
+            <a:endParaRPr/>
+          </a:p>
+          <a:p>
+            <a:pPr indent="0" lvl="0" marL="0" rtl="0" algn="l">
+              <a:spcBef>
+                <a:spcPts val="1200"/>
+              </a:spcBef>
+              <a:spcAft>
+                <a:spcPts val="0"/>
+              </a:spcAft>
+              <a:buNone/>
+            </a:pPr>
+            <a:r>
+              <a:t/>
+            </a:r>
+            <a:endParaRPr/>
+          </a:p>
+          <a:p>
+            <a:pPr indent="0" lvl="0" marL="0" rtl="0" algn="l">
+              <a:spcBef>
+                <a:spcPts val="1200"/>
+              </a:spcBef>
+              <a:spcAft>
+                <a:spcPts val="0"/>
+              </a:spcAft>
+              <a:buNone/>
+            </a:pPr>
+            <a:r>
+              <a:rPr lang="en"/>
+              <a:t>Ratio of correct model outcomes: 90.0%</a:t>
+            </a:r>
+            <a:endParaRPr/>
+          </a:p>
+          <a:p>
+            <a:pPr indent="0" lvl="0" marL="0" rtl="0" algn="l">
+              <a:spcBef>
+                <a:spcPts val="1200"/>
+              </a:spcBef>
+              <a:spcAft>
+                <a:spcPts val="0"/>
+              </a:spcAft>
+              <a:buNone/>
+            </a:pPr>
+            <a:r>
+              <a:rPr lang="en"/>
+              <a:t>Ratio of correct model outcomes: 100.0%</a:t>
             </a:r>
             <a:endParaRPr/>
           </a:p>
@@ -8409,7 +9537,7 @@
       </p:sp>
       <p:pic>
         <p:nvPicPr>
-          <p:cNvPr id="139" name="Google Shape;139;p25"/>
+          <p:cNvPr id="159" name="Google Shape;159;p28"/>
           <p:cNvPicPr preferRelativeResize="0"/>
           <p:nvPr/>
         </p:nvPicPr>
@@ -8423,34 +9551,6 @@
         </p:blipFill>
         <p:spPr>
           <a:xfrm>
-            <a:off x="3551775" y="1246250"/>
-            <a:ext cx="5439826" cy="3318301"/>
-          </a:xfrm>
-          <a:prstGeom prst="rect">
-            <a:avLst/>
-          </a:prstGeom>
-          <a:noFill/>
-          <a:ln>
-            <a:noFill/>
-          </a:ln>
-        </p:spPr>
-      </p:pic>
-      <p:pic>
-        <p:nvPicPr>
-          <p:cNvPr id="140" name="Google Shape;140;p25"/>
-          <p:cNvPicPr preferRelativeResize="0"/>
-          <p:nvPr/>
-        </p:nvPicPr>
-        <p:blipFill>
-          <a:blip r:embed="rId4">
-            <a:alphaModFix/>
-          </a:blip>
-          <a:stretch>
-            <a:fillRect/>
-          </a:stretch>
-        </p:blipFill>
-        <p:spPr>
-          <a:xfrm>
             <a:off x="3551775" y="1262541"/>
             <a:ext cx="5553976" cy="2618425"/>
           </a:xfrm>
@@ -8471,12 +9571,12 @@
 </p:sld>
 </file>
 
-<file path=ppt/slides/slide14.xml><?xml version="1.0" encoding="utf-8"?>
+<file path=ppt/slides/slide17.xml><?xml version="1.0" encoding="utf-8"?>
 <p:sld xmlns:a="http://schemas.openxmlformats.org/drawingml/2006/main" xmlns:r="http://schemas.openxmlformats.org/officeDocument/2006/relationships" xmlns:mc="http://schemas.openxmlformats.org/markup-compatibility/2006" xmlns:mv="urn:schemas-microsoft-com:mac:vml" xmlns:p="http://schemas.openxmlformats.org/presentationml/2006/main" xmlns:c="http://schemas.openxmlformats.org/drawingml/2006/chart" xmlns:dgm="http://schemas.openxmlformats.org/drawingml/2006/diagram" xmlns:o="urn:schemas-microsoft-com:office:office" xmlns:v="urn:schemas-microsoft-com:vml" xmlns:pvml="urn:schemas-microsoft-com:office:powerpoint" xmlns:com="http://schemas.openxmlformats.org/drawingml/2006/compatibility" xmlns:p14="http://schemas.microsoft.com/office/powerpoint/2010/main" xmlns:p15="http://schemas.microsoft.com/office/powerpoint/2012/main" xmlns:ahyp="http://schemas.microsoft.com/office/drawing/2018/hyperlinkcolor">
   <p:cSld>
     <p:spTree>
       <p:nvGrpSpPr>
-        <p:cNvPr id="144" name="Shape 144"/>
+        <p:cNvPr id="163" name="Shape 163"/>
         <p:cNvGrpSpPr/>
         <p:nvPr/>
       </p:nvGrpSpPr>
@@ -8490,7 +9590,7 @@
       </p:grpSpPr>
       <p:sp>
         <p:nvSpPr>
-          <p:cNvPr id="145" name="Google Shape;145;p26"/>
+          <p:cNvPr id="164" name="Google Shape;164;p29"/>
           <p:cNvSpPr txBox="1"/>
           <p:nvPr>
             <p:ph type="title"/>
@@ -8498,8 +9598,8 @@
         </p:nvSpPr>
         <p:spPr>
           <a:xfrm>
-            <a:off x="311700" y="292850"/>
-            <a:ext cx="8520600" cy="801000"/>
+            <a:off x="311700" y="391350"/>
+            <a:ext cx="8520600" cy="626100"/>
           </a:xfrm>
           <a:prstGeom prst="rect">
             <a:avLst/>
@@ -8522,7 +9622,7 @@
             </a:pPr>
             <a:r>
               <a:rPr lang="en"/>
-              <a:t>Evaluations</a:t>
+              <a:t>Iris - Evaluations</a:t>
             </a:r>
             <a:endParaRPr/>
           </a:p>
@@ -8530,7 +9630,7 @@
       </p:sp>
       <p:sp>
         <p:nvSpPr>
-          <p:cNvPr id="146" name="Google Shape;146;p26"/>
+          <p:cNvPr id="165" name="Google Shape;165;p29"/>
           <p:cNvSpPr txBox="1"/>
           <p:nvPr>
             <p:ph idx="1" type="body"/>
@@ -8562,7 +9662,7 @@
             </a:pPr>
             <a:r>
               <a:rPr lang="en"/>
-              <a:t>Explanation:</a:t>
+              <a:t>The datapoint randomly pulled from the set had variety: Versicolor</a:t>
             </a:r>
             <a:endParaRPr/>
           </a:p>
@@ -8572,12 +9672,37 @@
                 <a:spcPts val="1200"/>
               </a:spcBef>
               <a:spcAft>
-                <a:spcPts val="1200"/>
+                <a:spcPts val="0"/>
               </a:spcAft>
               <a:buNone/>
             </a:pPr>
             <a:r>
-              <a:t/>
+              <a:rPr lang="en"/>
+              <a:t>The closest neighbors identified have </a:t>
+            </a:r>
+            <a:r>
+              <a:rPr lang="en"/>
+              <a:t>indices</a:t>
+            </a:r>
+            <a:r>
+              <a:rPr lang="en"/>
+              <a:t> [85, 50, 64, 76, 75, 51, 74]</a:t>
+            </a:r>
+            <a:endParaRPr/>
+          </a:p>
+          <a:p>
+            <a:pPr indent="0" lvl="0" marL="0" rtl="0" algn="l">
+              <a:spcBef>
+                <a:spcPts val="1200"/>
+              </a:spcBef>
+              <a:spcAft>
+                <a:spcPts val="1200"/>
+              </a:spcAft>
+              <a:buNone/>
+            </a:pPr>
+            <a:r>
+              <a:rPr lang="en"/>
+              <a:t>The model has classified the point as variety: Versicolor</a:t>
             </a:r>
             <a:endParaRPr/>
           </a:p>
@@ -8585,7 +9710,7 @@
       </p:sp>
       <p:pic>
         <p:nvPicPr>
-          <p:cNvPr id="147" name="Google Shape;147;p26"/>
+          <p:cNvPr id="166" name="Google Shape;166;p29"/>
           <p:cNvPicPr preferRelativeResize="0"/>
           <p:nvPr/>
         </p:nvPicPr>
@@ -8619,12 +9744,12 @@
 </p:sld>
 </file>
 
-<file path=ppt/slides/slide15.xml><?xml version="1.0" encoding="utf-8"?>
+<file path=ppt/slides/slide18.xml><?xml version="1.0" encoding="utf-8"?>
 <p:sld xmlns:a="http://schemas.openxmlformats.org/drawingml/2006/main" xmlns:r="http://schemas.openxmlformats.org/officeDocument/2006/relationships" xmlns:mc="http://schemas.openxmlformats.org/markup-compatibility/2006" xmlns:mv="urn:schemas-microsoft-com:mac:vml" xmlns:p="http://schemas.openxmlformats.org/presentationml/2006/main" xmlns:c="http://schemas.openxmlformats.org/drawingml/2006/chart" xmlns:dgm="http://schemas.openxmlformats.org/drawingml/2006/diagram" xmlns:o="urn:schemas-microsoft-com:office:office" xmlns:v="urn:schemas-microsoft-com:vml" xmlns:pvml="urn:schemas-microsoft-com:office:powerpoint" xmlns:com="http://schemas.openxmlformats.org/drawingml/2006/compatibility" xmlns:p14="http://schemas.microsoft.com/office/powerpoint/2010/main" xmlns:p15="http://schemas.microsoft.com/office/powerpoint/2012/main" xmlns:ahyp="http://schemas.microsoft.com/office/drawing/2018/hyperlinkcolor">
   <p:cSld>
     <p:spTree>
       <p:nvGrpSpPr>
-        <p:cNvPr id="151" name="Shape 151"/>
+        <p:cNvPr id="170" name="Shape 170"/>
         <p:cNvGrpSpPr/>
         <p:nvPr/>
       </p:nvGrpSpPr>
@@ -8638,7 +9763,7 @@
       </p:grpSpPr>
       <p:sp>
         <p:nvSpPr>
-          <p:cNvPr id="152" name="Google Shape;152;p27"/>
+          <p:cNvPr id="171" name="Google Shape;171;p30"/>
           <p:cNvSpPr txBox="1"/>
           <p:nvPr>
             <p:ph type="title"/>
@@ -8646,8 +9771,8 @@
         </p:nvSpPr>
         <p:spPr>
           <a:xfrm>
-            <a:off x="311700" y="292850"/>
-            <a:ext cx="8520600" cy="801000"/>
+            <a:off x="311700" y="391350"/>
+            <a:ext cx="8520600" cy="626100"/>
           </a:xfrm>
           <a:prstGeom prst="rect">
             <a:avLst/>
@@ -8670,7 +9795,11 @@
             </a:pPr>
             <a:r>
               <a:rPr lang="en"/>
-              <a:t>Evaluations - Cont.</a:t>
+              <a:t>Diabetes</a:t>
+            </a:r>
+            <a:r>
+              <a:rPr lang="en"/>
+              <a:t> - Evaluations</a:t>
             </a:r>
             <a:endParaRPr/>
           </a:p>
@@ -8678,7 +9807,7 @@
       </p:sp>
       <p:sp>
         <p:nvSpPr>
-          <p:cNvPr id="153" name="Google Shape;153;p27"/>
+          <p:cNvPr id="172" name="Google Shape;172;p30"/>
           <p:cNvSpPr txBox="1"/>
           <p:nvPr>
             <p:ph idx="1" type="body"/>
@@ -8687,7 +9816,7 @@
         <p:spPr>
           <a:xfrm>
             <a:off x="311700" y="1228675"/>
-            <a:ext cx="8520600" cy="3340200"/>
+            <a:ext cx="2827800" cy="3340200"/>
           </a:xfrm>
           <a:prstGeom prst="rect">
             <a:avLst/>
@@ -8702,6 +9831,54 @@
             <a:pPr indent="0" lvl="0" marL="0" rtl="0" algn="l">
               <a:spcBef>
                 <a:spcPts val="0"/>
+              </a:spcBef>
+              <a:spcAft>
+                <a:spcPts val="0"/>
+              </a:spcAft>
+              <a:buNone/>
+            </a:pPr>
+            <a:r>
+              <a:rPr lang="en"/>
+              <a:t>Outcome - 0, 1.</a:t>
+            </a:r>
+            <a:endParaRPr/>
+          </a:p>
+          <a:p>
+            <a:pPr indent="0" lvl="0" marL="0" rtl="0" algn="l">
+              <a:spcBef>
+                <a:spcPts val="1200"/>
+              </a:spcBef>
+              <a:spcAft>
+                <a:spcPts val="0"/>
+              </a:spcAft>
+              <a:buNone/>
+            </a:pPr>
+            <a:r>
+              <a:rPr lang="en"/>
+              <a:t>The datapoint randomly pulled from the set had Outcome: 0.0</a:t>
+            </a:r>
+            <a:endParaRPr/>
+          </a:p>
+          <a:p>
+            <a:pPr indent="0" lvl="0" marL="0" rtl="0" algn="l">
+              <a:spcBef>
+                <a:spcPts val="1200"/>
+              </a:spcBef>
+              <a:spcAft>
+                <a:spcPts val="0"/>
+              </a:spcAft>
+              <a:buNone/>
+            </a:pPr>
+            <a:r>
+              <a:rPr lang="en"/>
+              <a:t>The model has classified the point as Outcome: 0.0</a:t>
+            </a:r>
+            <a:endParaRPr/>
+          </a:p>
+          <a:p>
+            <a:pPr indent="0" lvl="0" marL="0" rtl="0" algn="l">
+              <a:spcBef>
+                <a:spcPts val="1200"/>
               </a:spcBef>
               <a:spcAft>
                 <a:spcPts val="1200"/>
@@ -8717,7 +9894,7 @@
       </p:sp>
       <p:pic>
         <p:nvPicPr>
-          <p:cNvPr id="154" name="Google Shape;154;p27"/>
+          <p:cNvPr id="173" name="Google Shape;173;p30"/>
           <p:cNvPicPr preferRelativeResize="0"/>
           <p:nvPr/>
         </p:nvPicPr>
@@ -8731,7 +9908,7 @@
         </p:blipFill>
         <p:spPr>
           <a:xfrm>
-            <a:off x="3314200" y="1598275"/>
+            <a:off x="3353225" y="1228675"/>
             <a:ext cx="5811826" cy="3545225"/>
           </a:xfrm>
           <a:prstGeom prst="rect">
@@ -8756,7 +9933,7 @@
   <p:cSld>
     <p:spTree>
       <p:nvGrpSpPr>
-        <p:cNvPr id="61" name="Shape 61"/>
+        <p:cNvPr id="64" name="Shape 64"/>
         <p:cNvGrpSpPr/>
         <p:nvPr/>
       </p:nvGrpSpPr>
@@ -8770,7 +9947,7 @@
       </p:grpSpPr>
       <p:sp>
         <p:nvSpPr>
-          <p:cNvPr id="62" name="Google Shape;62;p14"/>
+          <p:cNvPr id="65" name="Google Shape;65;p14"/>
           <p:cNvSpPr txBox="1"/>
           <p:nvPr>
             <p:ph type="title"/>
@@ -8778,8 +9955,8 @@
         </p:nvSpPr>
         <p:spPr>
           <a:xfrm>
-            <a:off x="311700" y="292850"/>
-            <a:ext cx="8520600" cy="801000"/>
+            <a:off x="311700" y="391350"/>
+            <a:ext cx="8520600" cy="626100"/>
           </a:xfrm>
           <a:prstGeom prst="rect">
             <a:avLst/>
@@ -8804,16 +9981,24 @@
               <a:buNone/>
             </a:pPr>
             <a:r>
-              <a:rPr lang="en"/>
+              <a:rPr lang="en">
+                <a:solidFill>
+                  <a:schemeClr val="accent1"/>
+                </a:solidFill>
+              </a:rPr>
               <a:t>Introduction: K-NNs Algorithms</a:t>
             </a:r>
-            <a:endParaRPr sz="4500"/>
+            <a:endParaRPr sz="4500">
+              <a:solidFill>
+                <a:schemeClr val="accent1"/>
+              </a:solidFill>
+            </a:endParaRPr>
           </a:p>
         </p:txBody>
       </p:sp>
       <p:sp>
         <p:nvSpPr>
-          <p:cNvPr id="63" name="Google Shape;63;p14"/>
+          <p:cNvPr id="66" name="Google Shape;66;p14"/>
           <p:cNvSpPr txBox="1"/>
           <p:nvPr>
             <p:ph idx="1" type="body"/>
@@ -8850,14 +10035,14 @@
             <a:r>
               <a:rPr lang="en">
                 <a:solidFill>
-                  <a:schemeClr val="dk1"/>
+                  <a:srgbClr val="666666"/>
                 </a:solidFill>
               </a:rPr>
               <a:t>a supervised machine learning algorithm that classifies a new data point based on the majority class of its 'k' nearest neighbors in the training data.</a:t>
             </a:r>
             <a:endParaRPr>
               <a:solidFill>
-                <a:schemeClr val="dk1"/>
+                <a:srgbClr val="666666"/>
               </a:solidFill>
             </a:endParaRPr>
           </a:p>
@@ -8880,7 +10065,7 @@
       </p:sp>
       <p:pic>
         <p:nvPicPr>
-          <p:cNvPr id="64" name="Google Shape;64;p14"/>
+          <p:cNvPr id="67" name="Google Shape;67;p14"/>
           <p:cNvPicPr preferRelativeResize="0"/>
           <p:nvPr/>
         </p:nvPicPr>
@@ -8919,7 +10104,7 @@
   <p:cSld>
     <p:spTree>
       <p:nvGrpSpPr>
-        <p:cNvPr id="68" name="Shape 68"/>
+        <p:cNvPr id="71" name="Shape 71"/>
         <p:cNvGrpSpPr/>
         <p:nvPr/>
       </p:nvGrpSpPr>
@@ -8933,7 +10118,7 @@
       </p:grpSpPr>
       <p:sp>
         <p:nvSpPr>
-          <p:cNvPr id="69" name="Google Shape;69;p15"/>
+          <p:cNvPr id="72" name="Google Shape;72;p15"/>
           <p:cNvSpPr txBox="1"/>
           <p:nvPr>
             <p:ph type="title"/>
@@ -8941,8 +10126,8 @@
         </p:nvSpPr>
         <p:spPr>
           <a:xfrm>
-            <a:off x="311700" y="292850"/>
-            <a:ext cx="8520600" cy="801000"/>
+            <a:off x="311700" y="391350"/>
+            <a:ext cx="8520600" cy="626100"/>
           </a:xfrm>
           <a:prstGeom prst="rect">
             <a:avLst/>
@@ -9015,7 +10200,7 @@
       </p:sp>
       <p:sp>
         <p:nvSpPr>
-          <p:cNvPr id="70" name="Google Shape;70;p15"/>
+          <p:cNvPr id="73" name="Google Shape;73;p15"/>
           <p:cNvSpPr txBox="1"/>
           <p:nvPr>
             <p:ph idx="1" type="body"/>
@@ -9119,7 +10304,7 @@
       </p:sp>
       <p:pic>
         <p:nvPicPr>
-          <p:cNvPr id="71" name="Google Shape;71;p15"/>
+          <p:cNvPr id="74" name="Google Shape;74;p15"/>
           <p:cNvPicPr preferRelativeResize="0"/>
           <p:nvPr/>
         </p:nvPicPr>
@@ -9158,7 +10343,7 @@
   <p:cSld>
     <p:spTree>
       <p:nvGrpSpPr>
-        <p:cNvPr id="75" name="Shape 75"/>
+        <p:cNvPr id="78" name="Shape 78"/>
         <p:cNvGrpSpPr/>
         <p:nvPr/>
       </p:nvGrpSpPr>
@@ -9172,7 +10357,7 @@
       </p:grpSpPr>
       <p:sp>
         <p:nvSpPr>
-          <p:cNvPr id="76" name="Google Shape;76;p16"/>
+          <p:cNvPr id="79" name="Google Shape;79;p16"/>
           <p:cNvSpPr txBox="1"/>
           <p:nvPr>
             <p:ph type="title"/>
@@ -9180,8 +10365,8 @@
         </p:nvSpPr>
         <p:spPr>
           <a:xfrm>
-            <a:off x="311700" y="292850"/>
-            <a:ext cx="8520600" cy="801000"/>
+            <a:off x="311700" y="391350"/>
+            <a:ext cx="8520600" cy="626100"/>
           </a:xfrm>
           <a:prstGeom prst="rect">
             <a:avLst/>
@@ -9189,7 +10374,7 @@
         </p:spPr>
         <p:txBody>
           <a:bodyPr anchorCtr="0" anchor="t" bIns="91425" lIns="91425" spcFirstLastPara="1" rIns="91425" wrap="square" tIns="91425">
-            <a:normAutofit/>
+            <a:normAutofit fontScale="90000"/>
           </a:bodyPr>
           <a:lstStyle/>
           <a:p>
@@ -9227,7 +10412,7 @@
       </p:sp>
       <p:sp>
         <p:nvSpPr>
-          <p:cNvPr id="77" name="Google Shape;77;p16"/>
+          <p:cNvPr id="80" name="Google Shape;80;p16"/>
           <p:cNvSpPr txBox="1"/>
           <p:nvPr>
             <p:ph idx="1" type="body"/>
@@ -9235,8 +10420,8 @@
         </p:nvSpPr>
         <p:spPr>
           <a:xfrm>
-            <a:off x="311700" y="1228675"/>
-            <a:ext cx="3999900" cy="3340200"/>
+            <a:off x="311700" y="1152475"/>
+            <a:ext cx="3999900" cy="3416400"/>
           </a:xfrm>
           <a:prstGeom prst="rect">
             <a:avLst/>
@@ -9244,7 +10429,7 @@
         </p:spPr>
         <p:txBody>
           <a:bodyPr anchorCtr="0" anchor="t" bIns="91425" lIns="91425" spcFirstLastPara="1" rIns="91425" wrap="square" tIns="91425">
-            <a:normAutofit fontScale="85000" lnSpcReduction="20000"/>
+            <a:normAutofit lnSpcReduction="20000"/>
           </a:bodyPr>
           <a:lstStyle/>
           <a:p>
@@ -9272,7 +10457,7 @@
             </a:endParaRPr>
           </a:p>
           <a:p>
-            <a:pPr indent="-325755" lvl="0" marL="457200" rtl="0" algn="l">
+            <a:pPr indent="-342900" lvl="0" marL="457200" rtl="0" algn="l">
               <a:spcBef>
                 <a:spcPts val="1200"/>
               </a:spcBef>
@@ -9282,7 +10467,7 @@
               <a:buClr>
                 <a:srgbClr val="000000"/>
               </a:buClr>
-              <a:buSzPct val="100000"/>
+              <a:buSzPts val="1800"/>
               <a:buChar char="●"/>
             </a:pPr>
             <a:r>
@@ -9300,7 +10485,7 @@
             </a:endParaRPr>
           </a:p>
           <a:p>
-            <a:pPr indent="-325755" lvl="1" marL="914400" rtl="0" algn="l">
+            <a:pPr indent="-342900" lvl="1" marL="914400" rtl="0" algn="l">
               <a:spcBef>
                 <a:spcPts val="0"/>
               </a:spcBef>
@@ -9310,7 +10495,7 @@
               <a:buClr>
                 <a:srgbClr val="000000"/>
               </a:buClr>
-              <a:buSzPct val="100000"/>
+              <a:buSzPts val="1800"/>
               <a:buChar char="○"/>
             </a:pPr>
             <a:r>
@@ -9328,7 +10513,7 @@
             </a:endParaRPr>
           </a:p>
           <a:p>
-            <a:pPr indent="-325755" lvl="1" marL="914400" rtl="0" algn="l">
+            <a:pPr indent="-342900" lvl="1" marL="914400" rtl="0" algn="l">
               <a:spcBef>
                 <a:spcPts val="0"/>
               </a:spcBef>
@@ -9338,7 +10523,7 @@
               <a:buClr>
                 <a:srgbClr val="000000"/>
               </a:buClr>
-              <a:buSzPct val="100000"/>
+              <a:buSzPts val="1800"/>
               <a:buChar char="○"/>
             </a:pPr>
             <a:r>
@@ -9356,7 +10541,7 @@
             </a:endParaRPr>
           </a:p>
           <a:p>
-            <a:pPr indent="-325755" lvl="1" marL="914400" rtl="0" algn="l">
+            <a:pPr indent="-342900" lvl="1" marL="914400" rtl="0" algn="l">
               <a:spcBef>
                 <a:spcPts val="0"/>
               </a:spcBef>
@@ -9366,7 +10551,7 @@
               <a:buClr>
                 <a:srgbClr val="000000"/>
               </a:buClr>
-              <a:buSzPct val="100000"/>
+              <a:buSzPts val="1800"/>
               <a:buChar char="○"/>
             </a:pPr>
             <a:r>
@@ -9384,7 +10569,7 @@
             </a:endParaRPr>
           </a:p>
           <a:p>
-            <a:pPr indent="-325755" lvl="0" marL="457200" rtl="0" algn="l">
+            <a:pPr indent="-342900" lvl="0" marL="457200" rtl="0" algn="l">
               <a:spcBef>
                 <a:spcPts val="0"/>
               </a:spcBef>
@@ -9394,7 +10579,7 @@
               <a:buClr>
                 <a:srgbClr val="000000"/>
               </a:buClr>
-              <a:buSzPct val="100000"/>
+              <a:buSzPts val="1800"/>
               <a:buChar char="●"/>
             </a:pPr>
             <a:r>
@@ -9430,7 +10615,7 @@
       </p:sp>
       <p:pic>
         <p:nvPicPr>
-          <p:cNvPr id="78" name="Google Shape;78;p16"/>
+          <p:cNvPr id="81" name="Google Shape;81;p16"/>
           <p:cNvPicPr preferRelativeResize="0"/>
           <p:nvPr/>
         </p:nvPicPr>
@@ -9456,45 +10641,6 @@
           </a:ln>
         </p:spPr>
       </p:pic>
-      <p:sp>
-        <p:nvSpPr>
-          <p:cNvPr id="79" name="Google Shape;79;p16"/>
-          <p:cNvSpPr txBox="1"/>
-          <p:nvPr>
-            <p:ph idx="2" type="body"/>
-          </p:nvPr>
-        </p:nvSpPr>
-        <p:spPr>
-          <a:xfrm>
-            <a:off x="4832400" y="1228675"/>
-            <a:ext cx="3999900" cy="3340200"/>
-          </a:xfrm>
-          <a:prstGeom prst="rect">
-            <a:avLst/>
-          </a:prstGeom>
-        </p:spPr>
-        <p:txBody>
-          <a:bodyPr anchorCtr="0" anchor="t" bIns="91425" lIns="91425" spcFirstLastPara="1" rIns="91425" wrap="square" tIns="91425">
-            <a:normAutofit/>
-          </a:bodyPr>
-          <a:lstStyle/>
-          <a:p>
-            <a:pPr indent="0" lvl="0" marL="0" rtl="0" algn="l">
-              <a:spcBef>
-                <a:spcPts val="0"/>
-              </a:spcBef>
-              <a:spcAft>
-                <a:spcPts val="1200"/>
-              </a:spcAft>
-              <a:buNone/>
-            </a:pPr>
-            <a:r>
-              <a:t/>
-            </a:r>
-            <a:endParaRPr/>
-          </a:p>
-        </p:txBody>
-      </p:sp>
     </p:spTree>
   </p:cSld>
   <p:clrMapOvr>
@@ -9508,7 +10654,7 @@
   <p:cSld>
     <p:spTree>
       <p:nvGrpSpPr>
-        <p:cNvPr id="83" name="Shape 83"/>
+        <p:cNvPr id="85" name="Shape 85"/>
         <p:cNvGrpSpPr/>
         <p:nvPr/>
       </p:nvGrpSpPr>
@@ -9522,7 +10668,7 @@
       </p:grpSpPr>
       <p:sp>
         <p:nvSpPr>
-          <p:cNvPr id="84" name="Google Shape;84;p17"/>
+          <p:cNvPr id="86" name="Google Shape;86;p17"/>
           <p:cNvSpPr txBox="1"/>
           <p:nvPr>
             <p:ph type="title"/>
@@ -9530,8 +10676,8 @@
         </p:nvSpPr>
         <p:spPr>
           <a:xfrm>
-            <a:off x="311700" y="292850"/>
-            <a:ext cx="8520600" cy="801000"/>
+            <a:off x="311700" y="391350"/>
+            <a:ext cx="8520600" cy="626100"/>
           </a:xfrm>
           <a:prstGeom prst="rect">
             <a:avLst/>
@@ -9561,7 +10707,7 @@
                   <a:srgbClr val="000000"/>
                 </a:solidFill>
               </a:rPr>
-              <a:t>T</a:t>
+              <a:t>Choosing </a:t>
             </a:r>
             <a:r>
               <a:rPr lang="en" sz="3600">
@@ -9569,7 +10715,7 @@
                   <a:srgbClr val="000000"/>
                 </a:solidFill>
               </a:rPr>
-              <a:t>he 'K' Value:</a:t>
+              <a:t>'K' Value:</a:t>
             </a:r>
             <a:r>
               <a:rPr b="0" lang="en" sz="3600">
@@ -9604,7 +10750,7 @@
       </p:sp>
       <p:sp>
         <p:nvSpPr>
-          <p:cNvPr id="85" name="Google Shape;85;p17"/>
+          <p:cNvPr id="87" name="Google Shape;87;p17"/>
           <p:cNvSpPr txBox="1"/>
           <p:nvPr>
             <p:ph idx="1" type="body"/>
@@ -9621,7 +10767,7 @@
         </p:spPr>
         <p:txBody>
           <a:bodyPr anchorCtr="0" anchor="t" bIns="91425" lIns="91425" spcFirstLastPara="1" rIns="91425" wrap="square" tIns="91425">
-            <a:normAutofit fontScale="92500" lnSpcReduction="10000"/>
+            <a:normAutofit lnSpcReduction="10000"/>
           </a:bodyPr>
           <a:lstStyle/>
           <a:p>
@@ -9649,7 +10795,7 @@
             </a:endParaRPr>
           </a:p>
           <a:p>
-            <a:pPr indent="-293211" lvl="0" marL="457200" rtl="0" algn="l">
+            <a:pPr indent="-298450" lvl="0" marL="457200" rtl="0" algn="l">
               <a:spcBef>
                 <a:spcPts val="1200"/>
               </a:spcBef>
@@ -9659,7 +10805,7 @@
               <a:buClr>
                 <a:srgbClr val="000000"/>
               </a:buClr>
-              <a:buSzPct val="100000"/>
+              <a:buSzPts val="1100"/>
               <a:buFont typeface="Source Code Pro"/>
               <a:buChar char="●"/>
             </a:pPr>
@@ -9678,7 +10824,7 @@
             </a:endParaRPr>
           </a:p>
           <a:p>
-            <a:pPr indent="-293211" lvl="0" marL="457200" rtl="0" algn="l">
+            <a:pPr indent="-298450" lvl="0" marL="457200" rtl="0" algn="l">
               <a:spcBef>
                 <a:spcPts val="0"/>
               </a:spcBef>
@@ -9688,7 +10834,7 @@
               <a:buClr>
                 <a:srgbClr val="000000"/>
               </a:buClr>
-              <a:buSzPct val="100000"/>
+              <a:buSzPts val="1100"/>
               <a:buFont typeface="Source Code Pro"/>
               <a:buChar char="●"/>
             </a:pPr>
@@ -9707,7 +10853,7 @@
             </a:endParaRPr>
           </a:p>
           <a:p>
-            <a:pPr indent="-293211" lvl="0" marL="457200" rtl="0" algn="l">
+            <a:pPr indent="-298450" lvl="0" marL="457200" rtl="0" algn="l">
               <a:spcBef>
                 <a:spcPts val="0"/>
               </a:spcBef>
@@ -9717,7 +10863,7 @@
               <a:buClr>
                 <a:srgbClr val="000000"/>
               </a:buClr>
-              <a:buSzPct val="100000"/>
+              <a:buSzPts val="1100"/>
               <a:buFont typeface="Source Code Pro"/>
               <a:buChar char="●"/>
             </a:pPr>
@@ -9735,7 +10881,7 @@
       </p:sp>
       <p:pic>
         <p:nvPicPr>
-          <p:cNvPr id="86" name="Google Shape;86;p17"/>
+          <p:cNvPr id="88" name="Google Shape;88;p17"/>
           <p:cNvPicPr preferRelativeResize="0"/>
           <p:nvPr/>
         </p:nvPicPr>
@@ -9749,8 +10895,8 @@
         </p:blipFill>
         <p:spPr>
           <a:xfrm>
-            <a:off x="4974675" y="1250950"/>
-            <a:ext cx="3857625" cy="3295650"/>
+            <a:off x="3742500" y="1496775"/>
+            <a:ext cx="5125550" cy="3212275"/>
           </a:xfrm>
           <a:prstGeom prst="rect">
             <a:avLst/>
@@ -9774,7 +10920,7 @@
   <p:cSld>
     <p:spTree>
       <p:nvGrpSpPr>
-        <p:cNvPr id="90" name="Shape 90"/>
+        <p:cNvPr id="92" name="Shape 92"/>
         <p:cNvGrpSpPr/>
         <p:nvPr/>
       </p:nvGrpSpPr>
@@ -9788,7 +10934,7 @@
       </p:grpSpPr>
       <p:sp>
         <p:nvSpPr>
-          <p:cNvPr id="91" name="Google Shape;91;p18"/>
+          <p:cNvPr id="93" name="Google Shape;93;p18"/>
           <p:cNvSpPr txBox="1"/>
           <p:nvPr>
             <p:ph type="title"/>
@@ -9796,8 +10942,8 @@
         </p:nvSpPr>
         <p:spPr>
           <a:xfrm>
-            <a:off x="311700" y="1240275"/>
-            <a:ext cx="8520600" cy="1981800"/>
+            <a:off x="311700" y="1233100"/>
+            <a:ext cx="8520600" cy="1610100"/>
           </a:xfrm>
           <a:prstGeom prst="rect">
             <a:avLst/>
@@ -9839,7 +10985,7 @@
   <p:cSld>
     <p:spTree>
       <p:nvGrpSpPr>
-        <p:cNvPr id="95" name="Shape 95"/>
+        <p:cNvPr id="97" name="Shape 97"/>
         <p:cNvGrpSpPr/>
         <p:nvPr/>
       </p:nvGrpSpPr>
@@ -9853,7 +10999,7 @@
       </p:grpSpPr>
       <p:sp>
         <p:nvSpPr>
-          <p:cNvPr id="96" name="Google Shape;96;p19"/>
+          <p:cNvPr id="98" name="Google Shape;98;p19"/>
           <p:cNvSpPr txBox="1"/>
           <p:nvPr>
             <p:ph type="title"/>
@@ -9861,8 +11007,8 @@
         </p:nvSpPr>
         <p:spPr>
           <a:xfrm>
-            <a:off x="311700" y="292850"/>
-            <a:ext cx="8520600" cy="801000"/>
+            <a:off x="311700" y="391350"/>
+            <a:ext cx="8520600" cy="626100"/>
           </a:xfrm>
           <a:prstGeom prst="rect">
             <a:avLst/>
@@ -9870,7 +11016,7 @@
         </p:spPr>
         <p:txBody>
           <a:bodyPr anchorCtr="0" anchor="t" bIns="91425" lIns="91425" spcFirstLastPara="1" rIns="91425" wrap="square" tIns="91425">
-            <a:normAutofit/>
+            <a:noAutofit/>
           </a:bodyPr>
           <a:lstStyle/>
           <a:p>
@@ -9884,23 +11030,24 @@
               <a:spcAft>
                 <a:spcPts val="1200"/>
               </a:spcAft>
+              <a:buSzPts val="990"/>
               <a:buNone/>
             </a:pPr>
             <a:r>
-              <a:rPr lang="en" sz="3600">
+              <a:rPr lang="en" sz="2640">
                 <a:solidFill>
                   <a:srgbClr val="000000"/>
                 </a:solidFill>
               </a:rPr>
               <a:t>Sensitivity to Feature Scaling and Irrelevant Features:</a:t>
             </a:r>
-            <a:endParaRPr sz="3600"/>
+            <a:endParaRPr sz="2640"/>
           </a:p>
         </p:txBody>
       </p:sp>
       <p:sp>
         <p:nvSpPr>
-          <p:cNvPr id="97" name="Google Shape;97;p19"/>
+          <p:cNvPr id="99" name="Google Shape;99;p19"/>
           <p:cNvSpPr txBox="1"/>
           <p:nvPr>
             <p:ph idx="1" type="body"/>
@@ -9908,8 +11055,8 @@
         </p:nvSpPr>
         <p:spPr>
           <a:xfrm>
-            <a:off x="311700" y="1228675"/>
-            <a:ext cx="8520600" cy="3340200"/>
+            <a:off x="311700" y="1152475"/>
+            <a:ext cx="8520600" cy="3416400"/>
           </a:xfrm>
           <a:prstGeom prst="rect">
             <a:avLst/>
@@ -10006,7 +11153,7 @@
   <p:cSld>
     <p:spTree>
       <p:nvGrpSpPr>
-        <p:cNvPr id="101" name="Shape 101"/>
+        <p:cNvPr id="103" name="Shape 103"/>
         <p:cNvGrpSpPr/>
         <p:nvPr/>
       </p:nvGrpSpPr>
@@ -10020,7 +11167,7 @@
       </p:grpSpPr>
       <p:sp>
         <p:nvSpPr>
-          <p:cNvPr id="102" name="Google Shape;102;p20"/>
+          <p:cNvPr id="104" name="Google Shape;104;p20"/>
           <p:cNvSpPr txBox="1"/>
           <p:nvPr>
             <p:ph type="title"/>
@@ -10028,20 +11175,20 @@
         </p:nvSpPr>
         <p:spPr>
           <a:xfrm>
-            <a:off x="311700" y="292850"/>
-            <a:ext cx="8520600" cy="801000"/>
+            <a:off x="311700" y="1233100"/>
+            <a:ext cx="8520600" cy="1610100"/>
           </a:xfrm>
           <a:prstGeom prst="rect">
             <a:avLst/>
           </a:prstGeom>
         </p:spPr>
         <p:txBody>
-          <a:bodyPr anchorCtr="0" anchor="t" bIns="91425" lIns="91425" spcFirstLastPara="1" rIns="91425" wrap="square" tIns="91425">
+          <a:bodyPr anchorCtr="0" anchor="b" bIns="91425" lIns="91425" spcFirstLastPara="1" rIns="91425" wrap="square" tIns="91425">
             <a:normAutofit fontScale="90000"/>
           </a:bodyPr>
           <a:lstStyle/>
           <a:p>
-            <a:pPr indent="0" lvl="0" marL="0" rtl="0" algn="l">
+            <a:pPr indent="0" lvl="0" marL="0" rtl="0" algn="ctr">
               <a:spcBef>
                 <a:spcPts val="0"/>
               </a:spcBef>
@@ -10052,180 +11199,12 @@
             </a:pPr>
             <a:r>
               <a:rPr lang="en"/>
-              <a:t>Implementation:</a:t>
+              <a:t>The Data</a:t>
             </a:r>
             <a:endParaRPr/>
           </a:p>
         </p:txBody>
       </p:sp>
-      <p:sp>
-        <p:nvSpPr>
-          <p:cNvPr id="103" name="Google Shape;103;p20"/>
-          <p:cNvSpPr txBox="1"/>
-          <p:nvPr>
-            <p:ph idx="1" type="body"/>
-          </p:nvPr>
-        </p:nvSpPr>
-        <p:spPr>
-          <a:xfrm>
-            <a:off x="311700" y="1228675"/>
-            <a:ext cx="4484100" cy="3340200"/>
-          </a:xfrm>
-          <a:prstGeom prst="rect">
-            <a:avLst/>
-          </a:prstGeom>
-        </p:spPr>
-        <p:txBody>
-          <a:bodyPr anchorCtr="0" anchor="t" bIns="91425" lIns="91425" spcFirstLastPara="1" rIns="91425" wrap="square" tIns="91425">
-            <a:normAutofit fontScale="40000"/>
-          </a:bodyPr>
-          <a:lstStyle/>
-          <a:p>
-            <a:pPr indent="0" lvl="0" marL="0" rtl="0" algn="l">
-              <a:spcBef>
-                <a:spcPts val="0"/>
-              </a:spcBef>
-              <a:spcAft>
-                <a:spcPts val="0"/>
-              </a:spcAft>
-              <a:buNone/>
-            </a:pPr>
-            <a:r>
-              <a:rPr lang="en" sz="5413">
-                <a:solidFill>
-                  <a:schemeClr val="dk1"/>
-                </a:solidFill>
-              </a:rPr>
-              <a:t>Because of its </a:t>
-            </a:r>
-            <a:r>
-              <a:rPr lang="en" sz="5413">
-                <a:solidFill>
-                  <a:schemeClr val="dk1"/>
-                </a:solidFill>
-              </a:rPr>
-              <a:t>implementation</a:t>
-            </a:r>
-            <a:r>
-              <a:rPr lang="en" sz="5413">
-                <a:solidFill>
-                  <a:schemeClr val="dk1"/>
-                </a:solidFill>
-              </a:rPr>
-              <a:t>, its focuses more on regression or classification tasks. </a:t>
-            </a:r>
-            <a:endParaRPr sz="5413">
-              <a:solidFill>
-                <a:schemeClr val="dk1"/>
-              </a:solidFill>
-            </a:endParaRPr>
-          </a:p>
-          <a:p>
-            <a:pPr indent="0" lvl="0" marL="0" rtl="0" algn="l">
-              <a:spcBef>
-                <a:spcPts val="1200"/>
-              </a:spcBef>
-              <a:spcAft>
-                <a:spcPts val="0"/>
-              </a:spcAft>
-              <a:buNone/>
-            </a:pPr>
-            <a:r>
-              <a:t/>
-            </a:r>
-            <a:endParaRPr sz="5413">
-              <a:solidFill>
-                <a:schemeClr val="dk1"/>
-              </a:solidFill>
-            </a:endParaRPr>
-          </a:p>
-          <a:p>
-            <a:pPr indent="0" lvl="0" marL="0" rtl="0" algn="l">
-              <a:spcBef>
-                <a:spcPts val="1200"/>
-              </a:spcBef>
-              <a:spcAft>
-                <a:spcPts val="0"/>
-              </a:spcAft>
-              <a:buNone/>
-            </a:pPr>
-            <a:r>
-              <a:t/>
-            </a:r>
-            <a:endParaRPr>
-              <a:solidFill>
-                <a:schemeClr val="dk1"/>
-              </a:solidFill>
-            </a:endParaRPr>
-          </a:p>
-          <a:p>
-            <a:pPr indent="0" lvl="0" marL="0" rtl="0" algn="l">
-              <a:spcBef>
-                <a:spcPts val="1200"/>
-              </a:spcBef>
-              <a:spcAft>
-                <a:spcPts val="0"/>
-              </a:spcAft>
-              <a:buNone/>
-            </a:pPr>
-            <a:r>
-              <a:t/>
-            </a:r>
-            <a:endParaRPr>
-              <a:solidFill>
-                <a:schemeClr val="dk1"/>
-              </a:solidFill>
-            </a:endParaRPr>
-          </a:p>
-          <a:p>
-            <a:pPr indent="0" lvl="0" marL="0" rtl="0" algn="l">
-              <a:spcBef>
-                <a:spcPts val="1200"/>
-              </a:spcBef>
-              <a:spcAft>
-                <a:spcPts val="1200"/>
-              </a:spcAft>
-              <a:buNone/>
-            </a:pPr>
-            <a:r>
-              <a:t/>
-            </a:r>
-            <a:endParaRPr>
-              <a:solidFill>
-                <a:schemeClr val="dk1"/>
-              </a:solidFill>
-            </a:endParaRPr>
-          </a:p>
-        </p:txBody>
-      </p:sp>
-      <p:pic>
-        <p:nvPicPr>
-          <p:cNvPr id="104" name="Google Shape;104;p20"/>
-          <p:cNvPicPr preferRelativeResize="0"/>
-          <p:nvPr/>
-        </p:nvPicPr>
-        <p:blipFill>
-          <a:blip r:embed="rId3">
-            <a:alphaModFix/>
-          </a:blip>
-          <a:stretch>
-            <a:fillRect/>
-          </a:stretch>
-        </p:blipFill>
-        <p:spPr>
-          <a:xfrm>
-            <a:off x="4948200" y="1246250"/>
-            <a:ext cx="4043399" cy="2673916"/>
-          </a:xfrm>
-          <a:prstGeom prst="rect">
-            <a:avLst/>
-          </a:prstGeom>
-          <a:noFill/>
-          <a:ln>
-            <a:noFill/>
-          </a:ln>
-        </p:spPr>
-      </p:pic>
     </p:spTree>
   </p:cSld>
   <p:clrMapOvr>
@@ -10261,20 +11240,20 @@
         </p:nvSpPr>
         <p:spPr>
           <a:xfrm>
-            <a:off x="311700" y="1240275"/>
-            <a:ext cx="8520600" cy="1981800"/>
+            <a:off x="311700" y="391350"/>
+            <a:ext cx="8520600" cy="626100"/>
           </a:xfrm>
           <a:prstGeom prst="rect">
             <a:avLst/>
           </a:prstGeom>
         </p:spPr>
         <p:txBody>
-          <a:bodyPr anchorCtr="0" anchor="b" bIns="91425" lIns="91425" spcFirstLastPara="1" rIns="91425" wrap="square" tIns="91425">
+          <a:bodyPr anchorCtr="0" anchor="t" bIns="91425" lIns="91425" spcFirstLastPara="1" rIns="91425" wrap="square" tIns="91425">
             <a:normAutofit fontScale="90000"/>
           </a:bodyPr>
           <a:lstStyle/>
           <a:p>
-            <a:pPr indent="0" lvl="0" marL="0" rtl="0" algn="ctr">
+            <a:pPr indent="0" lvl="0" marL="0" rtl="0" algn="l">
               <a:spcBef>
                 <a:spcPts val="0"/>
               </a:spcBef>
@@ -10285,7 +11264,7 @@
             </a:pPr>
             <a:r>
               <a:rPr lang="en"/>
-              <a:t>Preprocessing</a:t>
+              <a:t>Iris</a:t>
             </a:r>
             <a:endParaRPr/>
           </a:p>
@@ -10301,8 +11280,8 @@
         </p:nvSpPr>
         <p:spPr>
           <a:xfrm>
-            <a:off x="311700" y="3304625"/>
-            <a:ext cx="8520600" cy="1300800"/>
+            <a:off x="311700" y="1152475"/>
+            <a:ext cx="8520600" cy="3416400"/>
           </a:xfrm>
           <a:prstGeom prst="rect">
             <a:avLst/>
@@ -10314,22 +11293,91 @@
           </a:bodyPr>
           <a:lstStyle/>
           <a:p>
-            <a:pPr indent="0" lvl="0" marL="0" rtl="0" algn="ctr">
-              <a:spcBef>
-                <a:spcPts val="0"/>
-              </a:spcBef>
-              <a:spcAft>
-                <a:spcPts val="1200"/>
-              </a:spcAft>
-              <a:buNone/>
+            <a:pPr indent="-342900" lvl="0" marL="457200" rtl="0" algn="l">
+              <a:spcBef>
+                <a:spcPts val="0"/>
+              </a:spcBef>
+              <a:spcAft>
+                <a:spcPts val="0"/>
+              </a:spcAft>
+              <a:buClr>
+                <a:schemeClr val="accent1"/>
+              </a:buClr>
+              <a:buSzPts val="1800"/>
+              <a:buChar char="●"/>
             </a:pPr>
             <a:r>
-              <a:t/>
+              <a:rPr lang="en">
+                <a:solidFill>
+                  <a:schemeClr val="accent1"/>
+                </a:solidFill>
+              </a:rPr>
+              <a:t>Widely accessible dataset, mainly used for testing algorithms. </a:t>
             </a:r>
-            <a:endParaRPr/>
+            <a:endParaRPr>
+              <a:solidFill>
+                <a:schemeClr val="accent1"/>
+              </a:solidFill>
+            </a:endParaRPr>
+          </a:p>
+          <a:p>
+            <a:pPr indent="-342900" lvl="0" marL="457200" rtl="0" algn="l">
+              <a:spcBef>
+                <a:spcPts val="0"/>
+              </a:spcBef>
+              <a:spcAft>
+                <a:spcPts val="0"/>
+              </a:spcAft>
+              <a:buClr>
+                <a:schemeClr val="accent1"/>
+              </a:buClr>
+              <a:buSzPts val="1800"/>
+              <a:buChar char="●"/>
+            </a:pPr>
+            <a:r>
+              <a:rPr lang="en">
+                <a:solidFill>
+                  <a:schemeClr val="accent1"/>
+                </a:solidFill>
+              </a:rPr>
+              <a:t>Multiple constraints with one dependent variable.</a:t>
+            </a:r>
+            <a:endParaRPr>
+              <a:solidFill>
+                <a:schemeClr val="accent1"/>
+              </a:solidFill>
+            </a:endParaRPr>
           </a:p>
         </p:txBody>
       </p:sp>
+      <p:pic>
+        <p:nvPicPr>
+          <p:cNvPr id="111" name="Google Shape;111;p21"/>
+          <p:cNvPicPr preferRelativeResize="0"/>
+          <p:nvPr/>
+        </p:nvPicPr>
+        <p:blipFill>
+          <a:blip r:embed="rId3">
+            <a:alphaModFix/>
+          </a:blip>
+          <a:stretch>
+            <a:fillRect/>
+          </a:stretch>
+        </p:blipFill>
+        <p:spPr>
+          <a:xfrm>
+            <a:off x="277875" y="1801875"/>
+            <a:ext cx="8588250" cy="3069526"/>
+          </a:xfrm>
+          <a:prstGeom prst="rect">
+            <a:avLst/>
+          </a:prstGeom>
+          <a:noFill/>
+          <a:ln>
+            <a:noFill/>
+          </a:ln>
+        </p:spPr>
+      </p:pic>
     </p:spTree>
   </p:cSld>
   <p:clrMapOvr>
@@ -10339,44 +11387,44 @@
 </file>
 
 <file path=ppt/theme/theme1.xml><?xml version="1.0" encoding="utf-8"?>
-<a:theme xmlns:a="http://schemas.openxmlformats.org/drawingml/2006/main" xmlns:r="http://schemas.openxmlformats.org/officeDocument/2006/relationships" name="Beach Day">
+<a:theme xmlns:a="http://schemas.openxmlformats.org/drawingml/2006/main" xmlns:r="http://schemas.openxmlformats.org/officeDocument/2006/relationships" name="Coral">
   <a:themeElements>
-    <a:clrScheme name="Beach Day">
+    <a:clrScheme name="Coral">
       <a:dk1>
-        <a:srgbClr val="00FDC8"/>
+        <a:srgbClr val="F55E61"/>
       </a:dk1>
       <a:lt1>
         <a:srgbClr val="FFFFFF"/>
       </a:lt1>
       <a:dk2>
-        <a:srgbClr val="666666"/>
+        <a:srgbClr val="5E696C"/>
       </a:dk2>
       <a:lt2>
-        <a:srgbClr val="EEEEEE"/>
+        <a:srgbClr val="BFC7CA"/>
       </a:lt2>
       <a:accent1>
-        <a:srgbClr val="212121"/>
+        <a:srgbClr val="1E2D31"/>
       </a:accent1>
       <a:accent2>
-        <a:srgbClr val="455A64"/>
+        <a:srgbClr val="273C42"/>
       </a:accent2>
       <a:accent3>
-        <a:srgbClr val="78909C"/>
+        <a:srgbClr val="83D061"/>
       </a:accent3>
       <a:accent4>
-        <a:srgbClr val="7C7CE0"/>
+        <a:srgbClr val="F6CD4C"/>
       </a:accent4>
       <a:accent5>
-        <a:srgbClr val="DB4437"/>
+        <a:srgbClr val="AF4345"/>
       </a:accent5>
       <a:accent6>
-        <a:srgbClr val="F6CD4C"/>
+        <a:srgbClr val="F58F8F"/>
       </a:accent6>
       <a:hlink>
-        <a:srgbClr val="DB4437"/>
+        <a:srgbClr val="AF4345"/>
       </a:hlink>
       <a:folHlink>
-        <a:srgbClr val="DB4437"/>
+        <a:srgbClr val="AF4345"/>
       </a:folHlink>
     </a:clrScheme>
     <a:fontScheme name="Office">

--- a/k-Nearest Neighbors (k-NN) Classification _ Regression.pptx
+++ b/k-Nearest Neighbors (k-NN) Classification _ Regression.pptx
@@ -26,30 +26,37 @@
     <p:sldId id="271" r:id="rId21"/>
     <p:sldId id="272" r:id="rId22"/>
     <p:sldId id="273" r:id="rId23"/>
+    <p:sldId id="274" r:id="rId24"/>
+    <p:sldId id="275" r:id="rId25"/>
+    <p:sldId id="276" r:id="rId26"/>
+    <p:sldId id="277" r:id="rId27"/>
+    <p:sldId id="278" r:id="rId28"/>
+    <p:sldId id="279" r:id="rId29"/>
+    <p:sldId id="280" r:id="rId30"/>
   </p:sldIdLst>
   <p:sldSz cy="5143500" cx="9144000"/>
   <p:notesSz cx="6858000" cy="9144000"/>
   <p:embeddedFontLst>
     <p:embeddedFont>
       <p:font typeface="Playfair Display"/>
-      <p:regular r:id="rId24"/>
-      <p:bold r:id="rId25"/>
-      <p:italic r:id="rId26"/>
-      <p:boldItalic r:id="rId27"/>
+      <p:regular r:id="rId31"/>
+      <p:bold r:id="rId32"/>
+      <p:italic r:id="rId33"/>
+      <p:boldItalic r:id="rId34"/>
     </p:embeddedFont>
     <p:embeddedFont>
       <p:font typeface="Lato"/>
-      <p:regular r:id="rId28"/>
-      <p:bold r:id="rId29"/>
-      <p:italic r:id="rId30"/>
-      <p:boldItalic r:id="rId31"/>
+      <p:regular r:id="rId35"/>
+      <p:bold r:id="rId36"/>
+      <p:italic r:id="rId37"/>
+      <p:boldItalic r:id="rId38"/>
     </p:embeddedFont>
     <p:embeddedFont>
       <p:font typeface="Source Code Pro"/>
-      <p:regular r:id="rId32"/>
-      <p:bold r:id="rId33"/>
-      <p:italic r:id="rId34"/>
-      <p:boldItalic r:id="rId35"/>
+      <p:regular r:id="rId39"/>
+      <p:bold r:id="rId40"/>
+      <p:italic r:id="rId41"/>
+      <p:boldItalic r:id="rId42"/>
     </p:embeddedFont>
   </p:embeddedFontLst>
   <p:defaultTextStyle>
@@ -830,7 +837,7 @@
   <p:cSld>
     <p:spTree>
       <p:nvGrpSpPr>
-        <p:cNvPr id="112" name="Shape 112"/>
+        <p:cNvPr id="110" name="Shape 110"/>
         <p:cNvGrpSpPr/>
         <p:nvPr/>
       </p:nvGrpSpPr>
@@ -844,7 +851,7 @@
       </p:grpSpPr>
       <p:sp>
         <p:nvSpPr>
-          <p:cNvPr id="113" name="Google Shape;113;g391342c0d9e_0_41:notes"/>
+          <p:cNvPr id="111" name="Google Shape;111;g391342c0d9e_0_36:notes"/>
           <p:cNvSpPr/>
           <p:nvPr>
             <p:ph idx="2" type="sldImg"/>
@@ -879,7 +886,7 @@
       </p:sp>
       <p:sp>
         <p:nvSpPr>
-          <p:cNvPr id="114" name="Google Shape;114;g391342c0d9e_0_41:notes"/>
+          <p:cNvPr id="112" name="Google Shape;112;g391342c0d9e_0_36:notes"/>
           <p:cNvSpPr txBox="1"/>
           <p:nvPr>
             <p:ph idx="1" type="body"/>
@@ -929,7 +936,7 @@
   <p:cSld>
     <p:spTree>
       <p:nvGrpSpPr>
-        <p:cNvPr id="118" name="Shape 118"/>
+        <p:cNvPr id="117" name="Shape 117"/>
         <p:cNvGrpSpPr/>
         <p:nvPr/>
       </p:nvGrpSpPr>
@@ -943,7 +950,7 @@
       </p:grpSpPr>
       <p:sp>
         <p:nvSpPr>
-          <p:cNvPr id="119" name="Google Shape;119;g3a561a26540_0_0:notes"/>
+          <p:cNvPr id="118" name="Google Shape;118;g391342c0d9e_0_41:notes"/>
           <p:cNvSpPr/>
           <p:nvPr>
             <p:ph idx="2" type="sldImg"/>
@@ -978,7 +985,7 @@
       </p:sp>
       <p:sp>
         <p:nvSpPr>
-          <p:cNvPr id="120" name="Google Shape;120;g3a561a26540_0_0:notes"/>
+          <p:cNvPr id="119" name="Google Shape;119;g391342c0d9e_0_41:notes"/>
           <p:cNvSpPr txBox="1"/>
           <p:nvPr>
             <p:ph idx="1" type="body"/>
@@ -1028,7 +1035,7 @@
   <p:cSld>
     <p:spTree>
       <p:nvGrpSpPr>
-        <p:cNvPr id="125" name="Shape 125"/>
+        <p:cNvPr id="123" name="Shape 123"/>
         <p:cNvGrpSpPr/>
         <p:nvPr/>
       </p:nvGrpSpPr>
@@ -1042,7 +1049,7 @@
       </p:grpSpPr>
       <p:sp>
         <p:nvSpPr>
-          <p:cNvPr id="126" name="Google Shape;126;g391342c0d9e_0_6:notes"/>
+          <p:cNvPr id="124" name="Google Shape;124;g3a561a26540_0_0:notes"/>
           <p:cNvSpPr/>
           <p:nvPr>
             <p:ph idx="2" type="sldImg"/>
@@ -1077,7 +1084,7 @@
       </p:sp>
       <p:sp>
         <p:nvSpPr>
-          <p:cNvPr id="127" name="Google Shape;127;g391342c0d9e_0_6:notes"/>
+          <p:cNvPr id="125" name="Google Shape;125;g3a561a26540_0_0:notes"/>
           <p:cNvSpPr txBox="1"/>
           <p:nvPr>
             <p:ph idx="1" type="body"/>
@@ -1127,7 +1134,7 @@
   <p:cSld>
     <p:spTree>
       <p:nvGrpSpPr>
-        <p:cNvPr id="131" name="Shape 131"/>
+        <p:cNvPr id="130" name="Shape 130"/>
         <p:cNvGrpSpPr/>
         <p:nvPr/>
       </p:nvGrpSpPr>
@@ -1141,7 +1148,7 @@
       </p:grpSpPr>
       <p:sp>
         <p:nvSpPr>
-          <p:cNvPr id="132" name="Google Shape;132;g3a561a26540_0_55:notes"/>
+          <p:cNvPr id="131" name="Google Shape;131;g391342c0d9e_0_342:notes"/>
           <p:cNvSpPr/>
           <p:nvPr>
             <p:ph idx="2" type="sldImg"/>
@@ -1176,7 +1183,7 @@
       </p:sp>
       <p:sp>
         <p:nvSpPr>
-          <p:cNvPr id="133" name="Google Shape;133;g3a561a26540_0_55:notes"/>
+          <p:cNvPr id="132" name="Google Shape;132;g391342c0d9e_0_342:notes"/>
           <p:cNvSpPr txBox="1"/>
           <p:nvPr>
             <p:ph idx="1" type="body"/>
@@ -1226,7 +1233,7 @@
   <p:cSld>
     <p:spTree>
       <p:nvGrpSpPr>
-        <p:cNvPr id="138" name="Shape 138"/>
+        <p:cNvPr id="136" name="Shape 136"/>
         <p:cNvGrpSpPr/>
         <p:nvPr/>
       </p:nvGrpSpPr>
@@ -1240,7 +1247,7 @@
       </p:grpSpPr>
       <p:sp>
         <p:nvSpPr>
-          <p:cNvPr id="139" name="Google Shape;139;g39974face96_0_19:notes"/>
+          <p:cNvPr id="137" name="Google Shape;137;g391342c0d9e_0_6:notes"/>
           <p:cNvSpPr/>
           <p:nvPr>
             <p:ph idx="2" type="sldImg"/>
@@ -1275,7 +1282,7 @@
       </p:sp>
       <p:sp>
         <p:nvSpPr>
-          <p:cNvPr id="140" name="Google Shape;140;g39974face96_0_19:notes"/>
+          <p:cNvPr id="138" name="Google Shape;138;g391342c0d9e_0_6:notes"/>
           <p:cNvSpPr txBox="1"/>
           <p:nvPr>
             <p:ph idx="1" type="body"/>
@@ -1325,7 +1332,7 @@
   <p:cSld>
     <p:spTree>
       <p:nvGrpSpPr>
-        <p:cNvPr id="144" name="Shape 144"/>
+        <p:cNvPr id="142" name="Shape 142"/>
         <p:cNvGrpSpPr/>
         <p:nvPr/>
       </p:nvGrpSpPr>
@@ -1339,7 +1346,7 @@
       </p:grpSpPr>
       <p:sp>
         <p:nvSpPr>
-          <p:cNvPr id="145" name="Google Shape;145;g39974face96_0_24:notes"/>
+          <p:cNvPr id="143" name="Google Shape;143;g3a561a26540_0_55:notes"/>
           <p:cNvSpPr/>
           <p:nvPr>
             <p:ph idx="2" type="sldImg"/>
@@ -1374,7 +1381,7 @@
       </p:sp>
       <p:sp>
         <p:nvSpPr>
-          <p:cNvPr id="146" name="Google Shape;146;g39974face96_0_24:notes"/>
+          <p:cNvPr id="144" name="Google Shape;144;g3a561a26540_0_55:notes"/>
           <p:cNvSpPr txBox="1"/>
           <p:nvPr>
             <p:ph idx="1" type="body"/>
@@ -1424,7 +1431,7 @@
   <p:cSld>
     <p:spTree>
       <p:nvGrpSpPr>
-        <p:cNvPr id="153" name="Shape 153"/>
+        <p:cNvPr id="149" name="Shape 149"/>
         <p:cNvGrpSpPr/>
         <p:nvPr/>
       </p:nvGrpSpPr>
@@ -1438,7 +1445,7 @@
       </p:grpSpPr>
       <p:sp>
         <p:nvSpPr>
-          <p:cNvPr id="154" name="Google Shape;154;g39974face96_0_29:notes"/>
+          <p:cNvPr id="150" name="Google Shape;150;g391342c0d9e_0_359:notes"/>
           <p:cNvSpPr/>
           <p:nvPr>
             <p:ph idx="2" type="sldImg"/>
@@ -1473,7 +1480,7 @@
       </p:sp>
       <p:sp>
         <p:nvSpPr>
-          <p:cNvPr id="155" name="Google Shape;155;g39974face96_0_29:notes"/>
+          <p:cNvPr id="151" name="Google Shape;151;g391342c0d9e_0_359:notes"/>
           <p:cNvSpPr txBox="1"/>
           <p:nvPr>
             <p:ph idx="1" type="body"/>
@@ -1523,7 +1530,7 @@
   <p:cSld>
     <p:spTree>
       <p:nvGrpSpPr>
-        <p:cNvPr id="160" name="Shape 160"/>
+        <p:cNvPr id="156" name="Shape 156"/>
         <p:cNvGrpSpPr/>
         <p:nvPr/>
       </p:nvGrpSpPr>
@@ -1537,7 +1544,7 @@
       </p:grpSpPr>
       <p:sp>
         <p:nvSpPr>
-          <p:cNvPr id="161" name="Google Shape;161;g391342c0d9e_0_19:notes"/>
+          <p:cNvPr id="157" name="Google Shape;157;g391342c0d9e_0_364:notes"/>
           <p:cNvSpPr/>
           <p:nvPr>
             <p:ph idx="2" type="sldImg"/>
@@ -1572,7 +1579,7 @@
       </p:sp>
       <p:sp>
         <p:nvSpPr>
-          <p:cNvPr id="162" name="Google Shape;162;g391342c0d9e_0_19:notes"/>
+          <p:cNvPr id="158" name="Google Shape;158;g391342c0d9e_0_364:notes"/>
           <p:cNvSpPr txBox="1"/>
           <p:nvPr>
             <p:ph idx="1" type="body"/>
@@ -1622,7 +1629,7 @@
   <p:cSld>
     <p:spTree>
       <p:nvGrpSpPr>
-        <p:cNvPr id="167" name="Shape 167"/>
+        <p:cNvPr id="163" name="Shape 163"/>
         <p:cNvGrpSpPr/>
         <p:nvPr/>
       </p:nvGrpSpPr>
@@ -1636,7 +1643,7 @@
       </p:grpSpPr>
       <p:sp>
         <p:nvSpPr>
-          <p:cNvPr id="168" name="Google Shape;168;g3a561a26540_0_63:notes"/>
+          <p:cNvPr id="164" name="Google Shape;164;g39974face96_0_19:notes"/>
           <p:cNvSpPr/>
           <p:nvPr>
             <p:ph idx="2" type="sldImg"/>
@@ -1671,7 +1678,106 @@
       </p:sp>
       <p:sp>
         <p:nvSpPr>
-          <p:cNvPr id="169" name="Google Shape;169;g3a561a26540_0_63:notes"/>
+          <p:cNvPr id="165" name="Google Shape;165;g39974face96_0_19:notes"/>
+          <p:cNvSpPr txBox="1"/>
+          <p:nvPr>
+            <p:ph idx="1" type="body"/>
+          </p:nvPr>
+        </p:nvSpPr>
+        <p:spPr>
+          <a:xfrm>
+            <a:off x="685800" y="4343400"/>
+            <a:ext cx="5486400" cy="4114800"/>
+          </a:xfrm>
+          <a:prstGeom prst="rect">
+            <a:avLst/>
+          </a:prstGeom>
+        </p:spPr>
+        <p:txBody>
+          <a:bodyPr anchorCtr="0" anchor="t" bIns="91425" lIns="91425" spcFirstLastPara="1" rIns="91425" wrap="square" tIns="91425">
+            <a:noAutofit/>
+          </a:bodyPr>
+          <a:lstStyle/>
+          <a:p>
+            <a:pPr indent="0" lvl="0" marL="0" rtl="0" algn="l">
+              <a:spcBef>
+                <a:spcPts val="0"/>
+              </a:spcBef>
+              <a:spcAft>
+                <a:spcPts val="0"/>
+              </a:spcAft>
+              <a:buNone/>
+            </a:pPr>
+            <a:r>
+              <a:t/>
+            </a:r>
+            <a:endParaRPr/>
+          </a:p>
+        </p:txBody>
+      </p:sp>
+    </p:spTree>
+  </p:cSld>
+  <p:clrMapOvr>
+    <a:masterClrMapping/>
+  </p:clrMapOvr>
+</p:notes>
+</file>
+
+<file path=ppt/notesSlides/notesSlide19.xml><?xml version="1.0" encoding="utf-8"?>
+<p:notes xmlns:a="http://schemas.openxmlformats.org/drawingml/2006/main" xmlns:r="http://schemas.openxmlformats.org/officeDocument/2006/relationships" xmlns:mc="http://schemas.openxmlformats.org/markup-compatibility/2006" xmlns:mv="urn:schemas-microsoft-com:mac:vml" xmlns:p="http://schemas.openxmlformats.org/presentationml/2006/main" xmlns:c="http://schemas.openxmlformats.org/drawingml/2006/chart" xmlns:dgm="http://schemas.openxmlformats.org/drawingml/2006/diagram" xmlns:o="urn:schemas-microsoft-com:office:office" xmlns:v="urn:schemas-microsoft-com:vml" xmlns:pvml="urn:schemas-microsoft-com:office:powerpoint" xmlns:com="http://schemas.openxmlformats.org/drawingml/2006/compatibility" xmlns:p14="http://schemas.microsoft.com/office/powerpoint/2010/main" xmlns:p15="http://schemas.microsoft.com/office/powerpoint/2012/main" xmlns:ahyp="http://schemas.microsoft.com/office/drawing/2018/hyperlinkcolor" showMasterPhAnim="0" showMasterSp="0">
+  <p:cSld>
+    <p:spTree>
+      <p:nvGrpSpPr>
+        <p:cNvPr id="169" name="Shape 169"/>
+        <p:cNvGrpSpPr/>
+        <p:nvPr/>
+      </p:nvGrpSpPr>
+      <p:grpSpPr>
+        <a:xfrm>
+          <a:off x="0" y="0"/>
+          <a:ext cx="0" cy="0"/>
+          <a:chOff x="0" y="0"/>
+          <a:chExt cx="0" cy="0"/>
+        </a:xfrm>
+      </p:grpSpPr>
+      <p:sp>
+        <p:nvSpPr>
+          <p:cNvPr id="170" name="Google Shape;170;g39974face96_0_24:notes"/>
+          <p:cNvSpPr/>
+          <p:nvPr>
+            <p:ph idx="2" type="sldImg"/>
+          </p:nvPr>
+        </p:nvSpPr>
+        <p:spPr>
+          <a:xfrm>
+            <a:off x="381300" y="685800"/>
+            <a:ext cx="6096000" cy="3429000"/>
+          </a:xfrm>
+          <a:custGeom>
+            <a:rect b="b" l="l" r="r" t="t"/>
+            <a:pathLst>
+              <a:path extrusionOk="0" h="120000" w="120000">
+                <a:moveTo>
+                  <a:pt x="0" y="0"/>
+                </a:moveTo>
+                <a:lnTo>
+                  <a:pt x="120000" y="0"/>
+                </a:lnTo>
+                <a:lnTo>
+                  <a:pt x="120000" y="120000"/>
+                </a:lnTo>
+                <a:lnTo>
+                  <a:pt x="0" y="120000"/>
+                </a:lnTo>
+                <a:close/>
+              </a:path>
+            </a:pathLst>
+          </a:custGeom>
+        </p:spPr>
+      </p:sp>
+      <p:sp>
+        <p:nvSpPr>
+          <p:cNvPr id="171" name="Google Shape;171;g39974face96_0_24:notes"/>
           <p:cNvSpPr txBox="1"/>
           <p:nvPr>
             <p:ph idx="1" type="body"/>
@@ -1815,12 +1921,12 @@
 </p:notes>
 </file>
 
-<file path=ppt/notesSlides/notesSlide3.xml><?xml version="1.0" encoding="utf-8"?>
+<file path=ppt/notesSlides/notesSlide20.xml><?xml version="1.0" encoding="utf-8"?>
 <p:notes xmlns:a="http://schemas.openxmlformats.org/drawingml/2006/main" xmlns:r="http://schemas.openxmlformats.org/officeDocument/2006/relationships" xmlns:mc="http://schemas.openxmlformats.org/markup-compatibility/2006" xmlns:mv="urn:schemas-microsoft-com:mac:vml" xmlns:p="http://schemas.openxmlformats.org/presentationml/2006/main" xmlns:c="http://schemas.openxmlformats.org/drawingml/2006/chart" xmlns:dgm="http://schemas.openxmlformats.org/drawingml/2006/diagram" xmlns:o="urn:schemas-microsoft-com:office:office" xmlns:v="urn:schemas-microsoft-com:vml" xmlns:pvml="urn:schemas-microsoft-com:office:powerpoint" xmlns:com="http://schemas.openxmlformats.org/drawingml/2006/compatibility" xmlns:p14="http://schemas.microsoft.com/office/powerpoint/2010/main" xmlns:p15="http://schemas.microsoft.com/office/powerpoint/2012/main" xmlns:ahyp="http://schemas.microsoft.com/office/drawing/2018/hyperlinkcolor" showMasterPhAnim="0" showMasterSp="0">
   <p:cSld>
     <p:spTree>
       <p:nvGrpSpPr>
-        <p:cNvPr id="68" name="Shape 68"/>
+        <p:cNvPr id="178" name="Shape 178"/>
         <p:cNvGrpSpPr/>
         <p:nvPr/>
       </p:nvGrpSpPr>
@@ -1834,7 +1940,7 @@
       </p:grpSpPr>
       <p:sp>
         <p:nvSpPr>
-          <p:cNvPr id="69" name="Google Shape;69;g3ab8fe2ff1a_0_0:notes"/>
+          <p:cNvPr id="179" name="Google Shape;179;g391342c0d9e_0_337:notes"/>
           <p:cNvSpPr/>
           <p:nvPr>
             <p:ph idx="2" type="sldImg"/>
@@ -1869,7 +1975,601 @@
       </p:sp>
       <p:sp>
         <p:nvSpPr>
-          <p:cNvPr id="70" name="Google Shape;70;g3ab8fe2ff1a_0_0:notes"/>
+          <p:cNvPr id="180" name="Google Shape;180;g391342c0d9e_0_337:notes"/>
+          <p:cNvSpPr txBox="1"/>
+          <p:nvPr>
+            <p:ph idx="1" type="body"/>
+          </p:nvPr>
+        </p:nvSpPr>
+        <p:spPr>
+          <a:xfrm>
+            <a:off x="685800" y="4343400"/>
+            <a:ext cx="5486400" cy="4114800"/>
+          </a:xfrm>
+          <a:prstGeom prst="rect">
+            <a:avLst/>
+          </a:prstGeom>
+        </p:spPr>
+        <p:txBody>
+          <a:bodyPr anchorCtr="0" anchor="t" bIns="91425" lIns="91425" spcFirstLastPara="1" rIns="91425" wrap="square" tIns="91425">
+            <a:noAutofit/>
+          </a:bodyPr>
+          <a:lstStyle/>
+          <a:p>
+            <a:pPr indent="0" lvl="0" marL="0" rtl="0" algn="l">
+              <a:spcBef>
+                <a:spcPts val="0"/>
+              </a:spcBef>
+              <a:spcAft>
+                <a:spcPts val="0"/>
+              </a:spcAft>
+              <a:buNone/>
+            </a:pPr>
+            <a:r>
+              <a:t/>
+            </a:r>
+            <a:endParaRPr/>
+          </a:p>
+        </p:txBody>
+      </p:sp>
+    </p:spTree>
+  </p:cSld>
+  <p:clrMapOvr>
+    <a:masterClrMapping/>
+  </p:clrMapOvr>
+</p:notes>
+</file>
+
+<file path=ppt/notesSlides/notesSlide21.xml><?xml version="1.0" encoding="utf-8"?>
+<p:notes xmlns:a="http://schemas.openxmlformats.org/drawingml/2006/main" xmlns:r="http://schemas.openxmlformats.org/officeDocument/2006/relationships" xmlns:mc="http://schemas.openxmlformats.org/markup-compatibility/2006" xmlns:mv="urn:schemas-microsoft-com:mac:vml" xmlns:p="http://schemas.openxmlformats.org/presentationml/2006/main" xmlns:c="http://schemas.openxmlformats.org/drawingml/2006/chart" xmlns:dgm="http://schemas.openxmlformats.org/drawingml/2006/diagram" xmlns:o="urn:schemas-microsoft-com:office:office" xmlns:v="urn:schemas-microsoft-com:vml" xmlns:pvml="urn:schemas-microsoft-com:office:powerpoint" xmlns:com="http://schemas.openxmlformats.org/drawingml/2006/compatibility" xmlns:p14="http://schemas.microsoft.com/office/powerpoint/2010/main" xmlns:p15="http://schemas.microsoft.com/office/powerpoint/2012/main" xmlns:ahyp="http://schemas.microsoft.com/office/drawing/2018/hyperlinkcolor" showMasterPhAnim="0" showMasterSp="0">
+  <p:cSld>
+    <p:spTree>
+      <p:nvGrpSpPr>
+        <p:cNvPr id="184" name="Shape 184"/>
+        <p:cNvGrpSpPr/>
+        <p:nvPr/>
+      </p:nvGrpSpPr>
+      <p:grpSpPr>
+        <a:xfrm>
+          <a:off x="0" y="0"/>
+          <a:ext cx="0" cy="0"/>
+          <a:chOff x="0" y="0"/>
+          <a:chExt cx="0" cy="0"/>
+        </a:xfrm>
+      </p:grpSpPr>
+      <p:sp>
+        <p:nvSpPr>
+          <p:cNvPr id="185" name="Google Shape;185;g39974face96_0_29:notes"/>
+          <p:cNvSpPr/>
+          <p:nvPr>
+            <p:ph idx="2" type="sldImg"/>
+          </p:nvPr>
+        </p:nvSpPr>
+        <p:spPr>
+          <a:xfrm>
+            <a:off x="381300" y="685800"/>
+            <a:ext cx="6096000" cy="3429000"/>
+          </a:xfrm>
+          <a:custGeom>
+            <a:rect b="b" l="l" r="r" t="t"/>
+            <a:pathLst>
+              <a:path extrusionOk="0" h="120000" w="120000">
+                <a:moveTo>
+                  <a:pt x="0" y="0"/>
+                </a:moveTo>
+                <a:lnTo>
+                  <a:pt x="120000" y="0"/>
+                </a:lnTo>
+                <a:lnTo>
+                  <a:pt x="120000" y="120000"/>
+                </a:lnTo>
+                <a:lnTo>
+                  <a:pt x="0" y="120000"/>
+                </a:lnTo>
+                <a:close/>
+              </a:path>
+            </a:pathLst>
+          </a:custGeom>
+        </p:spPr>
+      </p:sp>
+      <p:sp>
+        <p:nvSpPr>
+          <p:cNvPr id="186" name="Google Shape;186;g39974face96_0_29:notes"/>
+          <p:cNvSpPr txBox="1"/>
+          <p:nvPr>
+            <p:ph idx="1" type="body"/>
+          </p:nvPr>
+        </p:nvSpPr>
+        <p:spPr>
+          <a:xfrm>
+            <a:off x="685800" y="4343400"/>
+            <a:ext cx="5486400" cy="4114800"/>
+          </a:xfrm>
+          <a:prstGeom prst="rect">
+            <a:avLst/>
+          </a:prstGeom>
+        </p:spPr>
+        <p:txBody>
+          <a:bodyPr anchorCtr="0" anchor="t" bIns="91425" lIns="91425" spcFirstLastPara="1" rIns="91425" wrap="square" tIns="91425">
+            <a:noAutofit/>
+          </a:bodyPr>
+          <a:lstStyle/>
+          <a:p>
+            <a:pPr indent="0" lvl="0" marL="0" rtl="0" algn="l">
+              <a:spcBef>
+                <a:spcPts val="0"/>
+              </a:spcBef>
+              <a:spcAft>
+                <a:spcPts val="0"/>
+              </a:spcAft>
+              <a:buNone/>
+            </a:pPr>
+            <a:r>
+              <a:t/>
+            </a:r>
+            <a:endParaRPr/>
+          </a:p>
+        </p:txBody>
+      </p:sp>
+    </p:spTree>
+  </p:cSld>
+  <p:clrMapOvr>
+    <a:masterClrMapping/>
+  </p:clrMapOvr>
+</p:notes>
+</file>
+
+<file path=ppt/notesSlides/notesSlide22.xml><?xml version="1.0" encoding="utf-8"?>
+<p:notes xmlns:a="http://schemas.openxmlformats.org/drawingml/2006/main" xmlns:r="http://schemas.openxmlformats.org/officeDocument/2006/relationships" xmlns:mc="http://schemas.openxmlformats.org/markup-compatibility/2006" xmlns:mv="urn:schemas-microsoft-com:mac:vml" xmlns:p="http://schemas.openxmlformats.org/presentationml/2006/main" xmlns:c="http://schemas.openxmlformats.org/drawingml/2006/chart" xmlns:dgm="http://schemas.openxmlformats.org/drawingml/2006/diagram" xmlns:o="urn:schemas-microsoft-com:office:office" xmlns:v="urn:schemas-microsoft-com:vml" xmlns:pvml="urn:schemas-microsoft-com:office:powerpoint" xmlns:com="http://schemas.openxmlformats.org/drawingml/2006/compatibility" xmlns:p14="http://schemas.microsoft.com/office/powerpoint/2010/main" xmlns:p15="http://schemas.microsoft.com/office/powerpoint/2012/main" xmlns:ahyp="http://schemas.microsoft.com/office/drawing/2018/hyperlinkcolor" showMasterPhAnim="0" showMasterSp="0">
+  <p:cSld>
+    <p:spTree>
+      <p:nvGrpSpPr>
+        <p:cNvPr id="191" name="Shape 191"/>
+        <p:cNvGrpSpPr/>
+        <p:nvPr/>
+      </p:nvGrpSpPr>
+      <p:grpSpPr>
+        <a:xfrm>
+          <a:off x="0" y="0"/>
+          <a:ext cx="0" cy="0"/>
+          <a:chOff x="0" y="0"/>
+          <a:chExt cx="0" cy="0"/>
+        </a:xfrm>
+      </p:grpSpPr>
+      <p:sp>
+        <p:nvSpPr>
+          <p:cNvPr id="192" name="Google Shape;192;g391342c0d9e_0_19:notes"/>
+          <p:cNvSpPr/>
+          <p:nvPr>
+            <p:ph idx="2" type="sldImg"/>
+          </p:nvPr>
+        </p:nvSpPr>
+        <p:spPr>
+          <a:xfrm>
+            <a:off x="381300" y="685800"/>
+            <a:ext cx="6096000" cy="3429000"/>
+          </a:xfrm>
+          <a:custGeom>
+            <a:rect b="b" l="l" r="r" t="t"/>
+            <a:pathLst>
+              <a:path extrusionOk="0" h="120000" w="120000">
+                <a:moveTo>
+                  <a:pt x="0" y="0"/>
+                </a:moveTo>
+                <a:lnTo>
+                  <a:pt x="120000" y="0"/>
+                </a:lnTo>
+                <a:lnTo>
+                  <a:pt x="120000" y="120000"/>
+                </a:lnTo>
+                <a:lnTo>
+                  <a:pt x="0" y="120000"/>
+                </a:lnTo>
+                <a:close/>
+              </a:path>
+            </a:pathLst>
+          </a:custGeom>
+        </p:spPr>
+      </p:sp>
+      <p:sp>
+        <p:nvSpPr>
+          <p:cNvPr id="193" name="Google Shape;193;g391342c0d9e_0_19:notes"/>
+          <p:cNvSpPr txBox="1"/>
+          <p:nvPr>
+            <p:ph idx="1" type="body"/>
+          </p:nvPr>
+        </p:nvSpPr>
+        <p:spPr>
+          <a:xfrm>
+            <a:off x="685800" y="4343400"/>
+            <a:ext cx="5486400" cy="4114800"/>
+          </a:xfrm>
+          <a:prstGeom prst="rect">
+            <a:avLst/>
+          </a:prstGeom>
+        </p:spPr>
+        <p:txBody>
+          <a:bodyPr anchorCtr="0" anchor="t" bIns="91425" lIns="91425" spcFirstLastPara="1" rIns="91425" wrap="square" tIns="91425">
+            <a:noAutofit/>
+          </a:bodyPr>
+          <a:lstStyle/>
+          <a:p>
+            <a:pPr indent="0" lvl="0" marL="0" rtl="0" algn="l">
+              <a:spcBef>
+                <a:spcPts val="0"/>
+              </a:spcBef>
+              <a:spcAft>
+                <a:spcPts val="0"/>
+              </a:spcAft>
+              <a:buNone/>
+            </a:pPr>
+            <a:r>
+              <a:t/>
+            </a:r>
+            <a:endParaRPr/>
+          </a:p>
+        </p:txBody>
+      </p:sp>
+    </p:spTree>
+  </p:cSld>
+  <p:clrMapOvr>
+    <a:masterClrMapping/>
+  </p:clrMapOvr>
+</p:notes>
+</file>
+
+<file path=ppt/notesSlides/notesSlide23.xml><?xml version="1.0" encoding="utf-8"?>
+<p:notes xmlns:a="http://schemas.openxmlformats.org/drawingml/2006/main" xmlns:r="http://schemas.openxmlformats.org/officeDocument/2006/relationships" xmlns:mc="http://schemas.openxmlformats.org/markup-compatibility/2006" xmlns:mv="urn:schemas-microsoft-com:mac:vml" xmlns:p="http://schemas.openxmlformats.org/presentationml/2006/main" xmlns:c="http://schemas.openxmlformats.org/drawingml/2006/chart" xmlns:dgm="http://schemas.openxmlformats.org/drawingml/2006/diagram" xmlns:o="urn:schemas-microsoft-com:office:office" xmlns:v="urn:schemas-microsoft-com:vml" xmlns:pvml="urn:schemas-microsoft-com:office:powerpoint" xmlns:com="http://schemas.openxmlformats.org/drawingml/2006/compatibility" xmlns:p14="http://schemas.microsoft.com/office/powerpoint/2010/main" xmlns:p15="http://schemas.microsoft.com/office/powerpoint/2012/main" xmlns:ahyp="http://schemas.microsoft.com/office/drawing/2018/hyperlinkcolor" showMasterPhAnim="0" showMasterSp="0">
+  <p:cSld>
+    <p:spTree>
+      <p:nvGrpSpPr>
+        <p:cNvPr id="198" name="Shape 198"/>
+        <p:cNvGrpSpPr/>
+        <p:nvPr/>
+      </p:nvGrpSpPr>
+      <p:grpSpPr>
+        <a:xfrm>
+          <a:off x="0" y="0"/>
+          <a:ext cx="0" cy="0"/>
+          <a:chOff x="0" y="0"/>
+          <a:chExt cx="0" cy="0"/>
+        </a:xfrm>
+      </p:grpSpPr>
+      <p:sp>
+        <p:nvSpPr>
+          <p:cNvPr id="199" name="Google Shape;199;g3a561a26540_0_63:notes"/>
+          <p:cNvSpPr/>
+          <p:nvPr>
+            <p:ph idx="2" type="sldImg"/>
+          </p:nvPr>
+        </p:nvSpPr>
+        <p:spPr>
+          <a:xfrm>
+            <a:off x="381300" y="685800"/>
+            <a:ext cx="6096000" cy="3429000"/>
+          </a:xfrm>
+          <a:custGeom>
+            <a:rect b="b" l="l" r="r" t="t"/>
+            <a:pathLst>
+              <a:path extrusionOk="0" h="120000" w="120000">
+                <a:moveTo>
+                  <a:pt x="0" y="0"/>
+                </a:moveTo>
+                <a:lnTo>
+                  <a:pt x="120000" y="0"/>
+                </a:lnTo>
+                <a:lnTo>
+                  <a:pt x="120000" y="120000"/>
+                </a:lnTo>
+                <a:lnTo>
+                  <a:pt x="0" y="120000"/>
+                </a:lnTo>
+                <a:close/>
+              </a:path>
+            </a:pathLst>
+          </a:custGeom>
+        </p:spPr>
+      </p:sp>
+      <p:sp>
+        <p:nvSpPr>
+          <p:cNvPr id="200" name="Google Shape;200;g3a561a26540_0_63:notes"/>
+          <p:cNvSpPr txBox="1"/>
+          <p:nvPr>
+            <p:ph idx="1" type="body"/>
+          </p:nvPr>
+        </p:nvSpPr>
+        <p:spPr>
+          <a:xfrm>
+            <a:off x="685800" y="4343400"/>
+            <a:ext cx="5486400" cy="4114800"/>
+          </a:xfrm>
+          <a:prstGeom prst="rect">
+            <a:avLst/>
+          </a:prstGeom>
+        </p:spPr>
+        <p:txBody>
+          <a:bodyPr anchorCtr="0" anchor="t" bIns="91425" lIns="91425" spcFirstLastPara="1" rIns="91425" wrap="square" tIns="91425">
+            <a:noAutofit/>
+          </a:bodyPr>
+          <a:lstStyle/>
+          <a:p>
+            <a:pPr indent="0" lvl="0" marL="0" rtl="0" algn="l">
+              <a:spcBef>
+                <a:spcPts val="0"/>
+              </a:spcBef>
+              <a:spcAft>
+                <a:spcPts val="0"/>
+              </a:spcAft>
+              <a:buNone/>
+            </a:pPr>
+            <a:r>
+              <a:t/>
+            </a:r>
+            <a:endParaRPr/>
+          </a:p>
+        </p:txBody>
+      </p:sp>
+    </p:spTree>
+  </p:cSld>
+  <p:clrMapOvr>
+    <a:masterClrMapping/>
+  </p:clrMapOvr>
+</p:notes>
+</file>
+
+<file path=ppt/notesSlides/notesSlide24.xml><?xml version="1.0" encoding="utf-8"?>
+<p:notes xmlns:a="http://schemas.openxmlformats.org/drawingml/2006/main" xmlns:r="http://schemas.openxmlformats.org/officeDocument/2006/relationships" xmlns:mc="http://schemas.openxmlformats.org/markup-compatibility/2006" xmlns:mv="urn:schemas-microsoft-com:mac:vml" xmlns:p="http://schemas.openxmlformats.org/presentationml/2006/main" xmlns:c="http://schemas.openxmlformats.org/drawingml/2006/chart" xmlns:dgm="http://schemas.openxmlformats.org/drawingml/2006/diagram" xmlns:o="urn:schemas-microsoft-com:office:office" xmlns:v="urn:schemas-microsoft-com:vml" xmlns:pvml="urn:schemas-microsoft-com:office:powerpoint" xmlns:com="http://schemas.openxmlformats.org/drawingml/2006/compatibility" xmlns:p14="http://schemas.microsoft.com/office/powerpoint/2010/main" xmlns:p15="http://schemas.microsoft.com/office/powerpoint/2012/main" xmlns:ahyp="http://schemas.microsoft.com/office/drawing/2018/hyperlinkcolor" showMasterPhAnim="0" showMasterSp="0">
+  <p:cSld>
+    <p:spTree>
+      <p:nvGrpSpPr>
+        <p:cNvPr id="205" name="Shape 205"/>
+        <p:cNvGrpSpPr/>
+        <p:nvPr/>
+      </p:nvGrpSpPr>
+      <p:grpSpPr>
+        <a:xfrm>
+          <a:off x="0" y="0"/>
+          <a:ext cx="0" cy="0"/>
+          <a:chOff x="0" y="0"/>
+          <a:chExt cx="0" cy="0"/>
+        </a:xfrm>
+      </p:grpSpPr>
+      <p:sp>
+        <p:nvSpPr>
+          <p:cNvPr id="206" name="Google Shape;206;g391342c0d9e_0_349:notes"/>
+          <p:cNvSpPr/>
+          <p:nvPr>
+            <p:ph idx="2" type="sldImg"/>
+          </p:nvPr>
+        </p:nvSpPr>
+        <p:spPr>
+          <a:xfrm>
+            <a:off x="381300" y="685800"/>
+            <a:ext cx="6096000" cy="3429000"/>
+          </a:xfrm>
+          <a:custGeom>
+            <a:rect b="b" l="l" r="r" t="t"/>
+            <a:pathLst>
+              <a:path extrusionOk="0" h="120000" w="120000">
+                <a:moveTo>
+                  <a:pt x="0" y="0"/>
+                </a:moveTo>
+                <a:lnTo>
+                  <a:pt x="120000" y="0"/>
+                </a:lnTo>
+                <a:lnTo>
+                  <a:pt x="120000" y="120000"/>
+                </a:lnTo>
+                <a:lnTo>
+                  <a:pt x="0" y="120000"/>
+                </a:lnTo>
+                <a:close/>
+              </a:path>
+            </a:pathLst>
+          </a:custGeom>
+        </p:spPr>
+      </p:sp>
+      <p:sp>
+        <p:nvSpPr>
+          <p:cNvPr id="207" name="Google Shape;207;g391342c0d9e_0_349:notes"/>
+          <p:cNvSpPr txBox="1"/>
+          <p:nvPr>
+            <p:ph idx="1" type="body"/>
+          </p:nvPr>
+        </p:nvSpPr>
+        <p:spPr>
+          <a:xfrm>
+            <a:off x="685800" y="4343400"/>
+            <a:ext cx="5486400" cy="4114800"/>
+          </a:xfrm>
+          <a:prstGeom prst="rect">
+            <a:avLst/>
+          </a:prstGeom>
+        </p:spPr>
+        <p:txBody>
+          <a:bodyPr anchorCtr="0" anchor="t" bIns="91425" lIns="91425" spcFirstLastPara="1" rIns="91425" wrap="square" tIns="91425">
+            <a:noAutofit/>
+          </a:bodyPr>
+          <a:lstStyle/>
+          <a:p>
+            <a:pPr indent="0" lvl="0" marL="0" rtl="0" algn="l">
+              <a:spcBef>
+                <a:spcPts val="0"/>
+              </a:spcBef>
+              <a:spcAft>
+                <a:spcPts val="0"/>
+              </a:spcAft>
+              <a:buNone/>
+            </a:pPr>
+            <a:r>
+              <a:t/>
+            </a:r>
+            <a:endParaRPr/>
+          </a:p>
+        </p:txBody>
+      </p:sp>
+    </p:spTree>
+  </p:cSld>
+  <p:clrMapOvr>
+    <a:masterClrMapping/>
+  </p:clrMapOvr>
+</p:notes>
+</file>
+
+<file path=ppt/notesSlides/notesSlide25.xml><?xml version="1.0" encoding="utf-8"?>
+<p:notes xmlns:a="http://schemas.openxmlformats.org/drawingml/2006/main" xmlns:r="http://schemas.openxmlformats.org/officeDocument/2006/relationships" xmlns:mc="http://schemas.openxmlformats.org/markup-compatibility/2006" xmlns:mv="urn:schemas-microsoft-com:mac:vml" xmlns:p="http://schemas.openxmlformats.org/presentationml/2006/main" xmlns:c="http://schemas.openxmlformats.org/drawingml/2006/chart" xmlns:dgm="http://schemas.openxmlformats.org/drawingml/2006/diagram" xmlns:o="urn:schemas-microsoft-com:office:office" xmlns:v="urn:schemas-microsoft-com:vml" xmlns:pvml="urn:schemas-microsoft-com:office:powerpoint" xmlns:com="http://schemas.openxmlformats.org/drawingml/2006/compatibility" xmlns:p14="http://schemas.microsoft.com/office/powerpoint/2010/main" xmlns:p15="http://schemas.microsoft.com/office/powerpoint/2012/main" xmlns:ahyp="http://schemas.microsoft.com/office/drawing/2018/hyperlinkcolor" showMasterPhAnim="0" showMasterSp="0">
+  <p:cSld>
+    <p:spTree>
+      <p:nvGrpSpPr>
+        <p:cNvPr id="210" name="Shape 210"/>
+        <p:cNvGrpSpPr/>
+        <p:nvPr/>
+      </p:nvGrpSpPr>
+      <p:grpSpPr>
+        <a:xfrm>
+          <a:off x="0" y="0"/>
+          <a:ext cx="0" cy="0"/>
+          <a:chOff x="0" y="0"/>
+          <a:chExt cx="0" cy="0"/>
+        </a:xfrm>
+      </p:grpSpPr>
+      <p:sp>
+        <p:nvSpPr>
+          <p:cNvPr id="211" name="Google Shape;211;g391342c0d9e_0_354:notes"/>
+          <p:cNvSpPr/>
+          <p:nvPr>
+            <p:ph idx="2" type="sldImg"/>
+          </p:nvPr>
+        </p:nvSpPr>
+        <p:spPr>
+          <a:xfrm>
+            <a:off x="381300" y="685800"/>
+            <a:ext cx="6096000" cy="3429000"/>
+          </a:xfrm>
+          <a:custGeom>
+            <a:rect b="b" l="l" r="r" t="t"/>
+            <a:pathLst>
+              <a:path extrusionOk="0" h="120000" w="120000">
+                <a:moveTo>
+                  <a:pt x="0" y="0"/>
+                </a:moveTo>
+                <a:lnTo>
+                  <a:pt x="120000" y="0"/>
+                </a:lnTo>
+                <a:lnTo>
+                  <a:pt x="120000" y="120000"/>
+                </a:lnTo>
+                <a:lnTo>
+                  <a:pt x="0" y="120000"/>
+                </a:lnTo>
+                <a:close/>
+              </a:path>
+            </a:pathLst>
+          </a:custGeom>
+        </p:spPr>
+      </p:sp>
+      <p:sp>
+        <p:nvSpPr>
+          <p:cNvPr id="212" name="Google Shape;212;g391342c0d9e_0_354:notes"/>
+          <p:cNvSpPr txBox="1"/>
+          <p:nvPr>
+            <p:ph idx="1" type="body"/>
+          </p:nvPr>
+        </p:nvSpPr>
+        <p:spPr>
+          <a:xfrm>
+            <a:off x="685800" y="4343400"/>
+            <a:ext cx="5486400" cy="4114800"/>
+          </a:xfrm>
+          <a:prstGeom prst="rect">
+            <a:avLst/>
+          </a:prstGeom>
+        </p:spPr>
+        <p:txBody>
+          <a:bodyPr anchorCtr="0" anchor="t" bIns="91425" lIns="91425" spcFirstLastPara="1" rIns="91425" wrap="square" tIns="91425">
+            <a:noAutofit/>
+          </a:bodyPr>
+          <a:lstStyle/>
+          <a:p>
+            <a:pPr indent="0" lvl="0" marL="0" rtl="0" algn="l">
+              <a:spcBef>
+                <a:spcPts val="0"/>
+              </a:spcBef>
+              <a:spcAft>
+                <a:spcPts val="0"/>
+              </a:spcAft>
+              <a:buNone/>
+            </a:pPr>
+            <a:r>
+              <a:t/>
+            </a:r>
+            <a:endParaRPr/>
+          </a:p>
+        </p:txBody>
+      </p:sp>
+    </p:spTree>
+  </p:cSld>
+  <p:clrMapOvr>
+    <a:masterClrMapping/>
+  </p:clrMapOvr>
+</p:notes>
+</file>
+
+<file path=ppt/notesSlides/notesSlide3.xml><?xml version="1.0" encoding="utf-8"?>
+<p:notes xmlns:a="http://schemas.openxmlformats.org/drawingml/2006/main" xmlns:r="http://schemas.openxmlformats.org/officeDocument/2006/relationships" xmlns:mc="http://schemas.openxmlformats.org/markup-compatibility/2006" xmlns:mv="urn:schemas-microsoft-com:mac:vml" xmlns:p="http://schemas.openxmlformats.org/presentationml/2006/main" xmlns:c="http://schemas.openxmlformats.org/drawingml/2006/chart" xmlns:dgm="http://schemas.openxmlformats.org/drawingml/2006/diagram" xmlns:o="urn:schemas-microsoft-com:office:office" xmlns:v="urn:schemas-microsoft-com:vml" xmlns:pvml="urn:schemas-microsoft-com:office:powerpoint" xmlns:com="http://schemas.openxmlformats.org/drawingml/2006/compatibility" xmlns:p14="http://schemas.microsoft.com/office/powerpoint/2010/main" xmlns:p15="http://schemas.microsoft.com/office/powerpoint/2012/main" xmlns:ahyp="http://schemas.microsoft.com/office/drawing/2018/hyperlinkcolor" showMasterPhAnim="0" showMasterSp="0">
+  <p:cSld>
+    <p:spTree>
+      <p:nvGrpSpPr>
+        <p:cNvPr id="68" name="Shape 68"/>
+        <p:cNvGrpSpPr/>
+        <p:nvPr/>
+      </p:nvGrpSpPr>
+      <p:grpSpPr>
+        <a:xfrm>
+          <a:off x="0" y="0"/>
+          <a:ext cx="0" cy="0"/>
+          <a:chOff x="0" y="0"/>
+          <a:chExt cx="0" cy="0"/>
+        </a:xfrm>
+      </p:grpSpPr>
+      <p:sp>
+        <p:nvSpPr>
+          <p:cNvPr id="69" name="Google Shape;69;g391342c0d9e_0_331:notes"/>
+          <p:cNvSpPr/>
+          <p:nvPr>
+            <p:ph idx="2" type="sldImg"/>
+          </p:nvPr>
+        </p:nvSpPr>
+        <p:spPr>
+          <a:xfrm>
+            <a:off x="381300" y="685800"/>
+            <a:ext cx="6096000" cy="3429000"/>
+          </a:xfrm>
+          <a:custGeom>
+            <a:rect b="b" l="l" r="r" t="t"/>
+            <a:pathLst>
+              <a:path extrusionOk="0" h="120000" w="120000">
+                <a:moveTo>
+                  <a:pt x="0" y="0"/>
+                </a:moveTo>
+                <a:lnTo>
+                  <a:pt x="120000" y="0"/>
+                </a:lnTo>
+                <a:lnTo>
+                  <a:pt x="120000" y="120000"/>
+                </a:lnTo>
+                <a:lnTo>
+                  <a:pt x="0" y="120000"/>
+                </a:lnTo>
+                <a:close/>
+              </a:path>
+            </a:pathLst>
+          </a:custGeom>
+        </p:spPr>
+      </p:sp>
+      <p:sp>
+        <p:nvSpPr>
+          <p:cNvPr id="70" name="Google Shape;70;g391342c0d9e_0_331:notes"/>
           <p:cNvSpPr txBox="1"/>
           <p:nvPr>
             <p:ph idx="1" type="body"/>
@@ -1919,7 +2619,7 @@
   <p:cSld>
     <p:spTree>
       <p:nvGrpSpPr>
-        <p:cNvPr id="75" name="Shape 75"/>
+        <p:cNvPr id="73" name="Shape 73"/>
         <p:cNvGrpSpPr/>
         <p:nvPr/>
       </p:nvGrpSpPr>
@@ -1933,7 +2633,7 @@
       </p:grpSpPr>
       <p:sp>
         <p:nvSpPr>
-          <p:cNvPr id="76" name="Google Shape;76;g3ab8fe2ff1a_0_16:notes"/>
+          <p:cNvPr id="74" name="Google Shape;74;g3ab8fe2ff1a_0_0:notes"/>
           <p:cNvSpPr/>
           <p:nvPr>
             <p:ph idx="2" type="sldImg"/>
@@ -1968,7 +2668,7 @@
       </p:sp>
       <p:sp>
         <p:nvSpPr>
-          <p:cNvPr id="77" name="Google Shape;77;g3ab8fe2ff1a_0_16:notes"/>
+          <p:cNvPr id="75" name="Google Shape;75;g3ab8fe2ff1a_0_0:notes"/>
           <p:cNvSpPr txBox="1"/>
           <p:nvPr>
             <p:ph idx="1" type="body"/>
@@ -2018,7 +2718,7 @@
   <p:cSld>
     <p:spTree>
       <p:nvGrpSpPr>
-        <p:cNvPr id="82" name="Shape 82"/>
+        <p:cNvPr id="80" name="Shape 80"/>
         <p:cNvGrpSpPr/>
         <p:nvPr/>
       </p:nvGrpSpPr>
@@ -2032,7 +2732,7 @@
       </p:grpSpPr>
       <p:sp>
         <p:nvSpPr>
-          <p:cNvPr id="83" name="Google Shape;83;g3ab8fe2ff1a_0_21:notes"/>
+          <p:cNvPr id="81" name="Google Shape;81;g3ab8fe2ff1a_0_16:notes"/>
           <p:cNvSpPr/>
           <p:nvPr>
             <p:ph idx="2" type="sldImg"/>
@@ -2067,7 +2767,7 @@
       </p:sp>
       <p:sp>
         <p:nvSpPr>
-          <p:cNvPr id="84" name="Google Shape;84;g3ab8fe2ff1a_0_21:notes"/>
+          <p:cNvPr id="82" name="Google Shape;82;g3ab8fe2ff1a_0_16:notes"/>
           <p:cNvSpPr txBox="1"/>
           <p:nvPr>
             <p:ph idx="1" type="body"/>
@@ -2117,7 +2817,7 @@
   <p:cSld>
     <p:spTree>
       <p:nvGrpSpPr>
-        <p:cNvPr id="89" name="Shape 89"/>
+        <p:cNvPr id="87" name="Shape 87"/>
         <p:cNvGrpSpPr/>
         <p:nvPr/>
       </p:nvGrpSpPr>
@@ -2131,7 +2831,7 @@
       </p:grpSpPr>
       <p:sp>
         <p:nvSpPr>
-          <p:cNvPr id="90" name="Google Shape;90;g391342c0d9e_0_1:notes"/>
+          <p:cNvPr id="88" name="Google Shape;88;g3ab8fe2ff1a_0_21:notes"/>
           <p:cNvSpPr/>
           <p:nvPr>
             <p:ph idx="2" type="sldImg"/>
@@ -2166,7 +2866,7 @@
       </p:sp>
       <p:sp>
         <p:nvSpPr>
-          <p:cNvPr id="91" name="Google Shape;91;g391342c0d9e_0_1:notes"/>
+          <p:cNvPr id="89" name="Google Shape;89;g3ab8fe2ff1a_0_21:notes"/>
           <p:cNvSpPr txBox="1"/>
           <p:nvPr>
             <p:ph idx="1" type="body"/>
@@ -2230,7 +2930,7 @@
       </p:grpSpPr>
       <p:sp>
         <p:nvSpPr>
-          <p:cNvPr id="95" name="Google Shape;95;g3ab8fe2ff1a_0_36:notes"/>
+          <p:cNvPr id="95" name="Google Shape;95;g391342c0d9e_0_1:notes"/>
           <p:cNvSpPr/>
           <p:nvPr>
             <p:ph idx="2" type="sldImg"/>
@@ -2265,7 +2965,7 @@
       </p:sp>
       <p:sp>
         <p:nvSpPr>
-          <p:cNvPr id="96" name="Google Shape;96;g3ab8fe2ff1a_0_36:notes"/>
+          <p:cNvPr id="96" name="Google Shape;96;g391342c0d9e_0_1:notes"/>
           <p:cNvSpPr txBox="1"/>
           <p:nvPr>
             <p:ph idx="1" type="body"/>
@@ -2315,7 +3015,7 @@
   <p:cSld>
     <p:spTree>
       <p:nvGrpSpPr>
-        <p:cNvPr id="100" name="Shape 100"/>
+        <p:cNvPr id="99" name="Shape 99"/>
         <p:cNvGrpSpPr/>
         <p:nvPr/>
       </p:nvGrpSpPr>
@@ -2329,7 +3029,7 @@
       </p:grpSpPr>
       <p:sp>
         <p:nvSpPr>
-          <p:cNvPr id="101" name="Google Shape;101;g391342c0d9e_0_31:notes"/>
+          <p:cNvPr id="100" name="Google Shape;100;g3ab8fe2ff1a_0_36:notes"/>
           <p:cNvSpPr/>
           <p:nvPr>
             <p:ph idx="2" type="sldImg"/>
@@ -2364,7 +3064,7 @@
       </p:sp>
       <p:sp>
         <p:nvSpPr>
-          <p:cNvPr id="102" name="Google Shape;102;g391342c0d9e_0_31:notes"/>
+          <p:cNvPr id="101" name="Google Shape;101;g3ab8fe2ff1a_0_36:notes"/>
           <p:cNvSpPr txBox="1"/>
           <p:nvPr>
             <p:ph idx="1" type="body"/>
@@ -2428,7 +3128,7 @@
       </p:grpSpPr>
       <p:sp>
         <p:nvSpPr>
-          <p:cNvPr id="106" name="Google Shape;106;g391342c0d9e_0_36:notes"/>
+          <p:cNvPr id="106" name="Google Shape;106;g391342c0d9e_0_31:notes"/>
           <p:cNvSpPr/>
           <p:nvPr>
             <p:ph idx="2" type="sldImg"/>
@@ -2463,7 +3163,7 @@
       </p:sp>
       <p:sp>
         <p:nvSpPr>
-          <p:cNvPr id="107" name="Google Shape;107;g391342c0d9e_0_36:notes"/>
+          <p:cNvPr id="107" name="Google Shape;107;g391342c0d9e_0_31:notes"/>
           <p:cNvSpPr txBox="1"/>
           <p:nvPr>
             <p:ph idx="1" type="body"/>
@@ -8183,7 +8883,7 @@
         </p:nvSpPr>
         <p:spPr>
           <a:xfrm>
-            <a:off x="3096250" y="1627200"/>
+            <a:off x="2987850" y="1510100"/>
             <a:ext cx="2951400" cy="1584300"/>
           </a:xfrm>
           <a:prstGeom prst="rect">
@@ -8226,7 +8926,7 @@
         </p:nvSpPr>
         <p:spPr>
           <a:xfrm>
-            <a:off x="3096363" y="3266930"/>
+            <a:off x="3096288" y="3509805"/>
             <a:ext cx="2951400" cy="701400"/>
           </a:xfrm>
           <a:prstGeom prst="rect">
@@ -8269,7 +8969,7 @@
   <p:cSld>
     <p:spTree>
       <p:nvGrpSpPr>
-        <p:cNvPr id="115" name="Shape 115"/>
+        <p:cNvPr id="113" name="Shape 113"/>
         <p:cNvGrpSpPr/>
         <p:nvPr/>
       </p:nvGrpSpPr>
@@ -8283,7 +8983,7 @@
       </p:grpSpPr>
       <p:sp>
         <p:nvSpPr>
-          <p:cNvPr id="116" name="Google Shape;116;p22"/>
+          <p:cNvPr id="114" name="Google Shape;114;p22"/>
           <p:cNvSpPr txBox="1"/>
           <p:nvPr>
             <p:ph type="title"/>
@@ -8315,7 +9015,7 @@
             </a:pPr>
             <a:r>
               <a:rPr lang="en"/>
-              <a:t>Diabetes</a:t>
+              <a:t>Iris.csv</a:t>
             </a:r>
             <a:endParaRPr/>
           </a:p>
@@ -8323,7 +9023,180 @@
       </p:sp>
       <p:sp>
         <p:nvSpPr>
-          <p:cNvPr id="117" name="Google Shape;117;p22"/>
+          <p:cNvPr id="115" name="Google Shape;115;p22"/>
+          <p:cNvSpPr txBox="1"/>
+          <p:nvPr>
+            <p:ph idx="1" type="body"/>
+          </p:nvPr>
+        </p:nvSpPr>
+        <p:spPr>
+          <a:xfrm>
+            <a:off x="311700" y="1152475"/>
+            <a:ext cx="8520600" cy="3416400"/>
+          </a:xfrm>
+          <a:prstGeom prst="rect">
+            <a:avLst/>
+          </a:prstGeom>
+        </p:spPr>
+        <p:txBody>
+          <a:bodyPr anchorCtr="0" anchor="t" bIns="91425" lIns="91425" spcFirstLastPara="1" rIns="91425" wrap="square" tIns="91425">
+            <a:normAutofit/>
+          </a:bodyPr>
+          <a:lstStyle/>
+          <a:p>
+            <a:pPr indent="-342900" lvl="0" marL="457200" rtl="0" algn="l">
+              <a:spcBef>
+                <a:spcPts val="0"/>
+              </a:spcBef>
+              <a:spcAft>
+                <a:spcPts val="0"/>
+              </a:spcAft>
+              <a:buClr>
+                <a:schemeClr val="accent1"/>
+              </a:buClr>
+              <a:buSzPts val="1800"/>
+              <a:buChar char="●"/>
+            </a:pPr>
+            <a:r>
+              <a:rPr lang="en">
+                <a:solidFill>
+                  <a:schemeClr val="accent1"/>
+                </a:solidFill>
+              </a:rPr>
+              <a:t>Widely accessible dataset, mainly used for testing algorithms. </a:t>
+            </a:r>
+            <a:endParaRPr>
+              <a:solidFill>
+                <a:schemeClr val="accent1"/>
+              </a:solidFill>
+            </a:endParaRPr>
+          </a:p>
+          <a:p>
+            <a:pPr indent="-342900" lvl="0" marL="457200" rtl="0" algn="l">
+              <a:spcBef>
+                <a:spcPts val="0"/>
+              </a:spcBef>
+              <a:spcAft>
+                <a:spcPts val="0"/>
+              </a:spcAft>
+              <a:buClr>
+                <a:schemeClr val="accent1"/>
+              </a:buClr>
+              <a:buSzPts val="1800"/>
+              <a:buChar char="●"/>
+            </a:pPr>
+            <a:r>
+              <a:rPr lang="en">
+                <a:solidFill>
+                  <a:schemeClr val="accent1"/>
+                </a:solidFill>
+              </a:rPr>
+              <a:t>Multiple constraints with one dependent variable.</a:t>
+            </a:r>
+            <a:endParaRPr>
+              <a:solidFill>
+                <a:schemeClr val="accent1"/>
+              </a:solidFill>
+            </a:endParaRPr>
+          </a:p>
+        </p:txBody>
+      </p:sp>
+      <p:pic>
+        <p:nvPicPr>
+          <p:cNvPr id="116" name="Google Shape;116;p22"/>
+          <p:cNvPicPr preferRelativeResize="0"/>
+          <p:nvPr/>
+        </p:nvPicPr>
+        <p:blipFill>
+          <a:blip r:embed="rId3">
+            <a:alphaModFix/>
+          </a:blip>
+          <a:stretch>
+            <a:fillRect/>
+          </a:stretch>
+        </p:blipFill>
+        <p:spPr>
+          <a:xfrm>
+            <a:off x="277875" y="1801875"/>
+            <a:ext cx="8588250" cy="3069526"/>
+          </a:xfrm>
+          <a:prstGeom prst="rect">
+            <a:avLst/>
+          </a:prstGeom>
+          <a:noFill/>
+          <a:ln>
+            <a:noFill/>
+          </a:ln>
+        </p:spPr>
+      </p:pic>
+    </p:spTree>
+  </p:cSld>
+  <p:clrMapOvr>
+    <a:masterClrMapping/>
+  </p:clrMapOvr>
+</p:sld>
+</file>
+
+<file path=ppt/slides/slide11.xml><?xml version="1.0" encoding="utf-8"?>
+<p:sld xmlns:a="http://schemas.openxmlformats.org/drawingml/2006/main" xmlns:r="http://schemas.openxmlformats.org/officeDocument/2006/relationships" xmlns:mc="http://schemas.openxmlformats.org/markup-compatibility/2006" xmlns:mv="urn:schemas-microsoft-com:mac:vml" xmlns:p="http://schemas.openxmlformats.org/presentationml/2006/main" xmlns:c="http://schemas.openxmlformats.org/drawingml/2006/chart" xmlns:dgm="http://schemas.openxmlformats.org/drawingml/2006/diagram" xmlns:o="urn:schemas-microsoft-com:office:office" xmlns:v="urn:schemas-microsoft-com:vml" xmlns:pvml="urn:schemas-microsoft-com:office:powerpoint" xmlns:com="http://schemas.openxmlformats.org/drawingml/2006/compatibility" xmlns:p14="http://schemas.microsoft.com/office/powerpoint/2010/main" xmlns:p15="http://schemas.microsoft.com/office/powerpoint/2012/main" xmlns:ahyp="http://schemas.microsoft.com/office/drawing/2018/hyperlinkcolor">
+  <p:cSld>
+    <p:spTree>
+      <p:nvGrpSpPr>
+        <p:cNvPr id="120" name="Shape 120"/>
+        <p:cNvGrpSpPr/>
+        <p:nvPr/>
+      </p:nvGrpSpPr>
+      <p:grpSpPr>
+        <a:xfrm>
+          <a:off x="0" y="0"/>
+          <a:ext cx="0" cy="0"/>
+          <a:chOff x="0" y="0"/>
+          <a:chExt cx="0" cy="0"/>
+        </a:xfrm>
+      </p:grpSpPr>
+      <p:sp>
+        <p:nvSpPr>
+          <p:cNvPr id="121" name="Google Shape;121;p23"/>
+          <p:cNvSpPr txBox="1"/>
+          <p:nvPr>
+            <p:ph type="title"/>
+          </p:nvPr>
+        </p:nvSpPr>
+        <p:spPr>
+          <a:xfrm>
+            <a:off x="311700" y="391350"/>
+            <a:ext cx="8520600" cy="626100"/>
+          </a:xfrm>
+          <a:prstGeom prst="rect">
+            <a:avLst/>
+          </a:prstGeom>
+        </p:spPr>
+        <p:txBody>
+          <a:bodyPr anchorCtr="0" anchor="t" bIns="91425" lIns="91425" spcFirstLastPara="1" rIns="91425" wrap="square" tIns="91425">
+            <a:normAutofit fontScale="90000"/>
+          </a:bodyPr>
+          <a:lstStyle/>
+          <a:p>
+            <a:pPr indent="0" lvl="0" marL="0" rtl="0" algn="l">
+              <a:spcBef>
+                <a:spcPts val="0"/>
+              </a:spcBef>
+              <a:spcAft>
+                <a:spcPts val="0"/>
+              </a:spcAft>
+              <a:buNone/>
+            </a:pPr>
+            <a:r>
+              <a:rPr lang="en"/>
+              <a:t>Diabetes.csv</a:t>
+            </a:r>
+            <a:endParaRPr/>
+          </a:p>
+        </p:txBody>
+      </p:sp>
+      <p:sp>
+        <p:nvSpPr>
+          <p:cNvPr id="122" name="Google Shape;122;p23"/>
           <p:cNvSpPr txBox="1"/>
           <p:nvPr>
             <p:ph idx="1" type="body"/>
@@ -8437,12 +9310,12 @@
 </p:sld>
 </file>
 
-<file path=ppt/slides/slide11.xml><?xml version="1.0" encoding="utf-8"?>
+<file path=ppt/slides/slide12.xml><?xml version="1.0" encoding="utf-8"?>
 <p:sld xmlns:a="http://schemas.openxmlformats.org/drawingml/2006/main" xmlns:r="http://schemas.openxmlformats.org/officeDocument/2006/relationships" xmlns:mc="http://schemas.openxmlformats.org/markup-compatibility/2006" xmlns:mv="urn:schemas-microsoft-com:mac:vml" xmlns:p="http://schemas.openxmlformats.org/presentationml/2006/main" xmlns:c="http://schemas.openxmlformats.org/drawingml/2006/chart" xmlns:dgm="http://schemas.openxmlformats.org/drawingml/2006/diagram" xmlns:o="urn:schemas-microsoft-com:office:office" xmlns:v="urn:schemas-microsoft-com:vml" xmlns:pvml="urn:schemas-microsoft-com:office:powerpoint" xmlns:com="http://schemas.openxmlformats.org/drawingml/2006/compatibility" xmlns:p14="http://schemas.microsoft.com/office/powerpoint/2010/main" xmlns:p15="http://schemas.microsoft.com/office/powerpoint/2012/main" xmlns:ahyp="http://schemas.microsoft.com/office/drawing/2018/hyperlinkcolor">
   <p:cSld>
     <p:spTree>
       <p:nvGrpSpPr>
-        <p:cNvPr id="121" name="Shape 121"/>
+        <p:cNvPr id="126" name="Shape 126"/>
         <p:cNvGrpSpPr/>
         <p:nvPr/>
       </p:nvGrpSpPr>
@@ -8456,7 +9329,7 @@
       </p:grpSpPr>
       <p:sp>
         <p:nvSpPr>
-          <p:cNvPr id="122" name="Google Shape;122;p23"/>
+          <p:cNvPr id="127" name="Google Shape;127;p24"/>
           <p:cNvSpPr txBox="1"/>
           <p:nvPr>
             <p:ph type="title"/>
@@ -8496,7 +9369,7 @@
       </p:sp>
       <p:sp>
         <p:nvSpPr>
-          <p:cNvPr id="123" name="Google Shape;123;p23"/>
+          <p:cNvPr id="128" name="Google Shape;128;p24"/>
           <p:cNvSpPr txBox="1"/>
           <p:nvPr>
             <p:ph idx="1" type="body"/>
@@ -8632,7 +9505,7 @@
       </p:sp>
       <p:pic>
         <p:nvPicPr>
-          <p:cNvPr id="124" name="Google Shape;124;p23"/>
+          <p:cNvPr id="129" name="Google Shape;129;p24"/>
           <p:cNvPicPr preferRelativeResize="0"/>
           <p:nvPr/>
         </p:nvPicPr>
@@ -8666,12 +9539,12 @@
 </p:sld>
 </file>
 
-<file path=ppt/slides/slide12.xml><?xml version="1.0" encoding="utf-8"?>
+<file path=ppt/slides/slide13.xml><?xml version="1.0" encoding="utf-8"?>
 <p:sld xmlns:a="http://schemas.openxmlformats.org/drawingml/2006/main" xmlns:r="http://schemas.openxmlformats.org/officeDocument/2006/relationships" xmlns:mc="http://schemas.openxmlformats.org/markup-compatibility/2006" xmlns:mv="urn:schemas-microsoft-com:mac:vml" xmlns:p="http://schemas.openxmlformats.org/presentationml/2006/main" xmlns:c="http://schemas.openxmlformats.org/drawingml/2006/chart" xmlns:dgm="http://schemas.openxmlformats.org/drawingml/2006/diagram" xmlns:o="urn:schemas-microsoft-com:office:office" xmlns:v="urn:schemas-microsoft-com:vml" xmlns:pvml="urn:schemas-microsoft-com:office:powerpoint" xmlns:com="http://schemas.openxmlformats.org/drawingml/2006/compatibility" xmlns:p14="http://schemas.microsoft.com/office/powerpoint/2010/main" xmlns:p15="http://schemas.microsoft.com/office/powerpoint/2012/main" xmlns:ahyp="http://schemas.microsoft.com/office/drawing/2018/hyperlinkcolor">
   <p:cSld>
     <p:spTree>
       <p:nvGrpSpPr>
-        <p:cNvPr id="128" name="Shape 128"/>
+        <p:cNvPr id="133" name="Shape 133"/>
         <p:cNvGrpSpPr/>
         <p:nvPr/>
       </p:nvGrpSpPr>
@@ -8685,7 +9558,100 @@
       </p:grpSpPr>
       <p:sp>
         <p:nvSpPr>
-          <p:cNvPr id="129" name="Google Shape;129;p24"/>
+          <p:cNvPr id="134" name="Google Shape;134;p25"/>
+          <p:cNvSpPr txBox="1"/>
+          <p:nvPr>
+            <p:ph type="title"/>
+          </p:nvPr>
+        </p:nvSpPr>
+        <p:spPr>
+          <a:xfrm>
+            <a:off x="311700" y="391350"/>
+            <a:ext cx="8520600" cy="626100"/>
+          </a:xfrm>
+          <a:prstGeom prst="rect">
+            <a:avLst/>
+          </a:prstGeom>
+        </p:spPr>
+        <p:txBody>
+          <a:bodyPr anchorCtr="0" anchor="t" bIns="91425" lIns="91425" spcFirstLastPara="1" rIns="91425" wrap="square" tIns="91425">
+            <a:normAutofit fontScale="90000"/>
+          </a:bodyPr>
+          <a:lstStyle/>
+          <a:p>
+            <a:pPr indent="0" lvl="0" marL="0" rtl="0" algn="l">
+              <a:spcBef>
+                <a:spcPts val="0"/>
+              </a:spcBef>
+              <a:spcAft>
+                <a:spcPts val="0"/>
+              </a:spcAft>
+              <a:buNone/>
+            </a:pPr>
+            <a:r>
+              <a:rPr lang="en"/>
+              <a:t>FlowChart</a:t>
+            </a:r>
+            <a:endParaRPr/>
+          </a:p>
+        </p:txBody>
+      </p:sp>
+      <p:pic>
+        <p:nvPicPr>
+          <p:cNvPr id="135" name="Google Shape;135;p25"/>
+          <p:cNvPicPr preferRelativeResize="0"/>
+          <p:nvPr/>
+        </p:nvPicPr>
+        <p:blipFill>
+          <a:blip r:embed="rId3">
+            <a:alphaModFix/>
+          </a:blip>
+          <a:stretch>
+            <a:fillRect/>
+          </a:stretch>
+        </p:blipFill>
+        <p:spPr>
+          <a:xfrm>
+            <a:off x="406638" y="2151050"/>
+            <a:ext cx="7724775" cy="1419225"/>
+          </a:xfrm>
+          <a:prstGeom prst="rect">
+            <a:avLst/>
+          </a:prstGeom>
+          <a:noFill/>
+          <a:ln>
+            <a:noFill/>
+          </a:ln>
+        </p:spPr>
+      </p:pic>
+    </p:spTree>
+  </p:cSld>
+  <p:clrMapOvr>
+    <a:masterClrMapping/>
+  </p:clrMapOvr>
+</p:sld>
+</file>
+
+<file path=ppt/slides/slide14.xml><?xml version="1.0" encoding="utf-8"?>
+<p:sld xmlns:a="http://schemas.openxmlformats.org/drawingml/2006/main" xmlns:r="http://schemas.openxmlformats.org/officeDocument/2006/relationships" xmlns:mc="http://schemas.openxmlformats.org/markup-compatibility/2006" xmlns:mv="urn:schemas-microsoft-com:mac:vml" xmlns:p="http://schemas.openxmlformats.org/presentationml/2006/main" xmlns:c="http://schemas.openxmlformats.org/drawingml/2006/chart" xmlns:dgm="http://schemas.openxmlformats.org/drawingml/2006/diagram" xmlns:o="urn:schemas-microsoft-com:office:office" xmlns:v="urn:schemas-microsoft-com:vml" xmlns:pvml="urn:schemas-microsoft-com:office:powerpoint" xmlns:com="http://schemas.openxmlformats.org/drawingml/2006/compatibility" xmlns:p14="http://schemas.microsoft.com/office/powerpoint/2010/main" xmlns:p15="http://schemas.microsoft.com/office/powerpoint/2012/main" xmlns:ahyp="http://schemas.microsoft.com/office/drawing/2018/hyperlinkcolor">
+  <p:cSld>
+    <p:spTree>
+      <p:nvGrpSpPr>
+        <p:cNvPr id="139" name="Shape 139"/>
+        <p:cNvGrpSpPr/>
+        <p:nvPr/>
+      </p:nvGrpSpPr>
+      <p:grpSpPr>
+        <a:xfrm>
+          <a:off x="0" y="0"/>
+          <a:ext cx="0" cy="0"/>
+          <a:chOff x="0" y="0"/>
+          <a:chExt cx="0" cy="0"/>
+        </a:xfrm>
+      </p:grpSpPr>
+      <p:sp>
+        <p:nvSpPr>
+          <p:cNvPr id="140" name="Google Shape;140;p26"/>
           <p:cNvSpPr txBox="1"/>
           <p:nvPr>
             <p:ph type="title"/>
@@ -8725,7 +9691,7 @@
       </p:sp>
       <p:sp>
         <p:nvSpPr>
-          <p:cNvPr id="130" name="Google Shape;130;p24"/>
+          <p:cNvPr id="141" name="Google Shape;141;p26"/>
           <p:cNvSpPr txBox="1"/>
           <p:nvPr>
             <p:ph idx="1" type="body"/>
@@ -8770,12 +9736,12 @@
 </p:sld>
 </file>
 
-<file path=ppt/slides/slide13.xml><?xml version="1.0" encoding="utf-8"?>
+<file path=ppt/slides/slide15.xml><?xml version="1.0" encoding="utf-8"?>
 <p:sld xmlns:a="http://schemas.openxmlformats.org/drawingml/2006/main" xmlns:r="http://schemas.openxmlformats.org/officeDocument/2006/relationships" xmlns:mc="http://schemas.openxmlformats.org/markup-compatibility/2006" xmlns:mv="urn:schemas-microsoft-com:mac:vml" xmlns:p="http://schemas.openxmlformats.org/presentationml/2006/main" xmlns:c="http://schemas.openxmlformats.org/drawingml/2006/chart" xmlns:dgm="http://schemas.openxmlformats.org/drawingml/2006/diagram" xmlns:o="urn:schemas-microsoft-com:office:office" xmlns:v="urn:schemas-microsoft-com:vml" xmlns:pvml="urn:schemas-microsoft-com:office:powerpoint" xmlns:com="http://schemas.openxmlformats.org/drawingml/2006/compatibility" xmlns:p14="http://schemas.microsoft.com/office/powerpoint/2010/main" xmlns:p15="http://schemas.microsoft.com/office/powerpoint/2012/main" xmlns:ahyp="http://schemas.microsoft.com/office/drawing/2018/hyperlinkcolor">
   <p:cSld>
     <p:spTree>
       <p:nvGrpSpPr>
-        <p:cNvPr id="134" name="Shape 134"/>
+        <p:cNvPr id="145" name="Shape 145"/>
         <p:cNvGrpSpPr/>
         <p:nvPr/>
       </p:nvGrpSpPr>
@@ -8789,7 +9755,7 @@
       </p:grpSpPr>
       <p:sp>
         <p:nvSpPr>
-          <p:cNvPr id="135" name="Google Shape;135;p25"/>
+          <p:cNvPr id="146" name="Google Shape;146;p27"/>
           <p:cNvSpPr txBox="1"/>
           <p:nvPr>
             <p:ph type="title"/>
@@ -8829,7 +9795,7 @@
       </p:sp>
       <p:sp>
         <p:nvSpPr>
-          <p:cNvPr id="136" name="Google Shape;136;p25"/>
+          <p:cNvPr id="147" name="Google Shape;147;p27"/>
           <p:cNvSpPr txBox="1"/>
           <p:nvPr>
             <p:ph idx="1" type="body"/>
@@ -8860,21 +9826,21 @@
               <a:buNone/>
             </a:pPr>
             <a:r>
-              <a:rPr lang="en" sz="1150">
+              <a:rPr lang="en" sz="750">
                 <a:solidFill>
                   <a:schemeClr val="accent1"/>
                 </a:solidFill>
               </a:rPr>
-              <a:t>The algorithm first gets the raw data from the file. In the example listed, we used csv or excel files for our data. The data would then get broken down for common attributes. In the data, we have the luxury to having the attributes defined for us.</a:t>
+              <a:t>The algorithm first gets the raw data from the file. The data would then get broken down for common attributes. In the data, we have the luxury to having the attributes defined for us.</a:t>
             </a:r>
-            <a:endParaRPr sz="1150">
+            <a:endParaRPr sz="750">
               <a:solidFill>
                 <a:schemeClr val="accent1"/>
               </a:solidFill>
             </a:endParaRPr>
           </a:p>
           <a:p>
-            <a:pPr indent="-342900" lvl="0" marL="457200" rtl="0" algn="l">
+            <a:pPr indent="-317500" lvl="0" marL="457200" rtl="0" algn="l">
               <a:spcBef>
                 <a:spcPts val="1200"/>
               </a:spcBef>
@@ -8884,18 +9850,18 @@
               <a:buClr>
                 <a:schemeClr val="accent1"/>
               </a:buClr>
-              <a:buSzPts val="1800"/>
+              <a:buSzPts val="1400"/>
               <a:buChar char="●"/>
             </a:pPr>
             <a:r>
-              <a:rPr lang="en">
+              <a:rPr lang="en" sz="1400">
                 <a:solidFill>
                   <a:schemeClr val="accent1"/>
                 </a:solidFill>
               </a:rPr>
-              <a:t>The data stored would later be sorted by values, in accordance to their. Because the data we would be processing mainly focuses on numbers and integers, we didn’t design the sorting algorithm to handle strings, just issued a warning.</a:t>
+              <a:t>Because the (factoring) data we would be processing mainly focuses on numbers and integers, there’s no contingency for  handling strings outside of a warning.</a:t>
             </a:r>
-            <a:endParaRPr>
+            <a:endParaRPr sz="1400">
               <a:solidFill>
                 <a:schemeClr val="accent1"/>
               </a:solidFill>
@@ -8905,7 +9871,7 @@
       </p:sp>
       <p:pic>
         <p:nvPicPr>
-          <p:cNvPr id="137" name="Google Shape;137;p25"/>
+          <p:cNvPr id="148" name="Google Shape;148;p27"/>
           <p:cNvPicPr preferRelativeResize="0"/>
           <p:nvPr/>
         </p:nvPicPr>
@@ -8919,8 +9885,8 @@
         </p:blipFill>
         <p:spPr>
           <a:xfrm>
-            <a:off x="5596425" y="1634775"/>
-            <a:ext cx="3547575" cy="1647575"/>
+            <a:off x="3148550" y="2974850"/>
+            <a:ext cx="5995450" cy="1647575"/>
           </a:xfrm>
           <a:prstGeom prst="rect">
             <a:avLst/>
@@ -8939,12 +9905,12 @@
 </p:sld>
 </file>
 
-<file path=ppt/slides/slide14.xml><?xml version="1.0" encoding="utf-8"?>
+<file path=ppt/slides/slide16.xml><?xml version="1.0" encoding="utf-8"?>
 <p:sld xmlns:a="http://schemas.openxmlformats.org/drawingml/2006/main" xmlns:r="http://schemas.openxmlformats.org/officeDocument/2006/relationships" xmlns:mc="http://schemas.openxmlformats.org/markup-compatibility/2006" xmlns:mv="urn:schemas-microsoft-com:mac:vml" xmlns:p="http://schemas.openxmlformats.org/presentationml/2006/main" xmlns:c="http://schemas.openxmlformats.org/drawingml/2006/chart" xmlns:dgm="http://schemas.openxmlformats.org/drawingml/2006/diagram" xmlns:o="urn:schemas-microsoft-com:office:office" xmlns:v="urn:schemas-microsoft-com:vml" xmlns:pvml="urn:schemas-microsoft-com:office:powerpoint" xmlns:com="http://schemas.openxmlformats.org/drawingml/2006/compatibility" xmlns:p14="http://schemas.microsoft.com/office/powerpoint/2010/main" xmlns:p15="http://schemas.microsoft.com/office/powerpoint/2012/main" xmlns:ahyp="http://schemas.microsoft.com/office/drawing/2018/hyperlinkcolor">
   <p:cSld>
     <p:spTree>
       <p:nvGrpSpPr>
-        <p:cNvPr id="141" name="Shape 141"/>
+        <p:cNvPr id="152" name="Shape 152"/>
         <p:cNvGrpSpPr/>
         <p:nvPr/>
       </p:nvGrpSpPr>
@@ -8958,7 +9924,271 @@
       </p:grpSpPr>
       <p:sp>
         <p:nvSpPr>
-          <p:cNvPr id="142" name="Google Shape;142;p26"/>
+          <p:cNvPr id="153" name="Google Shape;153;p28"/>
+          <p:cNvSpPr txBox="1"/>
+          <p:nvPr>
+            <p:ph type="title"/>
+          </p:nvPr>
+        </p:nvSpPr>
+        <p:spPr>
+          <a:xfrm>
+            <a:off x="311700" y="391350"/>
+            <a:ext cx="8520600" cy="626100"/>
+          </a:xfrm>
+          <a:prstGeom prst="rect">
+            <a:avLst/>
+          </a:prstGeom>
+        </p:spPr>
+        <p:txBody>
+          <a:bodyPr anchorCtr="0" anchor="t" bIns="91425" lIns="91425" spcFirstLastPara="1" rIns="91425" wrap="square" tIns="91425">
+            <a:normAutofit fontScale="90000"/>
+          </a:bodyPr>
+          <a:lstStyle/>
+          <a:p>
+            <a:pPr indent="0" lvl="0" marL="0" rtl="0" algn="l">
+              <a:spcBef>
+                <a:spcPts val="0"/>
+              </a:spcBef>
+              <a:spcAft>
+                <a:spcPts val="0"/>
+              </a:spcAft>
+              <a:buNone/>
+            </a:pPr>
+            <a:r>
+              <a:rPr lang="en"/>
+              <a:t>Normalization</a:t>
+            </a:r>
+            <a:endParaRPr/>
+          </a:p>
+        </p:txBody>
+      </p:sp>
+      <p:sp>
+        <p:nvSpPr>
+          <p:cNvPr id="154" name="Google Shape;154;p28"/>
+          <p:cNvSpPr txBox="1"/>
+          <p:nvPr>
+            <p:ph idx="1" type="body"/>
+          </p:nvPr>
+        </p:nvSpPr>
+        <p:spPr>
+          <a:xfrm>
+            <a:off x="311700" y="1152475"/>
+            <a:ext cx="8520600" cy="3416400"/>
+          </a:xfrm>
+          <a:prstGeom prst="rect">
+            <a:avLst/>
+          </a:prstGeom>
+        </p:spPr>
+        <p:txBody>
+          <a:bodyPr anchorCtr="0" anchor="t" bIns="91425" lIns="91425" spcFirstLastPara="1" rIns="91425" wrap="square" tIns="91425">
+            <a:normAutofit/>
+          </a:bodyPr>
+          <a:lstStyle/>
+          <a:p>
+            <a:pPr indent="0" lvl="0" marL="0" rtl="0" algn="l">
+              <a:spcBef>
+                <a:spcPts val="0"/>
+              </a:spcBef>
+              <a:spcAft>
+                <a:spcPts val="1200"/>
+              </a:spcAft>
+              <a:buNone/>
+            </a:pPr>
+            <a:r>
+              <a:t/>
+            </a:r>
+            <a:endParaRPr/>
+          </a:p>
+        </p:txBody>
+      </p:sp>
+      <p:pic>
+        <p:nvPicPr>
+          <p:cNvPr id="155" name="Google Shape;155;p28" title="Screenshot 2025-12-02 080145.png"/>
+          <p:cNvPicPr preferRelativeResize="0"/>
+          <p:nvPr/>
+        </p:nvPicPr>
+        <p:blipFill>
+          <a:blip r:embed="rId3">
+            <a:alphaModFix/>
+          </a:blip>
+          <a:stretch>
+            <a:fillRect/>
+          </a:stretch>
+        </p:blipFill>
+        <p:spPr>
+          <a:xfrm>
+            <a:off x="1814500" y="2607150"/>
+            <a:ext cx="5514975" cy="1200150"/>
+          </a:xfrm>
+          <a:prstGeom prst="rect">
+            <a:avLst/>
+          </a:prstGeom>
+          <a:noFill/>
+          <a:ln>
+            <a:noFill/>
+          </a:ln>
+        </p:spPr>
+      </p:pic>
+    </p:spTree>
+  </p:cSld>
+  <p:clrMapOvr>
+    <a:masterClrMapping/>
+  </p:clrMapOvr>
+</p:sld>
+</file>
+
+<file path=ppt/slides/slide17.xml><?xml version="1.0" encoding="utf-8"?>
+<p:sld xmlns:a="http://schemas.openxmlformats.org/drawingml/2006/main" xmlns:r="http://schemas.openxmlformats.org/officeDocument/2006/relationships" xmlns:mc="http://schemas.openxmlformats.org/markup-compatibility/2006" xmlns:mv="urn:schemas-microsoft-com:mac:vml" xmlns:p="http://schemas.openxmlformats.org/presentationml/2006/main" xmlns:c="http://schemas.openxmlformats.org/drawingml/2006/chart" xmlns:dgm="http://schemas.openxmlformats.org/drawingml/2006/diagram" xmlns:o="urn:schemas-microsoft-com:office:office" xmlns:v="urn:schemas-microsoft-com:vml" xmlns:pvml="urn:schemas-microsoft-com:office:powerpoint" xmlns:com="http://schemas.openxmlformats.org/drawingml/2006/compatibility" xmlns:p14="http://schemas.microsoft.com/office/powerpoint/2010/main" xmlns:p15="http://schemas.microsoft.com/office/powerpoint/2012/main" xmlns:ahyp="http://schemas.microsoft.com/office/drawing/2018/hyperlinkcolor">
+  <p:cSld>
+    <p:spTree>
+      <p:nvGrpSpPr>
+        <p:cNvPr id="159" name="Shape 159"/>
+        <p:cNvGrpSpPr/>
+        <p:nvPr/>
+      </p:nvGrpSpPr>
+      <p:grpSpPr>
+        <a:xfrm>
+          <a:off x="0" y="0"/>
+          <a:ext cx="0" cy="0"/>
+          <a:chOff x="0" y="0"/>
+          <a:chExt cx="0" cy="0"/>
+        </a:xfrm>
+      </p:grpSpPr>
+      <p:sp>
+        <p:nvSpPr>
+          <p:cNvPr id="160" name="Google Shape;160;p29"/>
+          <p:cNvSpPr txBox="1"/>
+          <p:nvPr>
+            <p:ph type="title"/>
+          </p:nvPr>
+        </p:nvSpPr>
+        <p:spPr>
+          <a:xfrm>
+            <a:off x="311700" y="391350"/>
+            <a:ext cx="8520600" cy="626100"/>
+          </a:xfrm>
+          <a:prstGeom prst="rect">
+            <a:avLst/>
+          </a:prstGeom>
+        </p:spPr>
+        <p:txBody>
+          <a:bodyPr anchorCtr="0" anchor="t" bIns="91425" lIns="91425" spcFirstLastPara="1" rIns="91425" wrap="square" tIns="91425">
+            <a:normAutofit fontScale="90000"/>
+          </a:bodyPr>
+          <a:lstStyle/>
+          <a:p>
+            <a:pPr indent="0" lvl="0" marL="0" rtl="0" algn="l">
+              <a:spcBef>
+                <a:spcPts val="0"/>
+              </a:spcBef>
+              <a:spcAft>
+                <a:spcPts val="0"/>
+              </a:spcAft>
+              <a:buNone/>
+            </a:pPr>
+            <a:r>
+              <a:rPr lang="en"/>
+              <a:t>Identifying Classifications</a:t>
+            </a:r>
+            <a:endParaRPr/>
+          </a:p>
+        </p:txBody>
+      </p:sp>
+      <p:sp>
+        <p:nvSpPr>
+          <p:cNvPr id="161" name="Google Shape;161;p29"/>
+          <p:cNvSpPr txBox="1"/>
+          <p:nvPr>
+            <p:ph idx="1" type="body"/>
+          </p:nvPr>
+        </p:nvSpPr>
+        <p:spPr>
+          <a:xfrm>
+            <a:off x="311700" y="1152475"/>
+            <a:ext cx="8520600" cy="3416400"/>
+          </a:xfrm>
+          <a:prstGeom prst="rect">
+            <a:avLst/>
+          </a:prstGeom>
+        </p:spPr>
+        <p:txBody>
+          <a:bodyPr anchorCtr="0" anchor="t" bIns="91425" lIns="91425" spcFirstLastPara="1" rIns="91425" wrap="square" tIns="91425">
+            <a:normAutofit/>
+          </a:bodyPr>
+          <a:lstStyle/>
+          <a:p>
+            <a:pPr indent="0" lvl="0" marL="0" rtl="0" algn="l">
+              <a:spcBef>
+                <a:spcPts val="0"/>
+              </a:spcBef>
+              <a:spcAft>
+                <a:spcPts val="1200"/>
+              </a:spcAft>
+              <a:buNone/>
+            </a:pPr>
+            <a:r>
+              <a:t/>
+            </a:r>
+            <a:endParaRPr/>
+          </a:p>
+        </p:txBody>
+      </p:sp>
+      <p:pic>
+        <p:nvPicPr>
+          <p:cNvPr id="162" name="Google Shape;162;p29"/>
+          <p:cNvPicPr preferRelativeResize="0"/>
+          <p:nvPr/>
+        </p:nvPicPr>
+        <p:blipFill>
+          <a:blip r:embed="rId3">
+            <a:alphaModFix/>
+          </a:blip>
+          <a:stretch>
+            <a:fillRect/>
+          </a:stretch>
+        </p:blipFill>
+        <p:spPr>
+          <a:xfrm>
+            <a:off x="1946709" y="1792300"/>
+            <a:ext cx="5250574" cy="2376075"/>
+          </a:xfrm>
+          <a:prstGeom prst="rect">
+            <a:avLst/>
+          </a:prstGeom>
+          <a:noFill/>
+          <a:ln>
+            <a:noFill/>
+          </a:ln>
+        </p:spPr>
+      </p:pic>
+    </p:spTree>
+  </p:cSld>
+  <p:clrMapOvr>
+    <a:masterClrMapping/>
+  </p:clrMapOvr>
+</p:sld>
+</file>
+
+<file path=ppt/slides/slide18.xml><?xml version="1.0" encoding="utf-8"?>
+<p:sld xmlns:a="http://schemas.openxmlformats.org/drawingml/2006/main" xmlns:r="http://schemas.openxmlformats.org/officeDocument/2006/relationships" xmlns:mc="http://schemas.openxmlformats.org/markup-compatibility/2006" xmlns:mv="urn:schemas-microsoft-com:mac:vml" xmlns:p="http://schemas.openxmlformats.org/presentationml/2006/main" xmlns:c="http://schemas.openxmlformats.org/drawingml/2006/chart" xmlns:dgm="http://schemas.openxmlformats.org/drawingml/2006/diagram" xmlns:o="urn:schemas-microsoft-com:office:office" xmlns:v="urn:schemas-microsoft-com:vml" xmlns:pvml="urn:schemas-microsoft-com:office:powerpoint" xmlns:com="http://schemas.openxmlformats.org/drawingml/2006/compatibility" xmlns:p14="http://schemas.microsoft.com/office/powerpoint/2010/main" xmlns:p15="http://schemas.microsoft.com/office/powerpoint/2012/main" xmlns:ahyp="http://schemas.microsoft.com/office/drawing/2018/hyperlinkcolor">
+  <p:cSld>
+    <p:spTree>
+      <p:nvGrpSpPr>
+        <p:cNvPr id="166" name="Shape 166"/>
+        <p:cNvGrpSpPr/>
+        <p:nvPr/>
+      </p:nvGrpSpPr>
+      <p:grpSpPr>
+        <a:xfrm>
+          <a:off x="0" y="0"/>
+          <a:ext cx="0" cy="0"/>
+          <a:chOff x="0" y="0"/>
+          <a:chExt cx="0" cy="0"/>
+        </a:xfrm>
+      </p:grpSpPr>
+      <p:sp>
+        <p:nvSpPr>
+          <p:cNvPr id="167" name="Google Shape;167;p30"/>
           <p:cNvSpPr txBox="1"/>
           <p:nvPr>
             <p:ph type="title"/>
@@ -8998,7 +10228,7 @@
       </p:sp>
       <p:sp>
         <p:nvSpPr>
-          <p:cNvPr id="143" name="Google Shape;143;p26"/>
+          <p:cNvPr id="168" name="Google Shape;168;p30"/>
           <p:cNvSpPr txBox="1"/>
           <p:nvPr>
             <p:ph idx="1" type="body"/>
@@ -9122,12 +10352,12 @@
 </p:sld>
 </file>
 
-<file path=ppt/slides/slide15.xml><?xml version="1.0" encoding="utf-8"?>
+<file path=ppt/slides/slide19.xml><?xml version="1.0" encoding="utf-8"?>
 <p:sld xmlns:a="http://schemas.openxmlformats.org/drawingml/2006/main" xmlns:r="http://schemas.openxmlformats.org/officeDocument/2006/relationships" xmlns:mc="http://schemas.openxmlformats.org/markup-compatibility/2006" xmlns:mv="urn:schemas-microsoft-com:mac:vml" xmlns:p="http://schemas.openxmlformats.org/presentationml/2006/main" xmlns:c="http://schemas.openxmlformats.org/drawingml/2006/chart" xmlns:dgm="http://schemas.openxmlformats.org/drawingml/2006/diagram" xmlns:o="urn:schemas-microsoft-com:office:office" xmlns:v="urn:schemas-microsoft-com:vml" xmlns:pvml="urn:schemas-microsoft-com:office:powerpoint" xmlns:com="http://schemas.openxmlformats.org/drawingml/2006/compatibility" xmlns:p14="http://schemas.microsoft.com/office/powerpoint/2010/main" xmlns:p15="http://schemas.microsoft.com/office/powerpoint/2012/main" xmlns:ahyp="http://schemas.microsoft.com/office/drawing/2018/hyperlinkcolor">
   <p:cSld>
     <p:spTree>
       <p:nvGrpSpPr>
-        <p:cNvPr id="147" name="Shape 147"/>
+        <p:cNvPr id="172" name="Shape 172"/>
         <p:cNvGrpSpPr/>
         <p:nvPr/>
       </p:nvGrpSpPr>
@@ -9141,7 +10371,7 @@
       </p:grpSpPr>
       <p:sp>
         <p:nvSpPr>
-          <p:cNvPr id="148" name="Google Shape;148;p27"/>
+          <p:cNvPr id="173" name="Google Shape;173;p31"/>
           <p:cNvSpPr txBox="1"/>
           <p:nvPr>
             <p:ph type="title"/>
@@ -9181,7 +10411,7 @@
       </p:sp>
       <p:sp>
         <p:nvSpPr>
-          <p:cNvPr id="149" name="Google Shape;149;p27"/>
+          <p:cNvPr id="174" name="Google Shape;174;p31"/>
           <p:cNvSpPr txBox="1"/>
           <p:nvPr>
             <p:ph idx="1" type="body"/>
@@ -9221,7 +10451,7 @@
       </p:sp>
       <p:pic>
         <p:nvPicPr>
-          <p:cNvPr id="150" name="Google Shape;150;p27"/>
+          <p:cNvPr id="175" name="Google Shape;175;p31"/>
           <p:cNvPicPr preferRelativeResize="0"/>
           <p:nvPr/>
         </p:nvPicPr>
@@ -9249,7 +10479,7 @@
       </p:pic>
       <p:pic>
         <p:nvPicPr>
-          <p:cNvPr id="151" name="Google Shape;151;p27"/>
+          <p:cNvPr id="176" name="Google Shape;176;p31"/>
           <p:cNvPicPr preferRelativeResize="0"/>
           <p:nvPr/>
         </p:nvPicPr>
@@ -9277,7 +10507,7 @@
       </p:pic>
       <p:sp>
         <p:nvSpPr>
-          <p:cNvPr id="152" name="Google Shape;152;p27"/>
+          <p:cNvPr id="177" name="Google Shape;177;p31"/>
           <p:cNvSpPr txBox="1"/>
           <p:nvPr/>
         </p:nvSpPr>
@@ -9344,590 +10574,6 @@
 </p:sld>
 </file>
 
-<file path=ppt/slides/slide16.xml><?xml version="1.0" encoding="utf-8"?>
-<p:sld xmlns:a="http://schemas.openxmlformats.org/drawingml/2006/main" xmlns:r="http://schemas.openxmlformats.org/officeDocument/2006/relationships" xmlns:mc="http://schemas.openxmlformats.org/markup-compatibility/2006" xmlns:mv="urn:schemas-microsoft-com:mac:vml" xmlns:p="http://schemas.openxmlformats.org/presentationml/2006/main" xmlns:c="http://schemas.openxmlformats.org/drawingml/2006/chart" xmlns:dgm="http://schemas.openxmlformats.org/drawingml/2006/diagram" xmlns:o="urn:schemas-microsoft-com:office:office" xmlns:v="urn:schemas-microsoft-com:vml" xmlns:pvml="urn:schemas-microsoft-com:office:powerpoint" xmlns:com="http://schemas.openxmlformats.org/drawingml/2006/compatibility" xmlns:p14="http://schemas.microsoft.com/office/powerpoint/2010/main" xmlns:p15="http://schemas.microsoft.com/office/powerpoint/2012/main" xmlns:ahyp="http://schemas.microsoft.com/office/drawing/2018/hyperlinkcolor">
-  <p:cSld>
-    <p:spTree>
-      <p:nvGrpSpPr>
-        <p:cNvPr id="156" name="Shape 156"/>
-        <p:cNvGrpSpPr/>
-        <p:nvPr/>
-      </p:nvGrpSpPr>
-      <p:grpSpPr>
-        <a:xfrm>
-          <a:off x="0" y="0"/>
-          <a:ext cx="0" cy="0"/>
-          <a:chOff x="0" y="0"/>
-          <a:chExt cx="0" cy="0"/>
-        </a:xfrm>
-      </p:grpSpPr>
-      <p:sp>
-        <p:nvSpPr>
-          <p:cNvPr id="157" name="Google Shape;157;p28"/>
-          <p:cNvSpPr txBox="1"/>
-          <p:nvPr>
-            <p:ph type="title"/>
-          </p:nvPr>
-        </p:nvSpPr>
-        <p:spPr>
-          <a:xfrm>
-            <a:off x="311700" y="391350"/>
-            <a:ext cx="8520600" cy="626100"/>
-          </a:xfrm>
-          <a:prstGeom prst="rect">
-            <a:avLst/>
-          </a:prstGeom>
-        </p:spPr>
-        <p:txBody>
-          <a:bodyPr anchorCtr="0" anchor="t" bIns="91425" lIns="91425" spcFirstLastPara="1" rIns="91425" wrap="square" tIns="91425">
-            <a:normAutofit fontScale="90000"/>
-          </a:bodyPr>
-          <a:lstStyle/>
-          <a:p>
-            <a:pPr indent="0" lvl="0" marL="0" rtl="0" algn="l">
-              <a:spcBef>
-                <a:spcPts val="0"/>
-              </a:spcBef>
-              <a:spcAft>
-                <a:spcPts val="0"/>
-              </a:spcAft>
-              <a:buNone/>
-            </a:pPr>
-            <a:r>
-              <a:rPr lang="en"/>
-              <a:t>Iris - Evaluations</a:t>
-            </a:r>
-            <a:endParaRPr/>
-          </a:p>
-        </p:txBody>
-      </p:sp>
-      <p:sp>
-        <p:nvSpPr>
-          <p:cNvPr id="158" name="Google Shape;158;p28"/>
-          <p:cNvSpPr txBox="1"/>
-          <p:nvPr>
-            <p:ph idx="1" type="body"/>
-          </p:nvPr>
-        </p:nvSpPr>
-        <p:spPr>
-          <a:xfrm>
-            <a:off x="333375" y="1224350"/>
-            <a:ext cx="3066000" cy="3340200"/>
-          </a:xfrm>
-          <a:prstGeom prst="rect">
-            <a:avLst/>
-          </a:prstGeom>
-        </p:spPr>
-        <p:txBody>
-          <a:bodyPr anchorCtr="0" anchor="t" bIns="91425" lIns="91425" spcFirstLastPara="1" rIns="91425" wrap="square" tIns="91425">
-            <a:normAutofit fontScale="92500" lnSpcReduction="20000"/>
-          </a:bodyPr>
-          <a:lstStyle/>
-          <a:p>
-            <a:pPr indent="0" lvl="0" marL="0" rtl="0" algn="l">
-              <a:spcBef>
-                <a:spcPts val="0"/>
-              </a:spcBef>
-              <a:spcAft>
-                <a:spcPts val="0"/>
-              </a:spcAft>
-              <a:buNone/>
-            </a:pPr>
-            <a:r>
-              <a:rPr lang="en"/>
-              <a:t>Incorrect.</a:t>
-            </a:r>
-            <a:endParaRPr/>
-          </a:p>
-          <a:p>
-            <a:pPr indent="0" lvl="0" marL="0" rtl="0" algn="l">
-              <a:spcBef>
-                <a:spcPts val="1200"/>
-              </a:spcBef>
-              <a:spcAft>
-                <a:spcPts val="0"/>
-              </a:spcAft>
-              <a:buNone/>
-            </a:pPr>
-            <a:r>
-              <a:rPr lang="en"/>
-              <a:t>model predicted: Virginica</a:t>
-            </a:r>
-            <a:endParaRPr/>
-          </a:p>
-          <a:p>
-            <a:pPr indent="0" lvl="0" marL="0" rtl="0" algn="l">
-              <a:spcBef>
-                <a:spcPts val="1200"/>
-              </a:spcBef>
-              <a:spcAft>
-                <a:spcPts val="0"/>
-              </a:spcAft>
-              <a:buNone/>
-            </a:pPr>
-            <a:r>
-              <a:rPr lang="en"/>
-              <a:t>correct value: Versicolor</a:t>
-            </a:r>
-            <a:endParaRPr/>
-          </a:p>
-          <a:p>
-            <a:pPr indent="0" lvl="0" marL="0" rtl="0" algn="l">
-              <a:spcBef>
-                <a:spcPts val="1200"/>
-              </a:spcBef>
-              <a:spcAft>
-                <a:spcPts val="0"/>
-              </a:spcAft>
-              <a:buNone/>
-            </a:pPr>
-            <a:r>
-              <a:t/>
-            </a:r>
-            <a:endParaRPr/>
-          </a:p>
-          <a:p>
-            <a:pPr indent="0" lvl="0" marL="0" rtl="0" algn="l">
-              <a:spcBef>
-                <a:spcPts val="1200"/>
-              </a:spcBef>
-              <a:spcAft>
-                <a:spcPts val="0"/>
-              </a:spcAft>
-              <a:buNone/>
-            </a:pPr>
-            <a:r>
-              <a:rPr lang="en"/>
-              <a:t>Ratio of correct model outcomes: 90.0%</a:t>
-            </a:r>
-            <a:endParaRPr/>
-          </a:p>
-          <a:p>
-            <a:pPr indent="0" lvl="0" marL="0" rtl="0" algn="l">
-              <a:spcBef>
-                <a:spcPts val="1200"/>
-              </a:spcBef>
-              <a:spcAft>
-                <a:spcPts val="0"/>
-              </a:spcAft>
-              <a:buNone/>
-            </a:pPr>
-            <a:r>
-              <a:rPr lang="en"/>
-              <a:t>Ratio of correct model outcomes: 100.0%</a:t>
-            </a:r>
-            <a:endParaRPr/>
-          </a:p>
-          <a:p>
-            <a:pPr indent="0" lvl="0" marL="0" rtl="0" algn="l">
-              <a:spcBef>
-                <a:spcPts val="1200"/>
-              </a:spcBef>
-              <a:spcAft>
-                <a:spcPts val="1200"/>
-              </a:spcAft>
-              <a:buNone/>
-            </a:pPr>
-            <a:r>
-              <a:t/>
-            </a:r>
-            <a:endParaRPr/>
-          </a:p>
-        </p:txBody>
-      </p:sp>
-      <p:pic>
-        <p:nvPicPr>
-          <p:cNvPr id="159" name="Google Shape;159;p28"/>
-          <p:cNvPicPr preferRelativeResize="0"/>
-          <p:nvPr/>
-        </p:nvPicPr>
-        <p:blipFill>
-          <a:blip r:embed="rId3">
-            <a:alphaModFix/>
-          </a:blip>
-          <a:stretch>
-            <a:fillRect/>
-          </a:stretch>
-        </p:blipFill>
-        <p:spPr>
-          <a:xfrm>
-            <a:off x="3551775" y="1262541"/>
-            <a:ext cx="5553976" cy="2618425"/>
-          </a:xfrm>
-          <a:prstGeom prst="rect">
-            <a:avLst/>
-          </a:prstGeom>
-          <a:noFill/>
-          <a:ln>
-            <a:noFill/>
-          </a:ln>
-        </p:spPr>
-      </p:pic>
-    </p:spTree>
-  </p:cSld>
-  <p:clrMapOvr>
-    <a:masterClrMapping/>
-  </p:clrMapOvr>
-</p:sld>
-</file>
-
-<file path=ppt/slides/slide17.xml><?xml version="1.0" encoding="utf-8"?>
-<p:sld xmlns:a="http://schemas.openxmlformats.org/drawingml/2006/main" xmlns:r="http://schemas.openxmlformats.org/officeDocument/2006/relationships" xmlns:mc="http://schemas.openxmlformats.org/markup-compatibility/2006" xmlns:mv="urn:schemas-microsoft-com:mac:vml" xmlns:p="http://schemas.openxmlformats.org/presentationml/2006/main" xmlns:c="http://schemas.openxmlformats.org/drawingml/2006/chart" xmlns:dgm="http://schemas.openxmlformats.org/drawingml/2006/diagram" xmlns:o="urn:schemas-microsoft-com:office:office" xmlns:v="urn:schemas-microsoft-com:vml" xmlns:pvml="urn:schemas-microsoft-com:office:powerpoint" xmlns:com="http://schemas.openxmlformats.org/drawingml/2006/compatibility" xmlns:p14="http://schemas.microsoft.com/office/powerpoint/2010/main" xmlns:p15="http://schemas.microsoft.com/office/powerpoint/2012/main" xmlns:ahyp="http://schemas.microsoft.com/office/drawing/2018/hyperlinkcolor">
-  <p:cSld>
-    <p:spTree>
-      <p:nvGrpSpPr>
-        <p:cNvPr id="163" name="Shape 163"/>
-        <p:cNvGrpSpPr/>
-        <p:nvPr/>
-      </p:nvGrpSpPr>
-      <p:grpSpPr>
-        <a:xfrm>
-          <a:off x="0" y="0"/>
-          <a:ext cx="0" cy="0"/>
-          <a:chOff x="0" y="0"/>
-          <a:chExt cx="0" cy="0"/>
-        </a:xfrm>
-      </p:grpSpPr>
-      <p:sp>
-        <p:nvSpPr>
-          <p:cNvPr id="164" name="Google Shape;164;p29"/>
-          <p:cNvSpPr txBox="1"/>
-          <p:nvPr>
-            <p:ph type="title"/>
-          </p:nvPr>
-        </p:nvSpPr>
-        <p:spPr>
-          <a:xfrm>
-            <a:off x="311700" y="391350"/>
-            <a:ext cx="8520600" cy="626100"/>
-          </a:xfrm>
-          <a:prstGeom prst="rect">
-            <a:avLst/>
-          </a:prstGeom>
-        </p:spPr>
-        <p:txBody>
-          <a:bodyPr anchorCtr="0" anchor="t" bIns="91425" lIns="91425" spcFirstLastPara="1" rIns="91425" wrap="square" tIns="91425">
-            <a:normAutofit fontScale="90000"/>
-          </a:bodyPr>
-          <a:lstStyle/>
-          <a:p>
-            <a:pPr indent="0" lvl="0" marL="0" rtl="0" algn="l">
-              <a:spcBef>
-                <a:spcPts val="0"/>
-              </a:spcBef>
-              <a:spcAft>
-                <a:spcPts val="0"/>
-              </a:spcAft>
-              <a:buNone/>
-            </a:pPr>
-            <a:r>
-              <a:rPr lang="en"/>
-              <a:t>Iris - Evaluations</a:t>
-            </a:r>
-            <a:endParaRPr/>
-          </a:p>
-        </p:txBody>
-      </p:sp>
-      <p:sp>
-        <p:nvSpPr>
-          <p:cNvPr id="165" name="Google Shape;165;p29"/>
-          <p:cNvSpPr txBox="1"/>
-          <p:nvPr>
-            <p:ph idx="1" type="body"/>
-          </p:nvPr>
-        </p:nvSpPr>
-        <p:spPr>
-          <a:xfrm>
-            <a:off x="333375" y="1224350"/>
-            <a:ext cx="3066000" cy="3340200"/>
-          </a:xfrm>
-          <a:prstGeom prst="rect">
-            <a:avLst/>
-          </a:prstGeom>
-        </p:spPr>
-        <p:txBody>
-          <a:bodyPr anchorCtr="0" anchor="t" bIns="91425" lIns="91425" spcFirstLastPara="1" rIns="91425" wrap="square" tIns="91425">
-            <a:normAutofit/>
-          </a:bodyPr>
-          <a:lstStyle/>
-          <a:p>
-            <a:pPr indent="0" lvl="0" marL="0" rtl="0" algn="l">
-              <a:spcBef>
-                <a:spcPts val="0"/>
-              </a:spcBef>
-              <a:spcAft>
-                <a:spcPts val="0"/>
-              </a:spcAft>
-              <a:buNone/>
-            </a:pPr>
-            <a:r>
-              <a:rPr lang="en"/>
-              <a:t>The datapoint randomly pulled from the set had variety: Versicolor</a:t>
-            </a:r>
-            <a:endParaRPr/>
-          </a:p>
-          <a:p>
-            <a:pPr indent="0" lvl="0" marL="0" rtl="0" algn="l">
-              <a:spcBef>
-                <a:spcPts val="1200"/>
-              </a:spcBef>
-              <a:spcAft>
-                <a:spcPts val="0"/>
-              </a:spcAft>
-              <a:buNone/>
-            </a:pPr>
-            <a:r>
-              <a:rPr lang="en"/>
-              <a:t>The closest neighbors identified have </a:t>
-            </a:r>
-            <a:r>
-              <a:rPr lang="en"/>
-              <a:t>indices</a:t>
-            </a:r>
-            <a:r>
-              <a:rPr lang="en"/>
-              <a:t> [85, 50, 64, 76, 75, 51, 74]</a:t>
-            </a:r>
-            <a:endParaRPr/>
-          </a:p>
-          <a:p>
-            <a:pPr indent="0" lvl="0" marL="0" rtl="0" algn="l">
-              <a:spcBef>
-                <a:spcPts val="1200"/>
-              </a:spcBef>
-              <a:spcAft>
-                <a:spcPts val="1200"/>
-              </a:spcAft>
-              <a:buNone/>
-            </a:pPr>
-            <a:r>
-              <a:rPr lang="en"/>
-              <a:t>The model has classified the point as variety: Versicolor</a:t>
-            </a:r>
-            <a:endParaRPr/>
-          </a:p>
-        </p:txBody>
-      </p:sp>
-      <p:pic>
-        <p:nvPicPr>
-          <p:cNvPr id="166" name="Google Shape;166;p29"/>
-          <p:cNvPicPr preferRelativeResize="0"/>
-          <p:nvPr/>
-        </p:nvPicPr>
-        <p:blipFill>
-          <a:blip r:embed="rId3">
-            <a:alphaModFix/>
-          </a:blip>
-          <a:stretch>
-            <a:fillRect/>
-          </a:stretch>
-        </p:blipFill>
-        <p:spPr>
-          <a:xfrm>
-            <a:off x="3399375" y="1093850"/>
-            <a:ext cx="5744626" cy="3784851"/>
-          </a:xfrm>
-          <a:prstGeom prst="rect">
-            <a:avLst/>
-          </a:prstGeom>
-          <a:noFill/>
-          <a:ln>
-            <a:noFill/>
-          </a:ln>
-        </p:spPr>
-      </p:pic>
-    </p:spTree>
-  </p:cSld>
-  <p:clrMapOvr>
-    <a:masterClrMapping/>
-  </p:clrMapOvr>
-</p:sld>
-</file>
-
-<file path=ppt/slides/slide18.xml><?xml version="1.0" encoding="utf-8"?>
-<p:sld xmlns:a="http://schemas.openxmlformats.org/drawingml/2006/main" xmlns:r="http://schemas.openxmlformats.org/officeDocument/2006/relationships" xmlns:mc="http://schemas.openxmlformats.org/markup-compatibility/2006" xmlns:mv="urn:schemas-microsoft-com:mac:vml" xmlns:p="http://schemas.openxmlformats.org/presentationml/2006/main" xmlns:c="http://schemas.openxmlformats.org/drawingml/2006/chart" xmlns:dgm="http://schemas.openxmlformats.org/drawingml/2006/diagram" xmlns:o="urn:schemas-microsoft-com:office:office" xmlns:v="urn:schemas-microsoft-com:vml" xmlns:pvml="urn:schemas-microsoft-com:office:powerpoint" xmlns:com="http://schemas.openxmlformats.org/drawingml/2006/compatibility" xmlns:p14="http://schemas.microsoft.com/office/powerpoint/2010/main" xmlns:p15="http://schemas.microsoft.com/office/powerpoint/2012/main" xmlns:ahyp="http://schemas.microsoft.com/office/drawing/2018/hyperlinkcolor">
-  <p:cSld>
-    <p:spTree>
-      <p:nvGrpSpPr>
-        <p:cNvPr id="170" name="Shape 170"/>
-        <p:cNvGrpSpPr/>
-        <p:nvPr/>
-      </p:nvGrpSpPr>
-      <p:grpSpPr>
-        <a:xfrm>
-          <a:off x="0" y="0"/>
-          <a:ext cx="0" cy="0"/>
-          <a:chOff x="0" y="0"/>
-          <a:chExt cx="0" cy="0"/>
-        </a:xfrm>
-      </p:grpSpPr>
-      <p:sp>
-        <p:nvSpPr>
-          <p:cNvPr id="171" name="Google Shape;171;p30"/>
-          <p:cNvSpPr txBox="1"/>
-          <p:nvPr>
-            <p:ph type="title"/>
-          </p:nvPr>
-        </p:nvSpPr>
-        <p:spPr>
-          <a:xfrm>
-            <a:off x="311700" y="391350"/>
-            <a:ext cx="8520600" cy="626100"/>
-          </a:xfrm>
-          <a:prstGeom prst="rect">
-            <a:avLst/>
-          </a:prstGeom>
-        </p:spPr>
-        <p:txBody>
-          <a:bodyPr anchorCtr="0" anchor="t" bIns="91425" lIns="91425" spcFirstLastPara="1" rIns="91425" wrap="square" tIns="91425">
-            <a:normAutofit fontScale="90000"/>
-          </a:bodyPr>
-          <a:lstStyle/>
-          <a:p>
-            <a:pPr indent="0" lvl="0" marL="0" rtl="0" algn="l">
-              <a:spcBef>
-                <a:spcPts val="0"/>
-              </a:spcBef>
-              <a:spcAft>
-                <a:spcPts val="0"/>
-              </a:spcAft>
-              <a:buNone/>
-            </a:pPr>
-            <a:r>
-              <a:rPr lang="en"/>
-              <a:t>Diabetes</a:t>
-            </a:r>
-            <a:r>
-              <a:rPr lang="en"/>
-              <a:t> - Evaluations</a:t>
-            </a:r>
-            <a:endParaRPr/>
-          </a:p>
-        </p:txBody>
-      </p:sp>
-      <p:sp>
-        <p:nvSpPr>
-          <p:cNvPr id="172" name="Google Shape;172;p30"/>
-          <p:cNvSpPr txBox="1"/>
-          <p:nvPr>
-            <p:ph idx="1" type="body"/>
-          </p:nvPr>
-        </p:nvSpPr>
-        <p:spPr>
-          <a:xfrm>
-            <a:off x="311700" y="1228675"/>
-            <a:ext cx="2827800" cy="3340200"/>
-          </a:xfrm>
-          <a:prstGeom prst="rect">
-            <a:avLst/>
-          </a:prstGeom>
-        </p:spPr>
-        <p:txBody>
-          <a:bodyPr anchorCtr="0" anchor="t" bIns="91425" lIns="91425" spcFirstLastPara="1" rIns="91425" wrap="square" tIns="91425">
-            <a:normAutofit/>
-          </a:bodyPr>
-          <a:lstStyle/>
-          <a:p>
-            <a:pPr indent="0" lvl="0" marL="0" rtl="0" algn="l">
-              <a:spcBef>
-                <a:spcPts val="0"/>
-              </a:spcBef>
-              <a:spcAft>
-                <a:spcPts val="0"/>
-              </a:spcAft>
-              <a:buNone/>
-            </a:pPr>
-            <a:r>
-              <a:rPr lang="en"/>
-              <a:t>Outcome - 0, 1.</a:t>
-            </a:r>
-            <a:endParaRPr/>
-          </a:p>
-          <a:p>
-            <a:pPr indent="0" lvl="0" marL="0" rtl="0" algn="l">
-              <a:spcBef>
-                <a:spcPts val="1200"/>
-              </a:spcBef>
-              <a:spcAft>
-                <a:spcPts val="0"/>
-              </a:spcAft>
-              <a:buNone/>
-            </a:pPr>
-            <a:r>
-              <a:rPr lang="en"/>
-              <a:t>The datapoint randomly pulled from the set had Outcome: 0.0</a:t>
-            </a:r>
-            <a:endParaRPr/>
-          </a:p>
-          <a:p>
-            <a:pPr indent="0" lvl="0" marL="0" rtl="0" algn="l">
-              <a:spcBef>
-                <a:spcPts val="1200"/>
-              </a:spcBef>
-              <a:spcAft>
-                <a:spcPts val="0"/>
-              </a:spcAft>
-              <a:buNone/>
-            </a:pPr>
-            <a:r>
-              <a:rPr lang="en"/>
-              <a:t>The model has classified the point as Outcome: 0.0</a:t>
-            </a:r>
-            <a:endParaRPr/>
-          </a:p>
-          <a:p>
-            <a:pPr indent="0" lvl="0" marL="0" rtl="0" algn="l">
-              <a:spcBef>
-                <a:spcPts val="1200"/>
-              </a:spcBef>
-              <a:spcAft>
-                <a:spcPts val="1200"/>
-              </a:spcAft>
-              <a:buNone/>
-            </a:pPr>
-            <a:r>
-              <a:t/>
-            </a:r>
-            <a:endParaRPr/>
-          </a:p>
-        </p:txBody>
-      </p:sp>
-      <p:pic>
-        <p:nvPicPr>
-          <p:cNvPr id="173" name="Google Shape;173;p30"/>
-          <p:cNvPicPr preferRelativeResize="0"/>
-          <p:nvPr/>
-        </p:nvPicPr>
-        <p:blipFill>
-          <a:blip r:embed="rId3">
-            <a:alphaModFix/>
-          </a:blip>
-          <a:stretch>
-            <a:fillRect/>
-          </a:stretch>
-        </p:blipFill>
-        <p:spPr>
-          <a:xfrm>
-            <a:off x="3353225" y="1228675"/>
-            <a:ext cx="5811826" cy="3545225"/>
-          </a:xfrm>
-          <a:prstGeom prst="rect">
-            <a:avLst/>
-          </a:prstGeom>
-          <a:noFill/>
-          <a:ln>
-            <a:noFill/>
-          </a:ln>
-        </p:spPr>
-      </p:pic>
-    </p:spTree>
-  </p:cSld>
-  <p:clrMapOvr>
-    <a:masterClrMapping/>
-  </p:clrMapOvr>
-</p:sld>
-</file>
-
 <file path=ppt/slides/slide2.xml><?xml version="1.0" encoding="utf-8"?>
 <p:sld xmlns:a="http://schemas.openxmlformats.org/drawingml/2006/main" xmlns:r="http://schemas.openxmlformats.org/officeDocument/2006/relationships" xmlns:mc="http://schemas.openxmlformats.org/markup-compatibility/2006" xmlns:mv="urn:schemas-microsoft-com:mac:vml" xmlns:p="http://schemas.openxmlformats.org/presentationml/2006/main" xmlns:c="http://schemas.openxmlformats.org/drawingml/2006/chart" xmlns:dgm="http://schemas.openxmlformats.org/drawingml/2006/diagram" xmlns:o="urn:schemas-microsoft-com:office:office" xmlns:v="urn:schemas-microsoft-com:vml" xmlns:pvml="urn:schemas-microsoft-com:office:powerpoint" xmlns:com="http://schemas.openxmlformats.org/drawingml/2006/compatibility" xmlns:p14="http://schemas.microsoft.com/office/powerpoint/2010/main" xmlns:p15="http://schemas.microsoft.com/office/powerpoint/2012/main" xmlns:ahyp="http://schemas.microsoft.com/office/drawing/2018/hyperlinkcolor">
   <p:cSld>
@@ -10091,6 +10737,828 @@
           </a:ln>
         </p:spPr>
       </p:pic>
+    </p:spTree>
+  </p:cSld>
+  <p:clrMapOvr>
+    <a:masterClrMapping/>
+  </p:clrMapOvr>
+</p:sld>
+</file>
+
+<file path=ppt/slides/slide20.xml><?xml version="1.0" encoding="utf-8"?>
+<p:sld xmlns:a="http://schemas.openxmlformats.org/drawingml/2006/main" xmlns:r="http://schemas.openxmlformats.org/officeDocument/2006/relationships" xmlns:mc="http://schemas.openxmlformats.org/markup-compatibility/2006" xmlns:mv="urn:schemas-microsoft-com:mac:vml" xmlns:p="http://schemas.openxmlformats.org/presentationml/2006/main" xmlns:c="http://schemas.openxmlformats.org/drawingml/2006/chart" xmlns:dgm="http://schemas.openxmlformats.org/drawingml/2006/diagram" xmlns:o="urn:schemas-microsoft-com:office:office" xmlns:v="urn:schemas-microsoft-com:vml" xmlns:pvml="urn:schemas-microsoft-com:office:powerpoint" xmlns:com="http://schemas.openxmlformats.org/drawingml/2006/compatibility" xmlns:p14="http://schemas.microsoft.com/office/powerpoint/2010/main" xmlns:p15="http://schemas.microsoft.com/office/powerpoint/2012/main" xmlns:ahyp="http://schemas.microsoft.com/office/drawing/2018/hyperlinkcolor">
+  <p:cSld>
+    <p:spTree>
+      <p:nvGrpSpPr>
+        <p:cNvPr id="181" name="Shape 181"/>
+        <p:cNvGrpSpPr/>
+        <p:nvPr/>
+      </p:nvGrpSpPr>
+      <p:grpSpPr>
+        <a:xfrm>
+          <a:off x="0" y="0"/>
+          <a:ext cx="0" cy="0"/>
+          <a:chOff x="0" y="0"/>
+          <a:chExt cx="0" cy="0"/>
+        </a:xfrm>
+      </p:grpSpPr>
+      <p:sp>
+        <p:nvSpPr>
+          <p:cNvPr id="182" name="Google Shape;182;p32"/>
+          <p:cNvSpPr txBox="1"/>
+          <p:nvPr>
+            <p:ph type="title"/>
+          </p:nvPr>
+        </p:nvSpPr>
+        <p:spPr>
+          <a:xfrm>
+            <a:off x="311700" y="1233100"/>
+            <a:ext cx="8520600" cy="1610100"/>
+          </a:xfrm>
+          <a:prstGeom prst="rect">
+            <a:avLst/>
+          </a:prstGeom>
+        </p:spPr>
+        <p:txBody>
+          <a:bodyPr anchorCtr="0" anchor="b" bIns="91425" lIns="91425" spcFirstLastPara="1" rIns="91425" wrap="square" tIns="91425">
+            <a:normAutofit fontScale="90000"/>
+          </a:bodyPr>
+          <a:lstStyle/>
+          <a:p>
+            <a:pPr indent="0" lvl="0" marL="0" rtl="0" algn="ctr">
+              <a:spcBef>
+                <a:spcPts val="0"/>
+              </a:spcBef>
+              <a:spcAft>
+                <a:spcPts val="0"/>
+              </a:spcAft>
+              <a:buNone/>
+            </a:pPr>
+            <a:r>
+              <a:rPr lang="en"/>
+              <a:t>Evaluations</a:t>
+            </a:r>
+            <a:endParaRPr/>
+          </a:p>
+        </p:txBody>
+      </p:sp>
+      <p:sp>
+        <p:nvSpPr>
+          <p:cNvPr id="183" name="Google Shape;183;p32"/>
+          <p:cNvSpPr txBox="1"/>
+          <p:nvPr>
+            <p:ph idx="1" type="body"/>
+          </p:nvPr>
+        </p:nvSpPr>
+        <p:spPr>
+          <a:xfrm>
+            <a:off x="311700" y="2919450"/>
+            <a:ext cx="8520600" cy="1071600"/>
+          </a:xfrm>
+          <a:prstGeom prst="rect">
+            <a:avLst/>
+          </a:prstGeom>
+        </p:spPr>
+        <p:txBody>
+          <a:bodyPr anchorCtr="0" anchor="t" bIns="91425" lIns="91425" spcFirstLastPara="1" rIns="91425" wrap="square" tIns="91425">
+            <a:normAutofit/>
+          </a:bodyPr>
+          <a:lstStyle/>
+          <a:p>
+            <a:pPr indent="0" lvl="0" marL="0" rtl="0" algn="ctr">
+              <a:spcBef>
+                <a:spcPts val="0"/>
+              </a:spcBef>
+              <a:spcAft>
+                <a:spcPts val="1200"/>
+              </a:spcAft>
+              <a:buNone/>
+            </a:pPr>
+            <a:r>
+              <a:t/>
+            </a:r>
+            <a:endParaRPr/>
+          </a:p>
+        </p:txBody>
+      </p:sp>
+    </p:spTree>
+  </p:cSld>
+  <p:clrMapOvr>
+    <a:masterClrMapping/>
+  </p:clrMapOvr>
+</p:sld>
+</file>
+
+<file path=ppt/slides/slide21.xml><?xml version="1.0" encoding="utf-8"?>
+<p:sld xmlns:a="http://schemas.openxmlformats.org/drawingml/2006/main" xmlns:r="http://schemas.openxmlformats.org/officeDocument/2006/relationships" xmlns:mc="http://schemas.openxmlformats.org/markup-compatibility/2006" xmlns:mv="urn:schemas-microsoft-com:mac:vml" xmlns:p="http://schemas.openxmlformats.org/presentationml/2006/main" xmlns:c="http://schemas.openxmlformats.org/drawingml/2006/chart" xmlns:dgm="http://schemas.openxmlformats.org/drawingml/2006/diagram" xmlns:o="urn:schemas-microsoft-com:office:office" xmlns:v="urn:schemas-microsoft-com:vml" xmlns:pvml="urn:schemas-microsoft-com:office:powerpoint" xmlns:com="http://schemas.openxmlformats.org/drawingml/2006/compatibility" xmlns:p14="http://schemas.microsoft.com/office/powerpoint/2010/main" xmlns:p15="http://schemas.microsoft.com/office/powerpoint/2012/main" xmlns:ahyp="http://schemas.microsoft.com/office/drawing/2018/hyperlinkcolor">
+  <p:cSld>
+    <p:spTree>
+      <p:nvGrpSpPr>
+        <p:cNvPr id="187" name="Shape 187"/>
+        <p:cNvGrpSpPr/>
+        <p:nvPr/>
+      </p:nvGrpSpPr>
+      <p:grpSpPr>
+        <a:xfrm>
+          <a:off x="0" y="0"/>
+          <a:ext cx="0" cy="0"/>
+          <a:chOff x="0" y="0"/>
+          <a:chExt cx="0" cy="0"/>
+        </a:xfrm>
+      </p:grpSpPr>
+      <p:sp>
+        <p:nvSpPr>
+          <p:cNvPr id="188" name="Google Shape;188;p33"/>
+          <p:cNvSpPr txBox="1"/>
+          <p:nvPr>
+            <p:ph type="title"/>
+          </p:nvPr>
+        </p:nvSpPr>
+        <p:spPr>
+          <a:xfrm>
+            <a:off x="311700" y="391350"/>
+            <a:ext cx="8520600" cy="626100"/>
+          </a:xfrm>
+          <a:prstGeom prst="rect">
+            <a:avLst/>
+          </a:prstGeom>
+        </p:spPr>
+        <p:txBody>
+          <a:bodyPr anchorCtr="0" anchor="t" bIns="91425" lIns="91425" spcFirstLastPara="1" rIns="91425" wrap="square" tIns="91425">
+            <a:normAutofit fontScale="90000"/>
+          </a:bodyPr>
+          <a:lstStyle/>
+          <a:p>
+            <a:pPr indent="0" lvl="0" marL="0" rtl="0" algn="l">
+              <a:spcBef>
+                <a:spcPts val="0"/>
+              </a:spcBef>
+              <a:spcAft>
+                <a:spcPts val="0"/>
+              </a:spcAft>
+              <a:buNone/>
+            </a:pPr>
+            <a:r>
+              <a:rPr lang="en"/>
+              <a:t>Iris - Evaluations</a:t>
+            </a:r>
+            <a:endParaRPr/>
+          </a:p>
+        </p:txBody>
+      </p:sp>
+      <p:sp>
+        <p:nvSpPr>
+          <p:cNvPr id="189" name="Google Shape;189;p33"/>
+          <p:cNvSpPr txBox="1"/>
+          <p:nvPr>
+            <p:ph idx="1" type="body"/>
+          </p:nvPr>
+        </p:nvSpPr>
+        <p:spPr>
+          <a:xfrm>
+            <a:off x="333375" y="1224350"/>
+            <a:ext cx="3066000" cy="3340200"/>
+          </a:xfrm>
+          <a:prstGeom prst="rect">
+            <a:avLst/>
+          </a:prstGeom>
+        </p:spPr>
+        <p:txBody>
+          <a:bodyPr anchorCtr="0" anchor="t" bIns="91425" lIns="91425" spcFirstLastPara="1" rIns="91425" wrap="square" tIns="91425">
+            <a:normAutofit fontScale="92500" lnSpcReduction="20000"/>
+          </a:bodyPr>
+          <a:lstStyle/>
+          <a:p>
+            <a:pPr indent="0" lvl="0" marL="0" rtl="0" algn="l">
+              <a:spcBef>
+                <a:spcPts val="0"/>
+              </a:spcBef>
+              <a:spcAft>
+                <a:spcPts val="0"/>
+              </a:spcAft>
+              <a:buNone/>
+            </a:pPr>
+            <a:r>
+              <a:rPr lang="en"/>
+              <a:t>Results: </a:t>
+            </a:r>
+            <a:r>
+              <a:rPr lang="en"/>
+              <a:t>Incorrect.</a:t>
+            </a:r>
+            <a:endParaRPr/>
+          </a:p>
+          <a:p>
+            <a:pPr indent="0" lvl="0" marL="0" rtl="0" algn="l">
+              <a:spcBef>
+                <a:spcPts val="1200"/>
+              </a:spcBef>
+              <a:spcAft>
+                <a:spcPts val="0"/>
+              </a:spcAft>
+              <a:buNone/>
+            </a:pPr>
+            <a:r>
+              <a:rPr lang="en"/>
+              <a:t>model predicted: Virginica</a:t>
+            </a:r>
+            <a:endParaRPr/>
+          </a:p>
+          <a:p>
+            <a:pPr indent="0" lvl="0" marL="0" rtl="0" algn="l">
+              <a:spcBef>
+                <a:spcPts val="1200"/>
+              </a:spcBef>
+              <a:spcAft>
+                <a:spcPts val="0"/>
+              </a:spcAft>
+              <a:buNone/>
+            </a:pPr>
+            <a:r>
+              <a:rPr lang="en"/>
+              <a:t>correct value: Versicolor</a:t>
+            </a:r>
+            <a:endParaRPr/>
+          </a:p>
+          <a:p>
+            <a:pPr indent="0" lvl="0" marL="0" rtl="0" algn="l">
+              <a:spcBef>
+                <a:spcPts val="1200"/>
+              </a:spcBef>
+              <a:spcAft>
+                <a:spcPts val="0"/>
+              </a:spcAft>
+              <a:buNone/>
+            </a:pPr>
+            <a:r>
+              <a:t/>
+            </a:r>
+            <a:endParaRPr/>
+          </a:p>
+          <a:p>
+            <a:pPr indent="0" lvl="0" marL="0" rtl="0" algn="l">
+              <a:spcBef>
+                <a:spcPts val="1200"/>
+              </a:spcBef>
+              <a:spcAft>
+                <a:spcPts val="0"/>
+              </a:spcAft>
+              <a:buNone/>
+            </a:pPr>
+            <a:r>
+              <a:rPr lang="en"/>
+              <a:t>Ratio of correct model outcomes: 90.0%</a:t>
+            </a:r>
+            <a:endParaRPr/>
+          </a:p>
+          <a:p>
+            <a:pPr indent="0" lvl="0" marL="0" rtl="0" algn="l">
+              <a:spcBef>
+                <a:spcPts val="1200"/>
+              </a:spcBef>
+              <a:spcAft>
+                <a:spcPts val="0"/>
+              </a:spcAft>
+              <a:buNone/>
+            </a:pPr>
+            <a:r>
+              <a:rPr lang="en"/>
+              <a:t>Ratio of correct model outcomes: 100.0%</a:t>
+            </a:r>
+            <a:endParaRPr/>
+          </a:p>
+          <a:p>
+            <a:pPr indent="0" lvl="0" marL="0" rtl="0" algn="l">
+              <a:spcBef>
+                <a:spcPts val="1200"/>
+              </a:spcBef>
+              <a:spcAft>
+                <a:spcPts val="1200"/>
+              </a:spcAft>
+              <a:buNone/>
+            </a:pPr>
+            <a:r>
+              <a:t/>
+            </a:r>
+            <a:endParaRPr/>
+          </a:p>
+        </p:txBody>
+      </p:sp>
+      <p:pic>
+        <p:nvPicPr>
+          <p:cNvPr id="190" name="Google Shape;190;p33"/>
+          <p:cNvPicPr preferRelativeResize="0"/>
+          <p:nvPr/>
+        </p:nvPicPr>
+        <p:blipFill>
+          <a:blip r:embed="rId3">
+            <a:alphaModFix/>
+          </a:blip>
+          <a:stretch>
+            <a:fillRect/>
+          </a:stretch>
+        </p:blipFill>
+        <p:spPr>
+          <a:xfrm>
+            <a:off x="3551775" y="1262541"/>
+            <a:ext cx="5553976" cy="2618425"/>
+          </a:xfrm>
+          <a:prstGeom prst="rect">
+            <a:avLst/>
+          </a:prstGeom>
+          <a:noFill/>
+          <a:ln>
+            <a:noFill/>
+          </a:ln>
+        </p:spPr>
+      </p:pic>
+    </p:spTree>
+  </p:cSld>
+  <p:clrMapOvr>
+    <a:masterClrMapping/>
+  </p:clrMapOvr>
+</p:sld>
+</file>
+
+<file path=ppt/slides/slide22.xml><?xml version="1.0" encoding="utf-8"?>
+<p:sld xmlns:a="http://schemas.openxmlformats.org/drawingml/2006/main" xmlns:r="http://schemas.openxmlformats.org/officeDocument/2006/relationships" xmlns:mc="http://schemas.openxmlformats.org/markup-compatibility/2006" xmlns:mv="urn:schemas-microsoft-com:mac:vml" xmlns:p="http://schemas.openxmlformats.org/presentationml/2006/main" xmlns:c="http://schemas.openxmlformats.org/drawingml/2006/chart" xmlns:dgm="http://schemas.openxmlformats.org/drawingml/2006/diagram" xmlns:o="urn:schemas-microsoft-com:office:office" xmlns:v="urn:schemas-microsoft-com:vml" xmlns:pvml="urn:schemas-microsoft-com:office:powerpoint" xmlns:com="http://schemas.openxmlformats.org/drawingml/2006/compatibility" xmlns:p14="http://schemas.microsoft.com/office/powerpoint/2010/main" xmlns:p15="http://schemas.microsoft.com/office/powerpoint/2012/main" xmlns:ahyp="http://schemas.microsoft.com/office/drawing/2018/hyperlinkcolor">
+  <p:cSld>
+    <p:spTree>
+      <p:nvGrpSpPr>
+        <p:cNvPr id="194" name="Shape 194"/>
+        <p:cNvGrpSpPr/>
+        <p:nvPr/>
+      </p:nvGrpSpPr>
+      <p:grpSpPr>
+        <a:xfrm>
+          <a:off x="0" y="0"/>
+          <a:ext cx="0" cy="0"/>
+          <a:chOff x="0" y="0"/>
+          <a:chExt cx="0" cy="0"/>
+        </a:xfrm>
+      </p:grpSpPr>
+      <p:sp>
+        <p:nvSpPr>
+          <p:cNvPr id="195" name="Google Shape;195;p34"/>
+          <p:cNvSpPr txBox="1"/>
+          <p:nvPr>
+            <p:ph type="title"/>
+          </p:nvPr>
+        </p:nvSpPr>
+        <p:spPr>
+          <a:xfrm>
+            <a:off x="311700" y="391350"/>
+            <a:ext cx="8520600" cy="626100"/>
+          </a:xfrm>
+          <a:prstGeom prst="rect">
+            <a:avLst/>
+          </a:prstGeom>
+        </p:spPr>
+        <p:txBody>
+          <a:bodyPr anchorCtr="0" anchor="t" bIns="91425" lIns="91425" spcFirstLastPara="1" rIns="91425" wrap="square" tIns="91425">
+            <a:normAutofit fontScale="90000"/>
+          </a:bodyPr>
+          <a:lstStyle/>
+          <a:p>
+            <a:pPr indent="0" lvl="0" marL="0" rtl="0" algn="l">
+              <a:spcBef>
+                <a:spcPts val="0"/>
+              </a:spcBef>
+              <a:spcAft>
+                <a:spcPts val="0"/>
+              </a:spcAft>
+              <a:buNone/>
+            </a:pPr>
+            <a:r>
+              <a:rPr lang="en"/>
+              <a:t>Iris - Evaluations</a:t>
+            </a:r>
+            <a:endParaRPr/>
+          </a:p>
+        </p:txBody>
+      </p:sp>
+      <p:sp>
+        <p:nvSpPr>
+          <p:cNvPr id="196" name="Google Shape;196;p34"/>
+          <p:cNvSpPr txBox="1"/>
+          <p:nvPr>
+            <p:ph idx="1" type="body"/>
+          </p:nvPr>
+        </p:nvSpPr>
+        <p:spPr>
+          <a:xfrm>
+            <a:off x="333375" y="1224350"/>
+            <a:ext cx="3066000" cy="3340200"/>
+          </a:xfrm>
+          <a:prstGeom prst="rect">
+            <a:avLst/>
+          </a:prstGeom>
+        </p:spPr>
+        <p:txBody>
+          <a:bodyPr anchorCtr="0" anchor="t" bIns="91425" lIns="91425" spcFirstLastPara="1" rIns="91425" wrap="square" tIns="91425">
+            <a:normAutofit/>
+          </a:bodyPr>
+          <a:lstStyle/>
+          <a:p>
+            <a:pPr indent="0" lvl="0" marL="0" rtl="0" algn="l">
+              <a:spcBef>
+                <a:spcPts val="0"/>
+              </a:spcBef>
+              <a:spcAft>
+                <a:spcPts val="0"/>
+              </a:spcAft>
+              <a:buNone/>
+            </a:pPr>
+            <a:r>
+              <a:rPr lang="en"/>
+              <a:t>The datapoint randomly pulled from the set had variety: Versicolor</a:t>
+            </a:r>
+            <a:endParaRPr/>
+          </a:p>
+          <a:p>
+            <a:pPr indent="0" lvl="0" marL="0" rtl="0" algn="l">
+              <a:spcBef>
+                <a:spcPts val="1200"/>
+              </a:spcBef>
+              <a:spcAft>
+                <a:spcPts val="0"/>
+              </a:spcAft>
+              <a:buNone/>
+            </a:pPr>
+            <a:r>
+              <a:rPr lang="en"/>
+              <a:t>The closest neighbors identified have </a:t>
+            </a:r>
+            <a:r>
+              <a:rPr lang="en"/>
+              <a:t>indices</a:t>
+            </a:r>
+            <a:r>
+              <a:rPr lang="en"/>
+              <a:t> [85, 50, 64, 76, 75, 51, 74]</a:t>
+            </a:r>
+            <a:endParaRPr/>
+          </a:p>
+          <a:p>
+            <a:pPr indent="0" lvl="0" marL="0" rtl="0" algn="l">
+              <a:spcBef>
+                <a:spcPts val="1200"/>
+              </a:spcBef>
+              <a:spcAft>
+                <a:spcPts val="1200"/>
+              </a:spcAft>
+              <a:buNone/>
+            </a:pPr>
+            <a:r>
+              <a:rPr lang="en"/>
+              <a:t>The model has classified the point as variety: Versicolor</a:t>
+            </a:r>
+            <a:endParaRPr/>
+          </a:p>
+        </p:txBody>
+      </p:sp>
+      <p:pic>
+        <p:nvPicPr>
+          <p:cNvPr id="197" name="Google Shape;197;p34"/>
+          <p:cNvPicPr preferRelativeResize="0"/>
+          <p:nvPr/>
+        </p:nvPicPr>
+        <p:blipFill>
+          <a:blip r:embed="rId3">
+            <a:alphaModFix/>
+          </a:blip>
+          <a:stretch>
+            <a:fillRect/>
+          </a:stretch>
+        </p:blipFill>
+        <p:spPr>
+          <a:xfrm>
+            <a:off x="3399375" y="1093850"/>
+            <a:ext cx="5744626" cy="3784851"/>
+          </a:xfrm>
+          <a:prstGeom prst="rect">
+            <a:avLst/>
+          </a:prstGeom>
+          <a:noFill/>
+          <a:ln>
+            <a:noFill/>
+          </a:ln>
+        </p:spPr>
+      </p:pic>
+    </p:spTree>
+  </p:cSld>
+  <p:clrMapOvr>
+    <a:masterClrMapping/>
+  </p:clrMapOvr>
+</p:sld>
+</file>
+
+<file path=ppt/slides/slide23.xml><?xml version="1.0" encoding="utf-8"?>
+<p:sld xmlns:a="http://schemas.openxmlformats.org/drawingml/2006/main" xmlns:r="http://schemas.openxmlformats.org/officeDocument/2006/relationships" xmlns:mc="http://schemas.openxmlformats.org/markup-compatibility/2006" xmlns:mv="urn:schemas-microsoft-com:mac:vml" xmlns:p="http://schemas.openxmlformats.org/presentationml/2006/main" xmlns:c="http://schemas.openxmlformats.org/drawingml/2006/chart" xmlns:dgm="http://schemas.openxmlformats.org/drawingml/2006/diagram" xmlns:o="urn:schemas-microsoft-com:office:office" xmlns:v="urn:schemas-microsoft-com:vml" xmlns:pvml="urn:schemas-microsoft-com:office:powerpoint" xmlns:com="http://schemas.openxmlformats.org/drawingml/2006/compatibility" xmlns:p14="http://schemas.microsoft.com/office/powerpoint/2010/main" xmlns:p15="http://schemas.microsoft.com/office/powerpoint/2012/main" xmlns:ahyp="http://schemas.microsoft.com/office/drawing/2018/hyperlinkcolor">
+  <p:cSld>
+    <p:spTree>
+      <p:nvGrpSpPr>
+        <p:cNvPr id="201" name="Shape 201"/>
+        <p:cNvGrpSpPr/>
+        <p:nvPr/>
+      </p:nvGrpSpPr>
+      <p:grpSpPr>
+        <a:xfrm>
+          <a:off x="0" y="0"/>
+          <a:ext cx="0" cy="0"/>
+          <a:chOff x="0" y="0"/>
+          <a:chExt cx="0" cy="0"/>
+        </a:xfrm>
+      </p:grpSpPr>
+      <p:sp>
+        <p:nvSpPr>
+          <p:cNvPr id="202" name="Google Shape;202;p35"/>
+          <p:cNvSpPr txBox="1"/>
+          <p:nvPr>
+            <p:ph type="title"/>
+          </p:nvPr>
+        </p:nvSpPr>
+        <p:spPr>
+          <a:xfrm>
+            <a:off x="311700" y="391350"/>
+            <a:ext cx="8520600" cy="626100"/>
+          </a:xfrm>
+          <a:prstGeom prst="rect">
+            <a:avLst/>
+          </a:prstGeom>
+        </p:spPr>
+        <p:txBody>
+          <a:bodyPr anchorCtr="0" anchor="t" bIns="91425" lIns="91425" spcFirstLastPara="1" rIns="91425" wrap="square" tIns="91425">
+            <a:normAutofit fontScale="90000"/>
+          </a:bodyPr>
+          <a:lstStyle/>
+          <a:p>
+            <a:pPr indent="0" lvl="0" marL="0" rtl="0" algn="l">
+              <a:spcBef>
+                <a:spcPts val="0"/>
+              </a:spcBef>
+              <a:spcAft>
+                <a:spcPts val="0"/>
+              </a:spcAft>
+              <a:buNone/>
+            </a:pPr>
+            <a:r>
+              <a:rPr lang="en"/>
+              <a:t>Diabetes</a:t>
+            </a:r>
+            <a:r>
+              <a:rPr lang="en"/>
+              <a:t> - Evaluations</a:t>
+            </a:r>
+            <a:endParaRPr/>
+          </a:p>
+        </p:txBody>
+      </p:sp>
+      <p:sp>
+        <p:nvSpPr>
+          <p:cNvPr id="203" name="Google Shape;203;p35"/>
+          <p:cNvSpPr txBox="1"/>
+          <p:nvPr>
+            <p:ph idx="1" type="body"/>
+          </p:nvPr>
+        </p:nvSpPr>
+        <p:spPr>
+          <a:xfrm>
+            <a:off x="311700" y="1228675"/>
+            <a:ext cx="2827800" cy="3340200"/>
+          </a:xfrm>
+          <a:prstGeom prst="rect">
+            <a:avLst/>
+          </a:prstGeom>
+        </p:spPr>
+        <p:txBody>
+          <a:bodyPr anchorCtr="0" anchor="t" bIns="91425" lIns="91425" spcFirstLastPara="1" rIns="91425" wrap="square" tIns="91425">
+            <a:normAutofit/>
+          </a:bodyPr>
+          <a:lstStyle/>
+          <a:p>
+            <a:pPr indent="0" lvl="0" marL="0" rtl="0" algn="l">
+              <a:spcBef>
+                <a:spcPts val="0"/>
+              </a:spcBef>
+              <a:spcAft>
+                <a:spcPts val="0"/>
+              </a:spcAft>
+              <a:buNone/>
+            </a:pPr>
+            <a:r>
+              <a:rPr lang="en"/>
+              <a:t>Outcome - 0, 1.</a:t>
+            </a:r>
+            <a:endParaRPr/>
+          </a:p>
+          <a:p>
+            <a:pPr indent="0" lvl="0" marL="0" rtl="0" algn="l">
+              <a:spcBef>
+                <a:spcPts val="1200"/>
+              </a:spcBef>
+              <a:spcAft>
+                <a:spcPts val="0"/>
+              </a:spcAft>
+              <a:buNone/>
+            </a:pPr>
+            <a:r>
+              <a:rPr lang="en"/>
+              <a:t>The datapoint randomly pulled from the set had Outcome: 0.0</a:t>
+            </a:r>
+            <a:endParaRPr/>
+          </a:p>
+          <a:p>
+            <a:pPr indent="0" lvl="0" marL="0" rtl="0" algn="l">
+              <a:spcBef>
+                <a:spcPts val="1200"/>
+              </a:spcBef>
+              <a:spcAft>
+                <a:spcPts val="0"/>
+              </a:spcAft>
+              <a:buNone/>
+            </a:pPr>
+            <a:r>
+              <a:rPr lang="en"/>
+              <a:t>The model has classified the point as Outcome: 0.0</a:t>
+            </a:r>
+            <a:endParaRPr/>
+          </a:p>
+          <a:p>
+            <a:pPr indent="0" lvl="0" marL="0" rtl="0" algn="l">
+              <a:spcBef>
+                <a:spcPts val="1200"/>
+              </a:spcBef>
+              <a:spcAft>
+                <a:spcPts val="1200"/>
+              </a:spcAft>
+              <a:buNone/>
+            </a:pPr>
+            <a:r>
+              <a:t/>
+            </a:r>
+            <a:endParaRPr/>
+          </a:p>
+        </p:txBody>
+      </p:sp>
+      <p:pic>
+        <p:nvPicPr>
+          <p:cNvPr id="204" name="Google Shape;204;p35"/>
+          <p:cNvPicPr preferRelativeResize="0"/>
+          <p:nvPr/>
+        </p:nvPicPr>
+        <p:blipFill>
+          <a:blip r:embed="rId3">
+            <a:alphaModFix/>
+          </a:blip>
+          <a:stretch>
+            <a:fillRect/>
+          </a:stretch>
+        </p:blipFill>
+        <p:spPr>
+          <a:xfrm>
+            <a:off x="3353225" y="1228675"/>
+            <a:ext cx="5811826" cy="3545225"/>
+          </a:xfrm>
+          <a:prstGeom prst="rect">
+            <a:avLst/>
+          </a:prstGeom>
+          <a:noFill/>
+          <a:ln>
+            <a:noFill/>
+          </a:ln>
+        </p:spPr>
+      </p:pic>
+    </p:spTree>
+  </p:cSld>
+  <p:clrMapOvr>
+    <a:masterClrMapping/>
+  </p:clrMapOvr>
+</p:sld>
+</file>
+
+<file path=ppt/slides/slide24.xml><?xml version="1.0" encoding="utf-8"?>
+<p:sld xmlns:a="http://schemas.openxmlformats.org/drawingml/2006/main" xmlns:r="http://schemas.openxmlformats.org/officeDocument/2006/relationships" xmlns:mc="http://schemas.openxmlformats.org/markup-compatibility/2006" xmlns:mv="urn:schemas-microsoft-com:mac:vml" xmlns:p="http://schemas.openxmlformats.org/presentationml/2006/main" xmlns:c="http://schemas.openxmlformats.org/drawingml/2006/chart" xmlns:dgm="http://schemas.openxmlformats.org/drawingml/2006/diagram" xmlns:o="urn:schemas-microsoft-com:office:office" xmlns:v="urn:schemas-microsoft-com:vml" xmlns:pvml="urn:schemas-microsoft-com:office:powerpoint" xmlns:com="http://schemas.openxmlformats.org/drawingml/2006/compatibility" xmlns:p14="http://schemas.microsoft.com/office/powerpoint/2010/main" xmlns:p15="http://schemas.microsoft.com/office/powerpoint/2012/main" xmlns:ahyp="http://schemas.microsoft.com/office/drawing/2018/hyperlinkcolor">
+  <p:cSld>
+    <p:spTree>
+      <p:nvGrpSpPr>
+        <p:cNvPr id="208" name="Shape 208"/>
+        <p:cNvGrpSpPr/>
+        <p:nvPr/>
+      </p:nvGrpSpPr>
+      <p:grpSpPr>
+        <a:xfrm>
+          <a:off x="0" y="0"/>
+          <a:ext cx="0" cy="0"/>
+          <a:chOff x="0" y="0"/>
+          <a:chExt cx="0" cy="0"/>
+        </a:xfrm>
+      </p:grpSpPr>
+      <p:sp>
+        <p:nvSpPr>
+          <p:cNvPr id="209" name="Google Shape;209;p36"/>
+          <p:cNvSpPr txBox="1"/>
+          <p:nvPr>
+            <p:ph type="title"/>
+          </p:nvPr>
+        </p:nvSpPr>
+        <p:spPr>
+          <a:xfrm>
+            <a:off x="311700" y="391350"/>
+            <a:ext cx="8520600" cy="626100"/>
+          </a:xfrm>
+          <a:prstGeom prst="rect">
+            <a:avLst/>
+          </a:prstGeom>
+        </p:spPr>
+        <p:txBody>
+          <a:bodyPr anchorCtr="0" anchor="t" bIns="91425" lIns="91425" spcFirstLastPara="1" rIns="91425" wrap="square" tIns="91425">
+            <a:normAutofit fontScale="90000"/>
+          </a:bodyPr>
+          <a:lstStyle/>
+          <a:p>
+            <a:pPr indent="0" lvl="0" marL="0" rtl="0" algn="l">
+              <a:spcBef>
+                <a:spcPts val="0"/>
+              </a:spcBef>
+              <a:spcAft>
+                <a:spcPts val="0"/>
+              </a:spcAft>
+              <a:buNone/>
+            </a:pPr>
+            <a:r>
+              <a:rPr lang="en"/>
+              <a:t>Any Questions?</a:t>
+            </a:r>
+            <a:endParaRPr/>
+          </a:p>
+        </p:txBody>
+      </p:sp>
+    </p:spTree>
+  </p:cSld>
+  <p:clrMapOvr>
+    <a:masterClrMapping/>
+  </p:clrMapOvr>
+</p:sld>
+</file>
+
+<file path=ppt/slides/slide25.xml><?xml version="1.0" encoding="utf-8"?>
+<p:sld xmlns:a="http://schemas.openxmlformats.org/drawingml/2006/main" xmlns:r="http://schemas.openxmlformats.org/officeDocument/2006/relationships" xmlns:mc="http://schemas.openxmlformats.org/markup-compatibility/2006" xmlns:mv="urn:schemas-microsoft-com:mac:vml" xmlns:p="http://schemas.openxmlformats.org/presentationml/2006/main" xmlns:c="http://schemas.openxmlformats.org/drawingml/2006/chart" xmlns:dgm="http://schemas.openxmlformats.org/drawingml/2006/diagram" xmlns:o="urn:schemas-microsoft-com:office:office" xmlns:v="urn:schemas-microsoft-com:vml" xmlns:pvml="urn:schemas-microsoft-com:office:powerpoint" xmlns:com="http://schemas.openxmlformats.org/drawingml/2006/compatibility" xmlns:p14="http://schemas.microsoft.com/office/powerpoint/2010/main" xmlns:p15="http://schemas.microsoft.com/office/powerpoint/2012/main" xmlns:ahyp="http://schemas.microsoft.com/office/drawing/2018/hyperlinkcolor">
+  <p:cSld>
+    <p:spTree>
+      <p:nvGrpSpPr>
+        <p:cNvPr id="213" name="Shape 213"/>
+        <p:cNvGrpSpPr/>
+        <p:nvPr/>
+      </p:nvGrpSpPr>
+      <p:grpSpPr>
+        <a:xfrm>
+          <a:off x="0" y="0"/>
+          <a:ext cx="0" cy="0"/>
+          <a:chOff x="0" y="0"/>
+          <a:chExt cx="0" cy="0"/>
+        </a:xfrm>
+      </p:grpSpPr>
+      <p:sp>
+        <p:nvSpPr>
+          <p:cNvPr id="214" name="Google Shape;214;p37"/>
+          <p:cNvSpPr txBox="1"/>
+          <p:nvPr>
+            <p:ph type="title"/>
+          </p:nvPr>
+        </p:nvSpPr>
+        <p:spPr>
+          <a:xfrm>
+            <a:off x="509550" y="1423875"/>
+            <a:ext cx="8124900" cy="1798200"/>
+          </a:xfrm>
+          <a:prstGeom prst="rect">
+            <a:avLst/>
+          </a:prstGeom>
+        </p:spPr>
+        <p:txBody>
+          <a:bodyPr anchorCtr="0" anchor="ctr" bIns="91425" lIns="91425" spcFirstLastPara="1" rIns="91425" wrap="square" tIns="91425">
+            <a:normAutofit/>
+          </a:bodyPr>
+          <a:lstStyle/>
+          <a:p>
+            <a:pPr indent="0" lvl="0" marL="0" rtl="0" algn="ctr">
+              <a:spcBef>
+                <a:spcPts val="0"/>
+              </a:spcBef>
+              <a:spcAft>
+                <a:spcPts val="0"/>
+              </a:spcAft>
+              <a:buNone/>
+            </a:pPr>
+            <a:r>
+              <a:rPr lang="en"/>
+              <a:t>Thank you for attending!</a:t>
+            </a:r>
+            <a:endParaRPr/>
+          </a:p>
+        </p:txBody>
+      </p:sp>
     </p:spTree>
   </p:cSld>
   <p:clrMapOvr>
@@ -10126,6 +11594,71 @@
         </p:nvSpPr>
         <p:spPr>
           <a:xfrm>
+            <a:off x="311700" y="1835925"/>
+            <a:ext cx="8520600" cy="1610100"/>
+          </a:xfrm>
+          <a:prstGeom prst="rect">
+            <a:avLst/>
+          </a:prstGeom>
+        </p:spPr>
+        <p:txBody>
+          <a:bodyPr anchorCtr="0" anchor="b" bIns="91425" lIns="91425" spcFirstLastPara="1" rIns="91425" wrap="square" tIns="91425">
+            <a:normAutofit fontScale="90000"/>
+          </a:bodyPr>
+          <a:lstStyle/>
+          <a:p>
+            <a:pPr indent="0" lvl="0" marL="0" rtl="0" algn="ctr">
+              <a:spcBef>
+                <a:spcPts val="0"/>
+              </a:spcBef>
+              <a:spcAft>
+                <a:spcPts val="0"/>
+              </a:spcAft>
+              <a:buNone/>
+            </a:pPr>
+            <a:r>
+              <a:rPr lang="en"/>
+              <a:t>Algorithm Design</a:t>
+            </a:r>
+            <a:endParaRPr/>
+          </a:p>
+        </p:txBody>
+      </p:sp>
+    </p:spTree>
+  </p:cSld>
+  <p:clrMapOvr>
+    <a:masterClrMapping/>
+  </p:clrMapOvr>
+</p:sld>
+</file>
+
+<file path=ppt/slides/slide4.xml><?xml version="1.0" encoding="utf-8"?>
+<p:sld xmlns:a="http://schemas.openxmlformats.org/drawingml/2006/main" xmlns:r="http://schemas.openxmlformats.org/officeDocument/2006/relationships" xmlns:mc="http://schemas.openxmlformats.org/markup-compatibility/2006" xmlns:mv="urn:schemas-microsoft-com:mac:vml" xmlns:p="http://schemas.openxmlformats.org/presentationml/2006/main" xmlns:c="http://schemas.openxmlformats.org/drawingml/2006/chart" xmlns:dgm="http://schemas.openxmlformats.org/drawingml/2006/diagram" xmlns:o="urn:schemas-microsoft-com:office:office" xmlns:v="urn:schemas-microsoft-com:vml" xmlns:pvml="urn:schemas-microsoft-com:office:powerpoint" xmlns:com="http://schemas.openxmlformats.org/drawingml/2006/compatibility" xmlns:p14="http://schemas.microsoft.com/office/powerpoint/2010/main" xmlns:p15="http://schemas.microsoft.com/office/powerpoint/2012/main" xmlns:ahyp="http://schemas.microsoft.com/office/drawing/2018/hyperlinkcolor">
+  <p:cSld>
+    <p:spTree>
+      <p:nvGrpSpPr>
+        <p:cNvPr id="76" name="Shape 76"/>
+        <p:cNvGrpSpPr/>
+        <p:nvPr/>
+      </p:nvGrpSpPr>
+      <p:grpSpPr>
+        <a:xfrm>
+          <a:off x="0" y="0"/>
+          <a:ext cx="0" cy="0"/>
+          <a:chOff x="0" y="0"/>
+          <a:chExt cx="0" cy="0"/>
+        </a:xfrm>
+      </p:grpSpPr>
+      <p:sp>
+        <p:nvSpPr>
+          <p:cNvPr id="77" name="Google Shape;77;p16"/>
+          <p:cNvSpPr txBox="1"/>
+          <p:nvPr>
+            <p:ph type="title"/>
+          </p:nvPr>
+        </p:nvSpPr>
+        <p:spPr>
+          <a:xfrm>
             <a:off x="311700" y="391350"/>
             <a:ext cx="8520600" cy="626100"/>
           </a:xfrm>
@@ -10200,7 +11733,7 @@
       </p:sp>
       <p:sp>
         <p:nvSpPr>
-          <p:cNvPr id="73" name="Google Shape;73;p15"/>
+          <p:cNvPr id="78" name="Google Shape;78;p16"/>
           <p:cNvSpPr txBox="1"/>
           <p:nvPr>
             <p:ph idx="1" type="body"/>
@@ -10304,7 +11837,7 @@
       </p:sp>
       <p:pic>
         <p:nvPicPr>
-          <p:cNvPr id="74" name="Google Shape;74;p15"/>
+          <p:cNvPr id="79" name="Google Shape;79;p16"/>
           <p:cNvPicPr preferRelativeResize="0"/>
           <p:nvPr/>
         </p:nvPicPr>
@@ -10338,12 +11871,12 @@
 </p:sld>
 </file>
 
-<file path=ppt/slides/slide4.xml><?xml version="1.0" encoding="utf-8"?>
+<file path=ppt/slides/slide5.xml><?xml version="1.0" encoding="utf-8"?>
 <p:sld xmlns:a="http://schemas.openxmlformats.org/drawingml/2006/main" xmlns:r="http://schemas.openxmlformats.org/officeDocument/2006/relationships" xmlns:mc="http://schemas.openxmlformats.org/markup-compatibility/2006" xmlns:mv="urn:schemas-microsoft-com:mac:vml" xmlns:p="http://schemas.openxmlformats.org/presentationml/2006/main" xmlns:c="http://schemas.openxmlformats.org/drawingml/2006/chart" xmlns:dgm="http://schemas.openxmlformats.org/drawingml/2006/diagram" xmlns:o="urn:schemas-microsoft-com:office:office" xmlns:v="urn:schemas-microsoft-com:vml" xmlns:pvml="urn:schemas-microsoft-com:office:powerpoint" xmlns:com="http://schemas.openxmlformats.org/drawingml/2006/compatibility" xmlns:p14="http://schemas.microsoft.com/office/powerpoint/2010/main" xmlns:p15="http://schemas.microsoft.com/office/powerpoint/2012/main" xmlns:ahyp="http://schemas.microsoft.com/office/drawing/2018/hyperlinkcolor">
   <p:cSld>
     <p:spTree>
       <p:nvGrpSpPr>
-        <p:cNvPr id="78" name="Shape 78"/>
+        <p:cNvPr id="83" name="Shape 83"/>
         <p:cNvGrpSpPr/>
         <p:nvPr/>
       </p:nvGrpSpPr>
@@ -10357,7 +11890,7 @@
       </p:grpSpPr>
       <p:sp>
         <p:nvSpPr>
-          <p:cNvPr id="79" name="Google Shape;79;p16"/>
+          <p:cNvPr id="84" name="Google Shape;84;p17"/>
           <p:cNvSpPr txBox="1"/>
           <p:nvPr>
             <p:ph type="title"/>
@@ -10412,7 +11945,7 @@
       </p:sp>
       <p:sp>
         <p:nvSpPr>
-          <p:cNvPr id="80" name="Google Shape;80;p16"/>
+          <p:cNvPr id="85" name="Google Shape;85;p17"/>
           <p:cNvSpPr txBox="1"/>
           <p:nvPr>
             <p:ph idx="1" type="body"/>
@@ -10615,7 +12148,7 @@
       </p:sp>
       <p:pic>
         <p:nvPicPr>
-          <p:cNvPr id="81" name="Google Shape;81;p16"/>
+          <p:cNvPr id="86" name="Google Shape;86;p17"/>
           <p:cNvPicPr preferRelativeResize="0"/>
           <p:nvPr/>
         </p:nvPicPr>
@@ -10649,12 +12182,12 @@
 </p:sld>
 </file>
 
-<file path=ppt/slides/slide5.xml><?xml version="1.0" encoding="utf-8"?>
+<file path=ppt/slides/slide6.xml><?xml version="1.0" encoding="utf-8"?>
 <p:sld xmlns:a="http://schemas.openxmlformats.org/drawingml/2006/main" xmlns:r="http://schemas.openxmlformats.org/officeDocument/2006/relationships" xmlns:mc="http://schemas.openxmlformats.org/markup-compatibility/2006" xmlns:mv="urn:schemas-microsoft-com:mac:vml" xmlns:p="http://schemas.openxmlformats.org/presentationml/2006/main" xmlns:c="http://schemas.openxmlformats.org/drawingml/2006/chart" xmlns:dgm="http://schemas.openxmlformats.org/drawingml/2006/diagram" xmlns:o="urn:schemas-microsoft-com:office:office" xmlns:v="urn:schemas-microsoft-com:vml" xmlns:pvml="urn:schemas-microsoft-com:office:powerpoint" xmlns:com="http://schemas.openxmlformats.org/drawingml/2006/compatibility" xmlns:p14="http://schemas.microsoft.com/office/powerpoint/2010/main" xmlns:p15="http://schemas.microsoft.com/office/powerpoint/2012/main" xmlns:ahyp="http://schemas.microsoft.com/office/drawing/2018/hyperlinkcolor">
   <p:cSld>
     <p:spTree>
       <p:nvGrpSpPr>
-        <p:cNvPr id="85" name="Shape 85"/>
+        <p:cNvPr id="90" name="Shape 90"/>
         <p:cNvGrpSpPr/>
         <p:nvPr/>
       </p:nvGrpSpPr>
@@ -10668,7 +12201,7 @@
       </p:grpSpPr>
       <p:sp>
         <p:nvSpPr>
-          <p:cNvPr id="86" name="Google Shape;86;p17"/>
+          <p:cNvPr id="91" name="Google Shape;91;p18"/>
           <p:cNvSpPr txBox="1"/>
           <p:nvPr>
             <p:ph type="title"/>
@@ -10750,7 +12283,7 @@
       </p:sp>
       <p:sp>
         <p:nvSpPr>
-          <p:cNvPr id="87" name="Google Shape;87;p17"/>
+          <p:cNvPr id="92" name="Google Shape;92;p18"/>
           <p:cNvSpPr txBox="1"/>
           <p:nvPr>
             <p:ph idx="1" type="body"/>
@@ -10881,7 +12414,7 @@
       </p:sp>
       <p:pic>
         <p:nvPicPr>
-          <p:cNvPr id="88" name="Google Shape;88;p17"/>
+          <p:cNvPr id="93" name="Google Shape;93;p18"/>
           <p:cNvPicPr preferRelativeResize="0"/>
           <p:nvPr/>
         </p:nvPicPr>
@@ -10907,71 +12440,6 @@
           </a:ln>
         </p:spPr>
       </p:pic>
-    </p:spTree>
-  </p:cSld>
-  <p:clrMapOvr>
-    <a:masterClrMapping/>
-  </p:clrMapOvr>
-</p:sld>
-</file>
-
-<file path=ppt/slides/slide6.xml><?xml version="1.0" encoding="utf-8"?>
-<p:sld xmlns:a="http://schemas.openxmlformats.org/drawingml/2006/main" xmlns:r="http://schemas.openxmlformats.org/officeDocument/2006/relationships" xmlns:mc="http://schemas.openxmlformats.org/markup-compatibility/2006" xmlns:mv="urn:schemas-microsoft-com:mac:vml" xmlns:p="http://schemas.openxmlformats.org/presentationml/2006/main" xmlns:c="http://schemas.openxmlformats.org/drawingml/2006/chart" xmlns:dgm="http://schemas.openxmlformats.org/drawingml/2006/diagram" xmlns:o="urn:schemas-microsoft-com:office:office" xmlns:v="urn:schemas-microsoft-com:vml" xmlns:pvml="urn:schemas-microsoft-com:office:powerpoint" xmlns:com="http://schemas.openxmlformats.org/drawingml/2006/compatibility" xmlns:p14="http://schemas.microsoft.com/office/powerpoint/2010/main" xmlns:p15="http://schemas.microsoft.com/office/powerpoint/2012/main" xmlns:ahyp="http://schemas.microsoft.com/office/drawing/2018/hyperlinkcolor">
-  <p:cSld>
-    <p:spTree>
-      <p:nvGrpSpPr>
-        <p:cNvPr id="92" name="Shape 92"/>
-        <p:cNvGrpSpPr/>
-        <p:nvPr/>
-      </p:nvGrpSpPr>
-      <p:grpSpPr>
-        <a:xfrm>
-          <a:off x="0" y="0"/>
-          <a:ext cx="0" cy="0"/>
-          <a:chOff x="0" y="0"/>
-          <a:chExt cx="0" cy="0"/>
-        </a:xfrm>
-      </p:grpSpPr>
-      <p:sp>
-        <p:nvSpPr>
-          <p:cNvPr id="93" name="Google Shape;93;p18"/>
-          <p:cNvSpPr txBox="1"/>
-          <p:nvPr>
-            <p:ph type="title"/>
-          </p:nvPr>
-        </p:nvSpPr>
-        <p:spPr>
-          <a:xfrm>
-            <a:off x="311700" y="1233100"/>
-            <a:ext cx="8520600" cy="1610100"/>
-          </a:xfrm>
-          <a:prstGeom prst="rect">
-            <a:avLst/>
-          </a:prstGeom>
-        </p:spPr>
-        <p:txBody>
-          <a:bodyPr anchorCtr="0" anchor="b" bIns="91425" lIns="91425" spcFirstLastPara="1" rIns="91425" wrap="square" tIns="91425">
-            <a:normAutofit fontScale="90000"/>
-          </a:bodyPr>
-          <a:lstStyle/>
-          <a:p>
-            <a:pPr indent="0" lvl="0" marL="0" rtl="0" algn="ctr">
-              <a:spcBef>
-                <a:spcPts val="0"/>
-              </a:spcBef>
-              <a:spcAft>
-                <a:spcPts val="0"/>
-              </a:spcAft>
-              <a:buNone/>
-            </a:pPr>
-            <a:r>
-              <a:rPr lang="en"/>
-              <a:t>Issues</a:t>
-            </a:r>
-            <a:endParaRPr/>
-          </a:p>
-        </p:txBody>
-      </p:sp>
     </p:spTree>
   </p:cSld>
   <p:clrMapOvr>
@@ -11007,6 +12475,71 @@
         </p:nvSpPr>
         <p:spPr>
           <a:xfrm>
+            <a:off x="311700" y="1233100"/>
+            <a:ext cx="8520600" cy="1610100"/>
+          </a:xfrm>
+          <a:prstGeom prst="rect">
+            <a:avLst/>
+          </a:prstGeom>
+        </p:spPr>
+        <p:txBody>
+          <a:bodyPr anchorCtr="0" anchor="b" bIns="91425" lIns="91425" spcFirstLastPara="1" rIns="91425" wrap="square" tIns="91425">
+            <a:normAutofit fontScale="90000"/>
+          </a:bodyPr>
+          <a:lstStyle/>
+          <a:p>
+            <a:pPr indent="0" lvl="0" marL="0" rtl="0" algn="ctr">
+              <a:spcBef>
+                <a:spcPts val="0"/>
+              </a:spcBef>
+              <a:spcAft>
+                <a:spcPts val="0"/>
+              </a:spcAft>
+              <a:buNone/>
+            </a:pPr>
+            <a:r>
+              <a:rPr lang="en"/>
+              <a:t>Issues</a:t>
+            </a:r>
+            <a:endParaRPr/>
+          </a:p>
+        </p:txBody>
+      </p:sp>
+    </p:spTree>
+  </p:cSld>
+  <p:clrMapOvr>
+    <a:masterClrMapping/>
+  </p:clrMapOvr>
+</p:sld>
+</file>
+
+<file path=ppt/slides/slide8.xml><?xml version="1.0" encoding="utf-8"?>
+<p:sld xmlns:a="http://schemas.openxmlformats.org/drawingml/2006/main" xmlns:r="http://schemas.openxmlformats.org/officeDocument/2006/relationships" xmlns:mc="http://schemas.openxmlformats.org/markup-compatibility/2006" xmlns:mv="urn:schemas-microsoft-com:mac:vml" xmlns:p="http://schemas.openxmlformats.org/presentationml/2006/main" xmlns:c="http://schemas.openxmlformats.org/drawingml/2006/chart" xmlns:dgm="http://schemas.openxmlformats.org/drawingml/2006/diagram" xmlns:o="urn:schemas-microsoft-com:office:office" xmlns:v="urn:schemas-microsoft-com:vml" xmlns:pvml="urn:schemas-microsoft-com:office:powerpoint" xmlns:com="http://schemas.openxmlformats.org/drawingml/2006/compatibility" xmlns:p14="http://schemas.microsoft.com/office/powerpoint/2010/main" xmlns:p15="http://schemas.microsoft.com/office/powerpoint/2012/main" xmlns:ahyp="http://schemas.microsoft.com/office/drawing/2018/hyperlinkcolor">
+  <p:cSld>
+    <p:spTree>
+      <p:nvGrpSpPr>
+        <p:cNvPr id="102" name="Shape 102"/>
+        <p:cNvGrpSpPr/>
+        <p:nvPr/>
+      </p:nvGrpSpPr>
+      <p:grpSpPr>
+        <a:xfrm>
+          <a:off x="0" y="0"/>
+          <a:ext cx="0" cy="0"/>
+          <a:chOff x="0" y="0"/>
+          <a:chExt cx="0" cy="0"/>
+        </a:xfrm>
+      </p:grpSpPr>
+      <p:sp>
+        <p:nvSpPr>
+          <p:cNvPr id="103" name="Google Shape;103;p20"/>
+          <p:cNvSpPr txBox="1"/>
+          <p:nvPr>
+            <p:ph type="title"/>
+          </p:nvPr>
+        </p:nvSpPr>
+        <p:spPr>
+          <a:xfrm>
             <a:off x="311700" y="391350"/>
             <a:ext cx="8520600" cy="626100"/>
           </a:xfrm>
@@ -11047,7 +12580,7 @@
       </p:sp>
       <p:sp>
         <p:nvSpPr>
-          <p:cNvPr id="99" name="Google Shape;99;p19"/>
+          <p:cNvPr id="104" name="Google Shape;104;p20"/>
           <p:cNvSpPr txBox="1"/>
           <p:nvPr>
             <p:ph idx="1" type="body"/>
@@ -11135,71 +12668,6 @@
             </a:pPr>
             <a:r>
               <a:t/>
-            </a:r>
-            <a:endParaRPr/>
-          </a:p>
-        </p:txBody>
-      </p:sp>
-    </p:spTree>
-  </p:cSld>
-  <p:clrMapOvr>
-    <a:masterClrMapping/>
-  </p:clrMapOvr>
-</p:sld>
-</file>
-
-<file path=ppt/slides/slide8.xml><?xml version="1.0" encoding="utf-8"?>
-<p:sld xmlns:a="http://schemas.openxmlformats.org/drawingml/2006/main" xmlns:r="http://schemas.openxmlformats.org/officeDocument/2006/relationships" xmlns:mc="http://schemas.openxmlformats.org/markup-compatibility/2006" xmlns:mv="urn:schemas-microsoft-com:mac:vml" xmlns:p="http://schemas.openxmlformats.org/presentationml/2006/main" xmlns:c="http://schemas.openxmlformats.org/drawingml/2006/chart" xmlns:dgm="http://schemas.openxmlformats.org/drawingml/2006/diagram" xmlns:o="urn:schemas-microsoft-com:office:office" xmlns:v="urn:schemas-microsoft-com:vml" xmlns:pvml="urn:schemas-microsoft-com:office:powerpoint" xmlns:com="http://schemas.openxmlformats.org/drawingml/2006/compatibility" xmlns:p14="http://schemas.microsoft.com/office/powerpoint/2010/main" xmlns:p15="http://schemas.microsoft.com/office/powerpoint/2012/main" xmlns:ahyp="http://schemas.microsoft.com/office/drawing/2018/hyperlinkcolor">
-  <p:cSld>
-    <p:spTree>
-      <p:nvGrpSpPr>
-        <p:cNvPr id="103" name="Shape 103"/>
-        <p:cNvGrpSpPr/>
-        <p:nvPr/>
-      </p:nvGrpSpPr>
-      <p:grpSpPr>
-        <a:xfrm>
-          <a:off x="0" y="0"/>
-          <a:ext cx="0" cy="0"/>
-          <a:chOff x="0" y="0"/>
-          <a:chExt cx="0" cy="0"/>
-        </a:xfrm>
-      </p:grpSpPr>
-      <p:sp>
-        <p:nvSpPr>
-          <p:cNvPr id="104" name="Google Shape;104;p20"/>
-          <p:cNvSpPr txBox="1"/>
-          <p:nvPr>
-            <p:ph type="title"/>
-          </p:nvPr>
-        </p:nvSpPr>
-        <p:spPr>
-          <a:xfrm>
-            <a:off x="311700" y="1233100"/>
-            <a:ext cx="8520600" cy="1610100"/>
-          </a:xfrm>
-          <a:prstGeom prst="rect">
-            <a:avLst/>
-          </a:prstGeom>
-        </p:spPr>
-        <p:txBody>
-          <a:bodyPr anchorCtr="0" anchor="b" bIns="91425" lIns="91425" spcFirstLastPara="1" rIns="91425" wrap="square" tIns="91425">
-            <a:normAutofit fontScale="90000"/>
-          </a:bodyPr>
-          <a:lstStyle/>
-          <a:p>
-            <a:pPr indent="0" lvl="0" marL="0" rtl="0" algn="ctr">
-              <a:spcBef>
-                <a:spcPts val="0"/>
-              </a:spcBef>
-              <a:spcAft>
-                <a:spcPts val="0"/>
-              </a:spcAft>
-              <a:buNone/>
-            </a:pPr>
-            <a:r>
-              <a:rPr lang="en"/>
-              <a:t>The Data</a:t>
             </a:r>
             <a:endParaRPr/>
           </a:p>
@@ -11240,20 +12708,20 @@
         </p:nvSpPr>
         <p:spPr>
           <a:xfrm>
-            <a:off x="311700" y="391350"/>
-            <a:ext cx="8520600" cy="626100"/>
+            <a:off x="311700" y="1233100"/>
+            <a:ext cx="8520600" cy="1610100"/>
           </a:xfrm>
           <a:prstGeom prst="rect">
             <a:avLst/>
           </a:prstGeom>
         </p:spPr>
         <p:txBody>
-          <a:bodyPr anchorCtr="0" anchor="t" bIns="91425" lIns="91425" spcFirstLastPara="1" rIns="91425" wrap="square" tIns="91425">
+          <a:bodyPr anchorCtr="0" anchor="b" bIns="91425" lIns="91425" spcFirstLastPara="1" rIns="91425" wrap="square" tIns="91425">
             <a:normAutofit fontScale="90000"/>
           </a:bodyPr>
           <a:lstStyle/>
           <a:p>
-            <a:pPr indent="0" lvl="0" marL="0" rtl="0" algn="l">
+            <a:pPr indent="0" lvl="0" marL="0" rtl="0" algn="ctr">
               <a:spcBef>
                 <a:spcPts val="0"/>
               </a:spcBef>
@@ -11264,120 +12732,12 @@
             </a:pPr>
             <a:r>
               <a:rPr lang="en"/>
-              <a:t>Iris</a:t>
+              <a:t>The Data</a:t>
             </a:r>
             <a:endParaRPr/>
           </a:p>
         </p:txBody>
       </p:sp>
-      <p:sp>
-        <p:nvSpPr>
-          <p:cNvPr id="110" name="Google Shape;110;p21"/>
-          <p:cNvSpPr txBox="1"/>
-          <p:nvPr>
-            <p:ph idx="1" type="body"/>
-          </p:nvPr>
-        </p:nvSpPr>
-        <p:spPr>
-          <a:xfrm>
-            <a:off x="311700" y="1152475"/>
-            <a:ext cx="8520600" cy="3416400"/>
-          </a:xfrm>
-          <a:prstGeom prst="rect">
-            <a:avLst/>
-          </a:prstGeom>
-        </p:spPr>
-        <p:txBody>
-          <a:bodyPr anchorCtr="0" anchor="t" bIns="91425" lIns="91425" spcFirstLastPara="1" rIns="91425" wrap="square" tIns="91425">
-            <a:normAutofit/>
-          </a:bodyPr>
-          <a:lstStyle/>
-          <a:p>
-            <a:pPr indent="-342900" lvl="0" marL="457200" rtl="0" algn="l">
-              <a:spcBef>
-                <a:spcPts val="0"/>
-              </a:spcBef>
-              <a:spcAft>
-                <a:spcPts val="0"/>
-              </a:spcAft>
-              <a:buClr>
-                <a:schemeClr val="accent1"/>
-              </a:buClr>
-              <a:buSzPts val="1800"/>
-              <a:buChar char="●"/>
-            </a:pPr>
-            <a:r>
-              <a:rPr lang="en">
-                <a:solidFill>
-                  <a:schemeClr val="accent1"/>
-                </a:solidFill>
-              </a:rPr>
-              <a:t>Widely accessible dataset, mainly used for testing algorithms. </a:t>
-            </a:r>
-            <a:endParaRPr>
-              <a:solidFill>
-                <a:schemeClr val="accent1"/>
-              </a:solidFill>
-            </a:endParaRPr>
-          </a:p>
-          <a:p>
-            <a:pPr indent="-342900" lvl="0" marL="457200" rtl="0" algn="l">
-              <a:spcBef>
-                <a:spcPts val="0"/>
-              </a:spcBef>
-              <a:spcAft>
-                <a:spcPts val="0"/>
-              </a:spcAft>
-              <a:buClr>
-                <a:schemeClr val="accent1"/>
-              </a:buClr>
-              <a:buSzPts val="1800"/>
-              <a:buChar char="●"/>
-            </a:pPr>
-            <a:r>
-              <a:rPr lang="en">
-                <a:solidFill>
-                  <a:schemeClr val="accent1"/>
-                </a:solidFill>
-              </a:rPr>
-              <a:t>Multiple constraints with one dependent variable.</a:t>
-            </a:r>
-            <a:endParaRPr>
-              <a:solidFill>
-                <a:schemeClr val="accent1"/>
-              </a:solidFill>
-            </a:endParaRPr>
-          </a:p>
-        </p:txBody>
-      </p:sp>
-      <p:pic>
-        <p:nvPicPr>
-          <p:cNvPr id="111" name="Google Shape;111;p21"/>
-          <p:cNvPicPr preferRelativeResize="0"/>
-          <p:nvPr/>
-        </p:nvPicPr>
-        <p:blipFill>
-          <a:blip r:embed="rId3">
-            <a:alphaModFix/>
-          </a:blip>
-          <a:stretch>
-            <a:fillRect/>
-          </a:stretch>
-        </p:blipFill>
-        <p:spPr>
-          <a:xfrm>
-            <a:off x="277875" y="1801875"/>
-            <a:ext cx="8588250" cy="3069526"/>
-          </a:xfrm>
-          <a:prstGeom prst="rect">
-            <a:avLst/>
-          </a:prstGeom>
-          <a:noFill/>
-          <a:ln>
-            <a:noFill/>
-          </a:ln>
-        </p:spPr>
-      </p:pic>
     </p:spTree>
   </p:cSld>
   <p:clrMapOvr>
@@ -11387,6 +12747,285 @@
 </file>
 
 <file path=ppt/theme/theme1.xml><?xml version="1.0" encoding="utf-8"?>
+<a:theme xmlns:a="http://schemas.openxmlformats.org/drawingml/2006/main" xmlns:r="http://schemas.openxmlformats.org/officeDocument/2006/relationships">
+  <a:themeElements>
+    <a:clrScheme name="Default">
+      <a:dk1>
+        <a:srgbClr val="000000"/>
+      </a:dk1>
+      <a:lt1>
+        <a:srgbClr val="FFFFFF"/>
+      </a:lt1>
+      <a:dk2>
+        <a:srgbClr val="158158"/>
+      </a:dk2>
+      <a:lt2>
+        <a:srgbClr val="F3F3F3"/>
+      </a:lt2>
+      <a:accent1>
+        <a:srgbClr val="058DC7"/>
+      </a:accent1>
+      <a:accent2>
+        <a:srgbClr val="50B432"/>
+      </a:accent2>
+      <a:accent3>
+        <a:srgbClr val="ED561B"/>
+      </a:accent3>
+      <a:accent4>
+        <a:srgbClr val="EDEF00"/>
+      </a:accent4>
+      <a:accent5>
+        <a:srgbClr val="24CBE5"/>
+      </a:accent5>
+      <a:accent6>
+        <a:srgbClr val="64E572"/>
+      </a:accent6>
+      <a:hlink>
+        <a:srgbClr val="2200CC"/>
+      </a:hlink>
+      <a:folHlink>
+        <a:srgbClr val="551A8B"/>
+      </a:folHlink>
+    </a:clrScheme>
+    <a:fontScheme name="Office">
+      <a:majorFont>
+        <a:latin typeface="Arial"/>
+        <a:ea typeface=""/>
+        <a:cs typeface=""/>
+        <a:font script="Jpan" typeface="ＭＳ Ｐゴシック"/>
+        <a:font script="Hang" typeface="맑은 고딕"/>
+        <a:font script="Hans" typeface="宋体"/>
+        <a:font script="Hant" typeface="新細明體"/>
+        <a:font script="Arab" typeface="Times New Roman"/>
+        <a:font script="Hebr" typeface="Times New Roman"/>
+        <a:font script="Thai" typeface="Angsana New"/>
+        <a:font script="Ethi" typeface="Nyala"/>
+        <a:font script="Beng" typeface="Vrinda"/>
+        <a:font script="Gujr" typeface="Shruti"/>
+        <a:font script="Khmr" typeface="MoolBoran"/>
+        <a:font script="Knda" typeface="Tunga"/>
+        <a:font script="Guru" typeface="Raavi"/>
+        <a:font script="Cans" typeface="Euphemia"/>
+        <a:font script="Cher" typeface="Plantagenet Cherokee"/>
+        <a:font script="Yiii" typeface="Microsoft Yi Baiti"/>
+        <a:font script="Tibt" typeface="Microsoft Himalaya"/>
+        <a:font script="Thaa" typeface="MV Boli"/>
+        <a:font script="Deva" typeface="Mangal"/>
+        <a:font script="Telu" typeface="Gautami"/>
+        <a:font script="Taml" typeface="Latha"/>
+        <a:font script="Syrc" typeface="Estrangelo Edessa"/>
+        <a:font script="Orya" typeface="Kalinga"/>
+        <a:font script="Mlym" typeface="Kartika"/>
+        <a:font script="Laoo" typeface="DokChampa"/>
+        <a:font script="Sinh" typeface="Iskoola Pota"/>
+        <a:font script="Mong" typeface="Mongolian Baiti"/>
+        <a:font script="Viet" typeface="Times New Roman"/>
+        <a:font script="Uigh" typeface="Microsoft Uighur"/>
+        <a:font script="Geor" typeface="Sylfaen"/>
+      </a:majorFont>
+      <a:minorFont>
+        <a:latin typeface="Arial"/>
+        <a:ea typeface=""/>
+        <a:cs typeface=""/>
+        <a:font script="Jpan" typeface="ＭＳ Ｐゴシック"/>
+        <a:font script="Hang" typeface="맑은 고딕"/>
+        <a:font script="Hans" typeface="宋体"/>
+        <a:font script="Hant" typeface="新細明體"/>
+        <a:font script="Arab" typeface="Arial"/>
+        <a:font script="Hebr" typeface="Arial"/>
+        <a:font script="Thai" typeface="Cordia New"/>
+        <a:font script="Ethi" typeface="Nyala"/>
+        <a:font script="Beng" typeface="Vrinda"/>
+        <a:font script="Gujr" typeface="Shruti"/>
+        <a:font script="Khmr" typeface="DaunPenh"/>
+        <a:font script="Knda" typeface="Tunga"/>
+        <a:font script="Guru" typeface="Raavi"/>
+        <a:font script="Cans" typeface="Euphemia"/>
+        <a:font script="Cher" typeface="Plantagenet Cherokee"/>
+        <a:font script="Yiii" typeface="Microsoft Yi Baiti"/>
+        <a:font script="Tibt" typeface="Microsoft Himalaya"/>
+        <a:font script="Thaa" typeface="MV Boli"/>
+        <a:font script="Deva" typeface="Mangal"/>
+        <a:font script="Telu" typeface="Gautami"/>
+        <a:font script="Taml" typeface="Latha"/>
+        <a:font script="Syrc" typeface="Estrangelo Edessa"/>
+        <a:font script="Orya" typeface="Kalinga"/>
+        <a:font script="Mlym" typeface="Kartika"/>
+        <a:font script="Laoo" typeface="DokChampa"/>
+        <a:font script="Sinh" typeface="Iskoola Pota"/>
+        <a:font script="Mong" typeface="Mongolian Baiti"/>
+        <a:font script="Viet" typeface="Arial"/>
+        <a:font script="Uigh" typeface="Microsoft Uighur"/>
+        <a:font script="Geor" typeface="Sylfaen"/>
+      </a:minorFont>
+    </a:fontScheme>
+    <a:fmtScheme name="Office">
+      <a:fillStyleLst>
+        <a:solidFill>
+          <a:schemeClr val="phClr"/>
+        </a:solidFill>
+        <a:gradFill rotWithShape="1">
+          <a:gsLst>
+            <a:gs pos="0">
+              <a:schemeClr val="phClr">
+                <a:tint val="50000"/>
+                <a:satMod val="300000"/>
+              </a:schemeClr>
+            </a:gs>
+            <a:gs pos="35000">
+              <a:schemeClr val="phClr">
+                <a:tint val="37000"/>
+                <a:satMod val="300000"/>
+              </a:schemeClr>
+            </a:gs>
+            <a:gs pos="100000">
+              <a:schemeClr val="phClr">
+                <a:tint val="15000"/>
+                <a:satMod val="350000"/>
+              </a:schemeClr>
+            </a:gs>
+          </a:gsLst>
+          <a:lin ang="16200000" scaled="1"/>
+        </a:gradFill>
+        <a:gradFill rotWithShape="1">
+          <a:gsLst>
+            <a:gs pos="0">
+              <a:schemeClr val="phClr">
+                <a:tint val="100000"/>
+                <a:shade val="100000"/>
+                <a:satMod val="130000"/>
+              </a:schemeClr>
+            </a:gs>
+            <a:gs pos="100000">
+              <a:schemeClr val="phClr">
+                <a:tint val="50000"/>
+                <a:shade val="100000"/>
+                <a:satMod val="350000"/>
+              </a:schemeClr>
+            </a:gs>
+          </a:gsLst>
+          <a:lin ang="16200000" scaled="0"/>
+        </a:gradFill>
+      </a:fillStyleLst>
+      <a:lnStyleLst>
+        <a:ln w="9525" cap="flat" cmpd="sng" algn="ctr">
+          <a:solidFill>
+            <a:schemeClr val="phClr">
+              <a:shade val="95000"/>
+              <a:satMod val="105000"/>
+            </a:schemeClr>
+          </a:solidFill>
+          <a:prstDash val="solid"/>
+        </a:ln>
+        <a:ln w="25400" cap="flat" cmpd="sng" algn="ctr">
+          <a:solidFill>
+            <a:schemeClr val="phClr"/>
+          </a:solidFill>
+          <a:prstDash val="solid"/>
+        </a:ln>
+        <a:ln w="38100" cap="flat" cmpd="sng" algn="ctr">
+          <a:solidFill>
+            <a:schemeClr val="phClr"/>
+          </a:solidFill>
+          <a:prstDash val="solid"/>
+        </a:ln>
+      </a:lnStyleLst>
+      <a:effectStyleLst>
+        <a:effectStyle>
+          <a:effectLst>
+            <a:outerShdw blurRad="40000" dist="20000" dir="5400000" rotWithShape="0">
+              <a:srgbClr val="000000">
+                <a:alpha val="38000"/>
+              </a:srgbClr>
+            </a:outerShdw>
+          </a:effectLst>
+        </a:effectStyle>
+        <a:effectStyle>
+          <a:effectLst>
+            <a:outerShdw blurRad="40000" dist="23000" dir="5400000" rotWithShape="0">
+              <a:srgbClr val="000000">
+                <a:alpha val="35000"/>
+              </a:srgbClr>
+            </a:outerShdw>
+          </a:effectLst>
+        </a:effectStyle>
+        <a:effectStyle>
+          <a:effectLst>
+            <a:outerShdw blurRad="40000" dist="23000" dir="5400000" rotWithShape="0">
+              <a:srgbClr val="000000">
+                <a:alpha val="35000"/>
+              </a:srgbClr>
+            </a:outerShdw>
+          </a:effectLst>
+          <a:scene3d>
+            <a:camera prst="orthographicFront">
+              <a:rot lat="0" lon="0" rev="0"/>
+            </a:camera>
+            <a:lightRig rig="threePt" dir="t">
+              <a:rot lat="0" lon="0" rev="1200000"/>
+            </a:lightRig>
+          </a:scene3d>
+          <a:sp3d>
+            <a:bevelT w="63500" h="25400"/>
+          </a:sp3d>
+        </a:effectStyle>
+      </a:effectStyleLst>
+      <a:bgFillStyleLst>
+        <a:solidFill>
+          <a:schemeClr val="phClr"/>
+        </a:solidFill>
+        <a:gradFill rotWithShape="1">
+          <a:gsLst>
+            <a:gs pos="0">
+              <a:schemeClr val="phClr">
+                <a:tint val="40000"/>
+                <a:satMod val="350000"/>
+              </a:schemeClr>
+            </a:gs>
+            <a:gs pos="40000">
+              <a:schemeClr val="phClr">
+                <a:tint val="45000"/>
+                <a:shade val="99000"/>
+                <a:satMod val="350000"/>
+              </a:schemeClr>
+            </a:gs>
+            <a:gs pos="100000">
+              <a:schemeClr val="phClr">
+                <a:shade val="20000"/>
+                <a:satMod val="255000"/>
+              </a:schemeClr>
+            </a:gs>
+          </a:gsLst>
+          <a:path path="circle">
+            <a:fillToRect l="50000" t="-80000" r="50000" b="180000"/>
+          </a:path>
+        </a:gradFill>
+        <a:gradFill rotWithShape="1">
+          <a:gsLst>
+            <a:gs pos="0">
+              <a:schemeClr val="phClr">
+                <a:tint val="80000"/>
+                <a:satMod val="300000"/>
+              </a:schemeClr>
+            </a:gs>
+            <a:gs pos="100000">
+              <a:schemeClr val="phClr">
+                <a:shade val="30000"/>
+                <a:satMod val="200000"/>
+              </a:schemeClr>
+            </a:gs>
+          </a:gsLst>
+          <a:path path="circle">
+            <a:fillToRect l="50000" t="50000" r="50000" b="50000"/>
+          </a:path>
+        </a:gradFill>
+      </a:bgFillStyleLst>
+    </a:fmtScheme>
+  </a:themeElements>
+</a:theme>
+</file>
+
+<file path=ppt/theme/theme2.xml><?xml version="1.0" encoding="utf-8"?>
 <a:theme xmlns:a="http://schemas.openxmlformats.org/drawingml/2006/main" xmlns:r="http://schemas.openxmlformats.org/officeDocument/2006/relationships" name="Coral">
   <a:themeElements>
     <a:clrScheme name="Coral">
@@ -11663,283 +13302,4 @@
     </a:fmtScheme>
   </a:themeElements>
 </a:theme>
-</file>
-
-<file path=ppt/theme/theme2.xml><?xml version="1.0" encoding="utf-8"?>
-<a:theme xmlns:a="http://schemas.openxmlformats.org/drawingml/2006/main" xmlns:r="http://schemas.openxmlformats.org/officeDocument/2006/relationships">
-  <a:themeElements>
-    <a:clrScheme name="Default">
-      <a:dk1>
-        <a:srgbClr val="000000"/>
-      </a:dk1>
-      <a:lt1>
-        <a:srgbClr val="FFFFFF"/>
-      </a:lt1>
-      <a:dk2>
-        <a:srgbClr val="158158"/>
-      </a:dk2>
-      <a:lt2>
-        <a:srgbClr val="F3F3F3"/>
-      </a:lt2>
-      <a:accent1>
-        <a:srgbClr val="058DC7"/>
-      </a:accent1>
-      <a:accent2>
-        <a:srgbClr val="50B432"/>
-      </a:accent2>
-      <a:accent3>
-        <a:srgbClr val="ED561B"/>
-      </a:accent3>
-      <a:accent4>
-        <a:srgbClr val="EDEF00"/>
-      </a:accent4>
-      <a:accent5>
-        <a:srgbClr val="24CBE5"/>
-      </a:accent5>
-      <a:accent6>
-        <a:srgbClr val="64E572"/>
-      </a:accent6>
-      <a:hlink>
-        <a:srgbClr val="2200CC"/>
-      </a:hlink>
-      <a:folHlink>
-        <a:srgbClr val="551A8B"/>
-      </a:folHlink>
-    </a:clrScheme>
-    <a:fontScheme name="Office">
-      <a:majorFont>
-        <a:latin typeface="Arial"/>
-        <a:ea typeface=""/>
-        <a:cs typeface=""/>
-        <a:font script="Jpan" typeface="ＭＳ Ｐゴシック"/>
-        <a:font script="Hang" typeface="맑은 고딕"/>
-        <a:font script="Hans" typeface="宋体"/>
-        <a:font script="Hant" typeface="新細明體"/>
-        <a:font script="Arab" typeface="Times New Roman"/>
-        <a:font script="Hebr" typeface="Times New Roman"/>
-        <a:font script="Thai" typeface="Angsana New"/>
-        <a:font script="Ethi" typeface="Nyala"/>
-        <a:font script="Beng" typeface="Vrinda"/>
-        <a:font script="Gujr" typeface="Shruti"/>
-        <a:font script="Khmr" typeface="MoolBoran"/>
-        <a:font script="Knda" typeface="Tunga"/>
-        <a:font script="Guru" typeface="Raavi"/>
-        <a:font script="Cans" typeface="Euphemia"/>
-        <a:font script="Cher" typeface="Plantagenet Cherokee"/>
-        <a:font script="Yiii" typeface="Microsoft Yi Baiti"/>
-        <a:font script="Tibt" typeface="Microsoft Himalaya"/>
-        <a:font script="Thaa" typeface="MV Boli"/>
-        <a:font script="Deva" typeface="Mangal"/>
-        <a:font script="Telu" typeface="Gautami"/>
-        <a:font script="Taml" typeface="Latha"/>
-        <a:font script="Syrc" typeface="Estrangelo Edessa"/>
-        <a:font script="Orya" typeface="Kalinga"/>
-        <a:font script="Mlym" typeface="Kartika"/>
-        <a:font script="Laoo" typeface="DokChampa"/>
-        <a:font script="Sinh" typeface="Iskoola Pota"/>
-        <a:font script="Mong" typeface="Mongolian Baiti"/>
-        <a:font script="Viet" typeface="Times New Roman"/>
-        <a:font script="Uigh" typeface="Microsoft Uighur"/>
-        <a:font script="Geor" typeface="Sylfaen"/>
-      </a:majorFont>
-      <a:minorFont>
-        <a:latin typeface="Arial"/>
-        <a:ea typeface=""/>
-        <a:cs typeface=""/>
-        <a:font script="Jpan" typeface="ＭＳ Ｐゴシック"/>
-        <a:font script="Hang" typeface="맑은 고딕"/>
-        <a:font script="Hans" typeface="宋体"/>
-        <a:font script="Hant" typeface="新細明體"/>
-        <a:font script="Arab" typeface="Arial"/>
-        <a:font script="Hebr" typeface="Arial"/>
-        <a:font script="Thai" typeface="Cordia New"/>
-        <a:font script="Ethi" typeface="Nyala"/>
-        <a:font script="Beng" typeface="Vrinda"/>
-        <a:font script="Gujr" typeface="Shruti"/>
-        <a:font script="Khmr" typeface="DaunPenh"/>
-        <a:font script="Knda" typeface="Tunga"/>
-        <a:font script="Guru" typeface="Raavi"/>
-        <a:font script="Cans" typeface="Euphemia"/>
-        <a:font script="Cher" typeface="Plantagenet Cherokee"/>
-        <a:font script="Yiii" typeface="Microsoft Yi Baiti"/>
-        <a:font script="Tibt" typeface="Microsoft Himalaya"/>
-        <a:font script="Thaa" typeface="MV Boli"/>
-        <a:font script="Deva" typeface="Mangal"/>
-        <a:font script="Telu" typeface="Gautami"/>
-        <a:font script="Taml" typeface="Latha"/>
-        <a:font script="Syrc" typeface="Estrangelo Edessa"/>
-        <a:font script="Orya" typeface="Kalinga"/>
-        <a:font script="Mlym" typeface="Kartika"/>
-        <a:font script="Laoo" typeface="DokChampa"/>
-        <a:font script="Sinh" typeface="Iskoola Pota"/>
-        <a:font script="Mong" typeface="Mongolian Baiti"/>
-        <a:font script="Viet" typeface="Arial"/>
-        <a:font script="Uigh" typeface="Microsoft Uighur"/>
-        <a:font script="Geor" typeface="Sylfaen"/>
-      </a:minorFont>
-    </a:fontScheme>
-    <a:fmtScheme name="Office">
-      <a:fillStyleLst>
-        <a:solidFill>
-          <a:schemeClr val="phClr"/>
-        </a:solidFill>
-        <a:gradFill rotWithShape="1">
-          <a:gsLst>
-            <a:gs pos="0">
-              <a:schemeClr val="phClr">
-                <a:tint val="50000"/>
-                <a:satMod val="300000"/>
-              </a:schemeClr>
-            </a:gs>
-            <a:gs pos="35000">
-              <a:schemeClr val="phClr">
-                <a:tint val="37000"/>
-                <a:satMod val="300000"/>
-              </a:schemeClr>
-            </a:gs>
-            <a:gs pos="100000">
-              <a:schemeClr val="phClr">
-                <a:tint val="15000"/>
-                <a:satMod val="350000"/>
-              </a:schemeClr>
-            </a:gs>
-          </a:gsLst>
-          <a:lin ang="16200000" scaled="1"/>
-        </a:gradFill>
-        <a:gradFill rotWithShape="1">
-          <a:gsLst>
-            <a:gs pos="0">
-              <a:schemeClr val="phClr">
-                <a:tint val="100000"/>
-                <a:shade val="100000"/>
-                <a:satMod val="130000"/>
-              </a:schemeClr>
-            </a:gs>
-            <a:gs pos="100000">
-              <a:schemeClr val="phClr">
-                <a:tint val="50000"/>
-                <a:shade val="100000"/>
-                <a:satMod val="350000"/>
-              </a:schemeClr>
-            </a:gs>
-          </a:gsLst>
-          <a:lin ang="16200000" scaled="0"/>
-        </a:gradFill>
-      </a:fillStyleLst>
-      <a:lnStyleLst>
-        <a:ln w="9525" cap="flat" cmpd="sng" algn="ctr">
-          <a:solidFill>
-            <a:schemeClr val="phClr">
-              <a:shade val="95000"/>
-              <a:satMod val="105000"/>
-            </a:schemeClr>
-          </a:solidFill>
-          <a:prstDash val="solid"/>
-        </a:ln>
-        <a:ln w="25400" cap="flat" cmpd="sng" algn="ctr">
-          <a:solidFill>
-            <a:schemeClr val="phClr"/>
-          </a:solidFill>
-          <a:prstDash val="solid"/>
-        </a:ln>
-        <a:ln w="38100" cap="flat" cmpd="sng" algn="ctr">
-          <a:solidFill>
-            <a:schemeClr val="phClr"/>
-          </a:solidFill>
-          <a:prstDash val="solid"/>
-        </a:ln>
-      </a:lnStyleLst>
-      <a:effectStyleLst>
-        <a:effectStyle>
-          <a:effectLst>
-            <a:outerShdw blurRad="40000" dist="20000" dir="5400000" rotWithShape="0">
-              <a:srgbClr val="000000">
-                <a:alpha val="38000"/>
-              </a:srgbClr>
-            </a:outerShdw>
-          </a:effectLst>
-        </a:effectStyle>
-        <a:effectStyle>
-          <a:effectLst>
-            <a:outerShdw blurRad="40000" dist="23000" dir="5400000" rotWithShape="0">
-              <a:srgbClr val="000000">
-                <a:alpha val="35000"/>
-              </a:srgbClr>
-            </a:outerShdw>
-          </a:effectLst>
-        </a:effectStyle>
-        <a:effectStyle>
-          <a:effectLst>
-            <a:outerShdw blurRad="40000" dist="23000" dir="5400000" rotWithShape="0">
-              <a:srgbClr val="000000">
-                <a:alpha val="35000"/>
-              </a:srgbClr>
-            </a:outerShdw>
-          </a:effectLst>
-          <a:scene3d>
-            <a:camera prst="orthographicFront">
-              <a:rot lat="0" lon="0" rev="0"/>
-            </a:camera>
-            <a:lightRig rig="threePt" dir="t">
-              <a:rot lat="0" lon="0" rev="1200000"/>
-            </a:lightRig>
-          </a:scene3d>
-          <a:sp3d>
-            <a:bevelT w="63500" h="25400"/>
-          </a:sp3d>
-        </a:effectStyle>
-      </a:effectStyleLst>
-      <a:bgFillStyleLst>
-        <a:solidFill>
-          <a:schemeClr val="phClr"/>
-        </a:solidFill>
-        <a:gradFill rotWithShape="1">
-          <a:gsLst>
-            <a:gs pos="0">
-              <a:schemeClr val="phClr">
-                <a:tint val="40000"/>
-                <a:satMod val="350000"/>
-              </a:schemeClr>
-            </a:gs>
-            <a:gs pos="40000">
-              <a:schemeClr val="phClr">
-                <a:tint val="45000"/>
-                <a:shade val="99000"/>
-                <a:satMod val="350000"/>
-              </a:schemeClr>
-            </a:gs>
-            <a:gs pos="100000">
-              <a:schemeClr val="phClr">
-                <a:shade val="20000"/>
-                <a:satMod val="255000"/>
-              </a:schemeClr>
-            </a:gs>
-          </a:gsLst>
-          <a:path path="circle">
-            <a:fillToRect l="50000" t="-80000" r="50000" b="180000"/>
-          </a:path>
-        </a:gradFill>
-        <a:gradFill rotWithShape="1">
-          <a:gsLst>
-            <a:gs pos="0">
-              <a:schemeClr val="phClr">
-                <a:tint val="80000"/>
-                <a:satMod val="300000"/>
-              </a:schemeClr>
-            </a:gs>
-            <a:gs pos="100000">
-              <a:schemeClr val="phClr">
-                <a:shade val="30000"/>
-                <a:satMod val="200000"/>
-              </a:schemeClr>
-            </a:gs>
-          </a:gsLst>
-          <a:path path="circle">
-            <a:fillToRect l="50000" t="50000" r="50000" b="50000"/>
-          </a:path>
-        </a:gradFill>
-      </a:bgFillStyleLst>
-    </a:fmtScheme>
-  </a:themeElements>
-</a:theme>
 </file>